--- a/Final presentation bachelor thesis Jiri Brummer - dynamics of balanced network.pptx
+++ b/Final presentation bachelor thesis Jiri Brummer - dynamics of balanced network.pptx
@@ -5,7 +5,7 @@
     <p:sldMasterId id="2147483660" r:id="rId1"/>
   </p:sldMasterIdLst>
   <p:notesMasterIdLst>
-    <p:notesMasterId r:id="rId31"/>
+    <p:notesMasterId r:id="rId33"/>
   </p:notesMasterIdLst>
   <p:sldIdLst>
     <p:sldId id="256" r:id="rId2"/>
@@ -16,27 +16,29 @@
     <p:sldId id="265" r:id="rId7"/>
     <p:sldId id="266" r:id="rId8"/>
     <p:sldId id="267" r:id="rId9"/>
-    <p:sldId id="268" r:id="rId10"/>
-    <p:sldId id="269" r:id="rId11"/>
-    <p:sldId id="270" r:id="rId12"/>
-    <p:sldId id="271" r:id="rId13"/>
-    <p:sldId id="272" r:id="rId14"/>
-    <p:sldId id="273" r:id="rId15"/>
-    <p:sldId id="275" r:id="rId16"/>
-    <p:sldId id="274" r:id="rId17"/>
-    <p:sldId id="276" r:id="rId18"/>
-    <p:sldId id="277" r:id="rId19"/>
-    <p:sldId id="278" r:id="rId20"/>
-    <p:sldId id="279" r:id="rId21"/>
-    <p:sldId id="280" r:id="rId22"/>
-    <p:sldId id="281" r:id="rId23"/>
-    <p:sldId id="282" r:id="rId24"/>
-    <p:sldId id="283" r:id="rId25"/>
-    <p:sldId id="284" r:id="rId26"/>
-    <p:sldId id="285" r:id="rId27"/>
-    <p:sldId id="286" r:id="rId28"/>
-    <p:sldId id="287" r:id="rId29"/>
-    <p:sldId id="288" r:id="rId30"/>
+    <p:sldId id="269" r:id="rId10"/>
+    <p:sldId id="270" r:id="rId11"/>
+    <p:sldId id="271" r:id="rId12"/>
+    <p:sldId id="272" r:id="rId13"/>
+    <p:sldId id="273" r:id="rId14"/>
+    <p:sldId id="275" r:id="rId15"/>
+    <p:sldId id="274" r:id="rId16"/>
+    <p:sldId id="276" r:id="rId17"/>
+    <p:sldId id="277" r:id="rId18"/>
+    <p:sldId id="278" r:id="rId19"/>
+    <p:sldId id="279" r:id="rId20"/>
+    <p:sldId id="280" r:id="rId21"/>
+    <p:sldId id="281" r:id="rId22"/>
+    <p:sldId id="282" r:id="rId23"/>
+    <p:sldId id="283" r:id="rId24"/>
+    <p:sldId id="284" r:id="rId25"/>
+    <p:sldId id="285" r:id="rId26"/>
+    <p:sldId id="286" r:id="rId27"/>
+    <p:sldId id="287" r:id="rId28"/>
+    <p:sldId id="292" r:id="rId29"/>
+    <p:sldId id="293" r:id="rId30"/>
+    <p:sldId id="289" r:id="rId31"/>
+    <p:sldId id="290" r:id="rId32"/>
   </p:sldIdLst>
   <p:sldSz cx="9144000" cy="6858000" type="screen4x3"/>
   <p:notesSz cx="6858000" cy="9144000"/>
@@ -220,7 +222,8 @@
           <a:p>
             <a:fld id="{6F65B35A-9FED-4D9A-98FF-161054BACE8F}" type="datetimeFigureOut">
               <a:rPr lang="nl-NL" smtClean="0"/>
-              <a:t>18-6-2015</a:t>
+              <a:pPr/>
+              <a:t>23-6-2015</a:t>
             </a:fld>
             <a:endParaRPr lang="nl-NL"/>
           </a:p>
@@ -381,6 +384,7 @@
           <a:p>
             <a:fld id="{7D077806-2948-4571-A820-43A6990CBEFE}" type="slidenum">
               <a:rPr lang="nl-NL" smtClean="0"/>
+              <a:pPr/>
               <a:t>‹nr.›</a:t>
             </a:fld>
             <a:endParaRPr lang="nl-NL"/>
@@ -640,6 +644,7 @@
           <a:p>
             <a:fld id="{7D077806-2948-4571-A820-43A6990CBEFE}" type="slidenum">
               <a:rPr lang="nl-NL" smtClean="0"/>
+              <a:pPr/>
               <a:t>4</a:t>
             </a:fld>
             <a:endParaRPr lang="nl-NL"/>
@@ -721,7 +726,90 @@
           <a:p>
             <a:fld id="{7D077806-2948-4571-A820-43A6990CBEFE}" type="slidenum">
               <a:rPr lang="nl-NL" smtClean="0"/>
+              <a:pPr/>
               <a:t>7</a:t>
+            </a:fld>
+            <a:endParaRPr lang="nl-NL"/>
+          </a:p>
+        </p:txBody>
+      </p:sp>
+    </p:spTree>
+  </p:cSld>
+  <p:clrMapOvr>
+    <a:masterClrMapping/>
+  </p:clrMapOvr>
+</p:notes>
+</file>
+
+<file path=ppt/notesSlides/notesSlide3.xml><?xml version="1.0" encoding="utf-8"?>
+<p:notes xmlns:a="http://schemas.openxmlformats.org/drawingml/2006/main" xmlns:r="http://schemas.openxmlformats.org/officeDocument/2006/relationships" xmlns:p="http://schemas.openxmlformats.org/presentationml/2006/main">
+  <p:cSld>
+    <p:spTree>
+      <p:nvGrpSpPr>
+        <p:cNvPr id="1" name=""/>
+        <p:cNvGrpSpPr/>
+        <p:nvPr/>
+      </p:nvGrpSpPr>
+      <p:grpSpPr>
+        <a:xfrm>
+          <a:off x="0" y="0"/>
+          <a:ext cx="0" cy="0"/>
+          <a:chOff x="0" y="0"/>
+          <a:chExt cx="0" cy="0"/>
+        </a:xfrm>
+      </p:grpSpPr>
+      <p:sp>
+        <p:nvSpPr>
+          <p:cNvPr id="2" name="Tijdelijke aanduiding voor dia-afbeelding 1"/>
+          <p:cNvSpPr>
+            <a:spLocks noGrp="1" noRot="1" noChangeAspect="1"/>
+          </p:cNvSpPr>
+          <p:nvPr>
+            <p:ph type="sldImg"/>
+          </p:nvPr>
+        </p:nvSpPr>
+        <p:spPr/>
+      </p:sp>
+      <p:sp>
+        <p:nvSpPr>
+          <p:cNvPr id="3" name="Tijdelijke aanduiding voor notities 2"/>
+          <p:cNvSpPr>
+            <a:spLocks noGrp="1"/>
+          </p:cNvSpPr>
+          <p:nvPr>
+            <p:ph type="body" idx="1"/>
+          </p:nvPr>
+        </p:nvSpPr>
+        <p:spPr/>
+        <p:txBody>
+          <a:bodyPr>
+            <a:normAutofit/>
+          </a:bodyPr>
+          <a:lstStyle/>
+          <a:p>
+            <a:endParaRPr lang="nl-NL" dirty="0"/>
+          </a:p>
+        </p:txBody>
+      </p:sp>
+      <p:sp>
+        <p:nvSpPr>
+          <p:cNvPr id="4" name="Tijdelijke aanduiding voor dianummer 3"/>
+          <p:cNvSpPr>
+            <a:spLocks noGrp="1"/>
+          </p:cNvSpPr>
+          <p:nvPr>
+            <p:ph type="sldNum" sz="quarter" idx="10"/>
+          </p:nvPr>
+        </p:nvSpPr>
+        <p:spPr/>
+        <p:txBody>
+          <a:bodyPr/>
+          <a:lstStyle/>
+          <a:p>
+            <a:fld id="{7D077806-2948-4571-A820-43A6990CBEFE}" type="slidenum">
+              <a:rPr lang="nl-NL" smtClean="0"/>
+              <a:pPr/>
+              <a:t>30</a:t>
             </a:fld>
             <a:endParaRPr lang="nl-NL"/>
           </a:p>
@@ -929,7 +1017,8 @@
           <a:p>
             <a:fld id="{B7ADDA06-6B0E-42B0-A7F8-DB9B168B469E}" type="datetimeFigureOut">
               <a:rPr lang="nl-NL" smtClean="0"/>
-              <a:t>17-6-2015</a:t>
+              <a:pPr/>
+              <a:t>23-6-2015</a:t>
             </a:fld>
             <a:endParaRPr lang="nl-NL"/>
           </a:p>
@@ -981,6 +1070,7 @@
           <a:p>
             <a:fld id="{8D224E70-1F3E-4E24-B586-017D4078AAFB}" type="slidenum">
               <a:rPr lang="nl-NL" smtClean="0"/>
+              <a:pPr/>
               <a:t>‹nr.›</a:t>
             </a:fld>
             <a:endParaRPr lang="nl-NL"/>
@@ -1282,7 +1372,8 @@
           <a:p>
             <a:fld id="{B7ADDA06-6B0E-42B0-A7F8-DB9B168B469E}" type="datetimeFigureOut">
               <a:rPr lang="nl-NL" smtClean="0"/>
-              <a:t>17-6-2015</a:t>
+              <a:pPr/>
+              <a:t>23-6-2015</a:t>
             </a:fld>
             <a:endParaRPr lang="nl-NL"/>
           </a:p>
@@ -1324,6 +1415,7 @@
           <a:p>
             <a:fld id="{8D224E70-1F3E-4E24-B586-017D4078AAFB}" type="slidenum">
               <a:rPr lang="nl-NL" smtClean="0"/>
+              <a:pPr/>
               <a:t>‹nr.›</a:t>
             </a:fld>
             <a:endParaRPr lang="nl-NL"/>
@@ -1457,7 +1549,8 @@
           <a:p>
             <a:fld id="{B7ADDA06-6B0E-42B0-A7F8-DB9B168B469E}" type="datetimeFigureOut">
               <a:rPr lang="nl-NL" smtClean="0"/>
-              <a:t>17-6-2015</a:t>
+              <a:pPr/>
+              <a:t>23-6-2015</a:t>
             </a:fld>
             <a:endParaRPr lang="nl-NL"/>
           </a:p>
@@ -1499,6 +1592,7 @@
           <a:p>
             <a:fld id="{8D224E70-1F3E-4E24-B586-017D4078AAFB}" type="slidenum">
               <a:rPr lang="nl-NL" smtClean="0"/>
+              <a:pPr/>
               <a:t>‹nr.›</a:t>
             </a:fld>
             <a:endParaRPr lang="nl-NL"/>
@@ -1570,7 +1664,8 @@
           <a:p>
             <a:fld id="{B7ADDA06-6B0E-42B0-A7F8-DB9B168B469E}" type="datetimeFigureOut">
               <a:rPr lang="nl-NL" smtClean="0"/>
-              <a:t>17-6-2015</a:t>
+              <a:pPr/>
+              <a:t>23-6-2015</a:t>
             </a:fld>
             <a:endParaRPr lang="nl-NL"/>
           </a:p>
@@ -1612,6 +1707,7 @@
           <a:p>
             <a:fld id="{8D224E70-1F3E-4E24-B586-017D4078AAFB}" type="slidenum">
               <a:rPr lang="nl-NL" smtClean="0"/>
+              <a:pPr/>
               <a:t>‹nr.›</a:t>
             </a:fld>
             <a:endParaRPr lang="nl-NL"/>
@@ -1928,7 +2024,8 @@
           <a:p>
             <a:fld id="{B7ADDA06-6B0E-42B0-A7F8-DB9B168B469E}" type="datetimeFigureOut">
               <a:rPr lang="nl-NL" smtClean="0"/>
-              <a:t>17-6-2015</a:t>
+              <a:pPr/>
+              <a:t>23-6-2015</a:t>
             </a:fld>
             <a:endParaRPr lang="nl-NL"/>
           </a:p>
@@ -2122,6 +2219,7 @@
           <a:p>
             <a:fld id="{8D224E70-1F3E-4E24-B586-017D4078AAFB}" type="slidenum">
               <a:rPr lang="nl-NL" smtClean="0"/>
+              <a:pPr/>
               <a:t>‹nr.›</a:t>
             </a:fld>
             <a:endParaRPr lang="nl-NL"/>
@@ -2193,7 +2291,8 @@
           <a:p>
             <a:fld id="{B7ADDA06-6B0E-42B0-A7F8-DB9B168B469E}" type="datetimeFigureOut">
               <a:rPr lang="nl-NL" smtClean="0"/>
-              <a:t>17-6-2015</a:t>
+              <a:pPr/>
+              <a:t>23-6-2015</a:t>
             </a:fld>
             <a:endParaRPr lang="nl-NL"/>
           </a:p>
@@ -2235,6 +2334,7 @@
           <a:p>
             <a:fld id="{8D224E70-1F3E-4E24-B586-017D4078AAFB}" type="slidenum">
               <a:rPr lang="nl-NL" smtClean="0"/>
+              <a:pPr/>
               <a:t>‹nr.›</a:t>
             </a:fld>
             <a:endParaRPr lang="nl-NL"/>
@@ -2555,7 +2655,8 @@
           <a:p>
             <a:fld id="{B7ADDA06-6B0E-42B0-A7F8-DB9B168B469E}" type="datetimeFigureOut">
               <a:rPr lang="nl-NL" smtClean="0"/>
-              <a:t>17-6-2015</a:t>
+              <a:pPr/>
+              <a:t>23-6-2015</a:t>
             </a:fld>
             <a:endParaRPr lang="nl-NL"/>
           </a:p>
@@ -2597,6 +2698,7 @@
           <a:p>
             <a:fld id="{8D224E70-1F3E-4E24-B586-017D4078AAFB}" type="slidenum">
               <a:rPr lang="nl-NL" smtClean="0"/>
+              <a:pPr/>
               <a:t>‹nr.›</a:t>
             </a:fld>
             <a:endParaRPr lang="nl-NL"/>
@@ -2782,7 +2884,8 @@
           <a:p>
             <a:fld id="{B7ADDA06-6B0E-42B0-A7F8-DB9B168B469E}" type="datetimeFigureOut">
               <a:rPr lang="nl-NL" smtClean="0"/>
-              <a:t>17-6-2015</a:t>
+              <a:pPr/>
+              <a:t>23-6-2015</a:t>
             </a:fld>
             <a:endParaRPr lang="nl-NL"/>
           </a:p>
@@ -2824,6 +2927,7 @@
           <a:p>
             <a:fld id="{8D224E70-1F3E-4E24-B586-017D4078AAFB}" type="slidenum">
               <a:rPr lang="nl-NL" smtClean="0"/>
+              <a:pPr/>
               <a:t>‹nr.›</a:t>
             </a:fld>
             <a:endParaRPr lang="nl-NL"/>
@@ -2872,7 +2976,8 @@
           <a:p>
             <a:fld id="{B7ADDA06-6B0E-42B0-A7F8-DB9B168B469E}" type="datetimeFigureOut">
               <a:rPr lang="nl-NL" smtClean="0"/>
-              <a:t>17-6-2015</a:t>
+              <a:pPr/>
+              <a:t>23-6-2015</a:t>
             </a:fld>
             <a:endParaRPr lang="nl-NL"/>
           </a:p>
@@ -2914,6 +3019,7 @@
           <a:p>
             <a:fld id="{8D224E70-1F3E-4E24-B586-017D4078AAFB}" type="slidenum">
               <a:rPr lang="nl-NL" smtClean="0"/>
+              <a:pPr/>
               <a:t>‹nr.›</a:t>
             </a:fld>
             <a:endParaRPr lang="nl-NL"/>
@@ -3139,7 +3245,8 @@
           <a:p>
             <a:fld id="{B7ADDA06-6B0E-42B0-A7F8-DB9B168B469E}" type="datetimeFigureOut">
               <a:rPr lang="nl-NL" smtClean="0"/>
-              <a:t>17-6-2015</a:t>
+              <a:pPr/>
+              <a:t>23-6-2015</a:t>
             </a:fld>
             <a:endParaRPr lang="nl-NL"/>
           </a:p>
@@ -3181,6 +3288,7 @@
           <a:p>
             <a:fld id="{8D224E70-1F3E-4E24-B586-017D4078AAFB}" type="slidenum">
               <a:rPr lang="nl-NL" smtClean="0"/>
+              <a:pPr/>
               <a:t>‹nr.›</a:t>
             </a:fld>
             <a:endParaRPr lang="nl-NL"/>
@@ -3367,7 +3475,8 @@
           <a:p>
             <a:fld id="{B7ADDA06-6B0E-42B0-A7F8-DB9B168B469E}" type="datetimeFigureOut">
               <a:rPr lang="nl-NL" smtClean="0"/>
-              <a:t>17-6-2015</a:t>
+              <a:pPr/>
+              <a:t>23-6-2015</a:t>
             </a:fld>
             <a:endParaRPr lang="nl-NL"/>
           </a:p>
@@ -3419,6 +3528,7 @@
           <a:p>
             <a:fld id="{8D224E70-1F3E-4E24-B586-017D4078AAFB}" type="slidenum">
               <a:rPr lang="nl-NL" smtClean="0"/>
+              <a:pPr/>
               <a:t>‹nr.›</a:t>
             </a:fld>
             <a:endParaRPr lang="nl-NL"/>
@@ -3866,7 +3976,8 @@
           <a:p>
             <a:fld id="{B7ADDA06-6B0E-42B0-A7F8-DB9B168B469E}" type="datetimeFigureOut">
               <a:rPr lang="nl-NL" smtClean="0"/>
-              <a:t>17-6-2015</a:t>
+              <a:pPr/>
+              <a:t>23-6-2015</a:t>
             </a:fld>
             <a:endParaRPr lang="nl-NL"/>
           </a:p>
@@ -3948,6 +4059,7 @@
           <a:p>
             <a:fld id="{8D224E70-1F3E-4E24-B586-017D4078AAFB}" type="slidenum">
               <a:rPr lang="nl-NL" smtClean="0"/>
+              <a:pPr/>
               <a:t>‹nr.›</a:t>
             </a:fld>
             <a:endParaRPr lang="nl-NL"/>
@@ -4341,7 +4453,7 @@
                   <a:schemeClr val="tx1"/>
                 </a:solidFill>
               </a:rPr>
-              <a:t>18-6-2015</a:t>
+              <a:t>26-6-2015</a:t>
             </a:r>
             <a:endParaRPr lang="en-US" sz="3200" dirty="0">
               <a:solidFill>
@@ -4369,10 +4481,14 @@
           <a:lstStyle/>
           <a:p>
             <a:r>
-              <a:rPr lang="en-US" sz="4800" dirty="0" smtClean="0"/>
-              <a:t>Dynamics of a sparsely connected balanced network</a:t>
-            </a:r>
-            <a:endParaRPr lang="en-US" sz="4800" dirty="0"/>
+              <a:rPr lang="en-US" sz="4500" dirty="0" smtClean="0"/>
+              <a:t>Dynamics of a </a:t>
+            </a:r>
+            <a:r>
+              <a:rPr lang="en-US" sz="4500" dirty="0" smtClean="0"/>
+              <a:t>biologically realistic neural network model</a:t>
+            </a:r>
+            <a:endParaRPr lang="en-US" sz="4500" dirty="0"/>
           </a:p>
         </p:txBody>
       </p:sp>
@@ -4425,7 +4541,11 @@
           <a:p>
             <a:r>
               <a:rPr lang="nl-NL" dirty="0" smtClean="0"/>
-              <a:t>More complex model</a:t>
+              <a:t>Research </a:t>
+            </a:r>
+            <a:r>
+              <a:rPr lang="nl-NL" dirty="0" err="1" smtClean="0"/>
+              <a:t>question</a:t>
             </a:r>
             <a:endParaRPr lang="nl-NL" dirty="0"/>
           </a:p>
@@ -4433,7 +4553,7 @@
       </p:sp>
       <p:sp>
         <p:nvSpPr>
-          <p:cNvPr id="8" name="Tijdelijke aanduiding voor inhoud 7"/>
+          <p:cNvPr id="3" name="Tijdelijke aanduiding voor inhoud 2"/>
           <p:cNvSpPr>
             <a:spLocks noGrp="1"/>
           </p:cNvSpPr>
@@ -4443,158 +4563,24 @@
         </p:nvSpPr>
         <p:spPr/>
         <p:txBody>
-          <a:bodyPr/>
+          <a:bodyPr>
+            <a:normAutofit/>
+          </a:bodyPr>
           <a:lstStyle/>
           <a:p>
             <a:r>
-              <a:rPr lang="nl-NL" dirty="0" err="1" smtClean="0"/>
-              <a:t>Brunel</a:t>
-            </a:r>
-            <a:r>
-              <a:rPr lang="nl-NL" dirty="0" smtClean="0"/>
-              <a:t> (2000) </a:t>
-            </a:r>
-            <a:r>
-              <a:rPr lang="nl-NL" dirty="0" err="1" smtClean="0"/>
-              <a:t>simplest</a:t>
-            </a:r>
-            <a:r>
-              <a:rPr lang="nl-NL" dirty="0" smtClean="0"/>
-              <a:t> model</a:t>
-            </a:r>
-          </a:p>
-          <a:p>
-            <a:r>
-              <a:rPr lang="nl-NL" dirty="0" err="1" smtClean="0"/>
-              <a:t>Yger</a:t>
-            </a:r>
-            <a:r>
-              <a:rPr lang="nl-NL" dirty="0" smtClean="0"/>
-              <a:t> (2013) more </a:t>
-            </a:r>
-            <a:r>
-              <a:rPr lang="nl-NL" dirty="0" err="1" smtClean="0"/>
-              <a:t>biological</a:t>
-            </a:r>
-            <a:r>
-              <a:rPr lang="nl-NL" dirty="0" smtClean="0"/>
-              <a:t> </a:t>
-            </a:r>
-            <a:r>
-              <a:rPr lang="nl-NL" dirty="0" err="1" smtClean="0"/>
-              <a:t>plausible</a:t>
-            </a:r>
-            <a:r>
-              <a:rPr lang="nl-NL" dirty="0" smtClean="0"/>
-              <a:t> model</a:t>
-            </a:r>
-          </a:p>
-          <a:p>
-            <a:pPr lvl="1">
-              <a:buFont typeface="Courier New" pitchFamily="49" charset="0"/>
-              <a:buChar char="o"/>
-            </a:pPr>
-            <a:r>
-              <a:rPr lang="nl-NL" dirty="0" err="1" smtClean="0"/>
-              <a:t>Synapses</a:t>
-            </a:r>
-            <a:r>
-              <a:rPr lang="nl-NL" dirty="0" smtClean="0"/>
-              <a:t> </a:t>
-            </a:r>
-            <a:r>
-              <a:rPr lang="nl-NL" dirty="0" err="1" smtClean="0"/>
-              <a:t>described</a:t>
-            </a:r>
-            <a:r>
-              <a:rPr lang="nl-NL" dirty="0" smtClean="0"/>
-              <a:t> in more detail: </a:t>
-            </a:r>
-            <a:r>
-              <a:rPr lang="nl-NL" dirty="0" err="1" smtClean="0"/>
-              <a:t>after</a:t>
-            </a:r>
-            <a:r>
-              <a:rPr lang="nl-NL" dirty="0" smtClean="0"/>
-              <a:t> a spike, </a:t>
-            </a:r>
-            <a:r>
-              <a:rPr lang="nl-NL" dirty="0" err="1" smtClean="0"/>
-              <a:t>conductance</a:t>
-            </a:r>
-            <a:r>
-              <a:rPr lang="nl-NL" dirty="0" smtClean="0"/>
-              <a:t> </a:t>
-            </a:r>
-            <a:r>
-              <a:rPr lang="nl-NL" dirty="0" err="1" smtClean="0"/>
-              <a:t>decays</a:t>
-            </a:r>
-            <a:r>
-              <a:rPr lang="nl-NL" dirty="0" smtClean="0"/>
-              <a:t> over time </a:t>
-            </a:r>
-          </a:p>
-          <a:p>
-            <a:r>
-              <a:rPr lang="nl-NL" dirty="0" err="1" smtClean="0"/>
-              <a:t>Reaches</a:t>
-            </a:r>
-            <a:r>
-              <a:rPr lang="nl-NL" dirty="0" smtClean="0"/>
-              <a:t> </a:t>
-            </a:r>
-            <a:r>
-              <a:rPr lang="nl-NL" dirty="0" err="1" smtClean="0"/>
-              <a:t>Asynchronous</a:t>
-            </a:r>
-            <a:r>
-              <a:rPr lang="nl-NL" dirty="0" smtClean="0"/>
-              <a:t> </a:t>
-            </a:r>
-            <a:r>
-              <a:rPr lang="nl-NL" dirty="0" err="1" smtClean="0"/>
-              <a:t>Irregular</a:t>
-            </a:r>
-            <a:r>
-              <a:rPr lang="nl-NL" dirty="0" smtClean="0"/>
-              <a:t> (AI) state</a:t>
-            </a:r>
-          </a:p>
-          <a:p>
-            <a:r>
-              <a:rPr lang="nl-NL" dirty="0" smtClean="0"/>
-              <a:t>AI state </a:t>
-            </a:r>
-            <a:r>
-              <a:rPr lang="nl-NL" dirty="0" err="1" smtClean="0"/>
-              <a:t>similar</a:t>
-            </a:r>
-            <a:r>
-              <a:rPr lang="nl-NL" dirty="0" smtClean="0"/>
-              <a:t> to </a:t>
-            </a:r>
-            <a:r>
-              <a:rPr lang="nl-NL" dirty="0" err="1" smtClean="0"/>
-              <a:t>human</a:t>
-            </a:r>
-            <a:r>
-              <a:rPr lang="nl-NL" dirty="0" smtClean="0"/>
-              <a:t> </a:t>
-            </a:r>
-            <a:r>
-              <a:rPr lang="nl-NL" dirty="0" err="1" smtClean="0"/>
-              <a:t>cortical</a:t>
-            </a:r>
-            <a:r>
-              <a:rPr lang="nl-NL" dirty="0" smtClean="0"/>
-              <a:t> </a:t>
-            </a:r>
-            <a:r>
-              <a:rPr lang="nl-NL" dirty="0" err="1" smtClean="0"/>
-              <a:t>activity</a:t>
-            </a:r>
-            <a:endParaRPr lang="nl-NL" dirty="0"/>
+              <a:rPr lang="en-US" sz="3600" dirty="0" smtClean="0"/>
+              <a:t>Can a network model with more </a:t>
+            </a:r>
+            <a:r>
+              <a:rPr lang="en-US" sz="3600" dirty="0" smtClean="0"/>
+              <a:t>biologically </a:t>
+            </a:r>
+            <a:r>
+              <a:rPr lang="en-US" sz="3600" dirty="0" smtClean="0"/>
+              <a:t>plausible synapses reach the same states as the original network with respect to synchrony and regularity. </a:t>
+            </a:r>
+            <a:endParaRPr lang="nl-NL" sz="3600" dirty="0"/>
           </a:p>
         </p:txBody>
       </p:sp>
@@ -4606,335 +4592,7 @@
   <p:timing>
     <p:tnLst>
       <p:par>
-        <p:cTn id="1" dur="indefinite" restart="never" nodeType="tmRoot">
-          <p:childTnLst>
-            <p:seq concurrent="1" nextAc="seek">
-              <p:cTn id="2" dur="indefinite" nodeType="mainSeq">
-                <p:childTnLst>
-                  <p:par>
-                    <p:cTn id="3" fill="hold">
-                      <p:stCondLst>
-                        <p:cond delay="indefinite"/>
-                      </p:stCondLst>
-                      <p:childTnLst>
-                        <p:par>
-                          <p:cTn id="4" fill="hold">
-                            <p:stCondLst>
-                              <p:cond delay="0"/>
-                            </p:stCondLst>
-                            <p:childTnLst>
-                              <p:par>
-                                <p:cTn id="5" presetID="22" presetClass="entr" presetSubtype="4" fill="hold" nodeType="clickEffect">
-                                  <p:stCondLst>
-                                    <p:cond delay="0"/>
-                                  </p:stCondLst>
-                                  <p:childTnLst>
-                                    <p:set>
-                                      <p:cBhvr>
-                                        <p:cTn id="6" dur="1" fill="hold">
-                                          <p:stCondLst>
-                                            <p:cond delay="0"/>
-                                          </p:stCondLst>
-                                        </p:cTn>
-                                        <p:tgtEl>
-                                          <p:spTgt spid="8">
-                                            <p:txEl>
-                                              <p:pRg st="0" end="0"/>
-                                            </p:txEl>
-                                          </p:spTgt>
-                                        </p:tgtEl>
-                                        <p:attrNameLst>
-                                          <p:attrName>style.visibility</p:attrName>
-                                        </p:attrNameLst>
-                                      </p:cBhvr>
-                                      <p:to>
-                                        <p:strVal val="visible"/>
-                                      </p:to>
-                                    </p:set>
-                                    <p:animEffect transition="in" filter="wipe(down)">
-                                      <p:cBhvr>
-                                        <p:cTn id="7" dur="500"/>
-                                        <p:tgtEl>
-                                          <p:spTgt spid="8">
-                                            <p:txEl>
-                                              <p:pRg st="0" end="0"/>
-                                            </p:txEl>
-                                          </p:spTgt>
-                                        </p:tgtEl>
-                                      </p:cBhvr>
-                                    </p:animEffect>
-                                  </p:childTnLst>
-                                </p:cTn>
-                              </p:par>
-                            </p:childTnLst>
-                          </p:cTn>
-                        </p:par>
-                      </p:childTnLst>
-                    </p:cTn>
-                  </p:par>
-                  <p:par>
-                    <p:cTn id="8" fill="hold">
-                      <p:stCondLst>
-                        <p:cond delay="indefinite"/>
-                      </p:stCondLst>
-                      <p:childTnLst>
-                        <p:par>
-                          <p:cTn id="9" fill="hold">
-                            <p:stCondLst>
-                              <p:cond delay="0"/>
-                            </p:stCondLst>
-                            <p:childTnLst>
-                              <p:par>
-                                <p:cTn id="10" presetID="22" presetClass="entr" presetSubtype="4" fill="hold" nodeType="clickEffect">
-                                  <p:stCondLst>
-                                    <p:cond delay="0"/>
-                                  </p:stCondLst>
-                                  <p:childTnLst>
-                                    <p:set>
-                                      <p:cBhvr>
-                                        <p:cTn id="11" dur="1" fill="hold">
-                                          <p:stCondLst>
-                                            <p:cond delay="0"/>
-                                          </p:stCondLst>
-                                        </p:cTn>
-                                        <p:tgtEl>
-                                          <p:spTgt spid="8">
-                                            <p:txEl>
-                                              <p:pRg st="1" end="1"/>
-                                            </p:txEl>
-                                          </p:spTgt>
-                                        </p:tgtEl>
-                                        <p:attrNameLst>
-                                          <p:attrName>style.visibility</p:attrName>
-                                        </p:attrNameLst>
-                                      </p:cBhvr>
-                                      <p:to>
-                                        <p:strVal val="visible"/>
-                                      </p:to>
-                                    </p:set>
-                                    <p:animEffect transition="in" filter="wipe(down)">
-                                      <p:cBhvr>
-                                        <p:cTn id="12" dur="500"/>
-                                        <p:tgtEl>
-                                          <p:spTgt spid="8">
-                                            <p:txEl>
-                                              <p:pRg st="1" end="1"/>
-                                            </p:txEl>
-                                          </p:spTgt>
-                                        </p:tgtEl>
-                                      </p:cBhvr>
-                                    </p:animEffect>
-                                  </p:childTnLst>
-                                </p:cTn>
-                              </p:par>
-                            </p:childTnLst>
-                          </p:cTn>
-                        </p:par>
-                      </p:childTnLst>
-                    </p:cTn>
-                  </p:par>
-                  <p:par>
-                    <p:cTn id="13" fill="hold">
-                      <p:stCondLst>
-                        <p:cond delay="indefinite"/>
-                      </p:stCondLst>
-                      <p:childTnLst>
-                        <p:par>
-                          <p:cTn id="14" fill="hold">
-                            <p:stCondLst>
-                              <p:cond delay="0"/>
-                            </p:stCondLst>
-                            <p:childTnLst>
-                              <p:par>
-                                <p:cTn id="15" presetID="22" presetClass="entr" presetSubtype="4" fill="hold" nodeType="clickEffect">
-                                  <p:stCondLst>
-                                    <p:cond delay="0"/>
-                                  </p:stCondLst>
-                                  <p:childTnLst>
-                                    <p:set>
-                                      <p:cBhvr>
-                                        <p:cTn id="16" dur="1" fill="hold">
-                                          <p:stCondLst>
-                                            <p:cond delay="0"/>
-                                          </p:stCondLst>
-                                        </p:cTn>
-                                        <p:tgtEl>
-                                          <p:spTgt spid="8">
-                                            <p:txEl>
-                                              <p:pRg st="2" end="2"/>
-                                            </p:txEl>
-                                          </p:spTgt>
-                                        </p:tgtEl>
-                                        <p:attrNameLst>
-                                          <p:attrName>style.visibility</p:attrName>
-                                        </p:attrNameLst>
-                                      </p:cBhvr>
-                                      <p:to>
-                                        <p:strVal val="visible"/>
-                                      </p:to>
-                                    </p:set>
-                                    <p:animEffect transition="in" filter="wipe(down)">
-                                      <p:cBhvr>
-                                        <p:cTn id="17" dur="500"/>
-                                        <p:tgtEl>
-                                          <p:spTgt spid="8">
-                                            <p:txEl>
-                                              <p:pRg st="2" end="2"/>
-                                            </p:txEl>
-                                          </p:spTgt>
-                                        </p:tgtEl>
-                                      </p:cBhvr>
-                                    </p:animEffect>
-                                  </p:childTnLst>
-                                </p:cTn>
-                              </p:par>
-                            </p:childTnLst>
-                          </p:cTn>
-                        </p:par>
-                      </p:childTnLst>
-                    </p:cTn>
-                  </p:par>
-                  <p:par>
-                    <p:cTn id="18" fill="hold">
-                      <p:stCondLst>
-                        <p:cond delay="indefinite"/>
-                      </p:stCondLst>
-                      <p:childTnLst>
-                        <p:par>
-                          <p:cTn id="19" fill="hold">
-                            <p:stCondLst>
-                              <p:cond delay="0"/>
-                            </p:stCondLst>
-                            <p:childTnLst>
-                              <p:par>
-                                <p:cTn id="20" presetID="22" presetClass="entr" presetSubtype="4" fill="hold" nodeType="clickEffect">
-                                  <p:stCondLst>
-                                    <p:cond delay="0"/>
-                                  </p:stCondLst>
-                                  <p:childTnLst>
-                                    <p:set>
-                                      <p:cBhvr>
-                                        <p:cTn id="21" dur="1" fill="hold">
-                                          <p:stCondLst>
-                                            <p:cond delay="0"/>
-                                          </p:stCondLst>
-                                        </p:cTn>
-                                        <p:tgtEl>
-                                          <p:spTgt spid="8">
-                                            <p:txEl>
-                                              <p:pRg st="3" end="3"/>
-                                            </p:txEl>
-                                          </p:spTgt>
-                                        </p:tgtEl>
-                                        <p:attrNameLst>
-                                          <p:attrName>style.visibility</p:attrName>
-                                        </p:attrNameLst>
-                                      </p:cBhvr>
-                                      <p:to>
-                                        <p:strVal val="visible"/>
-                                      </p:to>
-                                    </p:set>
-                                    <p:animEffect transition="in" filter="wipe(down)">
-                                      <p:cBhvr>
-                                        <p:cTn id="22" dur="500"/>
-                                        <p:tgtEl>
-                                          <p:spTgt spid="8">
-                                            <p:txEl>
-                                              <p:pRg st="3" end="3"/>
-                                            </p:txEl>
-                                          </p:spTgt>
-                                        </p:tgtEl>
-                                      </p:cBhvr>
-                                    </p:animEffect>
-                                  </p:childTnLst>
-                                </p:cTn>
-                              </p:par>
-                            </p:childTnLst>
-                          </p:cTn>
-                        </p:par>
-                      </p:childTnLst>
-                    </p:cTn>
-                  </p:par>
-                  <p:par>
-                    <p:cTn id="23" fill="hold">
-                      <p:stCondLst>
-                        <p:cond delay="indefinite"/>
-                      </p:stCondLst>
-                      <p:childTnLst>
-                        <p:par>
-                          <p:cTn id="24" fill="hold">
-                            <p:stCondLst>
-                              <p:cond delay="0"/>
-                            </p:stCondLst>
-                            <p:childTnLst>
-                              <p:par>
-                                <p:cTn id="25" presetID="22" presetClass="entr" presetSubtype="4" fill="hold" nodeType="clickEffect">
-                                  <p:stCondLst>
-                                    <p:cond delay="0"/>
-                                  </p:stCondLst>
-                                  <p:childTnLst>
-                                    <p:set>
-                                      <p:cBhvr>
-                                        <p:cTn id="26" dur="1" fill="hold">
-                                          <p:stCondLst>
-                                            <p:cond delay="0"/>
-                                          </p:stCondLst>
-                                        </p:cTn>
-                                        <p:tgtEl>
-                                          <p:spTgt spid="8">
-                                            <p:txEl>
-                                              <p:pRg st="4" end="4"/>
-                                            </p:txEl>
-                                          </p:spTgt>
-                                        </p:tgtEl>
-                                        <p:attrNameLst>
-                                          <p:attrName>style.visibility</p:attrName>
-                                        </p:attrNameLst>
-                                      </p:cBhvr>
-                                      <p:to>
-                                        <p:strVal val="visible"/>
-                                      </p:to>
-                                    </p:set>
-                                    <p:animEffect transition="in" filter="wipe(down)">
-                                      <p:cBhvr>
-                                        <p:cTn id="27" dur="500"/>
-                                        <p:tgtEl>
-                                          <p:spTgt spid="8">
-                                            <p:txEl>
-                                              <p:pRg st="4" end="4"/>
-                                            </p:txEl>
-                                          </p:spTgt>
-                                        </p:tgtEl>
-                                      </p:cBhvr>
-                                    </p:animEffect>
-                                  </p:childTnLst>
-                                </p:cTn>
-                              </p:par>
-                            </p:childTnLst>
-                          </p:cTn>
-                        </p:par>
-                      </p:childTnLst>
-                    </p:cTn>
-                  </p:par>
-                </p:childTnLst>
-              </p:cTn>
-              <p:prevCondLst>
-                <p:cond evt="onPrev" delay="0">
-                  <p:tgtEl>
-                    <p:sldTgt/>
-                  </p:tgtEl>
-                </p:cond>
-              </p:prevCondLst>
-              <p:nextCondLst>
-                <p:cond evt="onNext" delay="0">
-                  <p:tgtEl>
-                    <p:sldTgt/>
-                  </p:tgtEl>
-                </p:cond>
-              </p:nextCondLst>
-            </p:seq>
-          </p:childTnLst>
-        </p:cTn>
+        <p:cTn id="1" dur="indefinite" restart="never" nodeType="tmRoot"/>
       </p:par>
     </p:tnLst>
   </p:timing>
@@ -4942,6 +4600,64 @@
 </file>
 
 <file path=ppt/slides/slide11.xml><?xml version="1.0" encoding="utf-8"?>
+<p:sld xmlns:a="http://schemas.openxmlformats.org/drawingml/2006/main" xmlns:r="http://schemas.openxmlformats.org/officeDocument/2006/relationships" xmlns:p="http://schemas.openxmlformats.org/presentationml/2006/main" show="0">
+  <p:cSld>
+    <p:spTree>
+      <p:nvGrpSpPr>
+        <p:cNvPr id="1" name=""/>
+        <p:cNvGrpSpPr/>
+        <p:nvPr/>
+      </p:nvGrpSpPr>
+      <p:grpSpPr>
+        <a:xfrm>
+          <a:off x="0" y="0"/>
+          <a:ext cx="0" cy="0"/>
+          <a:chOff x="0" y="0"/>
+          <a:chExt cx="0" cy="0"/>
+        </a:xfrm>
+      </p:grpSpPr>
+      <p:sp>
+        <p:nvSpPr>
+          <p:cNvPr id="2" name="Titel 1"/>
+          <p:cNvSpPr>
+            <a:spLocks noGrp="1"/>
+          </p:cNvSpPr>
+          <p:nvPr>
+            <p:ph type="title"/>
+          </p:nvPr>
+        </p:nvSpPr>
+        <p:spPr/>
+        <p:txBody>
+          <a:bodyPr>
+            <a:normAutofit/>
+          </a:bodyPr>
+          <a:lstStyle/>
+          <a:p>
+            <a:r>
+              <a:rPr lang="nl-NL" sz="5400" dirty="0" err="1" smtClean="0"/>
+              <a:t>Methods</a:t>
+            </a:r>
+            <a:endParaRPr lang="nl-NL" sz="5400" dirty="0"/>
+          </a:p>
+        </p:txBody>
+      </p:sp>
+    </p:spTree>
+  </p:cSld>
+  <p:clrMapOvr>
+    <a:masterClrMapping/>
+  </p:clrMapOvr>
+  <p:transition/>
+  <p:timing>
+    <p:tnLst>
+      <p:par>
+        <p:cTn id="1" dur="indefinite" restart="never" nodeType="tmRoot"/>
+      </p:par>
+    </p:tnLst>
+  </p:timing>
+</p:sld>
+</file>
+
+<file path=ppt/slides/slide12.xml><?xml version="1.0" encoding="utf-8"?>
 <p:sld xmlns:a="http://schemas.openxmlformats.org/drawingml/2006/main" xmlns:r="http://schemas.openxmlformats.org/officeDocument/2006/relationships" xmlns:p="http://schemas.openxmlformats.org/presentationml/2006/main">
   <p:cSld>
     <p:spTree>
@@ -4970,16 +4686,30 @@
         </p:nvSpPr>
         <p:spPr/>
         <p:txBody>
-          <a:bodyPr/>
+          <a:bodyPr>
+            <a:normAutofit fontScale="90000"/>
+          </a:bodyPr>
           <a:lstStyle/>
           <a:p>
             <a:r>
-              <a:rPr lang="nl-NL" dirty="0" smtClean="0"/>
-              <a:t>Research </a:t>
-            </a:r>
-            <a:r>
-              <a:rPr lang="nl-NL" dirty="0" err="1" smtClean="0"/>
-              <a:t>question</a:t>
+              <a:rPr lang="nl-NL" dirty="0" err="1" smtClean="0"/>
+              <a:t>Implementation</a:t>
+            </a:r>
+            <a:r>
+              <a:rPr lang="nl-NL" dirty="0" smtClean="0"/>
+              <a:t> of </a:t>
+            </a:r>
+            <a:r>
+              <a:rPr lang="nl-NL" dirty="0" err="1" smtClean="0"/>
+              <a:t>balanced</a:t>
+            </a:r>
+            <a:r>
+              <a:rPr lang="nl-NL" dirty="0" smtClean="0"/>
+              <a:t> </a:t>
+            </a:r>
+            <a:r>
+              <a:rPr lang="nl-NL" dirty="0" err="1" smtClean="0"/>
+              <a:t>network</a:t>
             </a:r>
             <a:endParaRPr lang="nl-NL" dirty="0"/>
           </a:p>
@@ -4995,174 +4725,6 @@
             <p:ph sz="quarter" idx="1"/>
           </p:nvPr>
         </p:nvSpPr>
-        <p:spPr/>
-        <p:txBody>
-          <a:bodyPr>
-            <a:normAutofit/>
-          </a:bodyPr>
-          <a:lstStyle/>
-          <a:p>
-            <a:r>
-              <a:rPr lang="en-US" sz="3600" dirty="0" smtClean="0"/>
-              <a:t>Can a network </a:t>
-            </a:r>
-            <a:r>
-              <a:rPr lang="en-US" sz="3600" dirty="0" smtClean="0"/>
-              <a:t>model with more biological plausible synapses </a:t>
-            </a:r>
-            <a:r>
-              <a:rPr lang="en-US" sz="3600" dirty="0" smtClean="0"/>
-              <a:t>reach </a:t>
-            </a:r>
-            <a:r>
-              <a:rPr lang="en-US" sz="3600" dirty="0" smtClean="0"/>
-              <a:t>the same states as the original network with respect to synchrony and regularity. </a:t>
-            </a:r>
-            <a:endParaRPr lang="nl-NL" sz="3600" dirty="0"/>
-          </a:p>
-        </p:txBody>
-      </p:sp>
-    </p:spTree>
-  </p:cSld>
-  <p:clrMapOvr>
-    <a:masterClrMapping/>
-  </p:clrMapOvr>
-  <p:timing>
-    <p:tnLst>
-      <p:par>
-        <p:cTn id="1" dur="indefinite" restart="never" nodeType="tmRoot"/>
-      </p:par>
-    </p:tnLst>
-  </p:timing>
-</p:sld>
-</file>
-
-<file path=ppt/slides/slide12.xml><?xml version="1.0" encoding="utf-8"?>
-<p:sld xmlns:a="http://schemas.openxmlformats.org/drawingml/2006/main" xmlns:r="http://schemas.openxmlformats.org/officeDocument/2006/relationships" xmlns:p="http://schemas.openxmlformats.org/presentationml/2006/main" show="0">
-  <p:cSld>
-    <p:spTree>
-      <p:nvGrpSpPr>
-        <p:cNvPr id="1" name=""/>
-        <p:cNvGrpSpPr/>
-        <p:nvPr/>
-      </p:nvGrpSpPr>
-      <p:grpSpPr>
-        <a:xfrm>
-          <a:off x="0" y="0"/>
-          <a:ext cx="0" cy="0"/>
-          <a:chOff x="0" y="0"/>
-          <a:chExt cx="0" cy="0"/>
-        </a:xfrm>
-      </p:grpSpPr>
-      <p:sp>
-        <p:nvSpPr>
-          <p:cNvPr id="2" name="Titel 1"/>
-          <p:cNvSpPr>
-            <a:spLocks noGrp="1"/>
-          </p:cNvSpPr>
-          <p:nvPr>
-            <p:ph type="title"/>
-          </p:nvPr>
-        </p:nvSpPr>
-        <p:spPr/>
-        <p:txBody>
-          <a:bodyPr>
-            <a:normAutofit/>
-          </a:bodyPr>
-          <a:lstStyle/>
-          <a:p>
-            <a:r>
-              <a:rPr lang="nl-NL" sz="5400" dirty="0" err="1" smtClean="0"/>
-              <a:t>Methods</a:t>
-            </a:r>
-            <a:endParaRPr lang="nl-NL" sz="5400" dirty="0"/>
-          </a:p>
-        </p:txBody>
-      </p:sp>
-    </p:spTree>
-  </p:cSld>
-  <p:clrMapOvr>
-    <a:masterClrMapping/>
-  </p:clrMapOvr>
-  <p:transition/>
-  <p:timing>
-    <p:tnLst>
-      <p:par>
-        <p:cTn id="1" dur="indefinite" restart="never" nodeType="tmRoot"/>
-      </p:par>
-    </p:tnLst>
-  </p:timing>
-</p:sld>
-</file>
-
-<file path=ppt/slides/slide13.xml><?xml version="1.0" encoding="utf-8"?>
-<p:sld xmlns:a="http://schemas.openxmlformats.org/drawingml/2006/main" xmlns:r="http://schemas.openxmlformats.org/officeDocument/2006/relationships" xmlns:p="http://schemas.openxmlformats.org/presentationml/2006/main">
-  <p:cSld>
-    <p:spTree>
-      <p:nvGrpSpPr>
-        <p:cNvPr id="1" name=""/>
-        <p:cNvGrpSpPr/>
-        <p:nvPr/>
-      </p:nvGrpSpPr>
-      <p:grpSpPr>
-        <a:xfrm>
-          <a:off x="0" y="0"/>
-          <a:ext cx="0" cy="0"/>
-          <a:chOff x="0" y="0"/>
-          <a:chExt cx="0" cy="0"/>
-        </a:xfrm>
-      </p:grpSpPr>
-      <p:sp>
-        <p:nvSpPr>
-          <p:cNvPr id="2" name="Titel 1"/>
-          <p:cNvSpPr>
-            <a:spLocks noGrp="1"/>
-          </p:cNvSpPr>
-          <p:nvPr>
-            <p:ph type="title"/>
-          </p:nvPr>
-        </p:nvSpPr>
-        <p:spPr/>
-        <p:txBody>
-          <a:bodyPr>
-            <a:normAutofit fontScale="90000"/>
-          </a:bodyPr>
-          <a:lstStyle/>
-          <a:p>
-            <a:r>
-              <a:rPr lang="nl-NL" dirty="0" err="1" smtClean="0"/>
-              <a:t>Implementation</a:t>
-            </a:r>
-            <a:r>
-              <a:rPr lang="nl-NL" dirty="0" smtClean="0"/>
-              <a:t> of </a:t>
-            </a:r>
-            <a:r>
-              <a:rPr lang="nl-NL" dirty="0" err="1" smtClean="0"/>
-              <a:t>balanced</a:t>
-            </a:r>
-            <a:r>
-              <a:rPr lang="nl-NL" dirty="0" smtClean="0"/>
-              <a:t> </a:t>
-            </a:r>
-            <a:r>
-              <a:rPr lang="nl-NL" dirty="0" err="1" smtClean="0"/>
-              <a:t>network</a:t>
-            </a:r>
-            <a:endParaRPr lang="nl-NL" dirty="0"/>
-          </a:p>
-        </p:txBody>
-      </p:sp>
-      <p:sp>
-        <p:nvSpPr>
-          <p:cNvPr id="3" name="Tijdelijke aanduiding voor inhoud 2"/>
-          <p:cNvSpPr>
-            <a:spLocks noGrp="1"/>
-          </p:cNvSpPr>
-          <p:nvPr>
-            <p:ph sz="quarter" idx="1"/>
-          </p:nvPr>
-        </p:nvSpPr>
         <p:spPr>
           <a:xfrm>
             <a:off x="914400" y="1447800"/>
@@ -5171,13 +4733,17 @@
         </p:spPr>
         <p:txBody>
           <a:bodyPr>
-            <a:normAutofit lnSpcReduction="10000"/>
+            <a:normAutofit/>
           </a:bodyPr>
           <a:lstStyle/>
           <a:p>
             <a:r>
               <a:rPr lang="nl-NL" dirty="0" smtClean="0"/>
-              <a:t>BRAIN 2 simulator (Python) </a:t>
+              <a:t>BRIAN </a:t>
+            </a:r>
+            <a:r>
+              <a:rPr lang="nl-NL" dirty="0" smtClean="0"/>
+              <a:t>2 simulator (Python) </a:t>
             </a:r>
           </a:p>
           <a:p>
@@ -5200,16 +4766,6 @@
             <a:r>
               <a:rPr lang="nl-NL" dirty="0" smtClean="0"/>
               <a:t> neurons</a:t>
-            </a:r>
-          </a:p>
-          <a:p>
-            <a:r>
-              <a:rPr lang="nl-NL" dirty="0" err="1" smtClean="0"/>
-              <a:t>Sparseness</a:t>
-            </a:r>
-            <a:r>
-              <a:rPr lang="nl-NL" dirty="0" smtClean="0"/>
-              <a:t> of .1915</a:t>
             </a:r>
           </a:p>
           <a:p>
@@ -5584,7 +5140,7 @@
                                         <p:tgtEl>
                                           <p:spTgt spid="3">
                                             <p:txEl>
-                                              <p:pRg st="3" end="3"/>
+                                              <p:pRg st="4" end="4"/>
                                             </p:txEl>
                                           </p:spTgt>
                                         </p:tgtEl>
@@ -5602,7 +5158,7 @@
                                         <p:tgtEl>
                                           <p:spTgt spid="3">
                                             <p:txEl>
-                                              <p:pRg st="3" end="3"/>
+                                              <p:pRg st="4" end="4"/>
                                             </p:txEl>
                                           </p:spTgt>
                                         </p:tgtEl>
@@ -5611,33 +5167,15 @@
                                   </p:childTnLst>
                                 </p:cTn>
                               </p:par>
-                            </p:childTnLst>
-                          </p:cTn>
-                        </p:par>
-                      </p:childTnLst>
-                    </p:cTn>
-                  </p:par>
-                  <p:par>
-                    <p:cTn id="26" fill="hold">
-                      <p:stCondLst>
-                        <p:cond delay="indefinite"/>
-                      </p:stCondLst>
-                      <p:childTnLst>
-                        <p:par>
-                          <p:cTn id="27" fill="hold">
-                            <p:stCondLst>
-                              <p:cond delay="0"/>
-                            </p:stCondLst>
-                            <p:childTnLst>
                               <p:par>
-                                <p:cTn id="28" presetID="22" presetClass="entr" presetSubtype="4" fill="hold" nodeType="clickEffect">
+                                <p:cTn id="26" presetID="22" presetClass="entr" presetSubtype="4" fill="hold" nodeType="withEffect">
                                   <p:stCondLst>
                                     <p:cond delay="0"/>
                                   </p:stCondLst>
                                   <p:childTnLst>
                                     <p:set>
                                       <p:cBhvr>
-                                        <p:cTn id="29" dur="1" fill="hold">
+                                        <p:cTn id="27" dur="1" fill="hold">
                                           <p:stCondLst>
                                             <p:cond delay="0"/>
                                           </p:stCondLst>
@@ -5659,7 +5197,7 @@
                                     </p:set>
                                     <p:animEffect transition="in" filter="wipe(down)">
                                       <p:cBhvr>
-                                        <p:cTn id="30" dur="500"/>
+                                        <p:cTn id="28" dur="500"/>
                                         <p:tgtEl>
                                           <p:spTgt spid="3">
                                             <p:txEl>
@@ -5672,33 +5210,15 @@
                                   </p:childTnLst>
                                 </p:cTn>
                               </p:par>
-                            </p:childTnLst>
-                          </p:cTn>
-                        </p:par>
-                      </p:childTnLst>
-                    </p:cTn>
-                  </p:par>
-                  <p:par>
-                    <p:cTn id="31" fill="hold">
-                      <p:stCondLst>
-                        <p:cond delay="indefinite"/>
-                      </p:stCondLst>
-                      <p:childTnLst>
-                        <p:par>
-                          <p:cTn id="32" fill="hold">
-                            <p:stCondLst>
-                              <p:cond delay="0"/>
-                            </p:stCondLst>
-                            <p:childTnLst>
                               <p:par>
-                                <p:cTn id="33" presetID="22" presetClass="entr" presetSubtype="4" fill="hold" nodeType="clickEffect">
+                                <p:cTn id="29" presetID="22" presetClass="entr" presetSubtype="4" fill="hold" nodeType="withEffect">
                                   <p:stCondLst>
                                     <p:cond delay="0"/>
                                   </p:stCondLst>
                                   <p:childTnLst>
                                     <p:set>
                                       <p:cBhvr>
-                                        <p:cTn id="34" dur="1" fill="hold">
+                                        <p:cTn id="30" dur="1" fill="hold">
                                           <p:stCondLst>
                                             <p:cond delay="0"/>
                                           </p:stCondLst>
@@ -5720,72 +5240,11 @@
                                     </p:set>
                                     <p:animEffect transition="in" filter="wipe(down)">
                                       <p:cBhvr>
-                                        <p:cTn id="35" dur="500"/>
+                                        <p:cTn id="31" dur="500"/>
                                         <p:tgtEl>
                                           <p:spTgt spid="3">
                                             <p:txEl>
                                               <p:pRg st="6" end="6"/>
-                                            </p:txEl>
-                                          </p:spTgt>
-                                        </p:tgtEl>
-                                      </p:cBhvr>
-                                    </p:animEffect>
-                                  </p:childTnLst>
-                                </p:cTn>
-                              </p:par>
-                            </p:childTnLst>
-                          </p:cTn>
-                        </p:par>
-                      </p:childTnLst>
-                    </p:cTn>
-                  </p:par>
-                  <p:par>
-                    <p:cTn id="36" fill="hold">
-                      <p:stCondLst>
-                        <p:cond delay="indefinite"/>
-                      </p:stCondLst>
-                      <p:childTnLst>
-                        <p:par>
-                          <p:cTn id="37" fill="hold">
-                            <p:stCondLst>
-                              <p:cond delay="0"/>
-                            </p:stCondLst>
-                            <p:childTnLst>
-                              <p:par>
-                                <p:cTn id="38" presetID="22" presetClass="entr" presetSubtype="4" fill="hold" nodeType="clickEffect">
-                                  <p:stCondLst>
-                                    <p:cond delay="0"/>
-                                  </p:stCondLst>
-                                  <p:childTnLst>
-                                    <p:set>
-                                      <p:cBhvr>
-                                        <p:cTn id="39" dur="1" fill="hold">
-                                          <p:stCondLst>
-                                            <p:cond delay="0"/>
-                                          </p:stCondLst>
-                                        </p:cTn>
-                                        <p:tgtEl>
-                                          <p:spTgt spid="3">
-                                            <p:txEl>
-                                              <p:pRg st="7" end="7"/>
-                                            </p:txEl>
-                                          </p:spTgt>
-                                        </p:tgtEl>
-                                        <p:attrNameLst>
-                                          <p:attrName>style.visibility</p:attrName>
-                                        </p:attrNameLst>
-                                      </p:cBhvr>
-                                      <p:to>
-                                        <p:strVal val="visible"/>
-                                      </p:to>
-                                    </p:set>
-                                    <p:animEffect transition="in" filter="wipe(down)">
-                                      <p:cBhvr>
-                                        <p:cTn id="40" dur="500"/>
-                                        <p:tgtEl>
-                                          <p:spTgt spid="3">
-                                            <p:txEl>
-                                              <p:pRg st="7" end="7"/>
                                             </p:txEl>
                                           </p:spTgt>
                                         </p:tgtEl>
@@ -5825,7 +5284,7 @@
 </p:sld>
 </file>
 
-<file path=ppt/slides/slide14.xml><?xml version="1.0" encoding="utf-8"?>
+<file path=ppt/slides/slide13.xml><?xml version="1.0" encoding="utf-8"?>
 <p:sld xmlns:a="http://schemas.openxmlformats.org/drawingml/2006/main" xmlns:r="http://schemas.openxmlformats.org/officeDocument/2006/relationships" xmlns:p="http://schemas.openxmlformats.org/presentationml/2006/main">
   <p:cSld>
     <p:spTree>
@@ -5842,6 +5301,55 @@
           <a:chExt cx="0" cy="0"/>
         </a:xfrm>
       </p:grpSpPr>
+      <p:pic>
+        <p:nvPicPr>
+          <p:cNvPr id="11" name="Afbeelding 10" descr="CV formula.PNG"/>
+          <p:cNvPicPr>
+            <a:picLocks noChangeAspect="1"/>
+          </p:cNvPicPr>
+          <p:nvPr/>
+        </p:nvPicPr>
+        <p:blipFill>
+          <a:blip r:embed="rId2" cstate="print"/>
+          <a:stretch>
+            <a:fillRect/>
+          </a:stretch>
+        </p:blipFill>
+        <p:spPr>
+          <a:xfrm>
+            <a:off x="6228184" y="2132856"/>
+            <a:ext cx="2695844" cy="1123267"/>
+          </a:xfrm>
+          <a:prstGeom prst="rect">
+            <a:avLst/>
+          </a:prstGeom>
+        </p:spPr>
+      </p:pic>
+      <p:pic>
+        <p:nvPicPr>
+          <p:cNvPr id="8" name="Afbeelding 7" descr="ISI distribution CV.png"/>
+          <p:cNvPicPr>
+            <a:picLocks noChangeAspect="1"/>
+          </p:cNvPicPr>
+          <p:nvPr/>
+        </p:nvPicPr>
+        <p:blipFill>
+          <a:blip r:embed="rId3" cstate="print"/>
+          <a:srcRect l="7175" r="6721"/>
+          <a:stretch>
+            <a:fillRect/>
+          </a:stretch>
+        </p:blipFill>
+        <p:spPr>
+          <a:xfrm>
+            <a:off x="899592" y="2848272"/>
+            <a:ext cx="6552728" cy="3846737"/>
+          </a:xfrm>
+          <a:prstGeom prst="rect">
+            <a:avLst/>
+          </a:prstGeom>
+        </p:spPr>
+      </p:pic>
       <p:sp>
         <p:nvSpPr>
           <p:cNvPr id="2" name="Titel 1"/>
@@ -5855,7 +5363,7 @@
         <p:spPr>
           <a:xfrm>
             <a:off x="395536" y="274638"/>
-            <a:ext cx="8568952" cy="1143000"/>
+            <a:ext cx="8496944" cy="1143000"/>
           </a:xfrm>
         </p:spPr>
         <p:txBody>
@@ -5898,9 +5406,16 @@
             <p:ph sz="quarter" idx="1"/>
           </p:nvPr>
         </p:nvSpPr>
-        <p:spPr/>
-        <p:txBody>
-          <a:bodyPr/>
+        <p:spPr>
+          <a:xfrm>
+            <a:off x="914400" y="1447800"/>
+            <a:ext cx="7762056" cy="3853408"/>
+          </a:xfrm>
+        </p:spPr>
+        <p:txBody>
+          <a:bodyPr>
+            <a:normAutofit/>
+          </a:bodyPr>
           <a:lstStyle/>
           <a:p>
             <a:r>
@@ -5921,35 +5436,9 @@
             </a:r>
             <a:r>
               <a:rPr lang="nl-NL" dirty="0" err="1" smtClean="0"/>
-              <a:t>for</a:t>
-            </a:r>
-            <a:r>
-              <a:rPr lang="nl-NL" dirty="0" smtClean="0"/>
-              <a:t> </a:t>
-            </a:r>
-            <a:r>
-              <a:rPr lang="nl-NL" dirty="0" err="1" smtClean="0"/>
               <a:t>Regularity</a:t>
             </a:r>
-            <a:r>
-              <a:rPr lang="nl-NL" dirty="0" smtClean="0"/>
-              <a:t> and </a:t>
-            </a:r>
-            <a:r>
-              <a:rPr lang="nl-NL" dirty="0" err="1" smtClean="0"/>
-              <a:t>Synchrony</a:t>
-            </a:r>
             <a:endParaRPr lang="nl-NL" dirty="0" smtClean="0"/>
-          </a:p>
-          <a:p>
-            <a:r>
-              <a:rPr lang="nl-NL" dirty="0" err="1" smtClean="0"/>
-              <a:t>Regularity</a:t>
-            </a:r>
-            <a:r>
-              <a:rPr lang="nl-NL" dirty="0" smtClean="0"/>
-              <a:t> of single neurons</a:t>
-            </a:r>
           </a:p>
           <a:p>
             <a:pPr lvl="1">
@@ -5970,7 +5459,7 @@
             </a:r>
             <a:r>
               <a:rPr lang="nl-NL" dirty="0" smtClean="0"/>
-              <a:t> (CV):</a:t>
+              <a:t> (CV) of a neuron:</a:t>
             </a:r>
           </a:p>
           <a:p>
@@ -5980,71 +5469,30 @@
             </a:pPr>
             <a:r>
               <a:rPr lang="nl-NL" dirty="0" smtClean="0"/>
-              <a:t>For </a:t>
-            </a:r>
-            <a:r>
-              <a:rPr lang="nl-NL" dirty="0" err="1" smtClean="0"/>
-              <a:t>each</a:t>
-            </a:r>
-            <a:r>
-              <a:rPr lang="nl-NL" dirty="0" smtClean="0"/>
-              <a:t> neuron, the </a:t>
-            </a:r>
-            <a:r>
-              <a:rPr lang="nl-NL" dirty="0" err="1" smtClean="0"/>
-              <a:t>standard</a:t>
-            </a:r>
-            <a:r>
-              <a:rPr lang="nl-NL" dirty="0" smtClean="0"/>
-              <a:t> </a:t>
-            </a:r>
-            <a:r>
-              <a:rPr lang="nl-NL" dirty="0" err="1" smtClean="0"/>
-              <a:t>deviation</a:t>
-            </a:r>
-            <a:r>
-              <a:rPr lang="nl-NL" dirty="0" smtClean="0"/>
-              <a:t> of the </a:t>
+              <a:t>Distribution </a:t>
             </a:r>
             <a:r>
               <a:rPr lang="nl-NL" dirty="0" err="1" smtClean="0"/>
               <a:t>Inter-spike-Interval</a:t>
             </a:r>
-            <a:r>
-              <a:rPr lang="nl-NL" dirty="0" smtClean="0"/>
-              <a:t> distribution </a:t>
-            </a:r>
-            <a:r>
-              <a:rPr lang="nl-NL" dirty="0" err="1" smtClean="0"/>
-              <a:t>devided</a:t>
-            </a:r>
-            <a:r>
-              <a:rPr lang="nl-NL" dirty="0" smtClean="0"/>
-              <a:t> </a:t>
-            </a:r>
-            <a:r>
-              <a:rPr lang="nl-NL" dirty="0" err="1" smtClean="0"/>
-              <a:t>by</a:t>
-            </a:r>
-            <a:r>
-              <a:rPr lang="nl-NL" dirty="0" smtClean="0"/>
-              <a:t> the </a:t>
-            </a:r>
-            <a:r>
-              <a:rPr lang="nl-NL" dirty="0" err="1" smtClean="0"/>
-              <a:t>mean</a:t>
-            </a:r>
-            <a:r>
-              <a:rPr lang="nl-NL" dirty="0" smtClean="0"/>
-              <a:t> of </a:t>
-            </a:r>
-            <a:r>
-              <a:rPr lang="nl-NL" dirty="0" err="1" smtClean="0"/>
-              <a:t>this</a:t>
-            </a:r>
-            <a:r>
-              <a:rPr lang="nl-NL" dirty="0" smtClean="0"/>
-              <a:t> distribution</a:t>
+            <a:endParaRPr lang="nl-NL" dirty="0" smtClean="0"/>
+          </a:p>
+          <a:p>
+            <a:pPr lvl="1">
+              <a:buFont typeface="Courier New" pitchFamily="49" charset="0"/>
+              <a:buChar char="o"/>
+            </a:pPr>
+            <a:r>
+              <a:rPr lang="nl-NL" dirty="0" smtClean="0"/>
+              <a:t>CV of a </a:t>
+            </a:r>
+            <a:r>
+              <a:rPr lang="nl-NL" dirty="0" err="1" smtClean="0"/>
+              <a:t>network</a:t>
+            </a:r>
+            <a:r>
+              <a:rPr lang="nl-NL" dirty="0" smtClean="0"/>
+              <a:t>:</a:t>
             </a:r>
           </a:p>
           <a:p>
@@ -6054,97 +5502,50 @@
             </a:pPr>
             <a:r>
               <a:rPr lang="nl-NL" dirty="0" smtClean="0"/>
-              <a:t>The CV of a </a:t>
-            </a:r>
-            <a:r>
-              <a:rPr lang="nl-NL" dirty="0" err="1" smtClean="0"/>
-              <a:t>network</a:t>
-            </a:r>
-            <a:r>
-              <a:rPr lang="nl-NL" dirty="0" smtClean="0"/>
-              <a:t> is the average of the CV of all </a:t>
-            </a:r>
-            <a:r>
-              <a:rPr lang="nl-NL" dirty="0" err="1" smtClean="0"/>
-              <a:t>its</a:t>
-            </a:r>
-            <a:r>
-              <a:rPr lang="nl-NL" dirty="0" smtClean="0"/>
-              <a:t> neurons</a:t>
-            </a:r>
-          </a:p>
-          <a:p>
-            <a:pPr lvl="2">
-              <a:buFont typeface="Wingdings" pitchFamily="2" charset="2"/>
-              <a:buChar char="§"/>
+              <a:t>Average CV of neurons</a:t>
+            </a:r>
+          </a:p>
+          <a:p>
+            <a:pPr lvl="1">
+              <a:buFont typeface="Courier New" pitchFamily="49" charset="0"/>
+              <a:buChar char="o"/>
             </a:pPr>
             <a:r>
               <a:rPr lang="nl-NL" dirty="0" smtClean="0"/>
-              <a:t>CV </a:t>
-            </a:r>
-            <a:r>
-              <a:rPr lang="nl-NL" dirty="0" err="1" smtClean="0"/>
-              <a:t>around</a:t>
-            </a:r>
-            <a:r>
-              <a:rPr lang="nl-NL" dirty="0" smtClean="0"/>
-              <a:t> 1 </a:t>
-            </a:r>
-            <a:r>
-              <a:rPr lang="nl-NL" dirty="0" err="1" smtClean="0"/>
-              <a:t>means</a:t>
-            </a:r>
-            <a:r>
-              <a:rPr lang="nl-NL" dirty="0" smtClean="0"/>
-              <a:t> </a:t>
-            </a:r>
-            <a:r>
-              <a:rPr lang="nl-NL" dirty="0" err="1" smtClean="0"/>
-              <a:t>highly</a:t>
-            </a:r>
-            <a:r>
-              <a:rPr lang="nl-NL" dirty="0" smtClean="0"/>
-              <a:t> </a:t>
-            </a:r>
-            <a:r>
-              <a:rPr lang="nl-NL" dirty="0" err="1" smtClean="0"/>
-              <a:t>irregular</a:t>
+              <a:t>Low CV </a:t>
+            </a:r>
+            <a:r>
+              <a:rPr lang="nl-NL" dirty="0" err="1" smtClean="0"/>
+              <a:t>regularity</a:t>
             </a:r>
             <a:endParaRPr lang="nl-NL" dirty="0" smtClean="0"/>
           </a:p>
-          <a:p>
-            <a:pPr lvl="2">
-              <a:buFont typeface="Wingdings" pitchFamily="2" charset="2"/>
-              <a:buChar char="§"/>
-            </a:pPr>
-            <a:r>
-              <a:rPr lang="nl-NL" dirty="0" smtClean="0"/>
-              <a:t>CV close to 0 </a:t>
-            </a:r>
-            <a:r>
-              <a:rPr lang="nl-NL" dirty="0" err="1" smtClean="0"/>
-              <a:t>means</a:t>
-            </a:r>
-            <a:r>
-              <a:rPr lang="nl-NL" dirty="0" smtClean="0"/>
-              <a:t> </a:t>
-            </a:r>
-            <a:r>
-              <a:rPr lang="nl-NL" dirty="0" err="1" smtClean="0"/>
-              <a:t>highly</a:t>
-            </a:r>
-            <a:r>
-              <a:rPr lang="nl-NL" dirty="0" smtClean="0"/>
-              <a:t> </a:t>
-            </a:r>
-            <a:r>
-              <a:rPr lang="nl-NL" dirty="0" err="1" smtClean="0"/>
-              <a:t>regular</a:t>
-            </a:r>
-            <a:endParaRPr lang="nl-NL" dirty="0"/>
-          </a:p>
-        </p:txBody>
-      </p:sp>
+        </p:txBody>
+      </p:sp>
+      <p:pic>
+        <p:nvPicPr>
+          <p:cNvPr id="7" name="Tijdelijke aanduiding voor inhoud 6" descr="neuron spike for CV.png"/>
+          <p:cNvPicPr>
+            <a:picLocks noGrp="1" noChangeAspect="1"/>
+          </p:cNvPicPr>
+          <p:nvPr>
+            <p:ph sz="quarter" idx="2"/>
+          </p:nvPr>
+        </p:nvPicPr>
+        <p:blipFill>
+          <a:blip r:embed="rId4" cstate="print"/>
+          <a:srcRect l="9894" r="7291"/>
+          <a:stretch>
+            <a:fillRect/>
+          </a:stretch>
+        </p:blipFill>
+        <p:spPr>
+          <a:xfrm>
+            <a:off x="467544" y="4077072"/>
+            <a:ext cx="8280920" cy="2579177"/>
+          </a:xfrm>
+        </p:spPr>
+      </p:pic>
     </p:spTree>
   </p:cSld>
   <p:clrMapOvr>
@@ -6367,11 +5768,7 @@
                                           </p:stCondLst>
                                         </p:cTn>
                                         <p:tgtEl>
-                                          <p:spTgt spid="3">
-                                            <p:txEl>
-                                              <p:pRg st="3" end="3"/>
-                                            </p:txEl>
-                                          </p:spTgt>
+                                          <p:spTgt spid="7"/>
                                         </p:tgtEl>
                                         <p:attrNameLst>
                                           <p:attrName>style.visibility</p:attrName>
@@ -6385,11 +5782,7 @@
                                       <p:cBhvr>
                                         <p:cTn id="22" dur="500"/>
                                         <p:tgtEl>
-                                          <p:spTgt spid="3">
-                                            <p:txEl>
-                                              <p:pRg st="3" end="3"/>
-                                            </p:txEl>
-                                          </p:spTgt>
+                                          <p:spTgt spid="7"/>
                                         </p:tgtEl>
                                       </p:cBhvr>
                                     </p:animEffect>
@@ -6415,14 +5808,345 @@
                             </p:stCondLst>
                             <p:childTnLst>
                               <p:par>
-                                <p:cTn id="25" presetID="22" presetClass="entr" presetSubtype="4" fill="hold" nodeType="clickEffect">
+                                <p:cTn id="25" presetID="2" presetClass="exit" presetSubtype="4" fill="hold" nodeType="clickEffect">
+                                  <p:stCondLst>
+                                    <p:cond delay="0"/>
+                                  </p:stCondLst>
+                                  <p:childTnLst>
+                                    <p:anim calcmode="lin" valueType="num">
+                                      <p:cBhvr additive="base">
+                                        <p:cTn id="26" dur="500"/>
+                                        <p:tgtEl>
+                                          <p:spTgt spid="7"/>
+                                        </p:tgtEl>
+                                        <p:attrNameLst>
+                                          <p:attrName>ppt_x</p:attrName>
+                                        </p:attrNameLst>
+                                      </p:cBhvr>
+                                      <p:tavLst>
+                                        <p:tav tm="0">
+                                          <p:val>
+                                            <p:strVal val="ppt_x"/>
+                                          </p:val>
+                                        </p:tav>
+                                        <p:tav tm="100000">
+                                          <p:val>
+                                            <p:strVal val="ppt_x"/>
+                                          </p:val>
+                                        </p:tav>
+                                      </p:tavLst>
+                                    </p:anim>
+                                    <p:anim calcmode="lin" valueType="num">
+                                      <p:cBhvr additive="base">
+                                        <p:cTn id="27" dur="500"/>
+                                        <p:tgtEl>
+                                          <p:spTgt spid="7"/>
+                                        </p:tgtEl>
+                                        <p:attrNameLst>
+                                          <p:attrName>ppt_y</p:attrName>
+                                        </p:attrNameLst>
+                                      </p:cBhvr>
+                                      <p:tavLst>
+                                        <p:tav tm="0">
+                                          <p:val>
+                                            <p:strVal val="ppt_y"/>
+                                          </p:val>
+                                        </p:tav>
+                                        <p:tav tm="100000">
+                                          <p:val>
+                                            <p:strVal val="1+ppt_h/2"/>
+                                          </p:val>
+                                        </p:tav>
+                                      </p:tavLst>
+                                    </p:anim>
+                                    <p:set>
+                                      <p:cBhvr>
+                                        <p:cTn id="28" dur="1" fill="hold">
+                                          <p:stCondLst>
+                                            <p:cond delay="499"/>
+                                          </p:stCondLst>
+                                        </p:cTn>
+                                        <p:tgtEl>
+                                          <p:spTgt spid="7"/>
+                                        </p:tgtEl>
+                                        <p:attrNameLst>
+                                          <p:attrName>style.visibility</p:attrName>
+                                        </p:attrNameLst>
+                                      </p:cBhvr>
+                                      <p:to>
+                                        <p:strVal val="hidden"/>
+                                      </p:to>
+                                    </p:set>
+                                  </p:childTnLst>
+                                </p:cTn>
+                              </p:par>
+                            </p:childTnLst>
+                          </p:cTn>
+                        </p:par>
+                      </p:childTnLst>
+                    </p:cTn>
+                  </p:par>
+                  <p:par>
+                    <p:cTn id="29" fill="hold">
+                      <p:stCondLst>
+                        <p:cond delay="indefinite"/>
+                      </p:stCondLst>
+                      <p:childTnLst>
+                        <p:par>
+                          <p:cTn id="30" fill="hold">
+                            <p:stCondLst>
+                              <p:cond delay="0"/>
+                            </p:stCondLst>
+                            <p:childTnLst>
+                              <p:par>
+                                <p:cTn id="31" presetID="22" presetClass="entr" presetSubtype="4" fill="hold" nodeType="clickEffect">
                                   <p:stCondLst>
                                     <p:cond delay="0"/>
                                   </p:stCondLst>
                                   <p:childTnLst>
                                     <p:set>
                                       <p:cBhvr>
-                                        <p:cTn id="26" dur="1" fill="hold">
+                                        <p:cTn id="32" dur="1" fill="hold">
+                                          <p:stCondLst>
+                                            <p:cond delay="0"/>
+                                          </p:stCondLst>
+                                        </p:cTn>
+                                        <p:tgtEl>
+                                          <p:spTgt spid="8"/>
+                                        </p:tgtEl>
+                                        <p:attrNameLst>
+                                          <p:attrName>style.visibility</p:attrName>
+                                        </p:attrNameLst>
+                                      </p:cBhvr>
+                                      <p:to>
+                                        <p:strVal val="visible"/>
+                                      </p:to>
+                                    </p:set>
+                                    <p:animEffect transition="in" filter="wipe(down)">
+                                      <p:cBhvr>
+                                        <p:cTn id="33" dur="500"/>
+                                        <p:tgtEl>
+                                          <p:spTgt spid="8"/>
+                                        </p:tgtEl>
+                                      </p:cBhvr>
+                                    </p:animEffect>
+                                  </p:childTnLst>
+                                </p:cTn>
+                              </p:par>
+                            </p:childTnLst>
+                          </p:cTn>
+                        </p:par>
+                      </p:childTnLst>
+                    </p:cTn>
+                  </p:par>
+                  <p:par>
+                    <p:cTn id="34" fill="hold">
+                      <p:stCondLst>
+                        <p:cond delay="indefinite"/>
+                      </p:stCondLst>
+                      <p:childTnLst>
+                        <p:par>
+                          <p:cTn id="35" fill="hold">
+                            <p:stCondLst>
+                              <p:cond delay="0"/>
+                            </p:stCondLst>
+                            <p:childTnLst>
+                              <p:par>
+                                <p:cTn id="36" presetID="22" presetClass="entr" presetSubtype="4" fill="hold" nodeType="clickEffect">
+                                  <p:stCondLst>
+                                    <p:cond delay="0"/>
+                                  </p:stCondLst>
+                                  <p:childTnLst>
+                                    <p:set>
+                                      <p:cBhvr>
+                                        <p:cTn id="37" dur="1" fill="hold">
+                                          <p:stCondLst>
+                                            <p:cond delay="0"/>
+                                          </p:stCondLst>
+                                        </p:cTn>
+                                        <p:tgtEl>
+                                          <p:spTgt spid="11"/>
+                                        </p:tgtEl>
+                                        <p:attrNameLst>
+                                          <p:attrName>style.visibility</p:attrName>
+                                        </p:attrNameLst>
+                                      </p:cBhvr>
+                                      <p:to>
+                                        <p:strVal val="visible"/>
+                                      </p:to>
+                                    </p:set>
+                                    <p:animEffect transition="in" filter="wipe(down)">
+                                      <p:cBhvr>
+                                        <p:cTn id="38" dur="500"/>
+                                        <p:tgtEl>
+                                          <p:spTgt spid="11"/>
+                                        </p:tgtEl>
+                                      </p:cBhvr>
+                                    </p:animEffect>
+                                  </p:childTnLst>
+                                </p:cTn>
+                              </p:par>
+                            </p:childTnLst>
+                          </p:cTn>
+                        </p:par>
+                      </p:childTnLst>
+                    </p:cTn>
+                  </p:par>
+                  <p:par>
+                    <p:cTn id="39" fill="hold">
+                      <p:stCondLst>
+                        <p:cond delay="indefinite"/>
+                      </p:stCondLst>
+                      <p:childTnLst>
+                        <p:par>
+                          <p:cTn id="40" fill="hold">
+                            <p:stCondLst>
+                              <p:cond delay="0"/>
+                            </p:stCondLst>
+                            <p:childTnLst>
+                              <p:par>
+                                <p:cTn id="41" presetID="2" presetClass="exit" presetSubtype="4" fill="hold" nodeType="clickEffect">
+                                  <p:stCondLst>
+                                    <p:cond delay="0"/>
+                                  </p:stCondLst>
+                                  <p:childTnLst>
+                                    <p:anim calcmode="lin" valueType="num">
+                                      <p:cBhvr additive="base">
+                                        <p:cTn id="42" dur="500"/>
+                                        <p:tgtEl>
+                                          <p:spTgt spid="8"/>
+                                        </p:tgtEl>
+                                        <p:attrNameLst>
+                                          <p:attrName>ppt_x</p:attrName>
+                                        </p:attrNameLst>
+                                      </p:cBhvr>
+                                      <p:tavLst>
+                                        <p:tav tm="0">
+                                          <p:val>
+                                            <p:strVal val="ppt_x"/>
+                                          </p:val>
+                                        </p:tav>
+                                        <p:tav tm="100000">
+                                          <p:val>
+                                            <p:strVal val="ppt_x"/>
+                                          </p:val>
+                                        </p:tav>
+                                      </p:tavLst>
+                                    </p:anim>
+                                    <p:anim calcmode="lin" valueType="num">
+                                      <p:cBhvr additive="base">
+                                        <p:cTn id="43" dur="500"/>
+                                        <p:tgtEl>
+                                          <p:spTgt spid="8"/>
+                                        </p:tgtEl>
+                                        <p:attrNameLst>
+                                          <p:attrName>ppt_y</p:attrName>
+                                        </p:attrNameLst>
+                                      </p:cBhvr>
+                                      <p:tavLst>
+                                        <p:tav tm="0">
+                                          <p:val>
+                                            <p:strVal val="ppt_y"/>
+                                          </p:val>
+                                        </p:tav>
+                                        <p:tav tm="100000">
+                                          <p:val>
+                                            <p:strVal val="1+ppt_h/2"/>
+                                          </p:val>
+                                        </p:tav>
+                                      </p:tavLst>
+                                    </p:anim>
+                                    <p:set>
+                                      <p:cBhvr>
+                                        <p:cTn id="44" dur="1" fill="hold">
+                                          <p:stCondLst>
+                                            <p:cond delay="499"/>
+                                          </p:stCondLst>
+                                        </p:cTn>
+                                        <p:tgtEl>
+                                          <p:spTgt spid="8"/>
+                                        </p:tgtEl>
+                                        <p:attrNameLst>
+                                          <p:attrName>style.visibility</p:attrName>
+                                        </p:attrNameLst>
+                                      </p:cBhvr>
+                                      <p:to>
+                                        <p:strVal val="hidden"/>
+                                      </p:to>
+                                    </p:set>
+                                  </p:childTnLst>
+                                </p:cTn>
+                              </p:par>
+                            </p:childTnLst>
+                          </p:cTn>
+                        </p:par>
+                      </p:childTnLst>
+                    </p:cTn>
+                  </p:par>
+                  <p:par>
+                    <p:cTn id="45" fill="hold">
+                      <p:stCondLst>
+                        <p:cond delay="indefinite"/>
+                      </p:stCondLst>
+                      <p:childTnLst>
+                        <p:par>
+                          <p:cTn id="46" fill="hold">
+                            <p:stCondLst>
+                              <p:cond delay="0"/>
+                            </p:stCondLst>
+                            <p:childTnLst>
+                              <p:par>
+                                <p:cTn id="47" presetID="22" presetClass="entr" presetSubtype="4" fill="hold" nodeType="clickEffect">
+                                  <p:stCondLst>
+                                    <p:cond delay="0"/>
+                                  </p:stCondLst>
+                                  <p:childTnLst>
+                                    <p:set>
+                                      <p:cBhvr>
+                                        <p:cTn id="48" dur="1" fill="hold">
+                                          <p:stCondLst>
+                                            <p:cond delay="0"/>
+                                          </p:stCondLst>
+                                        </p:cTn>
+                                        <p:tgtEl>
+                                          <p:spTgt spid="3">
+                                            <p:txEl>
+                                              <p:pRg st="3" end="3"/>
+                                            </p:txEl>
+                                          </p:spTgt>
+                                        </p:tgtEl>
+                                        <p:attrNameLst>
+                                          <p:attrName>style.visibility</p:attrName>
+                                        </p:attrNameLst>
+                                      </p:cBhvr>
+                                      <p:to>
+                                        <p:strVal val="visible"/>
+                                      </p:to>
+                                    </p:set>
+                                    <p:animEffect transition="in" filter="wipe(down)">
+                                      <p:cBhvr>
+                                        <p:cTn id="49" dur="500"/>
+                                        <p:tgtEl>
+                                          <p:spTgt spid="3">
+                                            <p:txEl>
+                                              <p:pRg st="3" end="3"/>
+                                            </p:txEl>
+                                          </p:spTgt>
+                                        </p:tgtEl>
+                                      </p:cBhvr>
+                                    </p:animEffect>
+                                  </p:childTnLst>
+                                </p:cTn>
+                              </p:par>
+                              <p:par>
+                                <p:cTn id="50" presetID="22" presetClass="entr" presetSubtype="4" fill="hold" nodeType="withEffect">
+                                  <p:stCondLst>
+                                    <p:cond delay="0"/>
+                                  </p:stCondLst>
+                                  <p:childTnLst>
+                                    <p:set>
+                                      <p:cBhvr>
+                                        <p:cTn id="51" dur="1" fill="hold">
                                           <p:stCondLst>
                                             <p:cond delay="0"/>
                                           </p:stCondLst>
@@ -6444,7 +6168,7 @@
                                     </p:set>
                                     <p:animEffect transition="in" filter="wipe(down)">
                                       <p:cBhvr>
-                                        <p:cTn id="27" dur="500"/>
+                                        <p:cTn id="52" dur="500"/>
                                         <p:tgtEl>
                                           <p:spTgt spid="3">
                                             <p:txEl>
@@ -6464,26 +6188,26 @@
                     </p:cTn>
                   </p:par>
                   <p:par>
-                    <p:cTn id="28" fill="hold">
+                    <p:cTn id="53" fill="hold">
                       <p:stCondLst>
                         <p:cond delay="indefinite"/>
                       </p:stCondLst>
                       <p:childTnLst>
                         <p:par>
-                          <p:cTn id="29" fill="hold">
+                          <p:cTn id="54" fill="hold">
                             <p:stCondLst>
                               <p:cond delay="0"/>
                             </p:stCondLst>
                             <p:childTnLst>
                               <p:par>
-                                <p:cTn id="30" presetID="22" presetClass="entr" presetSubtype="4" fill="hold" nodeType="clickEffect">
+                                <p:cTn id="55" presetID="22" presetClass="entr" presetSubtype="4" fill="hold" nodeType="clickEffect">
                                   <p:stCondLst>
                                     <p:cond delay="0"/>
                                   </p:stCondLst>
                                   <p:childTnLst>
                                     <p:set>
                                       <p:cBhvr>
-                                        <p:cTn id="31" dur="1" fill="hold">
+                                        <p:cTn id="56" dur="1" fill="hold">
                                           <p:stCondLst>
                                             <p:cond delay="0"/>
                                           </p:stCondLst>
@@ -6505,72 +6229,11 @@
                                     </p:set>
                                     <p:animEffect transition="in" filter="wipe(down)">
                                       <p:cBhvr>
-                                        <p:cTn id="32" dur="500"/>
+                                        <p:cTn id="57" dur="500"/>
                                         <p:tgtEl>
                                           <p:spTgt spid="3">
                                             <p:txEl>
                                               <p:pRg st="5" end="5"/>
-                                            </p:txEl>
-                                          </p:spTgt>
-                                        </p:tgtEl>
-                                      </p:cBhvr>
-                                    </p:animEffect>
-                                  </p:childTnLst>
-                                </p:cTn>
-                              </p:par>
-                            </p:childTnLst>
-                          </p:cTn>
-                        </p:par>
-                      </p:childTnLst>
-                    </p:cTn>
-                  </p:par>
-                  <p:par>
-                    <p:cTn id="33" fill="hold">
-                      <p:stCondLst>
-                        <p:cond delay="indefinite"/>
-                      </p:stCondLst>
-                      <p:childTnLst>
-                        <p:par>
-                          <p:cTn id="34" fill="hold">
-                            <p:stCondLst>
-                              <p:cond delay="0"/>
-                            </p:stCondLst>
-                            <p:childTnLst>
-                              <p:par>
-                                <p:cTn id="35" presetID="22" presetClass="entr" presetSubtype="4" fill="hold" nodeType="clickEffect">
-                                  <p:stCondLst>
-                                    <p:cond delay="0"/>
-                                  </p:stCondLst>
-                                  <p:childTnLst>
-                                    <p:set>
-                                      <p:cBhvr>
-                                        <p:cTn id="36" dur="1" fill="hold">
-                                          <p:stCondLst>
-                                            <p:cond delay="0"/>
-                                          </p:stCondLst>
-                                        </p:cTn>
-                                        <p:tgtEl>
-                                          <p:spTgt spid="3">
-                                            <p:txEl>
-                                              <p:pRg st="6" end="6"/>
-                                            </p:txEl>
-                                          </p:spTgt>
-                                        </p:tgtEl>
-                                        <p:attrNameLst>
-                                          <p:attrName>style.visibility</p:attrName>
-                                        </p:attrNameLst>
-                                      </p:cBhvr>
-                                      <p:to>
-                                        <p:strVal val="visible"/>
-                                      </p:to>
-                                    </p:set>
-                                    <p:animEffect transition="in" filter="wipe(down)">
-                                      <p:cBhvr>
-                                        <p:cTn id="37" dur="500"/>
-                                        <p:tgtEl>
-                                          <p:spTgt spid="3">
-                                            <p:txEl>
-                                              <p:pRg st="6" end="6"/>
                                             </p:txEl>
                                           </p:spTgt>
                                         </p:tgtEl>
@@ -6610,7 +6273,7 @@
 </p:sld>
 </file>
 
-<file path=ppt/slides/slide15.xml><?xml version="1.0" encoding="utf-8"?>
+<file path=ppt/slides/slide14.xml><?xml version="1.0" encoding="utf-8"?>
 <p:sld xmlns:a="http://schemas.openxmlformats.org/drawingml/2006/main" xmlns:r="http://schemas.openxmlformats.org/officeDocument/2006/relationships" xmlns:p="http://schemas.openxmlformats.org/presentationml/2006/main">
   <p:cSld>
     <p:spTree>
@@ -6627,6 +6290,31 @@
           <a:chExt cx="0" cy="0"/>
         </a:xfrm>
       </p:grpSpPr>
+      <p:pic>
+        <p:nvPicPr>
+          <p:cNvPr id="4" name="Afbeelding 3" descr="SM measure.png"/>
+          <p:cNvPicPr>
+            <a:picLocks noChangeAspect="1"/>
+          </p:cNvPicPr>
+          <p:nvPr/>
+        </p:nvPicPr>
+        <p:blipFill>
+          <a:blip r:embed="rId2" cstate="print"/>
+          <a:srcRect l="6688" r="7476"/>
+          <a:stretch>
+            <a:fillRect/>
+          </a:stretch>
+        </p:blipFill>
+        <p:spPr>
+          <a:xfrm>
+            <a:off x="323528" y="2924944"/>
+            <a:ext cx="8568952" cy="3765478"/>
+          </a:xfrm>
+          <a:prstGeom prst="rect">
+            <a:avLst/>
+          </a:prstGeom>
+        </p:spPr>
+      </p:pic>
       <p:sp>
         <p:nvSpPr>
           <p:cNvPr id="2" name="Titel 1"/>
@@ -6683,9 +6371,16 @@
             <p:ph sz="quarter" idx="1"/>
           </p:nvPr>
         </p:nvSpPr>
-        <p:spPr/>
-        <p:txBody>
-          <a:bodyPr/>
+        <p:spPr>
+          <a:xfrm>
+            <a:off x="914400" y="1447800"/>
+            <a:ext cx="4305672" cy="3781400"/>
+          </a:xfrm>
+        </p:spPr>
+        <p:txBody>
+          <a:bodyPr>
+            <a:normAutofit/>
+          </a:bodyPr>
           <a:lstStyle/>
           <a:p>
             <a:r>
@@ -6706,38 +6401,7 @@
             </a:r>
             <a:r>
               <a:rPr lang="nl-NL" dirty="0" err="1" smtClean="0"/>
-              <a:t>for</a:t>
-            </a:r>
-            <a:r>
-              <a:rPr lang="nl-NL" dirty="0" smtClean="0"/>
-              <a:t> </a:t>
-            </a:r>
-            <a:r>
-              <a:rPr lang="nl-NL" dirty="0" err="1" smtClean="0"/>
-              <a:t>Regularity</a:t>
-            </a:r>
-            <a:r>
-              <a:rPr lang="nl-NL" dirty="0" smtClean="0"/>
-              <a:t> and </a:t>
-            </a:r>
-            <a:r>
-              <a:rPr lang="nl-NL" dirty="0" err="1" smtClean="0"/>
               <a:t>Synchrony</a:t>
-            </a:r>
-            <a:endParaRPr lang="nl-NL" dirty="0" smtClean="0"/>
-          </a:p>
-          <a:p>
-            <a:r>
-              <a:rPr lang="nl-NL" dirty="0" err="1" smtClean="0"/>
-              <a:t>Synchrony</a:t>
-            </a:r>
-            <a:r>
-              <a:rPr lang="nl-NL" dirty="0" smtClean="0"/>
-              <a:t> of </a:t>
-            </a:r>
-            <a:r>
-              <a:rPr lang="nl-NL" dirty="0" err="1" smtClean="0"/>
-              <a:t>network</a:t>
             </a:r>
             <a:endParaRPr lang="nl-NL" dirty="0" smtClean="0"/>
           </a:p>
@@ -6747,6 +6411,17 @@
               <a:buChar char="o"/>
             </a:pPr>
             <a:r>
+              <a:rPr lang="nl-NL" dirty="0" smtClean="0"/>
+              <a:t>Random </a:t>
+            </a:r>
+            <a:r>
+              <a:rPr lang="nl-NL" dirty="0" err="1" smtClean="0"/>
+              <a:t>activity</a:t>
+            </a:r>
+            <a:endParaRPr lang="nl-NL" dirty="0" smtClean="0"/>
+          </a:p>
+          <a:p>
+            <a:r>
               <a:rPr lang="nl-NL" dirty="0" err="1" smtClean="0"/>
               <a:t>Synchrony</a:t>
             </a:r>
@@ -6756,25 +6431,62 @@
             </a:r>
             <a:r>
               <a:rPr lang="nl-NL" dirty="0" err="1" smtClean="0"/>
+              <a:t>Peak</a:t>
+            </a:r>
+            <a:r>
+              <a:rPr lang="nl-NL" dirty="0" smtClean="0"/>
+              <a:t> Average (SPA)</a:t>
+            </a:r>
+          </a:p>
+          <a:p>
+            <a:pPr lvl="1">
+              <a:buFont typeface="Courier New" pitchFamily="49" charset="0"/>
+              <a:buChar char="o"/>
+            </a:pPr>
+            <a:r>
+              <a:rPr lang="nl-NL" dirty="0" smtClean="0"/>
+              <a:t>Average 3 </a:t>
+            </a:r>
+            <a:r>
+              <a:rPr lang="nl-NL" dirty="0" err="1" smtClean="0"/>
+              <a:t>highest</a:t>
+            </a:r>
+            <a:r>
+              <a:rPr lang="nl-NL" dirty="0" smtClean="0"/>
+              <a:t> </a:t>
+            </a:r>
+            <a:r>
+              <a:rPr lang="nl-NL" dirty="0" err="1" smtClean="0"/>
+              <a:t>peaks</a:t>
+            </a:r>
+            <a:endParaRPr lang="nl-NL" dirty="0" smtClean="0"/>
+          </a:p>
+          <a:p>
+            <a:r>
+              <a:rPr lang="nl-NL" dirty="0" err="1" smtClean="0"/>
+              <a:t>Synchrony</a:t>
+            </a:r>
+            <a:r>
+              <a:rPr lang="nl-NL" dirty="0" smtClean="0"/>
+              <a:t> </a:t>
+            </a:r>
+            <a:r>
+              <a:rPr lang="nl-NL" dirty="0" err="1" smtClean="0"/>
               <a:t>Measure</a:t>
             </a:r>
             <a:r>
               <a:rPr lang="nl-NL" dirty="0" smtClean="0"/>
-              <a:t> (SM):</a:t>
-            </a:r>
-          </a:p>
-          <a:p>
-            <a:pPr lvl="2">
-              <a:buFont typeface="Wingdings" pitchFamily="2" charset="2"/>
-              <a:buChar char="§"/>
-            </a:pPr>
-            <a:r>
-              <a:rPr lang="nl-NL" dirty="0" smtClean="0"/>
-              <a:t>The average of 3 </a:t>
-            </a:r>
-            <a:r>
-              <a:rPr lang="nl-NL" dirty="0" err="1" smtClean="0"/>
-              <a:t>highest</a:t>
+              <a:t> (SM)</a:t>
+            </a:r>
+          </a:p>
+          <a:p>
+            <a:r>
+              <a:rPr lang="nl-NL" dirty="0" smtClean="0"/>
+              <a:t>High SM </a:t>
+            </a:r>
+            <a:r>
+              <a:rPr lang="nl-NL" dirty="0" err="1" smtClean="0"/>
+              <a:t>much</a:t>
             </a:r>
             <a:r>
               <a:rPr lang="nl-NL" dirty="0" smtClean="0"/>
@@ -6782,170 +6494,8 @@
             </a:r>
             <a:r>
               <a:rPr lang="nl-NL" dirty="0" err="1" smtClean="0"/>
-              <a:t>frequency</a:t>
-            </a:r>
-            <a:r>
-              <a:rPr lang="nl-NL" dirty="0" smtClean="0"/>
-              <a:t> </a:t>
-            </a:r>
-            <a:r>
-              <a:rPr lang="nl-NL" dirty="0" err="1" smtClean="0"/>
-              <a:t>peaks</a:t>
-            </a:r>
-            <a:r>
-              <a:rPr lang="nl-NL" dirty="0" smtClean="0"/>
-              <a:t> </a:t>
-            </a:r>
-          </a:p>
-          <a:p>
-            <a:pPr lvl="2">
-              <a:buFont typeface="Wingdings" pitchFamily="2" charset="2"/>
-              <a:buChar char="§"/>
-            </a:pPr>
-            <a:r>
-              <a:rPr lang="nl-NL" dirty="0" err="1" smtClean="0"/>
-              <a:t>With</a:t>
-            </a:r>
-            <a:r>
-              <a:rPr lang="nl-NL" dirty="0" smtClean="0"/>
-              <a:t> </a:t>
-            </a:r>
-            <a:r>
-              <a:rPr lang="nl-NL" dirty="0" err="1" smtClean="0"/>
-              <a:t>total</a:t>
-            </a:r>
-            <a:r>
-              <a:rPr lang="nl-NL" dirty="0" smtClean="0"/>
-              <a:t> </a:t>
-            </a:r>
-            <a:r>
-              <a:rPr lang="nl-NL" dirty="0" err="1" smtClean="0"/>
-              <a:t>amount</a:t>
-            </a:r>
-            <a:r>
-              <a:rPr lang="nl-NL" dirty="0" smtClean="0"/>
-              <a:t> of spikes random </a:t>
-            </a:r>
-            <a:r>
-              <a:rPr lang="nl-NL" dirty="0" err="1" smtClean="0"/>
-              <a:t>activity</a:t>
-            </a:r>
-            <a:r>
-              <a:rPr lang="nl-NL" dirty="0" smtClean="0"/>
-              <a:t> </a:t>
-            </a:r>
-            <a:r>
-              <a:rPr lang="nl-NL" dirty="0" err="1" smtClean="0"/>
-              <a:t>simulated</a:t>
-            </a:r>
-            <a:endParaRPr lang="nl-NL" dirty="0" smtClean="0"/>
-          </a:p>
-          <a:p>
-            <a:pPr lvl="2">
-              <a:buFont typeface="Wingdings" pitchFamily="2" charset="2"/>
-              <a:buChar char="§"/>
-            </a:pPr>
-            <a:r>
-              <a:rPr lang="nl-NL" dirty="0" smtClean="0"/>
-              <a:t>Average of 3 </a:t>
-            </a:r>
-            <a:r>
-              <a:rPr lang="nl-NL" dirty="0" err="1" smtClean="0"/>
-              <a:t>highest</a:t>
-            </a:r>
-            <a:r>
-              <a:rPr lang="nl-NL" dirty="0" smtClean="0"/>
-              <a:t> </a:t>
-            </a:r>
-            <a:r>
-              <a:rPr lang="nl-NL" dirty="0" err="1" smtClean="0"/>
-              <a:t>frequency</a:t>
-            </a:r>
-            <a:r>
-              <a:rPr lang="nl-NL" dirty="0" smtClean="0"/>
-              <a:t> </a:t>
-            </a:r>
-            <a:r>
-              <a:rPr lang="nl-NL" dirty="0" err="1" smtClean="0"/>
-              <a:t>peaks</a:t>
-            </a:r>
-            <a:r>
-              <a:rPr lang="nl-NL" dirty="0" smtClean="0"/>
-              <a:t> of random </a:t>
-            </a:r>
-            <a:r>
-              <a:rPr lang="nl-NL" dirty="0" err="1" smtClean="0"/>
-              <a:t>activity</a:t>
-            </a:r>
-            <a:endParaRPr lang="nl-NL" dirty="0" smtClean="0"/>
-          </a:p>
-          <a:p>
-            <a:pPr lvl="2">
-              <a:buFont typeface="Wingdings" pitchFamily="2" charset="2"/>
-              <a:buChar char="§"/>
-            </a:pPr>
-            <a:r>
-              <a:rPr lang="nl-NL" dirty="0" smtClean="0"/>
-              <a:t>SM = average of </a:t>
-            </a:r>
-            <a:r>
-              <a:rPr lang="nl-NL" dirty="0" err="1" smtClean="0"/>
-              <a:t>network</a:t>
-            </a:r>
-            <a:r>
-              <a:rPr lang="nl-NL" dirty="0" smtClean="0"/>
-              <a:t> </a:t>
-            </a:r>
-            <a:r>
-              <a:rPr lang="nl-NL" dirty="0" err="1" smtClean="0"/>
-              <a:t>devided</a:t>
-            </a:r>
-            <a:r>
-              <a:rPr lang="nl-NL" dirty="0" smtClean="0"/>
-              <a:t> </a:t>
-            </a:r>
-            <a:r>
-              <a:rPr lang="nl-NL" dirty="0" err="1" smtClean="0"/>
-              <a:t>by</a:t>
-            </a:r>
-            <a:r>
-              <a:rPr lang="nl-NL" dirty="0" smtClean="0"/>
-              <a:t> average of random </a:t>
-            </a:r>
-            <a:r>
-              <a:rPr lang="nl-NL" dirty="0" err="1" smtClean="0"/>
-              <a:t>activity</a:t>
-            </a:r>
-            <a:endParaRPr lang="nl-NL" dirty="0" smtClean="0"/>
-          </a:p>
-          <a:p>
-            <a:pPr lvl="2">
-              <a:buFont typeface="Wingdings" pitchFamily="2" charset="2"/>
-              <a:buChar char="§"/>
-            </a:pPr>
-            <a:r>
-              <a:rPr lang="nl-NL" dirty="0" smtClean="0"/>
-              <a:t>High SM </a:t>
-            </a:r>
-            <a:r>
-              <a:rPr lang="nl-NL" dirty="0" err="1" smtClean="0"/>
-              <a:t>means</a:t>
-            </a:r>
-            <a:r>
-              <a:rPr lang="nl-NL" dirty="0" smtClean="0"/>
-              <a:t> more </a:t>
-            </a:r>
-            <a:r>
-              <a:rPr lang="nl-NL" dirty="0" err="1" smtClean="0"/>
               <a:t>synchrony</a:t>
             </a:r>
-            <a:endParaRPr lang="nl-NL" dirty="0" smtClean="0"/>
-          </a:p>
-          <a:p>
-            <a:pPr lvl="2">
-              <a:buFont typeface="Wingdings" pitchFamily="2" charset="2"/>
-              <a:buChar char="§"/>
-            </a:pPr>
             <a:endParaRPr lang="nl-NL" dirty="0" smtClean="0"/>
           </a:p>
           <a:p>
@@ -6957,6 +6507,56 @@
           </a:p>
         </p:txBody>
       </p:sp>
+      <p:pic>
+        <p:nvPicPr>
+          <p:cNvPr id="5" name="Afbeelding 4" descr="SM formula.PNG"/>
+          <p:cNvPicPr>
+            <a:picLocks noChangeAspect="1"/>
+          </p:cNvPicPr>
+          <p:nvPr/>
+        </p:nvPicPr>
+        <p:blipFill>
+          <a:blip r:embed="rId3" cstate="print"/>
+          <a:srcRect b="15426"/>
+          <a:stretch>
+            <a:fillRect/>
+          </a:stretch>
+        </p:blipFill>
+        <p:spPr>
+          <a:xfrm>
+            <a:off x="971600" y="4509120"/>
+            <a:ext cx="3057952" cy="1152128"/>
+          </a:xfrm>
+          <a:prstGeom prst="rect">
+            <a:avLst/>
+          </a:prstGeom>
+        </p:spPr>
+      </p:pic>
+      <p:pic>
+        <p:nvPicPr>
+          <p:cNvPr id="6" name="Afbeelding 5" descr="SM measure.png"/>
+          <p:cNvPicPr>
+            <a:picLocks noChangeAspect="1"/>
+          </p:cNvPicPr>
+          <p:nvPr/>
+        </p:nvPicPr>
+        <p:blipFill>
+          <a:blip r:embed="rId2" cstate="print"/>
+          <a:srcRect l="6688" r="51560"/>
+          <a:stretch>
+            <a:fillRect/>
+          </a:stretch>
+        </p:blipFill>
+        <p:spPr>
+          <a:xfrm>
+            <a:off x="4716016" y="2924944"/>
+            <a:ext cx="4168080" cy="3765478"/>
+          </a:xfrm>
+          <a:prstGeom prst="rect">
+            <a:avLst/>
+          </a:prstGeom>
+        </p:spPr>
+      </p:pic>
     </p:spTree>
   </p:cSld>
   <p:clrMapOvr>
@@ -7118,11 +6718,7 @@
                                           </p:stCondLst>
                                         </p:cTn>
                                         <p:tgtEl>
-                                          <p:spTgt spid="3">
-                                            <p:txEl>
-                                              <p:pRg st="2" end="2"/>
-                                            </p:txEl>
-                                          </p:spTgt>
+                                          <p:spTgt spid="4"/>
                                         </p:tgtEl>
                                         <p:attrNameLst>
                                           <p:attrName>style.visibility</p:attrName>
@@ -7136,11 +6732,7 @@
                                       <p:cBhvr>
                                         <p:cTn id="17" dur="500"/>
                                         <p:tgtEl>
-                                          <p:spTgt spid="3">
-                                            <p:txEl>
-                                              <p:pRg st="2" end="2"/>
-                                            </p:txEl>
-                                          </p:spTgt>
+                                          <p:spTgt spid="4"/>
                                         </p:tgtEl>
                                       </p:cBhvr>
                                     </p:animEffect>
@@ -7166,14 +6758,148 @@
                             </p:stCondLst>
                             <p:childTnLst>
                               <p:par>
-                                <p:cTn id="20" presetID="22" presetClass="entr" presetSubtype="4" fill="hold" nodeType="clickEffect">
+                                <p:cTn id="20" presetID="2" presetClass="exit" presetSubtype="4" fill="hold" nodeType="clickEffect">
+                                  <p:stCondLst>
+                                    <p:cond delay="0"/>
+                                  </p:stCondLst>
+                                  <p:childTnLst>
+                                    <p:anim calcmode="lin" valueType="num">
+                                      <p:cBhvr additive="base">
+                                        <p:cTn id="21" dur="500"/>
+                                        <p:tgtEl>
+                                          <p:spTgt spid="4"/>
+                                        </p:tgtEl>
+                                        <p:attrNameLst>
+                                          <p:attrName>ppt_x</p:attrName>
+                                        </p:attrNameLst>
+                                      </p:cBhvr>
+                                      <p:tavLst>
+                                        <p:tav tm="0">
+                                          <p:val>
+                                            <p:strVal val="ppt_x"/>
+                                          </p:val>
+                                        </p:tav>
+                                        <p:tav tm="100000">
+                                          <p:val>
+                                            <p:strVal val="ppt_x"/>
+                                          </p:val>
+                                        </p:tav>
+                                      </p:tavLst>
+                                    </p:anim>
+                                    <p:anim calcmode="lin" valueType="num">
+                                      <p:cBhvr additive="base">
+                                        <p:cTn id="22" dur="500"/>
+                                        <p:tgtEl>
+                                          <p:spTgt spid="4"/>
+                                        </p:tgtEl>
+                                        <p:attrNameLst>
+                                          <p:attrName>ppt_y</p:attrName>
+                                        </p:attrNameLst>
+                                      </p:cBhvr>
+                                      <p:tavLst>
+                                        <p:tav tm="0">
+                                          <p:val>
+                                            <p:strVal val="ppt_y"/>
+                                          </p:val>
+                                        </p:tav>
+                                        <p:tav tm="100000">
+                                          <p:val>
+                                            <p:strVal val="1+ppt_h/2"/>
+                                          </p:val>
+                                        </p:tav>
+                                      </p:tavLst>
+                                    </p:anim>
+                                    <p:set>
+                                      <p:cBhvr>
+                                        <p:cTn id="23" dur="1" fill="hold">
+                                          <p:stCondLst>
+                                            <p:cond delay="499"/>
+                                          </p:stCondLst>
+                                        </p:cTn>
+                                        <p:tgtEl>
+                                          <p:spTgt spid="4"/>
+                                        </p:tgtEl>
+                                        <p:attrNameLst>
+                                          <p:attrName>style.visibility</p:attrName>
+                                        </p:attrNameLst>
+                                      </p:cBhvr>
+                                      <p:to>
+                                        <p:strVal val="hidden"/>
+                                      </p:to>
+                                    </p:set>
+                                  </p:childTnLst>
+                                </p:cTn>
+                              </p:par>
+                            </p:childTnLst>
+                          </p:cTn>
+                        </p:par>
+                      </p:childTnLst>
+                    </p:cTn>
+                  </p:par>
+                  <p:par>
+                    <p:cTn id="24" fill="hold">
+                      <p:stCondLst>
+                        <p:cond delay="indefinite"/>
+                      </p:stCondLst>
+                      <p:childTnLst>
+                        <p:par>
+                          <p:cTn id="25" fill="hold">
+                            <p:stCondLst>
+                              <p:cond delay="0"/>
+                            </p:stCondLst>
+                            <p:childTnLst>
+                              <p:par>
+                                <p:cTn id="26" presetID="22" presetClass="entr" presetSubtype="4" fill="hold" nodeType="clickEffect">
                                   <p:stCondLst>
                                     <p:cond delay="0"/>
                                   </p:stCondLst>
                                   <p:childTnLst>
                                     <p:set>
                                       <p:cBhvr>
-                                        <p:cTn id="21" dur="1" fill="hold">
+                                        <p:cTn id="27" dur="1" fill="hold">
+                                          <p:stCondLst>
+                                            <p:cond delay="0"/>
+                                          </p:stCondLst>
+                                        </p:cTn>
+                                        <p:tgtEl>
+                                          <p:spTgt spid="3">
+                                            <p:txEl>
+                                              <p:pRg st="2" end="2"/>
+                                            </p:txEl>
+                                          </p:spTgt>
+                                        </p:tgtEl>
+                                        <p:attrNameLst>
+                                          <p:attrName>style.visibility</p:attrName>
+                                        </p:attrNameLst>
+                                      </p:cBhvr>
+                                      <p:to>
+                                        <p:strVal val="visible"/>
+                                      </p:to>
+                                    </p:set>
+                                    <p:animEffect transition="in" filter="wipe(down)">
+                                      <p:cBhvr>
+                                        <p:cTn id="28" dur="500"/>
+                                        <p:tgtEl>
+                                          <p:spTgt spid="3">
+                                            <p:txEl>
+                                              <p:pRg st="2" end="2"/>
+                                            </p:txEl>
+                                          </p:spTgt>
+                                        </p:tgtEl>
+                                      </p:cBhvr>
+                                    </p:animEffect>
+                                  </p:childTnLst>
+                                </p:cTn>
+                              </p:par>
+                              <p:par>
+                                <p:cTn id="29" presetID="22" presetClass="entr" presetSubtype="4" fill="hold" nodeType="withEffect">
+                                  <p:stCondLst>
+                                    <p:cond delay="0"/>
+                                  </p:stCondLst>
+                                  <p:childTnLst>
+                                    <p:set>
+                                      <p:cBhvr>
+                                        <p:cTn id="30" dur="1" fill="hold">
                                           <p:stCondLst>
                                             <p:cond delay="0"/>
                                           </p:stCondLst>
@@ -7195,13 +6921,48 @@
                                     </p:set>
                                     <p:animEffect transition="in" filter="wipe(down)">
                                       <p:cBhvr>
-                                        <p:cTn id="22" dur="500"/>
+                                        <p:cTn id="31" dur="500"/>
                                         <p:tgtEl>
                                           <p:spTgt spid="3">
                                             <p:txEl>
                                               <p:pRg st="3" end="3"/>
                                             </p:txEl>
                                           </p:spTgt>
+                                        </p:tgtEl>
+                                      </p:cBhvr>
+                                    </p:animEffect>
+                                  </p:childTnLst>
+                                </p:cTn>
+                              </p:par>
+                              <p:par>
+                                <p:cTn id="32" presetID="22" presetClass="entr" presetSubtype="4" fill="hold" nodeType="withEffect">
+                                  <p:stCondLst>
+                                    <p:cond delay="0"/>
+                                  </p:stCondLst>
+                                  <p:childTnLst>
+                                    <p:set>
+                                      <p:cBhvr>
+                                        <p:cTn id="33" dur="1" fill="hold">
+                                          <p:stCondLst>
+                                            <p:cond delay="0"/>
+                                          </p:stCondLst>
+                                        </p:cTn>
+                                        <p:tgtEl>
+                                          <p:spTgt spid="6"/>
+                                        </p:tgtEl>
+                                        <p:attrNameLst>
+                                          <p:attrName>style.visibility</p:attrName>
+                                        </p:attrNameLst>
+                                      </p:cBhvr>
+                                      <p:to>
+                                        <p:strVal val="visible"/>
+                                      </p:to>
+                                    </p:set>
+                                    <p:animEffect transition="in" filter="wipe(down)">
+                                      <p:cBhvr>
+                                        <p:cTn id="34" dur="500"/>
+                                        <p:tgtEl>
+                                          <p:spTgt spid="6"/>
                                         </p:tgtEl>
                                       </p:cBhvr>
                                     </p:animEffect>
@@ -7215,26 +6976,26 @@
                     </p:cTn>
                   </p:par>
                   <p:par>
-                    <p:cTn id="23" fill="hold">
+                    <p:cTn id="35" fill="hold">
                       <p:stCondLst>
                         <p:cond delay="indefinite"/>
                       </p:stCondLst>
                       <p:childTnLst>
                         <p:par>
-                          <p:cTn id="24" fill="hold">
+                          <p:cTn id="36" fill="hold">
                             <p:stCondLst>
                               <p:cond delay="0"/>
                             </p:stCondLst>
                             <p:childTnLst>
                               <p:par>
-                                <p:cTn id="25" presetID="22" presetClass="entr" presetSubtype="4" fill="hold" nodeType="clickEffect">
+                                <p:cTn id="37" presetID="22" presetClass="entr" presetSubtype="4" fill="hold" nodeType="clickEffect">
                                   <p:stCondLst>
                                     <p:cond delay="0"/>
                                   </p:stCondLst>
                                   <p:childTnLst>
                                     <p:set>
                                       <p:cBhvr>
-                                        <p:cTn id="26" dur="1" fill="hold">
+                                        <p:cTn id="38" dur="1" fill="hold">
                                           <p:stCondLst>
                                             <p:cond delay="0"/>
                                           </p:stCondLst>
@@ -7256,7 +7017,7 @@
                                     </p:set>
                                     <p:animEffect transition="in" filter="wipe(down)">
                                       <p:cBhvr>
-                                        <p:cTn id="27" dur="500"/>
+                                        <p:cTn id="39" dur="500"/>
                                         <p:tgtEl>
                                           <p:spTgt spid="3">
                                             <p:txEl>
@@ -7276,26 +7037,79 @@
                     </p:cTn>
                   </p:par>
                   <p:par>
-                    <p:cTn id="28" fill="hold">
+                    <p:cTn id="40" fill="hold">
                       <p:stCondLst>
                         <p:cond delay="indefinite"/>
                       </p:stCondLst>
                       <p:childTnLst>
                         <p:par>
-                          <p:cTn id="29" fill="hold">
+                          <p:cTn id="41" fill="hold">
                             <p:stCondLst>
                               <p:cond delay="0"/>
                             </p:stCondLst>
                             <p:childTnLst>
                               <p:par>
-                                <p:cTn id="30" presetID="22" presetClass="entr" presetSubtype="4" fill="hold" nodeType="clickEffect">
+                                <p:cTn id="42" presetID="22" presetClass="entr" presetSubtype="4" fill="hold" nodeType="clickEffect">
                                   <p:stCondLst>
                                     <p:cond delay="0"/>
                                   </p:stCondLst>
                                   <p:childTnLst>
                                     <p:set>
                                       <p:cBhvr>
-                                        <p:cTn id="31" dur="1" fill="hold">
+                                        <p:cTn id="43" dur="1" fill="hold">
+                                          <p:stCondLst>
+                                            <p:cond delay="0"/>
+                                          </p:stCondLst>
+                                        </p:cTn>
+                                        <p:tgtEl>
+                                          <p:spTgt spid="5"/>
+                                        </p:tgtEl>
+                                        <p:attrNameLst>
+                                          <p:attrName>style.visibility</p:attrName>
+                                        </p:attrNameLst>
+                                      </p:cBhvr>
+                                      <p:to>
+                                        <p:strVal val="visible"/>
+                                      </p:to>
+                                    </p:set>
+                                    <p:animEffect transition="in" filter="wipe(down)">
+                                      <p:cBhvr>
+                                        <p:cTn id="44" dur="500"/>
+                                        <p:tgtEl>
+                                          <p:spTgt spid="5"/>
+                                        </p:tgtEl>
+                                      </p:cBhvr>
+                                    </p:animEffect>
+                                  </p:childTnLst>
+                                </p:cTn>
+                              </p:par>
+                            </p:childTnLst>
+                          </p:cTn>
+                        </p:par>
+                      </p:childTnLst>
+                    </p:cTn>
+                  </p:par>
+                  <p:par>
+                    <p:cTn id="45" fill="hold">
+                      <p:stCondLst>
+                        <p:cond delay="indefinite"/>
+                      </p:stCondLst>
+                      <p:childTnLst>
+                        <p:par>
+                          <p:cTn id="46" fill="hold">
+                            <p:stCondLst>
+                              <p:cond delay="0"/>
+                            </p:stCondLst>
+                            <p:childTnLst>
+                              <p:par>
+                                <p:cTn id="47" presetID="22" presetClass="entr" presetSubtype="4" fill="hold" nodeType="clickEffect">
+                                  <p:stCondLst>
+                                    <p:cond delay="0"/>
+                                  </p:stCondLst>
+                                  <p:childTnLst>
+                                    <p:set>
+                                      <p:cBhvr>
+                                        <p:cTn id="48" dur="1" fill="hold">
                                           <p:stCondLst>
                                             <p:cond delay="0"/>
                                           </p:stCondLst>
@@ -7317,133 +7131,11 @@
                                     </p:set>
                                     <p:animEffect transition="in" filter="wipe(down)">
                                       <p:cBhvr>
-                                        <p:cTn id="32" dur="500"/>
+                                        <p:cTn id="49" dur="500"/>
                                         <p:tgtEl>
                                           <p:spTgt spid="3">
                                             <p:txEl>
                                               <p:pRg st="5" end="5"/>
-                                            </p:txEl>
-                                          </p:spTgt>
-                                        </p:tgtEl>
-                                      </p:cBhvr>
-                                    </p:animEffect>
-                                  </p:childTnLst>
-                                </p:cTn>
-                              </p:par>
-                            </p:childTnLst>
-                          </p:cTn>
-                        </p:par>
-                      </p:childTnLst>
-                    </p:cTn>
-                  </p:par>
-                  <p:par>
-                    <p:cTn id="33" fill="hold">
-                      <p:stCondLst>
-                        <p:cond delay="indefinite"/>
-                      </p:stCondLst>
-                      <p:childTnLst>
-                        <p:par>
-                          <p:cTn id="34" fill="hold">
-                            <p:stCondLst>
-                              <p:cond delay="0"/>
-                            </p:stCondLst>
-                            <p:childTnLst>
-                              <p:par>
-                                <p:cTn id="35" presetID="22" presetClass="entr" presetSubtype="4" fill="hold" nodeType="clickEffect">
-                                  <p:stCondLst>
-                                    <p:cond delay="0"/>
-                                  </p:stCondLst>
-                                  <p:childTnLst>
-                                    <p:set>
-                                      <p:cBhvr>
-                                        <p:cTn id="36" dur="1" fill="hold">
-                                          <p:stCondLst>
-                                            <p:cond delay="0"/>
-                                          </p:stCondLst>
-                                        </p:cTn>
-                                        <p:tgtEl>
-                                          <p:spTgt spid="3">
-                                            <p:txEl>
-                                              <p:pRg st="6" end="6"/>
-                                            </p:txEl>
-                                          </p:spTgt>
-                                        </p:tgtEl>
-                                        <p:attrNameLst>
-                                          <p:attrName>style.visibility</p:attrName>
-                                        </p:attrNameLst>
-                                      </p:cBhvr>
-                                      <p:to>
-                                        <p:strVal val="visible"/>
-                                      </p:to>
-                                    </p:set>
-                                    <p:animEffect transition="in" filter="wipe(down)">
-                                      <p:cBhvr>
-                                        <p:cTn id="37" dur="500"/>
-                                        <p:tgtEl>
-                                          <p:spTgt spid="3">
-                                            <p:txEl>
-                                              <p:pRg st="6" end="6"/>
-                                            </p:txEl>
-                                          </p:spTgt>
-                                        </p:tgtEl>
-                                      </p:cBhvr>
-                                    </p:animEffect>
-                                  </p:childTnLst>
-                                </p:cTn>
-                              </p:par>
-                            </p:childTnLst>
-                          </p:cTn>
-                        </p:par>
-                      </p:childTnLst>
-                    </p:cTn>
-                  </p:par>
-                  <p:par>
-                    <p:cTn id="38" fill="hold">
-                      <p:stCondLst>
-                        <p:cond delay="indefinite"/>
-                      </p:stCondLst>
-                      <p:childTnLst>
-                        <p:par>
-                          <p:cTn id="39" fill="hold">
-                            <p:stCondLst>
-                              <p:cond delay="0"/>
-                            </p:stCondLst>
-                            <p:childTnLst>
-                              <p:par>
-                                <p:cTn id="40" presetID="22" presetClass="entr" presetSubtype="4" fill="hold" nodeType="clickEffect">
-                                  <p:stCondLst>
-                                    <p:cond delay="0"/>
-                                  </p:stCondLst>
-                                  <p:childTnLst>
-                                    <p:set>
-                                      <p:cBhvr>
-                                        <p:cTn id="41" dur="1" fill="hold">
-                                          <p:stCondLst>
-                                            <p:cond delay="0"/>
-                                          </p:stCondLst>
-                                        </p:cTn>
-                                        <p:tgtEl>
-                                          <p:spTgt spid="3">
-                                            <p:txEl>
-                                              <p:pRg st="7" end="7"/>
-                                            </p:txEl>
-                                          </p:spTgt>
-                                        </p:tgtEl>
-                                        <p:attrNameLst>
-                                          <p:attrName>style.visibility</p:attrName>
-                                        </p:attrNameLst>
-                                      </p:cBhvr>
-                                      <p:to>
-                                        <p:strVal val="visible"/>
-                                      </p:to>
-                                    </p:set>
-                                    <p:animEffect transition="in" filter="wipe(down)">
-                                      <p:cBhvr>
-                                        <p:cTn id="42" dur="500"/>
-                                        <p:tgtEl>
-                                          <p:spTgt spid="3">
-                                            <p:txEl>
-                                              <p:pRg st="7" end="7"/>
                                             </p:txEl>
                                           </p:spTgt>
                                         </p:tgtEl>
@@ -7483,7 +7175,7 @@
 </p:sld>
 </file>
 
-<file path=ppt/slides/slide16.xml><?xml version="1.0" encoding="utf-8"?>
+<file path=ppt/slides/slide15.xml><?xml version="1.0" encoding="utf-8"?>
 <p:sld xmlns:a="http://schemas.openxmlformats.org/drawingml/2006/main" xmlns:r="http://schemas.openxmlformats.org/officeDocument/2006/relationships" xmlns:p="http://schemas.openxmlformats.org/presentationml/2006/main">
   <p:cSld>
     <p:spTree>
@@ -7724,7 +7416,7 @@
 </p:sld>
 </file>
 
-<file path=ppt/slides/slide17.xml><?xml version="1.0" encoding="utf-8"?>
+<file path=ppt/slides/slide16.xml><?xml version="1.0" encoding="utf-8"?>
 <p:sld xmlns:a="http://schemas.openxmlformats.org/drawingml/2006/main" xmlns:r="http://schemas.openxmlformats.org/officeDocument/2006/relationships" xmlns:p="http://schemas.openxmlformats.org/presentationml/2006/main">
   <p:cSld>
     <p:spTree>
@@ -7782,7 +7474,7 @@
 </p:sld>
 </file>
 
-<file path=ppt/slides/slide18.xml><?xml version="1.0" encoding="utf-8"?>
+<file path=ppt/slides/slide17.xml><?xml version="1.0" encoding="utf-8"?>
 <p:sld xmlns:a="http://schemas.openxmlformats.org/drawingml/2006/main" xmlns:r="http://schemas.openxmlformats.org/officeDocument/2006/relationships" xmlns:p="http://schemas.openxmlformats.org/presentationml/2006/main">
   <p:cSld>
     <p:spTree>
@@ -7873,7 +7565,7 @@
 </p:sld>
 </file>
 
-<file path=ppt/slides/slide19.xml><?xml version="1.0" encoding="utf-8"?>
+<file path=ppt/slides/slide18.xml><?xml version="1.0" encoding="utf-8"?>
 <p:sld xmlns:a="http://schemas.openxmlformats.org/drawingml/2006/main" xmlns:r="http://schemas.openxmlformats.org/officeDocument/2006/relationships" xmlns:p="http://schemas.openxmlformats.org/presentationml/2006/main">
   <p:cSld>
     <p:spTree>
@@ -7960,174 +7652,7 @@
 </p:sld>
 </file>
 
-<file path=ppt/slides/slide2.xml><?xml version="1.0" encoding="utf-8"?>
-<p:sld xmlns:a="http://schemas.openxmlformats.org/drawingml/2006/main" xmlns:r="http://schemas.openxmlformats.org/officeDocument/2006/relationships" xmlns:p="http://schemas.openxmlformats.org/presentationml/2006/main" show="0">
-  <p:cSld>
-    <p:spTree>
-      <p:nvGrpSpPr>
-        <p:cNvPr id="1" name=""/>
-        <p:cNvGrpSpPr/>
-        <p:nvPr/>
-      </p:nvGrpSpPr>
-      <p:grpSpPr>
-        <a:xfrm>
-          <a:off x="0" y="0"/>
-          <a:ext cx="0" cy="0"/>
-          <a:chOff x="0" y="0"/>
-          <a:chExt cx="0" cy="0"/>
-        </a:xfrm>
-      </p:grpSpPr>
-      <p:sp>
-        <p:nvSpPr>
-          <p:cNvPr id="2" name="Titel 1"/>
-          <p:cNvSpPr>
-            <a:spLocks noGrp="1"/>
-          </p:cNvSpPr>
-          <p:nvPr>
-            <p:ph type="title"/>
-          </p:nvPr>
-        </p:nvSpPr>
-        <p:spPr/>
-        <p:txBody>
-          <a:bodyPr>
-            <a:normAutofit/>
-          </a:bodyPr>
-          <a:lstStyle/>
-          <a:p>
-            <a:r>
-              <a:rPr lang="nl-NL" dirty="0" err="1" smtClean="0"/>
-              <a:t>Outline</a:t>
-            </a:r>
-            <a:endParaRPr lang="nl-NL" dirty="0"/>
-          </a:p>
-        </p:txBody>
-      </p:sp>
-      <p:sp>
-        <p:nvSpPr>
-          <p:cNvPr id="3" name="Tijdelijke aanduiding voor inhoud 2"/>
-          <p:cNvSpPr>
-            <a:spLocks noGrp="1"/>
-          </p:cNvSpPr>
-          <p:nvPr>
-            <p:ph sz="quarter" idx="1"/>
-          </p:nvPr>
-        </p:nvSpPr>
-        <p:spPr/>
-        <p:txBody>
-          <a:bodyPr/>
-          <a:lstStyle/>
-          <a:p>
-            <a:r>
-              <a:rPr lang="nl-NL" dirty="0" err="1" smtClean="0"/>
-              <a:t>Introduction</a:t>
-            </a:r>
-            <a:endParaRPr lang="nl-NL" dirty="0" smtClean="0"/>
-          </a:p>
-          <a:p>
-            <a:pPr lvl="1">
-              <a:buFont typeface="Courier New" pitchFamily="49" charset="0"/>
-              <a:buChar char="o"/>
-            </a:pPr>
-            <a:r>
-              <a:rPr lang="nl-NL" dirty="0" err="1" smtClean="0"/>
-              <a:t>What</a:t>
-            </a:r>
-            <a:r>
-              <a:rPr lang="nl-NL" dirty="0" smtClean="0"/>
-              <a:t> is a </a:t>
-            </a:r>
-            <a:r>
-              <a:rPr lang="nl-NL" dirty="0" err="1" smtClean="0"/>
-              <a:t>balanced</a:t>
-            </a:r>
-            <a:r>
-              <a:rPr lang="nl-NL" dirty="0" smtClean="0"/>
-              <a:t> </a:t>
-            </a:r>
-            <a:r>
-              <a:rPr lang="nl-NL" dirty="0" err="1" smtClean="0"/>
-              <a:t>network</a:t>
-            </a:r>
-            <a:endParaRPr lang="nl-NL" dirty="0" smtClean="0"/>
-          </a:p>
-          <a:p>
-            <a:pPr lvl="1">
-              <a:buFont typeface="Courier New" pitchFamily="49" charset="0"/>
-              <a:buChar char="o"/>
-            </a:pPr>
-            <a:r>
-              <a:rPr lang="nl-NL" dirty="0" err="1" smtClean="0"/>
-              <a:t>Previous</a:t>
-            </a:r>
-            <a:r>
-              <a:rPr lang="nl-NL" dirty="0" smtClean="0"/>
-              <a:t> studies</a:t>
-            </a:r>
-          </a:p>
-          <a:p>
-            <a:r>
-              <a:rPr lang="nl-NL" dirty="0" err="1" smtClean="0"/>
-              <a:t>Methods</a:t>
-            </a:r>
-            <a:endParaRPr lang="nl-NL" dirty="0" smtClean="0"/>
-          </a:p>
-          <a:p>
-            <a:pPr lvl="1">
-              <a:buFont typeface="Courier New" pitchFamily="49" charset="0"/>
-              <a:buChar char="o"/>
-            </a:pPr>
-            <a:r>
-              <a:rPr lang="en-US" dirty="0" smtClean="0"/>
-              <a:t>Implementation</a:t>
-            </a:r>
-            <a:r>
-              <a:rPr lang="nl-NL" dirty="0" smtClean="0"/>
-              <a:t> </a:t>
-            </a:r>
-          </a:p>
-          <a:p>
-            <a:pPr lvl="1">
-              <a:buFont typeface="Courier New" pitchFamily="49" charset="0"/>
-              <a:buChar char="o"/>
-            </a:pPr>
-            <a:r>
-              <a:rPr lang="en-US" dirty="0" smtClean="0"/>
-              <a:t>Analysis</a:t>
-            </a:r>
-          </a:p>
-          <a:p>
-            <a:r>
-              <a:rPr lang="nl-NL" dirty="0" err="1" smtClean="0"/>
-              <a:t>Results</a:t>
-            </a:r>
-            <a:endParaRPr lang="nl-NL" dirty="0" smtClean="0"/>
-          </a:p>
-          <a:p>
-            <a:r>
-              <a:rPr lang="nl-NL" dirty="0" err="1" smtClean="0"/>
-              <a:t>Discussion</a:t>
-            </a:r>
-            <a:endParaRPr lang="nl-NL" dirty="0" smtClean="0"/>
-          </a:p>
-        </p:txBody>
-      </p:sp>
-    </p:spTree>
-  </p:cSld>
-  <p:clrMapOvr>
-    <a:masterClrMapping/>
-  </p:clrMapOvr>
-  <p:transition/>
-  <p:timing>
-    <p:tnLst>
-      <p:par>
-        <p:cTn id="1" dur="indefinite" restart="never" nodeType="tmRoot"/>
-      </p:par>
-    </p:tnLst>
-  </p:timing>
-</p:sld>
-</file>
-
-<file path=ppt/slides/slide20.xml><?xml version="1.0" encoding="utf-8"?>
+<file path=ppt/slides/slide19.xml><?xml version="1.0" encoding="utf-8"?>
 <p:sld xmlns:a="http://schemas.openxmlformats.org/drawingml/2006/main" xmlns:r="http://schemas.openxmlformats.org/officeDocument/2006/relationships" xmlns:p="http://schemas.openxmlformats.org/presentationml/2006/main">
   <p:cSld>
     <p:spTree>
@@ -8214,7 +7739,174 @@
 </p:sld>
 </file>
 
-<file path=ppt/slides/slide21.xml><?xml version="1.0" encoding="utf-8"?>
+<file path=ppt/slides/slide2.xml><?xml version="1.0" encoding="utf-8"?>
+<p:sld xmlns:a="http://schemas.openxmlformats.org/drawingml/2006/main" xmlns:r="http://schemas.openxmlformats.org/officeDocument/2006/relationships" xmlns:p="http://schemas.openxmlformats.org/presentationml/2006/main" show="0">
+  <p:cSld>
+    <p:spTree>
+      <p:nvGrpSpPr>
+        <p:cNvPr id="1" name=""/>
+        <p:cNvGrpSpPr/>
+        <p:nvPr/>
+      </p:nvGrpSpPr>
+      <p:grpSpPr>
+        <a:xfrm>
+          <a:off x="0" y="0"/>
+          <a:ext cx="0" cy="0"/>
+          <a:chOff x="0" y="0"/>
+          <a:chExt cx="0" cy="0"/>
+        </a:xfrm>
+      </p:grpSpPr>
+      <p:sp>
+        <p:nvSpPr>
+          <p:cNvPr id="2" name="Titel 1"/>
+          <p:cNvSpPr>
+            <a:spLocks noGrp="1"/>
+          </p:cNvSpPr>
+          <p:nvPr>
+            <p:ph type="title"/>
+          </p:nvPr>
+        </p:nvSpPr>
+        <p:spPr/>
+        <p:txBody>
+          <a:bodyPr>
+            <a:normAutofit/>
+          </a:bodyPr>
+          <a:lstStyle/>
+          <a:p>
+            <a:r>
+              <a:rPr lang="nl-NL" dirty="0" err="1" smtClean="0"/>
+              <a:t>Outline</a:t>
+            </a:r>
+            <a:endParaRPr lang="nl-NL" dirty="0"/>
+          </a:p>
+        </p:txBody>
+      </p:sp>
+      <p:sp>
+        <p:nvSpPr>
+          <p:cNvPr id="3" name="Tijdelijke aanduiding voor inhoud 2"/>
+          <p:cNvSpPr>
+            <a:spLocks noGrp="1"/>
+          </p:cNvSpPr>
+          <p:nvPr>
+            <p:ph sz="quarter" idx="1"/>
+          </p:nvPr>
+        </p:nvSpPr>
+        <p:spPr/>
+        <p:txBody>
+          <a:bodyPr/>
+          <a:lstStyle/>
+          <a:p>
+            <a:r>
+              <a:rPr lang="nl-NL" dirty="0" err="1" smtClean="0"/>
+              <a:t>Introduction</a:t>
+            </a:r>
+            <a:endParaRPr lang="nl-NL" dirty="0" smtClean="0"/>
+          </a:p>
+          <a:p>
+            <a:pPr lvl="1">
+              <a:buFont typeface="Courier New" pitchFamily="49" charset="0"/>
+              <a:buChar char="o"/>
+            </a:pPr>
+            <a:r>
+              <a:rPr lang="nl-NL" dirty="0" err="1" smtClean="0"/>
+              <a:t>What</a:t>
+            </a:r>
+            <a:r>
+              <a:rPr lang="nl-NL" dirty="0" smtClean="0"/>
+              <a:t> is a </a:t>
+            </a:r>
+            <a:r>
+              <a:rPr lang="nl-NL" dirty="0" err="1" smtClean="0"/>
+              <a:t>balanced</a:t>
+            </a:r>
+            <a:r>
+              <a:rPr lang="nl-NL" dirty="0" smtClean="0"/>
+              <a:t> </a:t>
+            </a:r>
+            <a:r>
+              <a:rPr lang="nl-NL" dirty="0" err="1" smtClean="0"/>
+              <a:t>network</a:t>
+            </a:r>
+            <a:endParaRPr lang="nl-NL" dirty="0" smtClean="0"/>
+          </a:p>
+          <a:p>
+            <a:pPr lvl="1">
+              <a:buFont typeface="Courier New" pitchFamily="49" charset="0"/>
+              <a:buChar char="o"/>
+            </a:pPr>
+            <a:r>
+              <a:rPr lang="nl-NL" dirty="0" err="1" smtClean="0"/>
+              <a:t>Previous</a:t>
+            </a:r>
+            <a:r>
+              <a:rPr lang="nl-NL" dirty="0" smtClean="0"/>
+              <a:t> studies</a:t>
+            </a:r>
+          </a:p>
+          <a:p>
+            <a:r>
+              <a:rPr lang="nl-NL" dirty="0" err="1" smtClean="0"/>
+              <a:t>Methods</a:t>
+            </a:r>
+            <a:endParaRPr lang="nl-NL" dirty="0" smtClean="0"/>
+          </a:p>
+          <a:p>
+            <a:pPr lvl="1">
+              <a:buFont typeface="Courier New" pitchFamily="49" charset="0"/>
+              <a:buChar char="o"/>
+            </a:pPr>
+            <a:r>
+              <a:rPr lang="en-US" dirty="0" smtClean="0"/>
+              <a:t>Implementation</a:t>
+            </a:r>
+            <a:r>
+              <a:rPr lang="nl-NL" dirty="0" smtClean="0"/>
+              <a:t> </a:t>
+            </a:r>
+          </a:p>
+          <a:p>
+            <a:pPr lvl="1">
+              <a:buFont typeface="Courier New" pitchFamily="49" charset="0"/>
+              <a:buChar char="o"/>
+            </a:pPr>
+            <a:r>
+              <a:rPr lang="en-US" dirty="0" smtClean="0"/>
+              <a:t>Analysis</a:t>
+            </a:r>
+          </a:p>
+          <a:p>
+            <a:r>
+              <a:rPr lang="nl-NL" dirty="0" err="1" smtClean="0"/>
+              <a:t>Results</a:t>
+            </a:r>
+            <a:endParaRPr lang="nl-NL" dirty="0" smtClean="0"/>
+          </a:p>
+          <a:p>
+            <a:r>
+              <a:rPr lang="nl-NL" dirty="0" err="1" smtClean="0"/>
+              <a:t>Discussion</a:t>
+            </a:r>
+            <a:endParaRPr lang="nl-NL" dirty="0" smtClean="0"/>
+          </a:p>
+        </p:txBody>
+      </p:sp>
+    </p:spTree>
+  </p:cSld>
+  <p:clrMapOvr>
+    <a:masterClrMapping/>
+  </p:clrMapOvr>
+  <p:transition/>
+  <p:timing>
+    <p:tnLst>
+      <p:par>
+        <p:cTn id="1" dur="indefinite" restart="never" nodeType="tmRoot"/>
+      </p:par>
+    </p:tnLst>
+  </p:timing>
+</p:sld>
+</file>
+
+<file path=ppt/slides/slide20.xml><?xml version="1.0" encoding="utf-8"?>
 <p:sld xmlns:a="http://schemas.openxmlformats.org/drawingml/2006/main" xmlns:r="http://schemas.openxmlformats.org/officeDocument/2006/relationships" xmlns:p="http://schemas.openxmlformats.org/presentationml/2006/main">
   <p:cSld>
     <p:spTree>
@@ -8293,7 +7985,7 @@
 </p:sld>
 </file>
 
-<file path=ppt/slides/slide22.xml><?xml version="1.0" encoding="utf-8"?>
+<file path=ppt/slides/slide21.xml><?xml version="1.0" encoding="utf-8"?>
 <p:sld xmlns:a="http://schemas.openxmlformats.org/drawingml/2006/main" xmlns:r="http://schemas.openxmlformats.org/officeDocument/2006/relationships" xmlns:p="http://schemas.openxmlformats.org/presentationml/2006/main">
   <p:cSld>
     <p:spTree>
@@ -8372,7 +8064,7 @@
 </p:sld>
 </file>
 
-<file path=ppt/slides/slide23.xml><?xml version="1.0" encoding="utf-8"?>
+<file path=ppt/slides/slide22.xml><?xml version="1.0" encoding="utf-8"?>
 <p:sld xmlns:a="http://schemas.openxmlformats.org/drawingml/2006/main" xmlns:r="http://schemas.openxmlformats.org/officeDocument/2006/relationships" xmlns:p="http://schemas.openxmlformats.org/presentationml/2006/main">
   <p:cSld>
     <p:spTree>
@@ -8389,41 +8081,6 @@
           <a:chExt cx="0" cy="0"/>
         </a:xfrm>
       </p:grpSpPr>
-      <p:sp>
-        <p:nvSpPr>
-          <p:cNvPr id="2" name="Titel 1"/>
-          <p:cNvSpPr>
-            <a:spLocks noGrp="1"/>
-          </p:cNvSpPr>
-          <p:nvPr>
-            <p:ph type="title"/>
-          </p:nvPr>
-        </p:nvSpPr>
-        <p:spPr/>
-        <p:txBody>
-          <a:bodyPr/>
-          <a:lstStyle/>
-          <a:p>
-            <a:r>
-              <a:rPr lang="nl-NL" dirty="0" smtClean="0"/>
-              <a:t>4 different </a:t>
-            </a:r>
-            <a:r>
-              <a:rPr lang="nl-NL" dirty="0" err="1" smtClean="0"/>
-              <a:t>states</a:t>
-            </a:r>
-            <a:r>
-              <a:rPr lang="nl-NL" dirty="0" smtClean="0"/>
-              <a:t> </a:t>
-            </a:r>
-            <a:r>
-              <a:rPr lang="nl-NL" dirty="0" err="1" smtClean="0"/>
-              <a:t>visible</a:t>
-            </a:r>
-            <a:endParaRPr lang="nl-NL" dirty="0"/>
-          </a:p>
-        </p:txBody>
-      </p:sp>
       <p:pic>
         <p:nvPicPr>
           <p:cNvPr id="4" name="Tijdelijke aanduiding voor inhoud 3" descr="Yger plot.png"/>
@@ -8436,18 +8093,53 @@
         </p:nvPicPr>
         <p:blipFill>
           <a:blip r:embed="rId2" cstate="print"/>
-          <a:srcRect l="7350" t="11834" r="13174" b="15717"/>
+          <a:srcRect l="7670" t="11834" r="13174" b="16831"/>
           <a:stretch>
             <a:fillRect/>
           </a:stretch>
         </p:blipFill>
         <p:spPr>
           <a:xfrm>
-            <a:off x="144016" y="1268760"/>
-            <a:ext cx="8820472" cy="5558106"/>
+            <a:off x="179512" y="1196752"/>
+            <a:ext cx="8784976" cy="5472608"/>
           </a:xfrm>
         </p:spPr>
       </p:pic>
+      <p:sp>
+        <p:nvSpPr>
+          <p:cNvPr id="2" name="Titel 1"/>
+          <p:cNvSpPr>
+            <a:spLocks noGrp="1"/>
+          </p:cNvSpPr>
+          <p:nvPr>
+            <p:ph type="title"/>
+          </p:nvPr>
+        </p:nvSpPr>
+        <p:spPr/>
+        <p:txBody>
+          <a:bodyPr/>
+          <a:lstStyle/>
+          <a:p>
+            <a:r>
+              <a:rPr lang="nl-NL" dirty="0" smtClean="0"/>
+              <a:t>4 different </a:t>
+            </a:r>
+            <a:r>
+              <a:rPr lang="nl-NL" dirty="0" err="1" smtClean="0"/>
+              <a:t>states</a:t>
+            </a:r>
+            <a:r>
+              <a:rPr lang="nl-NL" dirty="0" smtClean="0"/>
+              <a:t> </a:t>
+            </a:r>
+            <a:r>
+              <a:rPr lang="nl-NL" dirty="0" err="1" smtClean="0"/>
+              <a:t>visible</a:t>
+            </a:r>
+            <a:endParaRPr lang="nl-NL" dirty="0"/>
+          </a:p>
+        </p:txBody>
+      </p:sp>
     </p:spTree>
   </p:cSld>
   <p:clrMapOvr>
@@ -8463,7 +8155,7 @@
 </p:sld>
 </file>
 
-<file path=ppt/slides/slide24.xml><?xml version="1.0" encoding="utf-8"?>
+<file path=ppt/slides/slide23.xml><?xml version="1.0" encoding="utf-8"?>
 <p:sld xmlns:a="http://schemas.openxmlformats.org/drawingml/2006/main" xmlns:r="http://schemas.openxmlformats.org/officeDocument/2006/relationships" xmlns:p="http://schemas.openxmlformats.org/presentationml/2006/main" show="0">
   <p:cSld>
     <p:spTree>
@@ -8511,6 +8203,259 @@
     <a:masterClrMapping/>
   </p:clrMapOvr>
   <p:transition/>
+  <p:timing>
+    <p:tnLst>
+      <p:par>
+        <p:cTn id="1" dur="indefinite" restart="never" nodeType="tmRoot"/>
+      </p:par>
+    </p:tnLst>
+  </p:timing>
+</p:sld>
+</file>
+
+<file path=ppt/slides/slide24.xml><?xml version="1.0" encoding="utf-8"?>
+<p:sld xmlns:a="http://schemas.openxmlformats.org/drawingml/2006/main" xmlns:r="http://schemas.openxmlformats.org/officeDocument/2006/relationships" xmlns:p="http://schemas.openxmlformats.org/presentationml/2006/main">
+  <p:cSld>
+    <p:spTree>
+      <p:nvGrpSpPr>
+        <p:cNvPr id="1" name=""/>
+        <p:cNvGrpSpPr/>
+        <p:nvPr/>
+      </p:nvGrpSpPr>
+      <p:grpSpPr>
+        <a:xfrm>
+          <a:off x="0" y="0"/>
+          <a:ext cx="0" cy="0"/>
+          <a:chOff x="0" y="0"/>
+          <a:chExt cx="0" cy="0"/>
+        </a:xfrm>
+      </p:grpSpPr>
+      <p:sp>
+        <p:nvSpPr>
+          <p:cNvPr id="4" name="Titel 3"/>
+          <p:cNvSpPr>
+            <a:spLocks noGrp="1"/>
+          </p:cNvSpPr>
+          <p:nvPr>
+            <p:ph type="title"/>
+          </p:nvPr>
+        </p:nvSpPr>
+        <p:spPr/>
+        <p:txBody>
+          <a:bodyPr/>
+          <a:lstStyle/>
+          <a:p>
+            <a:r>
+              <a:rPr lang="nl-NL" dirty="0" err="1" smtClean="0"/>
+              <a:t>Conclusion</a:t>
+            </a:r>
+            <a:endParaRPr lang="nl-NL" dirty="0"/>
+          </a:p>
+        </p:txBody>
+      </p:sp>
+      <p:sp>
+        <p:nvSpPr>
+          <p:cNvPr id="5" name="Tijdelijke aanduiding voor inhoud 4"/>
+          <p:cNvSpPr>
+            <a:spLocks noGrp="1"/>
+          </p:cNvSpPr>
+          <p:nvPr>
+            <p:ph sz="quarter" idx="1"/>
+          </p:nvPr>
+        </p:nvSpPr>
+        <p:spPr/>
+        <p:txBody>
+          <a:bodyPr/>
+          <a:lstStyle/>
+          <a:p>
+            <a:r>
+              <a:rPr lang="nl-NL" sz="2800" dirty="0" smtClean="0"/>
+              <a:t>The </a:t>
+            </a:r>
+            <a:r>
+              <a:rPr lang="nl-NL" sz="2800" dirty="0" err="1" smtClean="0"/>
+              <a:t>network</a:t>
+            </a:r>
+            <a:r>
+              <a:rPr lang="nl-NL" sz="2800" dirty="0" smtClean="0"/>
+              <a:t> model </a:t>
+            </a:r>
+            <a:r>
+              <a:rPr lang="nl-NL" sz="2800" dirty="0" err="1" smtClean="0"/>
+              <a:t>with</a:t>
+            </a:r>
+            <a:r>
+              <a:rPr lang="nl-NL" sz="2800" dirty="0" smtClean="0"/>
+              <a:t> more </a:t>
+            </a:r>
+            <a:r>
+              <a:rPr lang="nl-NL" sz="2800" dirty="0" err="1" smtClean="0"/>
+              <a:t>biologically</a:t>
+            </a:r>
+            <a:r>
+              <a:rPr lang="nl-NL" sz="2800" dirty="0" smtClean="0"/>
+              <a:t> </a:t>
+            </a:r>
+            <a:r>
+              <a:rPr lang="nl-NL" sz="2800" dirty="0" err="1" smtClean="0"/>
+              <a:t>realistic</a:t>
+            </a:r>
+            <a:r>
+              <a:rPr lang="nl-NL" sz="2800" dirty="0" smtClean="0"/>
+              <a:t> </a:t>
+            </a:r>
+            <a:r>
+              <a:rPr lang="nl-NL" sz="2800" dirty="0" err="1" smtClean="0"/>
+              <a:t>synapses</a:t>
+            </a:r>
+            <a:r>
+              <a:rPr lang="nl-NL" sz="2800" dirty="0" smtClean="0"/>
+              <a:t> </a:t>
+            </a:r>
+            <a:r>
+              <a:rPr lang="nl-NL" sz="2800" dirty="0" err="1" smtClean="0"/>
+              <a:t>can</a:t>
+            </a:r>
+            <a:r>
+              <a:rPr lang="nl-NL" sz="2800" dirty="0" smtClean="0"/>
+              <a:t> </a:t>
+            </a:r>
+            <a:r>
+              <a:rPr lang="nl-NL" sz="2800" dirty="0" err="1" smtClean="0"/>
+              <a:t>reach</a:t>
+            </a:r>
+            <a:r>
+              <a:rPr lang="nl-NL" sz="2800" dirty="0" smtClean="0"/>
+              <a:t> different </a:t>
+            </a:r>
+            <a:r>
+              <a:rPr lang="nl-NL" sz="2800" dirty="0" err="1" smtClean="0"/>
+              <a:t>balanced</a:t>
+            </a:r>
+            <a:r>
+              <a:rPr lang="nl-NL" sz="2800" dirty="0" smtClean="0"/>
+              <a:t> </a:t>
+            </a:r>
+            <a:r>
+              <a:rPr lang="nl-NL" sz="2800" dirty="0" err="1" smtClean="0"/>
+              <a:t>states</a:t>
+            </a:r>
+            <a:r>
+              <a:rPr lang="nl-NL" sz="2800" dirty="0" smtClean="0"/>
+              <a:t> </a:t>
+            </a:r>
+            <a:r>
+              <a:rPr lang="nl-NL" sz="2800" dirty="0" err="1" smtClean="0"/>
+              <a:t>with</a:t>
+            </a:r>
+            <a:r>
+              <a:rPr lang="nl-NL" sz="2800" dirty="0" smtClean="0"/>
+              <a:t> respect to </a:t>
+            </a:r>
+            <a:r>
+              <a:rPr lang="nl-NL" sz="2800" dirty="0" err="1" smtClean="0"/>
+              <a:t>Regularity</a:t>
+            </a:r>
+            <a:r>
+              <a:rPr lang="nl-NL" sz="2800" dirty="0" smtClean="0"/>
+              <a:t> and </a:t>
+            </a:r>
+            <a:r>
+              <a:rPr lang="nl-NL" sz="2800" dirty="0" err="1" smtClean="0"/>
+              <a:t>Synchrony</a:t>
+            </a:r>
+            <a:r>
+              <a:rPr lang="nl-NL" sz="2800" dirty="0" smtClean="0"/>
+              <a:t>, </a:t>
+            </a:r>
+            <a:r>
+              <a:rPr lang="nl-NL" sz="2800" dirty="0" err="1" smtClean="0"/>
+              <a:t>but</a:t>
+            </a:r>
+            <a:r>
+              <a:rPr lang="nl-NL" sz="2800" dirty="0" smtClean="0"/>
+              <a:t> the </a:t>
+            </a:r>
+            <a:r>
+              <a:rPr lang="nl-NL" sz="2800" dirty="0" err="1" smtClean="0"/>
+              <a:t>behavior</a:t>
+            </a:r>
+            <a:r>
+              <a:rPr lang="nl-NL" sz="2800" dirty="0" smtClean="0"/>
+              <a:t> </a:t>
+            </a:r>
+            <a:r>
+              <a:rPr lang="nl-NL" sz="2800" dirty="0" err="1" smtClean="0"/>
+              <a:t>differs</a:t>
+            </a:r>
+            <a:r>
+              <a:rPr lang="nl-NL" sz="2800" dirty="0" smtClean="0"/>
+              <a:t> </a:t>
+            </a:r>
+            <a:r>
+              <a:rPr lang="nl-NL" sz="2800" dirty="0" err="1" smtClean="0"/>
+              <a:t>from</a:t>
+            </a:r>
+            <a:r>
+              <a:rPr lang="nl-NL" sz="2800" dirty="0" smtClean="0"/>
+              <a:t> the </a:t>
+            </a:r>
+            <a:r>
+              <a:rPr lang="nl-NL" sz="2800" dirty="0" err="1" smtClean="0"/>
+              <a:t>simpler</a:t>
+            </a:r>
+            <a:r>
+              <a:rPr lang="nl-NL" sz="2800" dirty="0" smtClean="0"/>
+              <a:t> </a:t>
+            </a:r>
+            <a:r>
+              <a:rPr lang="nl-NL" sz="2800" dirty="0" err="1" smtClean="0"/>
+              <a:t>network</a:t>
+            </a:r>
+            <a:r>
+              <a:rPr lang="nl-NL" sz="2800" dirty="0" smtClean="0"/>
+              <a:t> model, as </a:t>
+            </a:r>
+            <a:r>
+              <a:rPr lang="nl-NL" sz="2800" dirty="0" err="1" smtClean="0"/>
+              <a:t>there</a:t>
+            </a:r>
+            <a:r>
+              <a:rPr lang="nl-NL" sz="2800" dirty="0" smtClean="0"/>
+              <a:t> is </a:t>
+            </a:r>
+            <a:r>
+              <a:rPr lang="nl-NL" sz="2800" dirty="0" err="1" smtClean="0"/>
+              <a:t>strong</a:t>
+            </a:r>
+            <a:r>
+              <a:rPr lang="nl-NL" sz="2800" dirty="0" smtClean="0"/>
+              <a:t> </a:t>
+            </a:r>
+            <a:r>
+              <a:rPr lang="nl-NL" sz="2800" dirty="0" err="1" smtClean="0"/>
+              <a:t>bursting</a:t>
+            </a:r>
+            <a:r>
+              <a:rPr lang="nl-NL" sz="2800" dirty="0" smtClean="0"/>
+              <a:t> </a:t>
+            </a:r>
+            <a:r>
+              <a:rPr lang="nl-NL" sz="2800" dirty="0" err="1" smtClean="0"/>
+              <a:t>behavior</a:t>
+            </a:r>
+            <a:r>
+              <a:rPr lang="nl-NL" sz="2800" dirty="0" smtClean="0"/>
+              <a:t>.</a:t>
+            </a:r>
+          </a:p>
+        </p:txBody>
+      </p:sp>
+    </p:spTree>
+  </p:cSld>
+  <p:clrMapOvr>
+    <a:masterClrMapping/>
+  </p:clrMapOvr>
   <p:timing>
     <p:tnLst>
       <p:par>
@@ -8540,7 +8485,7 @@
       </p:grpSpPr>
       <p:sp>
         <p:nvSpPr>
-          <p:cNvPr id="4" name="Titel 3"/>
+          <p:cNvPr id="2" name="Titel 1"/>
           <p:cNvSpPr>
             <a:spLocks noGrp="1"/>
           </p:cNvSpPr>
@@ -8555,7 +8500,15 @@
           <a:p>
             <a:r>
               <a:rPr lang="nl-NL" dirty="0" err="1" smtClean="0"/>
-              <a:t>Conclusion</a:t>
+              <a:t>Possible</a:t>
+            </a:r>
+            <a:r>
+              <a:rPr lang="nl-NL" dirty="0" smtClean="0"/>
+              <a:t> </a:t>
+            </a:r>
+            <a:r>
+              <a:rPr lang="nl-NL" dirty="0" err="1" smtClean="0"/>
+              <a:t>explanations</a:t>
             </a:r>
             <a:endParaRPr lang="nl-NL" dirty="0"/>
           </a:p>
@@ -8563,7 +8516,7 @@
       </p:sp>
       <p:sp>
         <p:nvSpPr>
-          <p:cNvPr id="5" name="Tijdelijke aanduiding voor inhoud 4"/>
+          <p:cNvPr id="3" name="Tijdelijke aanduiding voor inhoud 2"/>
           <p:cNvSpPr>
             <a:spLocks noGrp="1"/>
           </p:cNvSpPr>
@@ -8577,185 +8530,179 @@
           <a:lstStyle/>
           <a:p>
             <a:r>
-              <a:rPr lang="nl-NL" sz="2800" dirty="0" smtClean="0"/>
-              <a:t>The </a:t>
-            </a:r>
-            <a:r>
-              <a:rPr lang="nl-NL" sz="2800" dirty="0" err="1" smtClean="0"/>
+              <a:rPr lang="nl-NL" dirty="0" smtClean="0"/>
+              <a:t>The more </a:t>
+            </a:r>
+            <a:r>
+              <a:rPr lang="nl-NL" dirty="0" err="1" smtClean="0"/>
+              <a:t>biologically</a:t>
+            </a:r>
+            <a:r>
+              <a:rPr lang="nl-NL" dirty="0" smtClean="0"/>
+              <a:t> </a:t>
+            </a:r>
+            <a:r>
+              <a:rPr lang="nl-NL" dirty="0" err="1" smtClean="0"/>
+              <a:t>realistic</a:t>
+            </a:r>
+            <a:r>
+              <a:rPr lang="nl-NL" dirty="0" smtClean="0"/>
+              <a:t> </a:t>
+            </a:r>
+            <a:r>
+              <a:rPr lang="nl-NL" dirty="0" err="1" smtClean="0"/>
+              <a:t>synapse</a:t>
+            </a:r>
+            <a:r>
+              <a:rPr lang="nl-NL" dirty="0" smtClean="0"/>
+              <a:t> </a:t>
+            </a:r>
+            <a:r>
+              <a:rPr lang="nl-NL" dirty="0" smtClean="0"/>
+              <a:t>model</a:t>
+            </a:r>
+          </a:p>
+          <a:p>
+            <a:pPr lvl="1">
+              <a:buFont typeface="Courier New" pitchFamily="49" charset="0"/>
+              <a:buChar char="o"/>
+            </a:pPr>
+            <a:r>
+              <a:rPr lang="nl-NL" dirty="0" err="1" smtClean="0"/>
+              <a:t>Decay</a:t>
+            </a:r>
+            <a:r>
+              <a:rPr lang="nl-NL" dirty="0" smtClean="0"/>
+              <a:t> </a:t>
+            </a:r>
+            <a:r>
+              <a:rPr lang="nl-NL" dirty="0" err="1" smtClean="0"/>
+              <a:t>keeps</a:t>
+            </a:r>
+            <a:r>
+              <a:rPr lang="nl-NL" dirty="0" smtClean="0"/>
+              <a:t> </a:t>
+            </a:r>
+            <a:r>
+              <a:rPr lang="nl-NL" dirty="0" err="1" smtClean="0"/>
+              <a:t>membrane</a:t>
+            </a:r>
+            <a:r>
+              <a:rPr lang="nl-NL" dirty="0" smtClean="0"/>
+              <a:t> </a:t>
+            </a:r>
+            <a:r>
+              <a:rPr lang="nl-NL" dirty="0" err="1" smtClean="0"/>
+              <a:t>potential</a:t>
+            </a:r>
+            <a:r>
+              <a:rPr lang="nl-NL" dirty="0" smtClean="0"/>
+              <a:t> to </a:t>
+            </a:r>
+            <a:r>
+              <a:rPr lang="nl-NL" dirty="0" err="1" smtClean="0"/>
+              <a:t>threshold</a:t>
+            </a:r>
+            <a:r>
+              <a:rPr lang="nl-NL" dirty="0" smtClean="0"/>
+              <a:t>: </a:t>
+            </a:r>
+            <a:r>
+              <a:rPr lang="nl-NL" dirty="0" err="1" smtClean="0"/>
+              <a:t>bursting</a:t>
+            </a:r>
+            <a:endParaRPr lang="nl-NL" dirty="0" smtClean="0"/>
+          </a:p>
+          <a:p>
+            <a:pPr lvl="1">
+              <a:buFont typeface="Courier New" pitchFamily="49" charset="0"/>
+              <a:buChar char="o"/>
+            </a:pPr>
+            <a:r>
+              <a:rPr lang="nl-NL" dirty="0" smtClean="0"/>
+              <a:t>Time constant of </a:t>
+            </a:r>
+            <a:r>
+              <a:rPr lang="nl-NL" dirty="0" err="1" smtClean="0"/>
+              <a:t>inhibitory</a:t>
+            </a:r>
+            <a:r>
+              <a:rPr lang="nl-NL" dirty="0" smtClean="0"/>
+              <a:t> </a:t>
+            </a:r>
+            <a:r>
+              <a:rPr lang="nl-NL" dirty="0" err="1" smtClean="0"/>
+              <a:t>synapse</a:t>
+            </a:r>
+            <a:r>
+              <a:rPr lang="nl-NL" dirty="0" smtClean="0"/>
+              <a:t> </a:t>
+            </a:r>
+            <a:r>
+              <a:rPr lang="nl-NL" dirty="0" err="1" smtClean="0"/>
+              <a:t>higher</a:t>
+            </a:r>
+            <a:endParaRPr lang="nl-NL" dirty="0" smtClean="0"/>
+          </a:p>
+          <a:p>
+            <a:r>
+              <a:rPr lang="nl-NL" dirty="0" err="1" smtClean="0"/>
+              <a:t>Synapse</a:t>
+            </a:r>
+            <a:r>
+              <a:rPr lang="nl-NL" dirty="0" smtClean="0"/>
+              <a:t> </a:t>
+            </a:r>
+            <a:r>
+              <a:rPr lang="nl-NL" dirty="0" err="1" smtClean="0"/>
+              <a:t>strengths</a:t>
+            </a:r>
+            <a:r>
+              <a:rPr lang="nl-NL" dirty="0" smtClean="0"/>
+              <a:t> </a:t>
+            </a:r>
+            <a:r>
+              <a:rPr lang="nl-NL" dirty="0" err="1" smtClean="0"/>
+              <a:t>distributed</a:t>
+            </a:r>
+            <a:endParaRPr lang="nl-NL" dirty="0" smtClean="0"/>
+          </a:p>
+          <a:p>
+            <a:pPr lvl="1">
+              <a:buFont typeface="Courier New" pitchFamily="49" charset="0"/>
+              <a:buChar char="o"/>
+            </a:pPr>
+            <a:r>
+              <a:rPr lang="nl-NL" dirty="0" err="1" smtClean="0"/>
+              <a:t>Transition</a:t>
+            </a:r>
+            <a:r>
+              <a:rPr lang="nl-NL" dirty="0" smtClean="0"/>
+              <a:t> State</a:t>
+            </a:r>
+          </a:p>
+          <a:p>
+            <a:r>
+              <a:rPr lang="nl-NL" dirty="0" err="1" smtClean="0"/>
+              <a:t>Scaling</a:t>
+            </a:r>
+            <a:r>
+              <a:rPr lang="nl-NL" dirty="0" smtClean="0"/>
+              <a:t> of </a:t>
+            </a:r>
+            <a:r>
+              <a:rPr lang="nl-NL" dirty="0" err="1" smtClean="0"/>
               <a:t>network</a:t>
             </a:r>
             <a:r>
-              <a:rPr lang="nl-NL" sz="2800" dirty="0" smtClean="0"/>
-              <a:t> model </a:t>
-            </a:r>
-            <a:r>
-              <a:rPr lang="nl-NL" sz="2800" dirty="0" err="1" smtClean="0"/>
-              <a:t>with</a:t>
-            </a:r>
-            <a:r>
-              <a:rPr lang="nl-NL" sz="2800" dirty="0" smtClean="0"/>
-              <a:t> more </a:t>
-            </a:r>
-            <a:r>
-              <a:rPr lang="nl-NL" sz="2800" dirty="0" err="1" smtClean="0"/>
-              <a:t>biological</a:t>
-            </a:r>
-            <a:r>
-              <a:rPr lang="nl-NL" sz="2800" dirty="0" smtClean="0"/>
+              <a:rPr lang="nl-NL" dirty="0" smtClean="0"/>
               <a:t> </a:t>
             </a:r>
             <a:r>
-              <a:rPr lang="nl-NL" sz="2800" dirty="0" err="1" smtClean="0"/>
-              <a:t>plausible</a:t>
-            </a:r>
-            <a:r>
-              <a:rPr lang="nl-NL" sz="2800" dirty="0" smtClean="0"/>
-              <a:t> </a:t>
-            </a:r>
-            <a:r>
-              <a:rPr lang="nl-NL" sz="2800" dirty="0" err="1" smtClean="0"/>
-              <a:t>synapses</a:t>
-            </a:r>
-            <a:r>
-              <a:rPr lang="nl-NL" sz="2800" dirty="0" smtClean="0"/>
-              <a:t> </a:t>
-            </a:r>
-            <a:r>
-              <a:rPr lang="nl-NL" sz="2800" dirty="0" err="1" smtClean="0"/>
-              <a:t>can</a:t>
-            </a:r>
-            <a:r>
-              <a:rPr lang="nl-NL" sz="2800" dirty="0" smtClean="0"/>
-              <a:t> </a:t>
-            </a:r>
-            <a:r>
-              <a:rPr lang="nl-NL" sz="2800" dirty="0" err="1" smtClean="0"/>
-              <a:t>reach</a:t>
-            </a:r>
-            <a:r>
-              <a:rPr lang="nl-NL" sz="2800" dirty="0" smtClean="0"/>
-              <a:t> different </a:t>
-            </a:r>
-            <a:r>
-              <a:rPr lang="nl-NL" sz="2800" dirty="0" err="1" smtClean="0"/>
-              <a:t>balanced</a:t>
-            </a:r>
-            <a:r>
-              <a:rPr lang="nl-NL" sz="2800" dirty="0" smtClean="0"/>
-              <a:t> </a:t>
-            </a:r>
-            <a:r>
-              <a:rPr lang="nl-NL" sz="2800" dirty="0" err="1" smtClean="0"/>
-              <a:t>states</a:t>
-            </a:r>
-            <a:r>
-              <a:rPr lang="nl-NL" sz="2800" dirty="0" smtClean="0"/>
-              <a:t> </a:t>
-            </a:r>
-            <a:r>
-              <a:rPr lang="nl-NL" sz="2800" dirty="0" err="1" smtClean="0"/>
-              <a:t>with</a:t>
-            </a:r>
-            <a:r>
-              <a:rPr lang="nl-NL" sz="2800" dirty="0" smtClean="0"/>
-              <a:t> respect to </a:t>
-            </a:r>
-            <a:r>
-              <a:rPr lang="nl-NL" sz="2800" dirty="0" err="1" smtClean="0"/>
-              <a:t>Regularity</a:t>
-            </a:r>
-            <a:r>
-              <a:rPr lang="nl-NL" sz="2800" dirty="0" smtClean="0"/>
-              <a:t> and </a:t>
-            </a:r>
-            <a:r>
-              <a:rPr lang="nl-NL" sz="2800" dirty="0" err="1" smtClean="0"/>
-              <a:t>Synchrony</a:t>
-            </a:r>
-            <a:r>
-              <a:rPr lang="nl-NL" sz="2800" dirty="0" smtClean="0"/>
-              <a:t>, </a:t>
-            </a:r>
-            <a:r>
-              <a:rPr lang="nl-NL" sz="2800" dirty="0" err="1" smtClean="0"/>
-              <a:t>but</a:t>
-            </a:r>
-            <a:r>
-              <a:rPr lang="nl-NL" sz="2800" dirty="0" smtClean="0"/>
-              <a:t> the </a:t>
-            </a:r>
-            <a:r>
-              <a:rPr lang="nl-NL" sz="2800" dirty="0" err="1" smtClean="0"/>
-              <a:t>behavior</a:t>
-            </a:r>
-            <a:r>
-              <a:rPr lang="nl-NL" sz="2800" dirty="0" smtClean="0"/>
-              <a:t> </a:t>
-            </a:r>
-            <a:r>
-              <a:rPr lang="nl-NL" sz="2800" dirty="0" err="1" smtClean="0"/>
-              <a:t>differs</a:t>
-            </a:r>
-            <a:r>
-              <a:rPr lang="nl-NL" sz="2800" dirty="0" smtClean="0"/>
-              <a:t> </a:t>
-            </a:r>
-            <a:r>
-              <a:rPr lang="nl-NL" sz="2800" dirty="0" err="1" smtClean="0"/>
-              <a:t>from</a:t>
-            </a:r>
-            <a:r>
-              <a:rPr lang="nl-NL" sz="2800" dirty="0" smtClean="0"/>
-              <a:t> the </a:t>
-            </a:r>
-            <a:r>
-              <a:rPr lang="nl-NL" sz="2800" dirty="0" err="1" smtClean="0"/>
-              <a:t>simpler</a:t>
-            </a:r>
-            <a:r>
-              <a:rPr lang="nl-NL" sz="2800" dirty="0" smtClean="0"/>
-              <a:t> </a:t>
-            </a:r>
-            <a:r>
-              <a:rPr lang="nl-NL" sz="2800" dirty="0" err="1" smtClean="0"/>
-              <a:t>network</a:t>
-            </a:r>
-            <a:r>
-              <a:rPr lang="nl-NL" sz="2800" dirty="0" smtClean="0"/>
-              <a:t> model, as </a:t>
-            </a:r>
-            <a:r>
-              <a:rPr lang="nl-NL" sz="2800" dirty="0" err="1" smtClean="0"/>
-              <a:t>there</a:t>
-            </a:r>
-            <a:r>
-              <a:rPr lang="nl-NL" sz="2800" dirty="0" smtClean="0"/>
-              <a:t> is </a:t>
-            </a:r>
-            <a:r>
-              <a:rPr lang="nl-NL" sz="2800" dirty="0" err="1" smtClean="0"/>
-              <a:t>strong</a:t>
-            </a:r>
-            <a:r>
-              <a:rPr lang="nl-NL" sz="2800" dirty="0" smtClean="0"/>
-              <a:t> </a:t>
-            </a:r>
-            <a:r>
-              <a:rPr lang="nl-NL" sz="2800" dirty="0" err="1" smtClean="0"/>
-              <a:t>bursting</a:t>
-            </a:r>
-            <a:r>
-              <a:rPr lang="nl-NL" sz="2800" dirty="0" smtClean="0"/>
-              <a:t> </a:t>
-            </a:r>
-            <a:r>
-              <a:rPr lang="nl-NL" sz="2800" dirty="0" err="1" smtClean="0"/>
-              <a:t>behavior</a:t>
-            </a:r>
-            <a:r>
-              <a:rPr lang="nl-NL" sz="2800" dirty="0" smtClean="0"/>
-              <a:t>.</a:t>
-            </a:r>
+              <a:rPr lang="nl-NL" dirty="0" err="1" smtClean="0"/>
+              <a:t>size</a:t>
+            </a:r>
+            <a:endParaRPr lang="nl-NL" dirty="0" smtClean="0"/>
           </a:p>
         </p:txBody>
       </p:sp>
@@ -8808,15 +8755,11 @@
           <a:p>
             <a:r>
               <a:rPr lang="nl-NL" dirty="0" err="1" smtClean="0"/>
-              <a:t>Possible</a:t>
-            </a:r>
-            <a:r>
-              <a:rPr lang="nl-NL" dirty="0" smtClean="0"/>
-              <a:t> </a:t>
-            </a:r>
-            <a:r>
-              <a:rPr lang="nl-NL" dirty="0" err="1" smtClean="0"/>
-              <a:t>explanations</a:t>
+              <a:t>Why</a:t>
+            </a:r>
+            <a:r>
+              <a:rPr lang="nl-NL" dirty="0" smtClean="0"/>
+              <a:t> relevant?</a:t>
             </a:r>
             <a:endParaRPr lang="nl-NL" dirty="0"/>
           </a:p>
@@ -8838,8 +8781,20 @@
           <a:lstStyle/>
           <a:p>
             <a:r>
-              <a:rPr lang="nl-NL" dirty="0" smtClean="0"/>
-              <a:t>The more </a:t>
+              <a:rPr lang="nl-NL" dirty="0" err="1" smtClean="0"/>
+              <a:t>Examine</a:t>
+            </a:r>
+            <a:r>
+              <a:rPr lang="nl-NL" dirty="0" smtClean="0"/>
+              <a:t> </a:t>
+            </a:r>
+            <a:r>
+              <a:rPr lang="nl-NL" dirty="0" err="1" smtClean="0"/>
+              <a:t>influence</a:t>
+            </a:r>
+            <a:r>
+              <a:rPr lang="nl-NL" dirty="0" smtClean="0"/>
+              <a:t> </a:t>
             </a:r>
             <a:r>
               <a:rPr lang="nl-NL" dirty="0" err="1" smtClean="0"/>
@@ -8847,24 +8802,13 @@
             </a:r>
             <a:r>
               <a:rPr lang="nl-NL" dirty="0" smtClean="0"/>
-              <a:t> </a:t>
-            </a:r>
-            <a:r>
-              <a:rPr lang="nl-NL" dirty="0" err="1" smtClean="0"/>
-              <a:t>plausible</a:t>
-            </a:r>
-            <a:r>
-              <a:rPr lang="nl-NL" dirty="0" smtClean="0"/>
-              <a:t> </a:t>
-            </a:r>
-            <a:r>
-              <a:rPr lang="nl-NL" dirty="0" err="1" smtClean="0"/>
-              <a:t>synapse</a:t>
-            </a:r>
-            <a:r>
-              <a:rPr lang="nl-NL" dirty="0" smtClean="0"/>
-              <a:t> model</a:t>
-            </a:r>
+              <a:t> relevant </a:t>
+            </a:r>
+            <a:r>
+              <a:rPr lang="nl-NL" dirty="0" err="1" smtClean="0"/>
+              <a:t>properties</a:t>
+            </a:r>
+            <a:endParaRPr lang="nl-NL" dirty="0" smtClean="0"/>
           </a:p>
           <a:p>
             <a:pPr lvl="1">
@@ -8873,7 +8817,7 @@
             </a:pPr>
             <a:r>
               <a:rPr lang="nl-NL" dirty="0" err="1" smtClean="0"/>
-              <a:t>Dacay</a:t>
+              <a:t>Synaptic</a:t>
             </a:r>
             <a:r>
               <a:rPr lang="nl-NL" dirty="0" smtClean="0"/>
@@ -8881,39 +8825,7 @@
             </a:r>
             <a:r>
               <a:rPr lang="nl-NL" dirty="0" err="1" smtClean="0"/>
-              <a:t>keeps</a:t>
-            </a:r>
-            <a:r>
-              <a:rPr lang="nl-NL" dirty="0" smtClean="0"/>
-              <a:t> </a:t>
-            </a:r>
-            <a:r>
-              <a:rPr lang="nl-NL" dirty="0" err="1" smtClean="0"/>
-              <a:t>membrane</a:t>
-            </a:r>
-            <a:r>
-              <a:rPr lang="nl-NL" dirty="0" smtClean="0"/>
-              <a:t> </a:t>
-            </a:r>
-            <a:r>
-              <a:rPr lang="nl-NL" dirty="0" err="1" smtClean="0"/>
-              <a:t>potential</a:t>
-            </a:r>
-            <a:r>
-              <a:rPr lang="nl-NL" dirty="0" smtClean="0"/>
-              <a:t> to </a:t>
-            </a:r>
-            <a:r>
-              <a:rPr lang="nl-NL" dirty="0" err="1" smtClean="0"/>
-              <a:t>threshold</a:t>
-            </a:r>
-            <a:r>
-              <a:rPr lang="nl-NL" dirty="0" smtClean="0"/>
-              <a:t>: </a:t>
-            </a:r>
-            <a:r>
-              <a:rPr lang="nl-NL" dirty="0" err="1" smtClean="0"/>
-              <a:t>bursting</a:t>
+              <a:t>strength</a:t>
             </a:r>
             <a:endParaRPr lang="nl-NL" dirty="0" smtClean="0"/>
           </a:p>
@@ -8923,12 +8835,16 @@
               <a:buChar char="o"/>
             </a:pPr>
             <a:r>
-              <a:rPr lang="nl-NL" dirty="0" smtClean="0"/>
-              <a:t>Time constant of </a:t>
-            </a:r>
-            <a:r>
-              <a:rPr lang="nl-NL" dirty="0" err="1" smtClean="0"/>
-              <a:t>inhibitory</a:t>
+              <a:rPr lang="nl-NL" dirty="0" err="1" smtClean="0"/>
+              <a:t>Connectivity</a:t>
+            </a:r>
+            <a:r>
+              <a:rPr lang="nl-NL" dirty="0" smtClean="0"/>
+              <a:t> of </a:t>
+            </a:r>
+            <a:r>
+              <a:rPr lang="nl-NL" dirty="0" err="1" smtClean="0"/>
+              <a:t>brain</a:t>
             </a:r>
             <a:r>
               <a:rPr lang="nl-NL" dirty="0" smtClean="0"/>
@@ -8936,46 +8852,7 @@
             </a:r>
             <a:r>
               <a:rPr lang="nl-NL" dirty="0" err="1" smtClean="0"/>
-              <a:t>synapse</a:t>
-            </a:r>
-            <a:r>
-              <a:rPr lang="nl-NL" dirty="0" smtClean="0"/>
-              <a:t> </a:t>
-            </a:r>
-            <a:r>
-              <a:rPr lang="nl-NL" dirty="0" err="1" smtClean="0"/>
-              <a:t>higher</a:t>
-            </a:r>
-            <a:endParaRPr lang="nl-NL" dirty="0" smtClean="0"/>
-          </a:p>
-          <a:p>
-            <a:r>
-              <a:rPr lang="nl-NL" dirty="0" err="1" smtClean="0"/>
-              <a:t>Initial</a:t>
-            </a:r>
-            <a:r>
-              <a:rPr lang="nl-NL" dirty="0" smtClean="0"/>
-              <a:t> </a:t>
-            </a:r>
-            <a:r>
-              <a:rPr lang="nl-NL" dirty="0" err="1" smtClean="0"/>
-              <a:t>values</a:t>
-            </a:r>
-            <a:r>
-              <a:rPr lang="nl-NL" dirty="0" smtClean="0"/>
-              <a:t> of </a:t>
-            </a:r>
-            <a:r>
-              <a:rPr lang="nl-NL" dirty="0" err="1" smtClean="0"/>
-              <a:t>conductance</a:t>
-            </a:r>
-            <a:r>
-              <a:rPr lang="nl-NL" dirty="0" smtClean="0"/>
-              <a:t> </a:t>
-            </a:r>
-            <a:r>
-              <a:rPr lang="nl-NL" dirty="0" err="1" smtClean="0"/>
-              <a:t>differ</a:t>
+              <a:t>area</a:t>
             </a:r>
             <a:endParaRPr lang="nl-NL" dirty="0" smtClean="0"/>
           </a:p>
@@ -8986,7 +8863,57 @@
             </a:pPr>
             <a:r>
               <a:rPr lang="nl-NL" dirty="0" err="1" smtClean="0"/>
-              <a:t>Transition</a:t>
+              <a:t>Length</a:t>
+            </a:r>
+            <a:r>
+              <a:rPr lang="nl-NL" dirty="0" smtClean="0"/>
+              <a:t> of </a:t>
+            </a:r>
+            <a:r>
+              <a:rPr lang="nl-NL" dirty="0" err="1" smtClean="0"/>
+              <a:t>axons</a:t>
+            </a:r>
+            <a:r>
+              <a:rPr lang="nl-NL" dirty="0" smtClean="0"/>
+              <a:t>/ </a:t>
+            </a:r>
+            <a:r>
+              <a:rPr lang="nl-NL" dirty="0" err="1" smtClean="0"/>
+              <a:t>dendrites</a:t>
+            </a:r>
+            <a:r>
+              <a:rPr lang="nl-NL" dirty="0" smtClean="0"/>
+              <a:t> </a:t>
+            </a:r>
+          </a:p>
+          <a:p>
+            <a:r>
+              <a:rPr lang="nl-NL" dirty="0" err="1" smtClean="0"/>
+              <a:t>Especially</a:t>
+            </a:r>
+            <a:r>
+              <a:rPr lang="nl-NL" dirty="0" smtClean="0"/>
+              <a:t> </a:t>
+            </a:r>
+            <a:r>
+              <a:rPr lang="nl-NL" dirty="0" err="1" smtClean="0"/>
+              <a:t>on</a:t>
+            </a:r>
+            <a:r>
+              <a:rPr lang="nl-NL" dirty="0" smtClean="0"/>
+              <a:t> </a:t>
+            </a:r>
+            <a:r>
+              <a:rPr lang="nl-NL" dirty="0" err="1" smtClean="0"/>
+              <a:t>Asynchronous</a:t>
+            </a:r>
+            <a:r>
+              <a:rPr lang="nl-NL" dirty="0" smtClean="0"/>
+              <a:t> </a:t>
+            </a:r>
+            <a:r>
+              <a:rPr lang="nl-NL" dirty="0" err="1" smtClean="0"/>
+              <a:t>Irregular</a:t>
             </a:r>
             <a:r>
               <a:rPr lang="nl-NL" dirty="0" smtClean="0"/>
@@ -8994,11 +8921,87 @@
             </a:r>
           </a:p>
           <a:p>
-            <a:r>
-              <a:rPr lang="nl-NL" dirty="0" err="1" smtClean="0"/>
-              <a:t>Scaling</a:t>
+            <a:pPr lvl="1">
+              <a:buFont typeface="Courier New" pitchFamily="49" charset="0"/>
+              <a:buChar char="o"/>
+            </a:pPr>
+            <a:r>
+              <a:rPr lang="nl-NL" dirty="0" err="1" smtClean="0"/>
+              <a:t>Epilepsy</a:t>
             </a:r>
             <a:endParaRPr lang="nl-NL" dirty="0" smtClean="0"/>
+          </a:p>
+          <a:p>
+            <a:r>
+              <a:rPr lang="nl-NL" dirty="0" err="1" smtClean="0"/>
+              <a:t>Extend</a:t>
+            </a:r>
+            <a:r>
+              <a:rPr lang="nl-NL" dirty="0" smtClean="0"/>
+              <a:t> </a:t>
+            </a:r>
+            <a:r>
+              <a:rPr lang="nl-NL" dirty="0" err="1" smtClean="0"/>
+              <a:t>with</a:t>
+            </a:r>
+            <a:r>
+              <a:rPr lang="nl-NL" dirty="0" smtClean="0"/>
+              <a:t> more </a:t>
+            </a:r>
+            <a:r>
+              <a:rPr lang="nl-NL" dirty="0" err="1" smtClean="0"/>
+              <a:t>biological</a:t>
+            </a:r>
+            <a:r>
+              <a:rPr lang="nl-NL" dirty="0" smtClean="0"/>
+              <a:t> </a:t>
+            </a:r>
+            <a:r>
+              <a:rPr lang="nl-NL" dirty="0" err="1" smtClean="0"/>
+              <a:t>realistic</a:t>
+            </a:r>
+            <a:r>
+              <a:rPr lang="nl-NL" dirty="0" smtClean="0"/>
+              <a:t> </a:t>
+            </a:r>
+            <a:r>
+              <a:rPr lang="nl-NL" dirty="0" err="1" smtClean="0"/>
+              <a:t>components</a:t>
+            </a:r>
+            <a:endParaRPr lang="nl-NL" dirty="0" smtClean="0"/>
+          </a:p>
+          <a:p>
+            <a:pPr lvl="1">
+              <a:buFont typeface="Courier New" pitchFamily="49" charset="0"/>
+              <a:buChar char="o"/>
+            </a:pPr>
+            <a:r>
+              <a:rPr lang="nl-NL" dirty="0" err="1" smtClean="0"/>
+              <a:t>Increase</a:t>
+            </a:r>
+            <a:r>
+              <a:rPr lang="nl-NL" dirty="0" smtClean="0"/>
+              <a:t> </a:t>
+            </a:r>
+            <a:r>
+              <a:rPr lang="nl-NL" dirty="0" err="1" smtClean="0"/>
+              <a:t>computational</a:t>
+            </a:r>
+            <a:r>
+              <a:rPr lang="nl-NL" dirty="0" smtClean="0"/>
+              <a:t> </a:t>
+            </a:r>
+            <a:r>
+              <a:rPr lang="nl-NL" dirty="0" smtClean="0"/>
+              <a:t>power</a:t>
+            </a:r>
+          </a:p>
+          <a:p>
+            <a:pPr lvl="1">
+              <a:buFont typeface="Courier New" pitchFamily="49" charset="0"/>
+              <a:buChar char="o"/>
+            </a:pPr>
+            <a:endParaRPr lang="nl-NL" dirty="0"/>
           </a:p>
         </p:txBody>
       </p:sp>
@@ -9018,302 +9021,6 @@
 </file>
 
 <file path=ppt/slides/slide27.xml><?xml version="1.0" encoding="utf-8"?>
-<p:sld xmlns:a="http://schemas.openxmlformats.org/drawingml/2006/main" xmlns:r="http://schemas.openxmlformats.org/officeDocument/2006/relationships" xmlns:p="http://schemas.openxmlformats.org/presentationml/2006/main">
-  <p:cSld>
-    <p:spTree>
-      <p:nvGrpSpPr>
-        <p:cNvPr id="1" name=""/>
-        <p:cNvGrpSpPr/>
-        <p:nvPr/>
-      </p:nvGrpSpPr>
-      <p:grpSpPr>
-        <a:xfrm>
-          <a:off x="0" y="0"/>
-          <a:ext cx="0" cy="0"/>
-          <a:chOff x="0" y="0"/>
-          <a:chExt cx="0" cy="0"/>
-        </a:xfrm>
-      </p:grpSpPr>
-      <p:sp>
-        <p:nvSpPr>
-          <p:cNvPr id="2" name="Titel 1"/>
-          <p:cNvSpPr>
-            <a:spLocks noGrp="1"/>
-          </p:cNvSpPr>
-          <p:nvPr>
-            <p:ph type="title"/>
-          </p:nvPr>
-        </p:nvSpPr>
-        <p:spPr/>
-        <p:txBody>
-          <a:bodyPr/>
-          <a:lstStyle/>
-          <a:p>
-            <a:r>
-              <a:rPr lang="nl-NL" dirty="0" err="1" smtClean="0"/>
-              <a:t>Why</a:t>
-            </a:r>
-            <a:r>
-              <a:rPr lang="nl-NL" dirty="0" smtClean="0"/>
-              <a:t> relevant?</a:t>
-            </a:r>
-            <a:endParaRPr lang="nl-NL" dirty="0"/>
-          </a:p>
-        </p:txBody>
-      </p:sp>
-      <p:sp>
-        <p:nvSpPr>
-          <p:cNvPr id="3" name="Tijdelijke aanduiding voor inhoud 2"/>
-          <p:cNvSpPr>
-            <a:spLocks noGrp="1"/>
-          </p:cNvSpPr>
-          <p:nvPr>
-            <p:ph sz="quarter" idx="1"/>
-          </p:nvPr>
-        </p:nvSpPr>
-        <p:spPr/>
-        <p:txBody>
-          <a:bodyPr/>
-          <a:lstStyle/>
-          <a:p>
-            <a:r>
-              <a:rPr lang="nl-NL" dirty="0" err="1" smtClean="0"/>
-              <a:t>Examine</a:t>
-            </a:r>
-            <a:r>
-              <a:rPr lang="nl-NL" dirty="0" smtClean="0"/>
-              <a:t> </a:t>
-            </a:r>
-            <a:r>
-              <a:rPr lang="nl-NL" dirty="0" err="1" smtClean="0"/>
-              <a:t>influence</a:t>
-            </a:r>
-            <a:r>
-              <a:rPr lang="nl-NL" dirty="0" smtClean="0"/>
-              <a:t> </a:t>
-            </a:r>
-            <a:r>
-              <a:rPr lang="nl-NL" dirty="0" err="1" smtClean="0"/>
-              <a:t>biological</a:t>
-            </a:r>
-            <a:r>
-              <a:rPr lang="nl-NL" dirty="0" smtClean="0"/>
-              <a:t> relevant </a:t>
-            </a:r>
-            <a:r>
-              <a:rPr lang="nl-NL" dirty="0" err="1" smtClean="0"/>
-              <a:t>properties</a:t>
-            </a:r>
-            <a:endParaRPr lang="nl-NL" dirty="0" smtClean="0"/>
-          </a:p>
-          <a:p>
-            <a:pPr lvl="1">
-              <a:buFont typeface="Courier New" pitchFamily="49" charset="0"/>
-              <a:buChar char="o"/>
-            </a:pPr>
-            <a:r>
-              <a:rPr lang="nl-NL" dirty="0" err="1" smtClean="0"/>
-              <a:t>Synaptic</a:t>
-            </a:r>
-            <a:r>
-              <a:rPr lang="nl-NL" dirty="0" smtClean="0"/>
-              <a:t> </a:t>
-            </a:r>
-            <a:r>
-              <a:rPr lang="nl-NL" dirty="0" err="1" smtClean="0"/>
-              <a:t>strength</a:t>
-            </a:r>
-            <a:endParaRPr lang="nl-NL" dirty="0" smtClean="0"/>
-          </a:p>
-          <a:p>
-            <a:pPr lvl="1">
-              <a:buFont typeface="Courier New" pitchFamily="49" charset="0"/>
-              <a:buChar char="o"/>
-            </a:pPr>
-            <a:r>
-              <a:rPr lang="nl-NL" dirty="0" err="1" smtClean="0"/>
-              <a:t>Connectivity</a:t>
-            </a:r>
-            <a:r>
-              <a:rPr lang="nl-NL" dirty="0" smtClean="0"/>
-              <a:t> of </a:t>
-            </a:r>
-            <a:r>
-              <a:rPr lang="nl-NL" dirty="0" err="1" smtClean="0"/>
-              <a:t>brain</a:t>
-            </a:r>
-            <a:r>
-              <a:rPr lang="nl-NL" dirty="0" smtClean="0"/>
-              <a:t> </a:t>
-            </a:r>
-            <a:r>
-              <a:rPr lang="nl-NL" dirty="0" err="1" smtClean="0"/>
-              <a:t>area</a:t>
-            </a:r>
-            <a:endParaRPr lang="nl-NL" dirty="0" smtClean="0"/>
-          </a:p>
-          <a:p>
-            <a:pPr lvl="1">
-              <a:buFont typeface="Courier New" pitchFamily="49" charset="0"/>
-              <a:buChar char="o"/>
-            </a:pPr>
-            <a:r>
-              <a:rPr lang="nl-NL" dirty="0" err="1" smtClean="0"/>
-              <a:t>Length</a:t>
-            </a:r>
-            <a:r>
-              <a:rPr lang="nl-NL" dirty="0" smtClean="0"/>
-              <a:t> of </a:t>
-            </a:r>
-            <a:r>
-              <a:rPr lang="nl-NL" dirty="0" err="1" smtClean="0"/>
-              <a:t>axons</a:t>
-            </a:r>
-            <a:r>
-              <a:rPr lang="nl-NL" dirty="0" smtClean="0"/>
-              <a:t>/ </a:t>
-            </a:r>
-            <a:r>
-              <a:rPr lang="nl-NL" dirty="0" err="1" smtClean="0"/>
-              <a:t>dendrites</a:t>
-            </a:r>
-            <a:r>
-              <a:rPr lang="nl-NL" dirty="0" smtClean="0"/>
-              <a:t> </a:t>
-            </a:r>
-          </a:p>
-          <a:p>
-            <a:r>
-              <a:rPr lang="nl-NL" dirty="0" err="1" smtClean="0"/>
-              <a:t>Especially</a:t>
-            </a:r>
-            <a:r>
-              <a:rPr lang="nl-NL" dirty="0" smtClean="0"/>
-              <a:t> </a:t>
-            </a:r>
-            <a:r>
-              <a:rPr lang="nl-NL" dirty="0" err="1" smtClean="0"/>
-              <a:t>on</a:t>
-            </a:r>
-            <a:r>
-              <a:rPr lang="nl-NL" dirty="0" smtClean="0"/>
-              <a:t> </a:t>
-            </a:r>
-            <a:r>
-              <a:rPr lang="nl-NL" dirty="0" err="1" smtClean="0"/>
-              <a:t>Asynchronous</a:t>
-            </a:r>
-            <a:r>
-              <a:rPr lang="nl-NL" dirty="0" smtClean="0"/>
-              <a:t> </a:t>
-            </a:r>
-            <a:r>
-              <a:rPr lang="nl-NL" dirty="0" err="1" smtClean="0"/>
-              <a:t>Irregular</a:t>
-            </a:r>
-            <a:r>
-              <a:rPr lang="nl-NL" dirty="0" smtClean="0"/>
-              <a:t> State</a:t>
-            </a:r>
-          </a:p>
-          <a:p>
-            <a:pPr lvl="1">
-              <a:buFont typeface="Courier New" pitchFamily="49" charset="0"/>
-              <a:buChar char="o"/>
-            </a:pPr>
-            <a:r>
-              <a:rPr lang="nl-NL" dirty="0" err="1" smtClean="0"/>
-              <a:t>Epilepsy</a:t>
-            </a:r>
-            <a:endParaRPr lang="nl-NL" dirty="0" smtClean="0"/>
-          </a:p>
-          <a:p>
-            <a:r>
-              <a:rPr lang="nl-NL" dirty="0" err="1" smtClean="0"/>
-              <a:t>Extend</a:t>
-            </a:r>
-            <a:r>
-              <a:rPr lang="nl-NL" dirty="0" smtClean="0"/>
-              <a:t> </a:t>
-            </a:r>
-            <a:r>
-              <a:rPr lang="nl-NL" dirty="0" err="1" smtClean="0"/>
-              <a:t>with</a:t>
-            </a:r>
-            <a:r>
-              <a:rPr lang="nl-NL" dirty="0" smtClean="0"/>
-              <a:t> more </a:t>
-            </a:r>
-            <a:r>
-              <a:rPr lang="nl-NL" dirty="0" err="1" smtClean="0"/>
-              <a:t>biological</a:t>
-            </a:r>
-            <a:r>
-              <a:rPr lang="nl-NL" dirty="0" smtClean="0"/>
-              <a:t> </a:t>
-            </a:r>
-            <a:r>
-              <a:rPr lang="nl-NL" dirty="0" err="1" smtClean="0"/>
-              <a:t>realistic</a:t>
-            </a:r>
-            <a:r>
-              <a:rPr lang="nl-NL" dirty="0" smtClean="0"/>
-              <a:t> </a:t>
-            </a:r>
-            <a:r>
-              <a:rPr lang="nl-NL" dirty="0" err="1" smtClean="0"/>
-              <a:t>components</a:t>
-            </a:r>
-            <a:endParaRPr lang="nl-NL" dirty="0" smtClean="0"/>
-          </a:p>
-          <a:p>
-            <a:pPr lvl="1">
-              <a:buFont typeface="Courier New" pitchFamily="49" charset="0"/>
-              <a:buChar char="o"/>
-            </a:pPr>
-            <a:r>
-              <a:rPr lang="nl-NL" dirty="0" err="1" smtClean="0"/>
-              <a:t>Growth</a:t>
-            </a:r>
-            <a:r>
-              <a:rPr lang="nl-NL" dirty="0" smtClean="0"/>
-              <a:t> </a:t>
-            </a:r>
-            <a:r>
-              <a:rPr lang="nl-NL" dirty="0" err="1" smtClean="0"/>
-              <a:t>computational</a:t>
-            </a:r>
-            <a:r>
-              <a:rPr lang="nl-NL" dirty="0" smtClean="0"/>
-              <a:t> power</a:t>
-            </a:r>
-            <a:endParaRPr lang="nl-NL" dirty="0" smtClean="0"/>
-          </a:p>
-          <a:p>
-            <a:pPr lvl="1">
-              <a:buFont typeface="Courier New" pitchFamily="49" charset="0"/>
-              <a:buChar char="o"/>
-            </a:pPr>
-            <a:endParaRPr lang="nl-NL" dirty="0"/>
-          </a:p>
-        </p:txBody>
-      </p:sp>
-    </p:spTree>
-  </p:cSld>
-  <p:clrMapOvr>
-    <a:masterClrMapping/>
-  </p:clrMapOvr>
-  <p:timing>
-    <p:tnLst>
-      <p:par>
-        <p:cTn id="1" dur="indefinite" restart="never" nodeType="tmRoot"/>
-      </p:par>
-    </p:tnLst>
-  </p:timing>
-</p:sld>
-</file>
-
-<file path=ppt/slides/slide28.xml><?xml version="1.0" encoding="utf-8"?>
 <p:sld xmlns:a="http://schemas.openxmlformats.org/drawingml/2006/main" xmlns:r="http://schemas.openxmlformats.org/officeDocument/2006/relationships" xmlns:p="http://schemas.openxmlformats.org/presentationml/2006/main">
   <p:cSld>
     <p:spTree>
@@ -9798,6 +9505,64 @@
 </p:sld>
 </file>
 
+<file path=ppt/slides/slide28.xml><?xml version="1.0" encoding="utf-8"?>
+<p:sld xmlns:a="http://schemas.openxmlformats.org/drawingml/2006/main" xmlns:r="http://schemas.openxmlformats.org/officeDocument/2006/relationships" xmlns:p="http://schemas.openxmlformats.org/presentationml/2006/main">
+  <p:cSld>
+    <p:spTree>
+      <p:nvGrpSpPr>
+        <p:cNvPr id="1" name=""/>
+        <p:cNvGrpSpPr/>
+        <p:nvPr/>
+      </p:nvGrpSpPr>
+      <p:grpSpPr>
+        <a:xfrm>
+          <a:off x="0" y="0"/>
+          <a:ext cx="0" cy="0"/>
+          <a:chOff x="0" y="0"/>
+          <a:chExt cx="0" cy="0"/>
+        </a:xfrm>
+      </p:grpSpPr>
+      <p:sp>
+        <p:nvSpPr>
+          <p:cNvPr id="2" name="Titel 1"/>
+          <p:cNvSpPr>
+            <a:spLocks noGrp="1"/>
+          </p:cNvSpPr>
+          <p:nvPr>
+            <p:ph type="title"/>
+          </p:nvPr>
+        </p:nvSpPr>
+        <p:spPr/>
+        <p:txBody>
+          <a:bodyPr>
+            <a:normAutofit/>
+          </a:bodyPr>
+          <a:lstStyle/>
+          <a:p>
+            <a:r>
+              <a:rPr lang="nl-NL" sz="5400" dirty="0" err="1" smtClean="0"/>
+              <a:t>Questions</a:t>
+            </a:r>
+            <a:endParaRPr lang="nl-NL" sz="5400" dirty="0"/>
+          </a:p>
+        </p:txBody>
+      </p:sp>
+    </p:spTree>
+  </p:cSld>
+  <p:clrMapOvr>
+    <a:masterClrMapping/>
+  </p:clrMapOvr>
+  <p:transition/>
+  <p:timing>
+    <p:tnLst>
+      <p:par>
+        <p:cTn id="1" dur="indefinite" restart="never" nodeType="tmRoot"/>
+      </p:par>
+    </p:tnLst>
+  </p:timing>
+</p:sld>
+</file>
+
 <file path=ppt/slides/slide29.xml><?xml version="1.0" encoding="utf-8"?>
 <p:sld xmlns:a="http://schemas.openxmlformats.org/drawingml/2006/main" xmlns:r="http://schemas.openxmlformats.org/officeDocument/2006/relationships" xmlns:p="http://schemas.openxmlformats.org/presentationml/2006/main">
   <p:cSld>
@@ -9827,33 +9592,40 @@
         </p:nvSpPr>
         <p:spPr/>
         <p:txBody>
-          <a:bodyPr/>
+          <a:bodyPr>
+            <a:normAutofit fontScale="90000"/>
+          </a:bodyPr>
           <a:lstStyle/>
           <a:p>
             <a:r>
-              <a:rPr lang="nl-NL" dirty="0" err="1" smtClean="0"/>
-              <a:t>Questions</a:t>
-            </a:r>
-            <a:endParaRPr lang="nl-NL" dirty="0"/>
-          </a:p>
-        </p:txBody>
-      </p:sp>
-      <p:sp>
-        <p:nvSpPr>
-          <p:cNvPr id="3" name="Tijdelijke aanduiding voor inhoud 2"/>
-          <p:cNvSpPr>
-            <a:spLocks noGrp="1"/>
-          </p:cNvSpPr>
-          <p:nvPr>
-            <p:ph sz="quarter" idx="1"/>
-          </p:nvPr>
-        </p:nvSpPr>
-        <p:spPr/>
-        <p:txBody>
-          <a:bodyPr/>
-          <a:lstStyle/>
-          <a:p>
-            <a:endParaRPr lang="nl-NL"/>
+              <a:rPr lang="nl-NL" sz="5400" dirty="0" err="1" smtClean="0"/>
+              <a:t>Slides</a:t>
+            </a:r>
+            <a:r>
+              <a:rPr lang="nl-NL" sz="5400" dirty="0" smtClean="0"/>
+              <a:t> </a:t>
+            </a:r>
+            <a:r>
+              <a:rPr lang="nl-NL" sz="5400" dirty="0" err="1" smtClean="0"/>
+              <a:t>for</a:t>
+            </a:r>
+            <a:r>
+              <a:rPr lang="nl-NL" sz="5400" dirty="0" smtClean="0"/>
+              <a:t> </a:t>
+            </a:r>
+            <a:r>
+              <a:rPr lang="nl-NL" sz="5400" dirty="0" err="1" smtClean="0"/>
+              <a:t>possible</a:t>
+            </a:r>
+            <a:r>
+              <a:rPr lang="nl-NL" sz="5400" dirty="0" smtClean="0"/>
+              <a:t> </a:t>
+            </a:r>
+            <a:r>
+              <a:rPr lang="nl-NL" sz="5400" dirty="0" err="1" smtClean="0"/>
+              <a:t>questions</a:t>
+            </a:r>
+            <a:endParaRPr lang="nl-NL" sz="5400" dirty="0"/>
           </a:p>
         </p:txBody>
       </p:sp>
@@ -9862,6 +9634,7 @@
   <p:clrMapOvr>
     <a:masterClrMapping/>
   </p:clrMapOvr>
+  <p:transition/>
   <p:timing>
     <p:tnLst>
       <p:par>
@@ -9930,6 +9703,586 @@
 </p:sld>
 </file>
 
+<file path=ppt/slides/slide30.xml><?xml version="1.0" encoding="utf-8"?>
+<p:sld xmlns:a="http://schemas.openxmlformats.org/drawingml/2006/main" xmlns:r="http://schemas.openxmlformats.org/officeDocument/2006/relationships" xmlns:p="http://schemas.openxmlformats.org/presentationml/2006/main">
+  <p:cSld>
+    <p:spTree>
+      <p:nvGrpSpPr>
+        <p:cNvPr id="1" name=""/>
+        <p:cNvGrpSpPr/>
+        <p:nvPr/>
+      </p:nvGrpSpPr>
+      <p:grpSpPr>
+        <a:xfrm>
+          <a:off x="0" y="0"/>
+          <a:ext cx="0" cy="0"/>
+          <a:chOff x="0" y="0"/>
+          <a:chExt cx="0" cy="0"/>
+        </a:xfrm>
+      </p:grpSpPr>
+      <p:sp>
+        <p:nvSpPr>
+          <p:cNvPr id="2" name="Titel 1"/>
+          <p:cNvSpPr>
+            <a:spLocks noGrp="1"/>
+          </p:cNvSpPr>
+          <p:nvPr>
+            <p:ph type="title"/>
+          </p:nvPr>
+        </p:nvSpPr>
+        <p:spPr/>
+        <p:txBody>
+          <a:bodyPr>
+            <a:normAutofit/>
+          </a:bodyPr>
+          <a:lstStyle/>
+          <a:p>
+            <a:r>
+              <a:rPr lang="nl-NL" dirty="0" smtClean="0"/>
+              <a:t>A </a:t>
+            </a:r>
+            <a:r>
+              <a:rPr lang="nl-NL" dirty="0" err="1" smtClean="0"/>
+              <a:t>Balanced</a:t>
+            </a:r>
+            <a:r>
+              <a:rPr lang="nl-NL" dirty="0" smtClean="0"/>
+              <a:t> </a:t>
+            </a:r>
+            <a:r>
+              <a:rPr lang="nl-NL" dirty="0" err="1" smtClean="0"/>
+              <a:t>Network</a:t>
+            </a:r>
+            <a:endParaRPr lang="nl-NL" dirty="0"/>
+          </a:p>
+        </p:txBody>
+      </p:sp>
+      <p:sp>
+        <p:nvSpPr>
+          <p:cNvPr id="3" name="Tijdelijke aanduiding voor inhoud 2"/>
+          <p:cNvSpPr>
+            <a:spLocks noGrp="1"/>
+          </p:cNvSpPr>
+          <p:nvPr>
+            <p:ph sz="quarter" idx="1"/>
+          </p:nvPr>
+        </p:nvSpPr>
+        <p:spPr>
+          <a:xfrm>
+            <a:off x="914400" y="1447800"/>
+            <a:ext cx="4017640" cy="4572000"/>
+          </a:xfrm>
+        </p:spPr>
+        <p:txBody>
+          <a:bodyPr>
+            <a:noAutofit/>
+          </a:bodyPr>
+          <a:lstStyle/>
+          <a:p>
+            <a:r>
+              <a:rPr lang="nl-NL" dirty="0" err="1" smtClean="0"/>
+              <a:t>Recurrent</a:t>
+            </a:r>
+            <a:r>
+              <a:rPr lang="nl-NL" dirty="0" smtClean="0"/>
+              <a:t> </a:t>
+            </a:r>
+            <a:r>
+              <a:rPr lang="nl-NL" dirty="0" err="1" smtClean="0"/>
+              <a:t>network</a:t>
+            </a:r>
+            <a:endParaRPr lang="nl-NL" dirty="0" smtClean="0"/>
+          </a:p>
+          <a:p>
+            <a:r>
+              <a:rPr lang="nl-NL" dirty="0" err="1" smtClean="0"/>
+              <a:t>Excitatory</a:t>
+            </a:r>
+            <a:r>
+              <a:rPr lang="nl-NL" dirty="0" smtClean="0"/>
+              <a:t> : </a:t>
+            </a:r>
+            <a:r>
+              <a:rPr lang="nl-NL" dirty="0" err="1" smtClean="0"/>
+              <a:t>inhibitory</a:t>
+            </a:r>
+            <a:r>
+              <a:rPr lang="nl-NL" dirty="0" smtClean="0"/>
+              <a:t> neurons = 4:1</a:t>
+            </a:r>
+          </a:p>
+          <a:p>
+            <a:endParaRPr lang="nl-NL" dirty="0" smtClean="0"/>
+          </a:p>
+          <a:p>
+            <a:r>
+              <a:rPr lang="nl-NL" dirty="0" smtClean="0"/>
+              <a:t>w = </a:t>
+            </a:r>
+            <a:r>
+              <a:rPr lang="nl-NL" dirty="0" err="1" smtClean="0"/>
+              <a:t>synaptic</a:t>
+            </a:r>
+            <a:r>
+              <a:rPr lang="nl-NL" dirty="0" smtClean="0"/>
+              <a:t> </a:t>
+            </a:r>
+            <a:r>
+              <a:rPr lang="nl-NL" dirty="0" err="1" smtClean="0"/>
+              <a:t>strength</a:t>
+            </a:r>
+            <a:r>
+              <a:rPr lang="nl-NL" dirty="0" smtClean="0"/>
+              <a:t> </a:t>
+            </a:r>
+            <a:r>
+              <a:rPr lang="nl-NL" dirty="0" err="1" smtClean="0"/>
+              <a:t>excitatory</a:t>
+            </a:r>
+            <a:r>
+              <a:rPr lang="nl-NL" dirty="0" smtClean="0"/>
+              <a:t> </a:t>
+            </a:r>
+            <a:r>
+              <a:rPr lang="nl-NL" dirty="0" err="1" smtClean="0"/>
+              <a:t>connections</a:t>
+            </a:r>
+            <a:endParaRPr lang="nl-NL" dirty="0" smtClean="0"/>
+          </a:p>
+          <a:p>
+            <a:r>
+              <a:rPr lang="nl-NL" dirty="0" smtClean="0"/>
+              <a:t>g = </a:t>
+            </a:r>
+            <a:r>
+              <a:rPr lang="nl-NL" dirty="0" err="1" smtClean="0"/>
+              <a:t>relative</a:t>
+            </a:r>
+            <a:r>
+              <a:rPr lang="nl-NL" dirty="0" smtClean="0"/>
+              <a:t> </a:t>
+            </a:r>
+            <a:r>
+              <a:rPr lang="nl-NL" dirty="0" err="1" smtClean="0"/>
+              <a:t>weight</a:t>
+            </a:r>
+            <a:r>
+              <a:rPr lang="nl-NL" dirty="0" smtClean="0"/>
+              <a:t> </a:t>
+            </a:r>
+            <a:r>
+              <a:rPr lang="nl-NL" dirty="0" err="1" smtClean="0"/>
+              <a:t>inhibitory</a:t>
+            </a:r>
+            <a:r>
+              <a:rPr lang="nl-NL" dirty="0" smtClean="0"/>
+              <a:t> </a:t>
+            </a:r>
+            <a:r>
+              <a:rPr lang="nl-NL" dirty="0" err="1" smtClean="0"/>
+              <a:t>connections</a:t>
+            </a:r>
+            <a:endParaRPr lang="nl-NL" dirty="0" smtClean="0"/>
+          </a:p>
+          <a:p>
+            <a:r>
+              <a:rPr lang="nl-NL" dirty="0" err="1" smtClean="0"/>
+              <a:t>Vext</a:t>
+            </a:r>
+            <a:r>
+              <a:rPr lang="nl-NL" dirty="0" smtClean="0"/>
+              <a:t> = </a:t>
+            </a:r>
+            <a:r>
+              <a:rPr lang="nl-NL" dirty="0" err="1" smtClean="0"/>
+              <a:t>frequency</a:t>
+            </a:r>
+            <a:r>
+              <a:rPr lang="nl-NL" dirty="0" smtClean="0"/>
+              <a:t> </a:t>
+            </a:r>
+            <a:r>
+              <a:rPr lang="nl-NL" dirty="0" err="1" smtClean="0"/>
+              <a:t>external</a:t>
+            </a:r>
+            <a:r>
+              <a:rPr lang="nl-NL" dirty="0" smtClean="0"/>
+              <a:t> input</a:t>
+            </a:r>
+          </a:p>
+          <a:p>
+            <a:endParaRPr lang="nl-NL" dirty="0"/>
+          </a:p>
+        </p:txBody>
+      </p:sp>
+      <p:pic>
+        <p:nvPicPr>
+          <p:cNvPr id="5" name="Tijdelijke aanduiding voor inhoud 4" descr="balanced network.PNG"/>
+          <p:cNvPicPr>
+            <a:picLocks noGrp="1" noChangeAspect="1"/>
+          </p:cNvPicPr>
+          <p:nvPr>
+            <p:ph sz="quarter" idx="2"/>
+          </p:nvPr>
+        </p:nvPicPr>
+        <p:blipFill>
+          <a:blip r:embed="rId3" cstate="print"/>
+          <a:stretch>
+            <a:fillRect/>
+          </a:stretch>
+        </p:blipFill>
+        <p:spPr>
+          <a:xfrm>
+            <a:off x="4933950" y="1553756"/>
+            <a:ext cx="3749675" cy="4360087"/>
+          </a:xfrm>
+        </p:spPr>
+      </p:pic>
+      <p:sp>
+        <p:nvSpPr>
+          <p:cNvPr id="1026" name="Rectangle 2"/>
+          <p:cNvSpPr>
+            <a:spLocks noChangeArrowheads="1"/>
+          </p:cNvSpPr>
+          <p:nvPr/>
+        </p:nvSpPr>
+        <p:spPr bwMode="auto">
+          <a:xfrm>
+            <a:off x="0" y="0"/>
+            <a:ext cx="9144000" cy="0"/>
+          </a:xfrm>
+          <a:prstGeom prst="rect">
+            <a:avLst/>
+          </a:prstGeom>
+          <a:noFill/>
+          <a:ln w="9525">
+            <a:noFill/>
+            <a:miter lim="800000"/>
+            <a:headEnd/>
+            <a:tailEnd/>
+          </a:ln>
+          <a:effectLst/>
+        </p:spPr>
+        <p:txBody>
+          <a:bodyPr vert="horz" wrap="none" lIns="91440" tIns="45720" rIns="91440" bIns="45720" numCol="1" anchor="ctr" anchorCtr="0" compatLnSpc="1">
+            <a:prstTxWarp prst="textNoShape">
+              <a:avLst/>
+            </a:prstTxWarp>
+            <a:spAutoFit/>
+          </a:bodyPr>
+          <a:lstStyle/>
+          <a:p>
+            <a:endParaRPr lang="nl-NL"/>
+          </a:p>
+        </p:txBody>
+      </p:sp>
+      <p:sp>
+        <p:nvSpPr>
+          <p:cNvPr id="1028" name="Rectangle 4"/>
+          <p:cNvSpPr>
+            <a:spLocks noChangeArrowheads="1"/>
+          </p:cNvSpPr>
+          <p:nvPr/>
+        </p:nvSpPr>
+        <p:spPr bwMode="auto">
+          <a:xfrm>
+            <a:off x="0" y="0"/>
+            <a:ext cx="9144000" cy="0"/>
+          </a:xfrm>
+          <a:prstGeom prst="rect">
+            <a:avLst/>
+          </a:prstGeom>
+          <a:noFill/>
+          <a:ln w="9525">
+            <a:noFill/>
+            <a:miter lim="800000"/>
+            <a:headEnd/>
+            <a:tailEnd/>
+          </a:ln>
+          <a:effectLst/>
+        </p:spPr>
+        <p:txBody>
+          <a:bodyPr vert="horz" wrap="none" lIns="91440" tIns="45720" rIns="91440" bIns="45720" numCol="1" anchor="ctr" anchorCtr="0" compatLnSpc="1">
+            <a:prstTxWarp prst="textNoShape">
+              <a:avLst/>
+            </a:prstTxWarp>
+            <a:spAutoFit/>
+          </a:bodyPr>
+          <a:lstStyle/>
+          <a:p>
+            <a:endParaRPr lang="nl-NL"/>
+          </a:p>
+        </p:txBody>
+      </p:sp>
+      <p:sp>
+        <p:nvSpPr>
+          <p:cNvPr id="10" name="Tekstvak 9"/>
+          <p:cNvSpPr txBox="1"/>
+          <p:nvPr/>
+        </p:nvSpPr>
+        <p:spPr>
+          <a:xfrm>
+            <a:off x="6516216" y="6021288"/>
+            <a:ext cx="2196752" cy="369332"/>
+          </a:xfrm>
+          <a:prstGeom prst="rect">
+            <a:avLst/>
+          </a:prstGeom>
+          <a:noFill/>
+        </p:spPr>
+        <p:txBody>
+          <a:bodyPr wrap="square" rtlCol="0">
+            <a:spAutoFit/>
+          </a:bodyPr>
+          <a:lstStyle/>
+          <a:p>
+            <a:pPr algn="r"/>
+            <a:r>
+              <a:rPr lang="nl-NL" dirty="0" err="1" smtClean="0"/>
+              <a:t>From</a:t>
+            </a:r>
+            <a:r>
+              <a:rPr lang="nl-NL" dirty="0" smtClean="0"/>
+              <a:t> </a:t>
+            </a:r>
+            <a:r>
+              <a:rPr lang="nl-NL" dirty="0" err="1" smtClean="0"/>
+              <a:t>www.yger.net</a:t>
+            </a:r>
+            <a:endParaRPr lang="nl-NL" dirty="0"/>
+          </a:p>
+        </p:txBody>
+      </p:sp>
+    </p:spTree>
+  </p:cSld>
+  <p:clrMapOvr>
+    <a:masterClrMapping/>
+  </p:clrMapOvr>
+  <p:timing>
+    <p:tnLst>
+      <p:par>
+        <p:cTn id="1" dur="indefinite" restart="never" nodeType="tmRoot"/>
+      </p:par>
+    </p:tnLst>
+  </p:timing>
+</p:sld>
+</file>
+
+<file path=ppt/slides/slide31.xml><?xml version="1.0" encoding="utf-8"?>
+<p:sld xmlns:a="http://schemas.openxmlformats.org/drawingml/2006/main" xmlns:r="http://schemas.openxmlformats.org/officeDocument/2006/relationships" xmlns:p="http://schemas.openxmlformats.org/presentationml/2006/main">
+  <p:cSld>
+    <p:spTree>
+      <p:nvGrpSpPr>
+        <p:cNvPr id="1" name=""/>
+        <p:cNvGrpSpPr/>
+        <p:nvPr/>
+      </p:nvGrpSpPr>
+      <p:grpSpPr>
+        <a:xfrm>
+          <a:off x="0" y="0"/>
+          <a:ext cx="0" cy="0"/>
+          <a:chOff x="0" y="0"/>
+          <a:chExt cx="0" cy="0"/>
+        </a:xfrm>
+      </p:grpSpPr>
+      <p:sp>
+        <p:nvSpPr>
+          <p:cNvPr id="2" name="Titel 1"/>
+          <p:cNvSpPr>
+            <a:spLocks noGrp="1"/>
+          </p:cNvSpPr>
+          <p:nvPr>
+            <p:ph type="title"/>
+          </p:nvPr>
+        </p:nvSpPr>
+        <p:spPr/>
+        <p:txBody>
+          <a:bodyPr/>
+          <a:lstStyle/>
+          <a:p>
+            <a:r>
+              <a:rPr lang="nl-NL" dirty="0" err="1" smtClean="0"/>
+              <a:t>What</a:t>
+            </a:r>
+            <a:r>
+              <a:rPr lang="nl-NL" dirty="0" smtClean="0"/>
+              <a:t> </a:t>
+            </a:r>
+            <a:r>
+              <a:rPr lang="nl-NL" dirty="0" err="1" smtClean="0"/>
+              <a:t>causes</a:t>
+            </a:r>
+            <a:r>
+              <a:rPr lang="nl-NL" dirty="0" smtClean="0"/>
+              <a:t> different </a:t>
+            </a:r>
+            <a:r>
+              <a:rPr lang="nl-NL" dirty="0" err="1" smtClean="0"/>
+              <a:t>states</a:t>
+            </a:r>
+            <a:r>
+              <a:rPr lang="nl-NL" dirty="0" smtClean="0"/>
+              <a:t>?</a:t>
+            </a:r>
+            <a:endParaRPr lang="nl-NL" dirty="0"/>
+          </a:p>
+        </p:txBody>
+      </p:sp>
+      <p:sp>
+        <p:nvSpPr>
+          <p:cNvPr id="3" name="Tijdelijke aanduiding voor inhoud 2"/>
+          <p:cNvSpPr>
+            <a:spLocks noGrp="1"/>
+          </p:cNvSpPr>
+          <p:nvPr>
+            <p:ph sz="quarter" idx="1"/>
+          </p:nvPr>
+        </p:nvSpPr>
+        <p:spPr/>
+        <p:txBody>
+          <a:bodyPr>
+            <a:normAutofit/>
+          </a:bodyPr>
+          <a:lstStyle/>
+          <a:p>
+            <a:r>
+              <a:rPr lang="nl-NL" dirty="0" err="1" smtClean="0"/>
+              <a:t>Based</a:t>
+            </a:r>
+            <a:r>
+              <a:rPr lang="nl-NL" dirty="0" smtClean="0"/>
+              <a:t> </a:t>
+            </a:r>
+            <a:r>
+              <a:rPr lang="nl-NL" dirty="0" err="1" smtClean="0"/>
+              <a:t>on</a:t>
+            </a:r>
+            <a:r>
+              <a:rPr lang="nl-NL" dirty="0" smtClean="0"/>
+              <a:t> </a:t>
+            </a:r>
+            <a:r>
+              <a:rPr lang="nl-NL" dirty="0" err="1" smtClean="0"/>
+              <a:t>variations</a:t>
+            </a:r>
+            <a:r>
+              <a:rPr lang="nl-NL" dirty="0" smtClean="0"/>
+              <a:t> of 2 parameters:</a:t>
+            </a:r>
+          </a:p>
+          <a:p>
+            <a:pPr lvl="1">
+              <a:buFont typeface="Courier New" pitchFamily="49" charset="0"/>
+              <a:buChar char="o"/>
+            </a:pPr>
+            <a:r>
+              <a:rPr lang="nl-NL" sz="2600" dirty="0" err="1" smtClean="0"/>
+              <a:t>External</a:t>
+            </a:r>
+            <a:r>
+              <a:rPr lang="nl-NL" sz="2600" dirty="0" smtClean="0"/>
+              <a:t> input (</a:t>
+            </a:r>
+            <a:r>
+              <a:rPr lang="nl-NL" sz="2600" dirty="0" err="1" smtClean="0"/>
+              <a:t>Vext</a:t>
+            </a:r>
+            <a:r>
+              <a:rPr lang="nl-NL" sz="2600" dirty="0" smtClean="0"/>
+              <a:t>)</a:t>
+            </a:r>
+          </a:p>
+          <a:p>
+            <a:pPr lvl="1">
+              <a:buFont typeface="Courier New" pitchFamily="49" charset="0"/>
+              <a:buChar char="o"/>
+            </a:pPr>
+            <a:r>
+              <a:rPr lang="nl-NL" sz="2600" dirty="0" err="1" smtClean="0"/>
+              <a:t>Relative</a:t>
+            </a:r>
+            <a:r>
+              <a:rPr lang="nl-NL" sz="2600" dirty="0" smtClean="0"/>
+              <a:t> </a:t>
+            </a:r>
+            <a:r>
+              <a:rPr lang="nl-NL" sz="2600" dirty="0" err="1" smtClean="0"/>
+              <a:t>strength</a:t>
+            </a:r>
+            <a:r>
+              <a:rPr lang="nl-NL" sz="2600" dirty="0" smtClean="0"/>
+              <a:t> </a:t>
+            </a:r>
+            <a:r>
+              <a:rPr lang="nl-NL" sz="2600" dirty="0" err="1" smtClean="0"/>
+              <a:t>inhibitory</a:t>
+            </a:r>
+            <a:r>
+              <a:rPr lang="nl-NL" sz="2600" dirty="0" smtClean="0"/>
+              <a:t> </a:t>
+            </a:r>
+            <a:r>
+              <a:rPr lang="nl-NL" sz="2600" dirty="0" err="1" smtClean="0"/>
+              <a:t>synapse</a:t>
+            </a:r>
+            <a:r>
+              <a:rPr lang="nl-NL" sz="2600" dirty="0" smtClean="0"/>
+              <a:t> (g)</a:t>
+            </a:r>
+          </a:p>
+          <a:p>
+            <a:endParaRPr lang="nl-NL" dirty="0"/>
+          </a:p>
+        </p:txBody>
+      </p:sp>
+      <p:pic>
+        <p:nvPicPr>
+          <p:cNvPr id="5" name="Picture 2"/>
+          <p:cNvPicPr>
+            <a:picLocks noGrp="1" noChangeAspect="1" noChangeArrowheads="1"/>
+          </p:cNvPicPr>
+          <p:nvPr>
+            <p:ph sz="quarter" idx="2"/>
+          </p:nvPr>
+        </p:nvPicPr>
+        <p:blipFill>
+          <a:blip r:embed="rId2" cstate="print"/>
+          <a:stretch>
+            <a:fillRect/>
+          </a:stretch>
+        </p:blipFill>
+        <p:spPr bwMode="auto">
+          <a:xfrm>
+            <a:off x="4427984" y="1844824"/>
+            <a:ext cx="4543673" cy="3753469"/>
+          </a:xfrm>
+          <a:prstGeom prst="rect">
+            <a:avLst/>
+          </a:prstGeom>
+          <a:noFill/>
+          <a:ln w="9525">
+            <a:noFill/>
+            <a:miter lim="800000"/>
+            <a:headEnd/>
+            <a:tailEnd/>
+          </a:ln>
+        </p:spPr>
+      </p:pic>
+    </p:spTree>
+  </p:cSld>
+  <p:clrMapOvr>
+    <a:masterClrMapping/>
+  </p:clrMapOvr>
+  <p:timing>
+    <p:tnLst>
+      <p:par>
+        <p:cTn id="1" dur="indefinite" restart="never" nodeType="tmRoot"/>
+      </p:par>
+    </p:tnLst>
+  </p:timing>
+</p:sld>
+</file>
+
 <file path=ppt/slides/slide4.xml><?xml version="1.0" encoding="utf-8"?>
 <p:sld xmlns:a="http://schemas.openxmlformats.org/drawingml/2006/main" xmlns:r="http://schemas.openxmlformats.org/officeDocument/2006/relationships" xmlns:p="http://schemas.openxmlformats.org/presentationml/2006/main">
   <p:cSld>
@@ -9947,6 +10300,30 @@
           <a:chExt cx="0" cy="0"/>
         </a:xfrm>
       </p:grpSpPr>
+      <p:pic>
+        <p:nvPicPr>
+          <p:cNvPr id="4" name="Afbeelding 3" descr="Irregular firing.PNG"/>
+          <p:cNvPicPr>
+            <a:picLocks noChangeAspect="1"/>
+          </p:cNvPicPr>
+          <p:nvPr/>
+        </p:nvPicPr>
+        <p:blipFill>
+          <a:blip r:embed="rId3" cstate="print"/>
+          <a:stretch>
+            <a:fillRect/>
+          </a:stretch>
+        </p:blipFill>
+        <p:spPr>
+          <a:xfrm>
+            <a:off x="107504" y="2304773"/>
+            <a:ext cx="8964488" cy="2564387"/>
+          </a:xfrm>
+          <a:prstGeom prst="rect">
+            <a:avLst/>
+          </a:prstGeom>
+        </p:spPr>
+      </p:pic>
       <p:sp>
         <p:nvSpPr>
           <p:cNvPr id="2" name="Titel 1"/>
@@ -9988,13 +10365,13 @@
         </p:nvSpPr>
         <p:spPr>
           <a:xfrm>
-            <a:off x="914400" y="2060848"/>
-            <a:ext cx="7772400" cy="3958952"/>
+            <a:off x="914400" y="1700808"/>
+            <a:ext cx="7772400" cy="4968552"/>
           </a:xfrm>
         </p:spPr>
         <p:txBody>
           <a:bodyPr>
-            <a:normAutofit/>
+            <a:normAutofit lnSpcReduction="10000"/>
           </a:bodyPr>
           <a:lstStyle/>
           <a:p>
@@ -10045,6 +10422,36 @@
             </a:endParaRPr>
           </a:p>
           <a:p>
+            <a:endParaRPr lang="nl-NL" dirty="0" smtClean="0">
+              <a:latin typeface="+mj-lt"/>
+            </a:endParaRPr>
+          </a:p>
+          <a:p>
+            <a:endParaRPr lang="nl-NL" dirty="0" smtClean="0">
+              <a:latin typeface="+mj-lt"/>
+            </a:endParaRPr>
+          </a:p>
+          <a:p>
+            <a:endParaRPr lang="nl-NL" dirty="0" smtClean="0">
+              <a:latin typeface="+mj-lt"/>
+            </a:endParaRPr>
+          </a:p>
+          <a:p>
+            <a:endParaRPr lang="nl-NL" dirty="0" smtClean="0">
+              <a:latin typeface="+mj-lt"/>
+            </a:endParaRPr>
+          </a:p>
+          <a:p>
+            <a:endParaRPr lang="nl-NL" dirty="0" smtClean="0">
+              <a:latin typeface="+mj-lt"/>
+            </a:endParaRPr>
+          </a:p>
+          <a:p>
+            <a:endParaRPr lang="nl-NL" dirty="0" smtClean="0">
+              <a:latin typeface="+mj-lt"/>
+            </a:endParaRPr>
+          </a:p>
+          <a:p>
             <a:r>
               <a:rPr lang="nl-NL" dirty="0" err="1" smtClean="0">
                 <a:latin typeface="+mj-lt"/>
@@ -10055,7 +10462,13 @@
               <a:rPr lang="nl-NL" dirty="0" smtClean="0">
                 <a:latin typeface="+mj-lt"/>
               </a:rPr>
-              <a:t> models</a:t>
+              <a:t> </a:t>
+            </a:r>
+            <a:r>
+              <a:rPr lang="nl-NL" dirty="0" smtClean="0">
+                <a:latin typeface="+mj-lt"/>
+              </a:rPr>
+              <a:t>models</a:t>
             </a:r>
           </a:p>
           <a:p>
@@ -10108,7 +10521,19 @@
               <a:rPr lang="nl-NL" dirty="0" smtClean="0">
                 <a:latin typeface="+mj-lt"/>
               </a:rPr>
-              <a:t> a </a:t>
+              <a:t> </a:t>
+            </a:r>
+            <a:r>
+              <a:rPr lang="nl-NL" dirty="0" err="1" smtClean="0">
+                <a:latin typeface="+mj-lt"/>
+              </a:rPr>
+              <a:t>an</a:t>
+            </a:r>
+            <a:r>
+              <a:rPr lang="nl-NL" dirty="0" smtClean="0">
+                <a:latin typeface="+mj-lt"/>
+              </a:rPr>
+              <a:t> </a:t>
             </a:r>
             <a:r>
               <a:rPr lang="nl-NL" dirty="0" err="1" smtClean="0">
@@ -10231,6 +10656,41 @@
                                   </p:childTnLst>
                                 </p:cTn>
                               </p:par>
+                              <p:par>
+                                <p:cTn id="8" presetID="22" presetClass="entr" presetSubtype="4" fill="hold" nodeType="withEffect">
+                                  <p:stCondLst>
+                                    <p:cond delay="0"/>
+                                  </p:stCondLst>
+                                  <p:childTnLst>
+                                    <p:set>
+                                      <p:cBhvr>
+                                        <p:cTn id="9" dur="1" fill="hold">
+                                          <p:stCondLst>
+                                            <p:cond delay="0"/>
+                                          </p:stCondLst>
+                                        </p:cTn>
+                                        <p:tgtEl>
+                                          <p:spTgt spid="4"/>
+                                        </p:tgtEl>
+                                        <p:attrNameLst>
+                                          <p:attrName>style.visibility</p:attrName>
+                                        </p:attrNameLst>
+                                      </p:cBhvr>
+                                      <p:to>
+                                        <p:strVal val="visible"/>
+                                      </p:to>
+                                    </p:set>
+                                    <p:animEffect transition="in" filter="wipe(down)">
+                                      <p:cBhvr>
+                                        <p:cTn id="10" dur="500"/>
+                                        <p:tgtEl>
+                                          <p:spTgt spid="4"/>
+                                        </p:tgtEl>
+                                      </p:cBhvr>
+                                    </p:animEffect>
+                                  </p:childTnLst>
+                                </p:cTn>
+                              </p:par>
                             </p:childTnLst>
                           </p:cTn>
                         </p:par>
@@ -10238,26 +10698,26 @@
                     </p:cTn>
                   </p:par>
                   <p:par>
-                    <p:cTn id="8" fill="hold">
+                    <p:cTn id="11" fill="hold">
                       <p:stCondLst>
                         <p:cond delay="indefinite"/>
                       </p:stCondLst>
                       <p:childTnLst>
                         <p:par>
-                          <p:cTn id="9" fill="hold">
+                          <p:cTn id="12" fill="hold">
                             <p:stCondLst>
                               <p:cond delay="0"/>
                             </p:stCondLst>
                             <p:childTnLst>
                               <p:par>
-                                <p:cTn id="10" presetID="22" presetClass="entr" presetSubtype="4" fill="hold" grpId="0" nodeType="clickEffect">
+                                <p:cTn id="13" presetID="22" presetClass="entr" presetSubtype="4" fill="hold" grpId="0" nodeType="clickEffect">
                                   <p:stCondLst>
                                     <p:cond delay="0"/>
                                   </p:stCondLst>
                                   <p:childTnLst>
                                     <p:set>
                                       <p:cBhvr>
-                                        <p:cTn id="11" dur="1" fill="hold">
+                                        <p:cTn id="14" dur="1" fill="hold">
                                           <p:stCondLst>
                                             <p:cond delay="0"/>
                                           </p:stCondLst>
@@ -10265,7 +10725,7 @@
                                         <p:tgtEl>
                                           <p:spTgt spid="3">
                                             <p:txEl>
-                                              <p:pRg st="1" end="1"/>
+                                              <p:pRg st="7" end="7"/>
                                             </p:txEl>
                                           </p:spTgt>
                                         </p:tgtEl>
@@ -10279,11 +10739,11 @@
                                     </p:set>
                                     <p:animEffect transition="in" filter="wipe(down)">
                                       <p:cBhvr>
-                                        <p:cTn id="12" dur="500"/>
+                                        <p:cTn id="15" dur="500"/>
                                         <p:tgtEl>
                                           <p:spTgt spid="3">
                                             <p:txEl>
-                                              <p:pRg st="1" end="1"/>
+                                              <p:pRg st="7" end="7"/>
                                             </p:txEl>
                                           </p:spTgt>
                                         </p:tgtEl>
@@ -10299,62 +10759,19 @@
                     </p:cTn>
                   </p:par>
                   <p:par>
-                    <p:cTn id="13" fill="hold">
+                    <p:cTn id="16" fill="hold">
                       <p:stCondLst>
                         <p:cond delay="indefinite"/>
                       </p:stCondLst>
                       <p:childTnLst>
                         <p:par>
-                          <p:cTn id="14" fill="hold">
+                          <p:cTn id="17" fill="hold">
                             <p:stCondLst>
                               <p:cond delay="0"/>
                             </p:stCondLst>
                             <p:childTnLst>
                               <p:par>
-                                <p:cTn id="15" presetID="22" presetClass="entr" presetSubtype="4" fill="hold" grpId="0" nodeType="clickEffect">
-                                  <p:stCondLst>
-                                    <p:cond delay="0"/>
-                                  </p:stCondLst>
-                                  <p:childTnLst>
-                                    <p:set>
-                                      <p:cBhvr>
-                                        <p:cTn id="16" dur="1" fill="hold">
-                                          <p:stCondLst>
-                                            <p:cond delay="0"/>
-                                          </p:stCondLst>
-                                        </p:cTn>
-                                        <p:tgtEl>
-                                          <p:spTgt spid="3">
-                                            <p:txEl>
-                                              <p:pRg st="2" end="2"/>
-                                            </p:txEl>
-                                          </p:spTgt>
-                                        </p:tgtEl>
-                                        <p:attrNameLst>
-                                          <p:attrName>style.visibility</p:attrName>
-                                        </p:attrNameLst>
-                                      </p:cBhvr>
-                                      <p:to>
-                                        <p:strVal val="visible"/>
-                                      </p:to>
-                                    </p:set>
-                                    <p:animEffect transition="in" filter="wipe(down)">
-                                      <p:cBhvr>
-                                        <p:cTn id="17" dur="500"/>
-                                        <p:tgtEl>
-                                          <p:spTgt spid="3">
-                                            <p:txEl>
-                                              <p:pRg st="2" end="2"/>
-                                            </p:txEl>
-                                          </p:spTgt>
-                                        </p:tgtEl>
-                                      </p:cBhvr>
-                                    </p:animEffect>
-                                  </p:childTnLst>
-                                </p:cTn>
-                              </p:par>
-                              <p:par>
-                                <p:cTn id="18" presetID="22" presetClass="entr" presetSubtype="4" fill="hold" grpId="0" nodeType="withEffect">
+                                <p:cTn id="18" presetID="22" presetClass="entr" presetSubtype="4" fill="hold" grpId="0" nodeType="clickEffect">
                                   <p:stCondLst>
                                     <p:cond delay="0"/>
                                   </p:stCondLst>
@@ -10369,7 +10786,7 @@
                                         <p:tgtEl>
                                           <p:spTgt spid="3">
                                             <p:txEl>
-                                              <p:pRg st="3" end="3"/>
+                                              <p:pRg st="8" end="8"/>
                                             </p:txEl>
                                           </p:spTgt>
                                         </p:tgtEl>
@@ -10387,7 +10804,50 @@
                                         <p:tgtEl>
                                           <p:spTgt spid="3">
                                             <p:txEl>
-                                              <p:pRg st="3" end="3"/>
+                                              <p:pRg st="8" end="8"/>
+                                            </p:txEl>
+                                          </p:spTgt>
+                                        </p:tgtEl>
+                                      </p:cBhvr>
+                                    </p:animEffect>
+                                  </p:childTnLst>
+                                </p:cTn>
+                              </p:par>
+                              <p:par>
+                                <p:cTn id="21" presetID="22" presetClass="entr" presetSubtype="4" fill="hold" grpId="0" nodeType="withEffect">
+                                  <p:stCondLst>
+                                    <p:cond delay="0"/>
+                                  </p:stCondLst>
+                                  <p:childTnLst>
+                                    <p:set>
+                                      <p:cBhvr>
+                                        <p:cTn id="22" dur="1" fill="hold">
+                                          <p:stCondLst>
+                                            <p:cond delay="0"/>
+                                          </p:stCondLst>
+                                        </p:cTn>
+                                        <p:tgtEl>
+                                          <p:spTgt spid="3">
+                                            <p:txEl>
+                                              <p:pRg st="9" end="9"/>
+                                            </p:txEl>
+                                          </p:spTgt>
+                                        </p:tgtEl>
+                                        <p:attrNameLst>
+                                          <p:attrName>style.visibility</p:attrName>
+                                        </p:attrNameLst>
+                                      </p:cBhvr>
+                                      <p:to>
+                                        <p:strVal val="visible"/>
+                                      </p:to>
+                                    </p:set>
+                                    <p:animEffect transition="in" filter="wipe(down)">
+                                      <p:cBhvr>
+                                        <p:cTn id="23" dur="500"/>
+                                        <p:tgtEl>
+                                          <p:spTgt spid="3">
+                                            <p:txEl>
+                                              <p:pRg st="9" end="9"/>
                                             </p:txEl>
                                           </p:spTgt>
                                         </p:tgtEl>
@@ -10403,26 +10863,26 @@
                     </p:cTn>
                   </p:par>
                   <p:par>
-                    <p:cTn id="21" fill="hold">
+                    <p:cTn id="24" fill="hold">
                       <p:stCondLst>
                         <p:cond delay="indefinite"/>
                       </p:stCondLst>
                       <p:childTnLst>
                         <p:par>
-                          <p:cTn id="22" fill="hold">
+                          <p:cTn id="25" fill="hold">
                             <p:stCondLst>
                               <p:cond delay="0"/>
                             </p:stCondLst>
                             <p:childTnLst>
                               <p:par>
-                                <p:cTn id="23" presetID="22" presetClass="entr" presetSubtype="4" fill="hold" grpId="0" nodeType="clickEffect">
+                                <p:cTn id="26" presetID="22" presetClass="entr" presetSubtype="4" fill="hold" grpId="0" nodeType="clickEffect">
                                   <p:stCondLst>
                                     <p:cond delay="0"/>
                                   </p:stCondLst>
                                   <p:childTnLst>
                                     <p:set>
                                       <p:cBhvr>
-                                        <p:cTn id="24" dur="1" fill="hold">
+                                        <p:cTn id="27" dur="1" fill="hold">
                                           <p:stCondLst>
                                             <p:cond delay="0"/>
                                           </p:stCondLst>
@@ -10430,7 +10890,7 @@
                                         <p:tgtEl>
                                           <p:spTgt spid="3">
                                             <p:txEl>
-                                              <p:pRg st="4" end="4"/>
+                                              <p:pRg st="10" end="10"/>
                                             </p:txEl>
                                           </p:spTgt>
                                         </p:tgtEl>
@@ -10444,11 +10904,11 @@
                                     </p:set>
                                     <p:animEffect transition="in" filter="wipe(down)">
                                       <p:cBhvr>
-                                        <p:cTn id="25" dur="500"/>
+                                        <p:cTn id="28" dur="500"/>
                                         <p:tgtEl>
                                           <p:spTgt spid="3">
                                             <p:txEl>
-                                              <p:pRg st="4" end="4"/>
+                                              <p:pRg st="10" end="10"/>
                                             </p:txEl>
                                           </p:spTgt>
                                         </p:tgtEl>
@@ -10485,7 +10945,7 @@
       </p:par>
     </p:tnLst>
     <p:bldLst>
-      <p:bldP spid="3" grpId="0" build="p"/>
+      <p:bldP spid="3" grpId="0" uiExpand="1" build="p"/>
     </p:bldLst>
   </p:timing>
 </p:sld>
@@ -10862,7 +11322,7 @@
 </file>
 
 <file path=ppt/slides/slide6.xml><?xml version="1.0" encoding="utf-8"?>
-<p:sld xmlns:a="http://schemas.openxmlformats.org/drawingml/2006/main" xmlns:r="http://schemas.openxmlformats.org/officeDocument/2006/relationships" xmlns:p="http://schemas.openxmlformats.org/presentationml/2006/main">
+<p:sld xmlns:a="http://schemas.openxmlformats.org/drawingml/2006/main" xmlns:r="http://schemas.openxmlformats.org/officeDocument/2006/relationships" xmlns:p="http://schemas.openxmlformats.org/presentationml/2006/main" show="0">
   <p:cSld>
     <p:spTree>
       <p:nvGrpSpPr>
@@ -10977,9 +11437,6 @@
               </a:rPr>
               <a:t>)</a:t>
             </a:r>
-            <a:endParaRPr lang="nl-NL" dirty="0" smtClean="0">
-              <a:latin typeface="+mj-lt"/>
-            </a:endParaRPr>
           </a:p>
         </p:txBody>
       </p:sp>
@@ -11037,6 +11494,7 @@
   <p:clrMapOvr>
     <a:masterClrMapping/>
   </p:clrMapOvr>
+  <p:transition/>
   <p:timing>
     <p:tnLst>
       <p:par>
@@ -11263,11 +11721,7 @@
             </a:r>
             <a:r>
               <a:rPr lang="nl-NL" dirty="0" err="1" smtClean="0"/>
-              <a:t>B</a:t>
-            </a:r>
-            <a:r>
-              <a:rPr lang="nl-NL" dirty="0" err="1" smtClean="0"/>
-              <a:t>alanced</a:t>
+              <a:t>Balanced</a:t>
             </a:r>
             <a:r>
               <a:rPr lang="nl-NL" dirty="0" smtClean="0"/>
@@ -11305,7 +11759,7 @@
           <a:p>
             <a:r>
               <a:rPr lang="nl-NL" dirty="0" err="1" smtClean="0"/>
-              <a:t>Recurrent</a:t>
+              <a:t>Randomly</a:t>
             </a:r>
             <a:r>
               <a:rPr lang="nl-NL" dirty="0" smtClean="0"/>
@@ -11313,6 +11767,14 @@
             </a:r>
             <a:r>
               <a:rPr lang="nl-NL" dirty="0" err="1" smtClean="0"/>
+              <a:t>connected</a:t>
+            </a:r>
+            <a:r>
+              <a:rPr lang="nl-NL" dirty="0" smtClean="0"/>
+              <a:t> </a:t>
+            </a:r>
+            <a:r>
+              <a:rPr lang="nl-NL" dirty="0" err="1" smtClean="0"/>
               <a:t>network</a:t>
             </a:r>
             <a:endParaRPr lang="nl-NL" dirty="0" smtClean="0"/>
@@ -11320,11 +11782,27 @@
           <a:p>
             <a:r>
               <a:rPr lang="nl-NL" dirty="0" err="1" smtClean="0"/>
-              <a:t>Excitatory</a:t>
-            </a:r>
-            <a:r>
-              <a:rPr lang="nl-NL" dirty="0" smtClean="0"/>
-              <a:t> : </a:t>
+              <a:t>Balance</a:t>
+            </a:r>
+            <a:r>
+              <a:rPr lang="nl-NL" dirty="0" smtClean="0"/>
+              <a:t> </a:t>
+            </a:r>
+            <a:r>
+              <a:rPr lang="nl-NL" dirty="0" err="1" smtClean="0"/>
+              <a:t>between</a:t>
+            </a:r>
+            <a:r>
+              <a:rPr lang="nl-NL" dirty="0" smtClean="0"/>
+              <a:t> </a:t>
+            </a:r>
+            <a:r>
+              <a:rPr lang="nl-NL" dirty="0" err="1" smtClean="0"/>
+              <a:t>excitatory</a:t>
+            </a:r>
+            <a:r>
+              <a:rPr lang="nl-NL" dirty="0" smtClean="0"/>
+              <a:t> and </a:t>
             </a:r>
             <a:r>
               <a:rPr lang="nl-NL" dirty="0" err="1" smtClean="0"/>
@@ -11332,110 +11810,9 @@
             </a:r>
             <a:r>
               <a:rPr lang="nl-NL" dirty="0" smtClean="0"/>
-              <a:t> neurons = 4:1</a:t>
-            </a:r>
-          </a:p>
-          <a:p>
+              <a:t> neurons</a:t>
+            </a:r>
             <a:endParaRPr lang="nl-NL" dirty="0" smtClean="0"/>
-          </a:p>
-          <a:p>
-            <a:r>
-              <a:rPr lang="nl-NL" dirty="0" smtClean="0"/>
-              <a:t>w = </a:t>
-            </a:r>
-            <a:r>
-              <a:rPr lang="nl-NL" dirty="0" err="1" smtClean="0"/>
-              <a:t>synaptic</a:t>
-            </a:r>
-            <a:r>
-              <a:rPr lang="nl-NL" dirty="0" smtClean="0"/>
-              <a:t> </a:t>
-            </a:r>
-            <a:r>
-              <a:rPr lang="nl-NL" dirty="0" err="1" smtClean="0"/>
-              <a:t>strength</a:t>
-            </a:r>
-            <a:r>
-              <a:rPr lang="nl-NL" dirty="0" smtClean="0"/>
-              <a:t> </a:t>
-            </a:r>
-            <a:r>
-              <a:rPr lang="nl-NL" dirty="0" err="1" smtClean="0"/>
-              <a:t>excitatory</a:t>
-            </a:r>
-            <a:r>
-              <a:rPr lang="nl-NL" dirty="0" smtClean="0"/>
-              <a:t> </a:t>
-            </a:r>
-            <a:r>
-              <a:rPr lang="nl-NL" dirty="0" err="1" smtClean="0"/>
-              <a:t>connections</a:t>
-            </a:r>
-            <a:endParaRPr lang="nl-NL" dirty="0" smtClean="0"/>
-          </a:p>
-          <a:p>
-            <a:r>
-              <a:rPr lang="nl-NL" dirty="0" smtClean="0"/>
-              <a:t>g = </a:t>
-            </a:r>
-            <a:r>
-              <a:rPr lang="nl-NL" dirty="0" err="1" smtClean="0"/>
-              <a:t>relative</a:t>
-            </a:r>
-            <a:r>
-              <a:rPr lang="nl-NL" dirty="0" smtClean="0"/>
-              <a:t> </a:t>
-            </a:r>
-            <a:r>
-              <a:rPr lang="nl-NL" dirty="0" err="1" smtClean="0"/>
-              <a:t>weight</a:t>
-            </a:r>
-            <a:r>
-              <a:rPr lang="nl-NL" dirty="0" smtClean="0"/>
-              <a:t> </a:t>
-            </a:r>
-            <a:r>
-              <a:rPr lang="nl-NL" dirty="0" err="1" smtClean="0"/>
-              <a:t>inhibitory</a:t>
-            </a:r>
-            <a:r>
-              <a:rPr lang="nl-NL" dirty="0" smtClean="0"/>
-              <a:t> </a:t>
-            </a:r>
-            <a:r>
-              <a:rPr lang="nl-NL" dirty="0" err="1" smtClean="0"/>
-              <a:t>connections</a:t>
-            </a:r>
-            <a:endParaRPr lang="nl-NL" dirty="0" smtClean="0"/>
-          </a:p>
-          <a:p>
-            <a:r>
-              <a:rPr lang="nl-NL" dirty="0" err="1" smtClean="0"/>
-              <a:t>Vext</a:t>
-            </a:r>
-            <a:r>
-              <a:rPr lang="nl-NL" dirty="0" smtClean="0"/>
-              <a:t> = </a:t>
-            </a:r>
-            <a:r>
-              <a:rPr lang="nl-NL" dirty="0" err="1" smtClean="0"/>
-              <a:t>frequency</a:t>
-            </a:r>
-            <a:r>
-              <a:rPr lang="nl-NL" dirty="0" smtClean="0"/>
-              <a:t> </a:t>
-            </a:r>
-            <a:r>
-              <a:rPr lang="nl-NL" dirty="0" err="1" smtClean="0"/>
-              <a:t>external</a:t>
-            </a:r>
-            <a:r>
-              <a:rPr lang="nl-NL" dirty="0" smtClean="0"/>
-              <a:t> input</a:t>
-            </a:r>
-          </a:p>
-          <a:p>
-            <a:endParaRPr lang="nl-NL" dirty="0"/>
           </a:p>
         </p:txBody>
       </p:sp>
@@ -11712,189 +12089,6 @@
                       </p:childTnLst>
                     </p:cTn>
                   </p:par>
-                  <p:par>
-                    <p:cTn id="13" fill="hold">
-                      <p:stCondLst>
-                        <p:cond delay="indefinite"/>
-                      </p:stCondLst>
-                      <p:childTnLst>
-                        <p:par>
-                          <p:cTn id="14" fill="hold">
-                            <p:stCondLst>
-                              <p:cond delay="0"/>
-                            </p:stCondLst>
-                            <p:childTnLst>
-                              <p:par>
-                                <p:cTn id="15" presetID="22" presetClass="entr" presetSubtype="4" fill="hold" nodeType="clickEffect">
-                                  <p:stCondLst>
-                                    <p:cond delay="0"/>
-                                  </p:stCondLst>
-                                  <p:childTnLst>
-                                    <p:set>
-                                      <p:cBhvr>
-                                        <p:cTn id="16" dur="1" fill="hold">
-                                          <p:stCondLst>
-                                            <p:cond delay="0"/>
-                                          </p:stCondLst>
-                                        </p:cTn>
-                                        <p:tgtEl>
-                                          <p:spTgt spid="3">
-                                            <p:txEl>
-                                              <p:pRg st="3" end="3"/>
-                                            </p:txEl>
-                                          </p:spTgt>
-                                        </p:tgtEl>
-                                        <p:attrNameLst>
-                                          <p:attrName>style.visibility</p:attrName>
-                                        </p:attrNameLst>
-                                      </p:cBhvr>
-                                      <p:to>
-                                        <p:strVal val="visible"/>
-                                      </p:to>
-                                    </p:set>
-                                    <p:animEffect transition="in" filter="wipe(down)">
-                                      <p:cBhvr>
-                                        <p:cTn id="17" dur="500"/>
-                                        <p:tgtEl>
-                                          <p:spTgt spid="3">
-                                            <p:txEl>
-                                              <p:pRg st="3" end="3"/>
-                                            </p:txEl>
-                                          </p:spTgt>
-                                        </p:tgtEl>
-                                      </p:cBhvr>
-                                    </p:animEffect>
-                                  </p:childTnLst>
-                                </p:cTn>
-                              </p:par>
-                            </p:childTnLst>
-                          </p:cTn>
-                        </p:par>
-                      </p:childTnLst>
-                    </p:cTn>
-                  </p:par>
-                  <p:par>
-                    <p:cTn id="18" fill="hold">
-                      <p:stCondLst>
-                        <p:cond delay="indefinite"/>
-                      </p:stCondLst>
-                      <p:childTnLst>
-                        <p:par>
-                          <p:cTn id="19" fill="hold">
-                            <p:stCondLst>
-                              <p:cond delay="0"/>
-                            </p:stCondLst>
-                            <p:childTnLst>
-                              <p:par>
-                                <p:cTn id="20" presetID="22" presetClass="entr" presetSubtype="4" fill="hold" nodeType="clickEffect">
-                                  <p:stCondLst>
-                                    <p:cond delay="0"/>
-                                  </p:stCondLst>
-                                  <p:childTnLst>
-                                    <p:set>
-                                      <p:cBhvr>
-                                        <p:cTn id="21" dur="1" fill="hold">
-                                          <p:stCondLst>
-                                            <p:cond delay="0"/>
-                                          </p:stCondLst>
-                                        </p:cTn>
-                                        <p:tgtEl>
-                                          <p:spTgt spid="3">
-                                            <p:txEl>
-                                              <p:pRg st="4" end="4"/>
-                                            </p:txEl>
-                                          </p:spTgt>
-                                        </p:tgtEl>
-                                        <p:attrNameLst>
-                                          <p:attrName>style.visibility</p:attrName>
-                                        </p:attrNameLst>
-                                      </p:cBhvr>
-                                      <p:to>
-                                        <p:strVal val="visible"/>
-                                      </p:to>
-                                    </p:set>
-                                    <p:animEffect transition="in" filter="wipe(down)">
-                                      <p:cBhvr>
-                                        <p:cTn id="22" dur="500"/>
-                                        <p:tgtEl>
-                                          <p:spTgt spid="3">
-                                            <p:txEl>
-                                              <p:pRg st="4" end="4"/>
-                                            </p:txEl>
-                                          </p:spTgt>
-                                        </p:tgtEl>
-                                      </p:cBhvr>
-                                    </p:animEffect>
-                                  </p:childTnLst>
-                                </p:cTn>
-                              </p:par>
-                            </p:childTnLst>
-                          </p:cTn>
-                        </p:par>
-                      </p:childTnLst>
-                    </p:cTn>
-                  </p:par>
-                  <p:par>
-                    <p:cTn id="23" fill="hold">
-                      <p:stCondLst>
-                        <p:cond delay="indefinite"/>
-                      </p:stCondLst>
-                      <p:childTnLst>
-                        <p:par>
-                          <p:cTn id="24" fill="hold">
-                            <p:stCondLst>
-                              <p:cond delay="0"/>
-                            </p:stCondLst>
-                            <p:childTnLst>
-                              <p:par>
-                                <p:cTn id="25" presetID="22" presetClass="entr" presetSubtype="4" fill="hold" nodeType="clickEffect">
-                                  <p:stCondLst>
-                                    <p:cond delay="0"/>
-                                  </p:stCondLst>
-                                  <p:childTnLst>
-                                    <p:set>
-                                      <p:cBhvr>
-                                        <p:cTn id="26" dur="1" fill="hold">
-                                          <p:stCondLst>
-                                            <p:cond delay="0"/>
-                                          </p:stCondLst>
-                                        </p:cTn>
-                                        <p:tgtEl>
-                                          <p:spTgt spid="3">
-                                            <p:txEl>
-                                              <p:pRg st="5" end="5"/>
-                                            </p:txEl>
-                                          </p:spTgt>
-                                        </p:tgtEl>
-                                        <p:attrNameLst>
-                                          <p:attrName>style.visibility</p:attrName>
-                                        </p:attrNameLst>
-                                      </p:cBhvr>
-                                      <p:to>
-                                        <p:strVal val="visible"/>
-                                      </p:to>
-                                    </p:set>
-                                    <p:animEffect transition="in" filter="wipe(down)">
-                                      <p:cBhvr>
-                                        <p:cTn id="27" dur="500"/>
-                                        <p:tgtEl>
-                                          <p:spTgt spid="3">
-                                            <p:txEl>
-                                              <p:pRg st="5" end="5"/>
-                                            </p:txEl>
-                                          </p:spTgt>
-                                        </p:tgtEl>
-                                      </p:cBhvr>
-                                    </p:animEffect>
-                                  </p:childTnLst>
-                                </p:cTn>
-                              </p:par>
-                            </p:childTnLst>
-                          </p:cTn>
-                        </p:par>
-                      </p:childTnLst>
-                    </p:cTn>
-                  </p:par>
                 </p:childTnLst>
               </p:cTn>
               <p:prevCondLst>
@@ -12001,40 +12195,12 @@
           <a:lstStyle/>
           <a:p>
             <a:r>
-              <a:rPr lang="nl-NL" dirty="0" err="1" smtClean="0"/>
-              <a:t>Balanced</a:t>
-            </a:r>
-            <a:r>
-              <a:rPr lang="nl-NL" dirty="0" smtClean="0"/>
-              <a:t> </a:t>
-            </a:r>
-            <a:r>
-              <a:rPr lang="nl-NL" dirty="0" err="1" smtClean="0"/>
-              <a:t>Network</a:t>
-            </a:r>
-            <a:r>
-              <a:rPr lang="nl-NL" dirty="0" smtClean="0"/>
-              <a:t> </a:t>
-            </a:r>
-            <a:r>
-              <a:rPr lang="nl-NL" dirty="0" err="1" smtClean="0"/>
-              <a:t>can</a:t>
-            </a:r>
-            <a:r>
-              <a:rPr lang="nl-NL" dirty="0" smtClean="0"/>
-              <a:t> </a:t>
-            </a:r>
-            <a:r>
-              <a:rPr lang="nl-NL" dirty="0" err="1" smtClean="0"/>
-              <a:t>reach</a:t>
-            </a:r>
-            <a:r>
-              <a:rPr lang="nl-NL" dirty="0" smtClean="0"/>
-              <a:t> 4 different </a:t>
-            </a:r>
-            <a:r>
-              <a:rPr lang="nl-NL" dirty="0" err="1" smtClean="0"/>
-              <a:t>states</a:t>
+              <a:rPr lang="nl-NL" dirty="0" smtClean="0"/>
+              <a:t>4 </a:t>
+            </a:r>
+            <a:r>
+              <a:rPr lang="nl-NL" dirty="0" err="1" smtClean="0"/>
+              <a:t>combinations</a:t>
             </a:r>
             <a:r>
               <a:rPr lang="nl-NL" dirty="0" smtClean="0"/>
@@ -12048,29 +12214,6 @@
               <a:rPr lang="nl-NL" dirty="0" smtClean="0"/>
               <a:t>, 2000)</a:t>
             </a:r>
-          </a:p>
-          <a:p>
-            <a:r>
-              <a:rPr lang="nl-NL" dirty="0" err="1" smtClean="0"/>
-              <a:t>States</a:t>
-            </a:r>
-            <a:r>
-              <a:rPr lang="nl-NL" dirty="0" smtClean="0"/>
-              <a:t> </a:t>
-            </a:r>
-            <a:r>
-              <a:rPr lang="nl-NL" dirty="0" err="1" smtClean="0"/>
-              <a:t>based</a:t>
-            </a:r>
-            <a:r>
-              <a:rPr lang="nl-NL" dirty="0" smtClean="0"/>
-              <a:t> </a:t>
-            </a:r>
-            <a:r>
-              <a:rPr lang="nl-NL" dirty="0" err="1" smtClean="0"/>
-              <a:t>on</a:t>
-            </a:r>
-            <a:endParaRPr lang="nl-NL" dirty="0" smtClean="0"/>
           </a:p>
           <a:p>
             <a:pPr lvl="1">
@@ -12079,11 +12222,19 @@
             </a:pPr>
             <a:r>
               <a:rPr lang="nl-NL" sz="2600" dirty="0" err="1" smtClean="0"/>
-              <a:t>Regularity</a:t>
+              <a:t>Synchronous</a:t>
             </a:r>
             <a:r>
               <a:rPr lang="nl-NL" sz="2600" dirty="0" smtClean="0"/>
-              <a:t> of neuron</a:t>
+              <a:t> </a:t>
+            </a:r>
+            <a:r>
+              <a:rPr lang="nl-NL" sz="2600" dirty="0" err="1" smtClean="0"/>
+              <a:t>Regular</a:t>
+            </a:r>
+            <a:r>
+              <a:rPr lang="nl-NL" sz="2600" dirty="0" smtClean="0"/>
+              <a:t> (SR)</a:t>
             </a:r>
           </a:p>
           <a:p>
@@ -12093,34 +12244,19 @@
             </a:pPr>
             <a:r>
               <a:rPr lang="nl-NL" sz="2600" dirty="0" err="1" smtClean="0"/>
-              <a:t>Synchrony</a:t>
+              <a:t>Synchronous</a:t>
             </a:r>
             <a:r>
               <a:rPr lang="nl-NL" sz="2600" dirty="0" smtClean="0"/>
-              <a:t> of </a:t>
+              <a:t> </a:t>
             </a:r>
             <a:r>
               <a:rPr lang="nl-NL" sz="2600" dirty="0" err="1" smtClean="0"/>
-              <a:t>network</a:t>
-            </a:r>
-            <a:endParaRPr lang="nl-NL" sz="2600" dirty="0" smtClean="0"/>
-          </a:p>
-          <a:p>
-            <a:r>
-              <a:rPr lang="nl-NL" dirty="0" err="1" smtClean="0"/>
-              <a:t>So</a:t>
-            </a:r>
-            <a:r>
-              <a:rPr lang="nl-NL" dirty="0" smtClean="0"/>
-              <a:t> 4 </a:t>
-            </a:r>
-            <a:r>
-              <a:rPr lang="nl-NL" dirty="0" err="1" smtClean="0"/>
-              <a:t>combinations</a:t>
-            </a:r>
-            <a:r>
-              <a:rPr lang="nl-NL" dirty="0" smtClean="0"/>
-              <a:t>:</a:t>
+              <a:t>Irregular</a:t>
+            </a:r>
+            <a:r>
+              <a:rPr lang="nl-NL" sz="2600" dirty="0" smtClean="0"/>
+              <a:t> (SI)</a:t>
             </a:r>
           </a:p>
           <a:p>
@@ -12130,7 +12266,7 @@
             </a:pPr>
             <a:r>
               <a:rPr lang="nl-NL" sz="2600" dirty="0" err="1" smtClean="0"/>
-              <a:t>Synchronous</a:t>
+              <a:t>Asynchronous</a:t>
             </a:r>
             <a:r>
               <a:rPr lang="nl-NL" sz="2600" dirty="0" smtClean="0"/>
@@ -12142,7 +12278,7 @@
             </a:r>
             <a:r>
               <a:rPr lang="nl-NL" sz="2600" dirty="0" smtClean="0"/>
-              <a:t> (SR)</a:t>
+              <a:t> (AR)</a:t>
             </a:r>
           </a:p>
           <a:p>
@@ -12152,7 +12288,7 @@
             </a:pPr>
             <a:r>
               <a:rPr lang="nl-NL" sz="2600" dirty="0" err="1" smtClean="0"/>
-              <a:t>Synchronous</a:t>
+              <a:t>Asynchronous</a:t>
             </a:r>
             <a:r>
               <a:rPr lang="nl-NL" sz="2600" dirty="0" smtClean="0"/>
@@ -12164,7 +12300,30 @@
             </a:r>
             <a:r>
               <a:rPr lang="nl-NL" sz="2600" dirty="0" smtClean="0"/>
-              <a:t> (SI)</a:t>
+              <a:t> (AI</a:t>
+            </a:r>
+            <a:r>
+              <a:rPr lang="nl-NL" sz="2600" dirty="0" smtClean="0"/>
+              <a:t>)</a:t>
+            </a:r>
+            <a:endParaRPr lang="nl-NL" dirty="0" smtClean="0"/>
+          </a:p>
+          <a:p>
+            <a:r>
+              <a:rPr lang="nl-NL" dirty="0" err="1" smtClean="0"/>
+              <a:t>Based</a:t>
+            </a:r>
+            <a:r>
+              <a:rPr lang="nl-NL" dirty="0" smtClean="0"/>
+              <a:t> </a:t>
+            </a:r>
+            <a:r>
+              <a:rPr lang="nl-NL" dirty="0" err="1" smtClean="0"/>
+              <a:t>on</a:t>
+            </a:r>
+            <a:r>
+              <a:rPr lang="nl-NL" dirty="0" smtClean="0"/>
+              <a:t> 2 parameters</a:t>
             </a:r>
           </a:p>
           <a:p>
@@ -12173,20 +12332,12 @@
               <a:buChar char="o"/>
             </a:pPr>
             <a:r>
-              <a:rPr lang="nl-NL" sz="2600" dirty="0" err="1" smtClean="0"/>
-              <a:t>Asynchronous</a:t>
-            </a:r>
-            <a:r>
-              <a:rPr lang="nl-NL" sz="2600" dirty="0" smtClean="0"/>
-              <a:t> </a:t>
-            </a:r>
-            <a:r>
-              <a:rPr lang="nl-NL" sz="2600" dirty="0" err="1" smtClean="0"/>
-              <a:t>Regular</a:t>
-            </a:r>
-            <a:r>
-              <a:rPr lang="nl-NL" sz="2600" dirty="0" smtClean="0"/>
-              <a:t> (AR)</a:t>
+              <a:rPr lang="nl-NL" dirty="0" err="1" smtClean="0"/>
+              <a:t>External</a:t>
+            </a:r>
+            <a:r>
+              <a:rPr lang="nl-NL" dirty="0" smtClean="0"/>
+              <a:t> input</a:t>
             </a:r>
           </a:p>
           <a:p>
@@ -12195,25 +12346,32 @@
               <a:buChar char="o"/>
             </a:pPr>
             <a:r>
-              <a:rPr lang="nl-NL" sz="2600" dirty="0" err="1" smtClean="0"/>
-              <a:t>Asynchronous</a:t>
-            </a:r>
-            <a:r>
-              <a:rPr lang="nl-NL" sz="2600" dirty="0" smtClean="0"/>
+              <a:rPr lang="nl-NL" dirty="0" err="1" smtClean="0"/>
+              <a:t>Strength</a:t>
+            </a:r>
+            <a:r>
+              <a:rPr lang="nl-NL" dirty="0" smtClean="0"/>
               <a:t> </a:t>
             </a:r>
             <a:r>
-              <a:rPr lang="nl-NL" sz="2600" dirty="0" err="1" smtClean="0"/>
-              <a:t>Irregular</a:t>
-            </a:r>
-            <a:r>
-              <a:rPr lang="nl-NL" sz="2600" dirty="0" smtClean="0"/>
+              <a:rPr lang="nl-NL" dirty="0" err="1" smtClean="0"/>
+              <a:t>inhibitory</a:t>
+            </a:r>
+            <a:r>
+              <a:rPr lang="nl-NL" dirty="0" smtClean="0"/>
               <a:t> </a:t>
             </a:r>
             <a:r>
-              <a:rPr lang="nl-NL" sz="2600" dirty="0" smtClean="0"/>
-              <a:t>(AI)</a:t>
-            </a:r>
+              <a:rPr lang="nl-NL" dirty="0" err="1" smtClean="0"/>
+              <a:t>synapses</a:t>
+            </a:r>
+            <a:endParaRPr lang="nl-NL" dirty="0" smtClean="0"/>
+          </a:p>
+          <a:p>
+            <a:pPr lvl="1">
+              <a:buNone/>
+            </a:pPr>
+            <a:endParaRPr lang="nl-NL" sz="2600" dirty="0" smtClean="0"/>
           </a:p>
           <a:p>
             <a:pPr lvl="1">
@@ -12449,259 +12607,15 @@
                                   </p:childTnLst>
                                 </p:cTn>
                               </p:par>
-                            </p:childTnLst>
-                          </p:cTn>
-                        </p:par>
-                      </p:childTnLst>
-                    </p:cTn>
-                  </p:par>
-                  <p:par>
-                    <p:cTn id="13" fill="hold">
-                      <p:stCondLst>
-                        <p:cond delay="indefinite"/>
-                      </p:stCondLst>
-                      <p:childTnLst>
-                        <p:par>
-                          <p:cTn id="14" fill="hold">
-                            <p:stCondLst>
-                              <p:cond delay="0"/>
-                            </p:stCondLst>
-                            <p:childTnLst>
                               <p:par>
-                                <p:cTn id="15" presetID="22" presetClass="entr" presetSubtype="4" fill="hold" nodeType="clickEffect">
+                                <p:cTn id="13" presetID="22" presetClass="entr" presetSubtype="4" fill="hold" nodeType="withEffect">
                                   <p:stCondLst>
                                     <p:cond delay="0"/>
                                   </p:stCondLst>
                                   <p:childTnLst>
                                     <p:set>
                                       <p:cBhvr>
-                                        <p:cTn id="16" dur="1" fill="hold">
-                                          <p:stCondLst>
-                                            <p:cond delay="0"/>
-                                          </p:stCondLst>
-                                        </p:cTn>
-                                        <p:tgtEl>
-                                          <p:spTgt spid="10">
-                                            <p:txEl>
-                                              <p:pRg st="2" end="2"/>
-                                            </p:txEl>
-                                          </p:spTgt>
-                                        </p:tgtEl>
-                                        <p:attrNameLst>
-                                          <p:attrName>style.visibility</p:attrName>
-                                        </p:attrNameLst>
-                                      </p:cBhvr>
-                                      <p:to>
-                                        <p:strVal val="visible"/>
-                                      </p:to>
-                                    </p:set>
-                                    <p:animEffect transition="in" filter="wipe(down)">
-                                      <p:cBhvr>
-                                        <p:cTn id="17" dur="500"/>
-                                        <p:tgtEl>
-                                          <p:spTgt spid="10">
-                                            <p:txEl>
-                                              <p:pRg st="2" end="2"/>
-                                            </p:txEl>
-                                          </p:spTgt>
-                                        </p:tgtEl>
-                                      </p:cBhvr>
-                                    </p:animEffect>
-                                  </p:childTnLst>
-                                </p:cTn>
-                              </p:par>
-                            </p:childTnLst>
-                          </p:cTn>
-                        </p:par>
-                      </p:childTnLst>
-                    </p:cTn>
-                  </p:par>
-                  <p:par>
-                    <p:cTn id="18" fill="hold">
-                      <p:stCondLst>
-                        <p:cond delay="indefinite"/>
-                      </p:stCondLst>
-                      <p:childTnLst>
-                        <p:par>
-                          <p:cTn id="19" fill="hold">
-                            <p:stCondLst>
-                              <p:cond delay="0"/>
-                            </p:stCondLst>
-                            <p:childTnLst>
-                              <p:par>
-                                <p:cTn id="20" presetID="22" presetClass="entr" presetSubtype="4" fill="hold" nodeType="clickEffect">
-                                  <p:stCondLst>
-                                    <p:cond delay="0"/>
-                                  </p:stCondLst>
-                                  <p:childTnLst>
-                                    <p:set>
-                                      <p:cBhvr>
-                                        <p:cTn id="21" dur="1" fill="hold">
-                                          <p:stCondLst>
-                                            <p:cond delay="0"/>
-                                          </p:stCondLst>
-                                        </p:cTn>
-                                        <p:tgtEl>
-                                          <p:spTgt spid="10">
-                                            <p:txEl>
-                                              <p:pRg st="3" end="3"/>
-                                            </p:txEl>
-                                          </p:spTgt>
-                                        </p:tgtEl>
-                                        <p:attrNameLst>
-                                          <p:attrName>style.visibility</p:attrName>
-                                        </p:attrNameLst>
-                                      </p:cBhvr>
-                                      <p:to>
-                                        <p:strVal val="visible"/>
-                                      </p:to>
-                                    </p:set>
-                                    <p:animEffect transition="in" filter="wipe(down)">
-                                      <p:cBhvr>
-                                        <p:cTn id="22" dur="500"/>
-                                        <p:tgtEl>
-                                          <p:spTgt spid="10">
-                                            <p:txEl>
-                                              <p:pRg st="3" end="3"/>
-                                            </p:txEl>
-                                          </p:spTgt>
-                                        </p:tgtEl>
-                                      </p:cBhvr>
-                                    </p:animEffect>
-                                  </p:childTnLst>
-                                </p:cTn>
-                              </p:par>
-                            </p:childTnLst>
-                          </p:cTn>
-                        </p:par>
-                      </p:childTnLst>
-                    </p:cTn>
-                  </p:par>
-                  <p:par>
-                    <p:cTn id="23" fill="hold">
-                      <p:stCondLst>
-                        <p:cond delay="indefinite"/>
-                      </p:stCondLst>
-                      <p:childTnLst>
-                        <p:par>
-                          <p:cTn id="24" fill="hold">
-                            <p:stCondLst>
-                              <p:cond delay="0"/>
-                            </p:stCondLst>
-                            <p:childTnLst>
-                              <p:par>
-                                <p:cTn id="25" presetID="22" presetClass="entr" presetSubtype="4" fill="hold" nodeType="clickEffect">
-                                  <p:stCondLst>
-                                    <p:cond delay="0"/>
-                                  </p:stCondLst>
-                                  <p:childTnLst>
-                                    <p:set>
-                                      <p:cBhvr>
-                                        <p:cTn id="26" dur="1" fill="hold">
-                                          <p:stCondLst>
-                                            <p:cond delay="0"/>
-                                          </p:stCondLst>
-                                        </p:cTn>
-                                        <p:tgtEl>
-                                          <p:spTgt spid="10">
-                                            <p:txEl>
-                                              <p:pRg st="4" end="4"/>
-                                            </p:txEl>
-                                          </p:spTgt>
-                                        </p:tgtEl>
-                                        <p:attrNameLst>
-                                          <p:attrName>style.visibility</p:attrName>
-                                        </p:attrNameLst>
-                                      </p:cBhvr>
-                                      <p:to>
-                                        <p:strVal val="visible"/>
-                                      </p:to>
-                                    </p:set>
-                                    <p:animEffect transition="in" filter="wipe(down)">
-                                      <p:cBhvr>
-                                        <p:cTn id="27" dur="500"/>
-                                        <p:tgtEl>
-                                          <p:spTgt spid="10">
-                                            <p:txEl>
-                                              <p:pRg st="4" end="4"/>
-                                            </p:txEl>
-                                          </p:spTgt>
-                                        </p:tgtEl>
-                                      </p:cBhvr>
-                                    </p:animEffect>
-                                  </p:childTnLst>
-                                </p:cTn>
-                              </p:par>
-                            </p:childTnLst>
-                          </p:cTn>
-                        </p:par>
-                      </p:childTnLst>
-                    </p:cTn>
-                  </p:par>
-                  <p:par>
-                    <p:cTn id="28" fill="hold">
-                      <p:stCondLst>
-                        <p:cond delay="indefinite"/>
-                      </p:stCondLst>
-                      <p:childTnLst>
-                        <p:par>
-                          <p:cTn id="29" fill="hold">
-                            <p:stCondLst>
-                              <p:cond delay="0"/>
-                            </p:stCondLst>
-                            <p:childTnLst>
-                              <p:par>
-                                <p:cTn id="30" presetID="22" presetClass="entr" presetSubtype="4" fill="hold" nodeType="clickEffect">
-                                  <p:stCondLst>
-                                    <p:cond delay="0"/>
-                                  </p:stCondLst>
-                                  <p:childTnLst>
-                                    <p:set>
-                                      <p:cBhvr>
-                                        <p:cTn id="31" dur="1" fill="hold">
-                                          <p:stCondLst>
-                                            <p:cond delay="0"/>
-                                          </p:stCondLst>
-                                        </p:cTn>
-                                        <p:tgtEl>
-                                          <p:spTgt spid="10">
-                                            <p:txEl>
-                                              <p:pRg st="5" end="5"/>
-                                            </p:txEl>
-                                          </p:spTgt>
-                                        </p:tgtEl>
-                                        <p:attrNameLst>
-                                          <p:attrName>style.visibility</p:attrName>
-                                        </p:attrNameLst>
-                                      </p:cBhvr>
-                                      <p:to>
-                                        <p:strVal val="visible"/>
-                                      </p:to>
-                                    </p:set>
-                                    <p:animEffect transition="in" filter="wipe(down)">
-                                      <p:cBhvr>
-                                        <p:cTn id="32" dur="500"/>
-                                        <p:tgtEl>
-                                          <p:spTgt spid="10">
-                                            <p:txEl>
-                                              <p:pRg st="5" end="5"/>
-                                            </p:txEl>
-                                          </p:spTgt>
-                                        </p:tgtEl>
-                                      </p:cBhvr>
-                                    </p:animEffect>
-                                  </p:childTnLst>
-                                </p:cTn>
-                              </p:par>
-                              <p:par>
-                                <p:cTn id="33" presetID="22" presetClass="entr" presetSubtype="4" fill="hold" nodeType="withEffect">
-                                  <p:stCondLst>
-                                    <p:cond delay="0"/>
-                                  </p:stCondLst>
-                                  <p:childTnLst>
-                                    <p:set>
-                                      <p:cBhvr>
-                                        <p:cTn id="34" dur="1" fill="hold">
+                                        <p:cTn id="14" dur="1" fill="hold">
                                           <p:stCondLst>
                                             <p:cond delay="0"/>
                                           </p:stCondLst>
@@ -12719,7 +12633,7 @@
                                     </p:set>
                                     <p:animEffect transition="in" filter="wipe(down)">
                                       <p:cBhvr>
-                                        <p:cTn id="35" dur="500"/>
+                                        <p:cTn id="15" dur="500"/>
                                         <p:tgtEl>
                                           <p:spTgt spid="17"/>
                                         </p:tgtEl>
@@ -12735,26 +12649,26 @@
                     </p:cTn>
                   </p:par>
                   <p:par>
-                    <p:cTn id="36" fill="hold">
+                    <p:cTn id="16" fill="hold">
                       <p:stCondLst>
                         <p:cond delay="indefinite"/>
                       </p:stCondLst>
                       <p:childTnLst>
                         <p:par>
-                          <p:cTn id="37" fill="hold">
+                          <p:cTn id="17" fill="hold">
                             <p:stCondLst>
                               <p:cond delay="0"/>
                             </p:stCondLst>
                             <p:childTnLst>
                               <p:par>
-                                <p:cTn id="38" presetID="2" presetClass="exit" presetSubtype="4" fill="hold" nodeType="clickEffect">
+                                <p:cTn id="18" presetID="2" presetClass="exit" presetSubtype="4" fill="hold" nodeType="clickEffect">
                                   <p:stCondLst>
                                     <p:cond delay="0"/>
                                   </p:stCondLst>
                                   <p:childTnLst>
                                     <p:anim calcmode="lin" valueType="num">
                                       <p:cBhvr additive="base">
-                                        <p:cTn id="39" dur="500"/>
+                                        <p:cTn id="19" dur="500"/>
                                         <p:tgtEl>
                                           <p:spTgt spid="17"/>
                                         </p:tgtEl>
@@ -12777,7 +12691,7 @@
                                     </p:anim>
                                     <p:anim calcmode="lin" valueType="num">
                                       <p:cBhvr additive="base">
-                                        <p:cTn id="40" dur="500"/>
+                                        <p:cTn id="20" dur="500"/>
                                         <p:tgtEl>
                                           <p:spTgt spid="17"/>
                                         </p:tgtEl>
@@ -12800,7 +12714,7 @@
                                     </p:anim>
                                     <p:set>
                                       <p:cBhvr>
-                                        <p:cTn id="41" dur="1" fill="hold">
+                                        <p:cTn id="21" dur="1" fill="hold">
                                           <p:stCondLst>
                                             <p:cond delay="499"/>
                                           </p:stCondLst>
@@ -12826,26 +12740,26 @@
                     </p:cTn>
                   </p:par>
                   <p:par>
-                    <p:cTn id="42" fill="hold">
+                    <p:cTn id="22" fill="hold">
                       <p:stCondLst>
                         <p:cond delay="indefinite"/>
                       </p:stCondLst>
                       <p:childTnLst>
                         <p:par>
-                          <p:cTn id="43" fill="hold">
+                          <p:cTn id="23" fill="hold">
                             <p:stCondLst>
                               <p:cond delay="0"/>
                             </p:stCondLst>
                             <p:childTnLst>
                               <p:par>
-                                <p:cTn id="44" presetID="22" presetClass="entr" presetSubtype="4" fill="hold" nodeType="clickEffect">
+                                <p:cTn id="24" presetID="22" presetClass="entr" presetSubtype="4" fill="hold" nodeType="clickEffect">
                                   <p:stCondLst>
                                     <p:cond delay="0"/>
                                   </p:stCondLst>
                                   <p:childTnLst>
                                     <p:set>
                                       <p:cBhvr>
-                                        <p:cTn id="45" dur="1" fill="hold">
+                                        <p:cTn id="25" dur="1" fill="hold">
                                           <p:stCondLst>
                                             <p:cond delay="0"/>
                                           </p:stCondLst>
@@ -12853,7 +12767,7 @@
                                         <p:tgtEl>
                                           <p:spTgt spid="10">
                                             <p:txEl>
-                                              <p:pRg st="6" end="6"/>
+                                              <p:pRg st="2" end="2"/>
                                             </p:txEl>
                                           </p:spTgt>
                                         </p:tgtEl>
@@ -12867,11 +12781,11 @@
                                     </p:set>
                                     <p:animEffect transition="in" filter="wipe(down)">
                                       <p:cBhvr>
-                                        <p:cTn id="46" dur="500"/>
+                                        <p:cTn id="26" dur="500"/>
                                         <p:tgtEl>
                                           <p:spTgt spid="10">
                                             <p:txEl>
-                                              <p:pRg st="6" end="6"/>
+                                              <p:pRg st="2" end="2"/>
                                             </p:txEl>
                                           </p:spTgt>
                                         </p:tgtEl>
@@ -12881,14 +12795,14 @@
                                 </p:cTn>
                               </p:par>
                               <p:par>
-                                <p:cTn id="47" presetID="22" presetClass="entr" presetSubtype="4" fill="hold" nodeType="withEffect">
+                                <p:cTn id="27" presetID="22" presetClass="entr" presetSubtype="4" fill="hold" nodeType="withEffect">
                                   <p:stCondLst>
                                     <p:cond delay="0"/>
                                   </p:stCondLst>
                                   <p:childTnLst>
                                     <p:set>
                                       <p:cBhvr>
-                                        <p:cTn id="48" dur="1" fill="hold">
+                                        <p:cTn id="28" dur="1" fill="hold">
                                           <p:stCondLst>
                                             <p:cond delay="0"/>
                                           </p:stCondLst>
@@ -12906,7 +12820,7 @@
                                     </p:set>
                                     <p:animEffect transition="in" filter="wipe(down)">
                                       <p:cBhvr>
-                                        <p:cTn id="49" dur="500"/>
+                                        <p:cTn id="29" dur="500"/>
                                         <p:tgtEl>
                                           <p:spTgt spid="18"/>
                                         </p:tgtEl>
@@ -12922,26 +12836,26 @@
                     </p:cTn>
                   </p:par>
                   <p:par>
-                    <p:cTn id="50" fill="hold">
+                    <p:cTn id="30" fill="hold">
                       <p:stCondLst>
                         <p:cond delay="indefinite"/>
                       </p:stCondLst>
                       <p:childTnLst>
                         <p:par>
-                          <p:cTn id="51" fill="hold">
+                          <p:cTn id="31" fill="hold">
                             <p:stCondLst>
                               <p:cond delay="0"/>
                             </p:stCondLst>
                             <p:childTnLst>
                               <p:par>
-                                <p:cTn id="52" presetID="2" presetClass="exit" presetSubtype="4" fill="hold" nodeType="clickEffect">
+                                <p:cTn id="32" presetID="2" presetClass="exit" presetSubtype="4" fill="hold" nodeType="clickEffect">
                                   <p:stCondLst>
                                     <p:cond delay="0"/>
                                   </p:stCondLst>
                                   <p:childTnLst>
                                     <p:anim calcmode="lin" valueType="num">
                                       <p:cBhvr additive="base">
-                                        <p:cTn id="53" dur="500"/>
+                                        <p:cTn id="33" dur="500"/>
                                         <p:tgtEl>
                                           <p:spTgt spid="18"/>
                                         </p:tgtEl>
@@ -12964,7 +12878,7 @@
                                     </p:anim>
                                     <p:anim calcmode="lin" valueType="num">
                                       <p:cBhvr additive="base">
-                                        <p:cTn id="54" dur="500"/>
+                                        <p:cTn id="34" dur="500"/>
                                         <p:tgtEl>
                                           <p:spTgt spid="18"/>
                                         </p:tgtEl>
@@ -12987,7 +12901,7 @@
                                     </p:anim>
                                     <p:set>
                                       <p:cBhvr>
-                                        <p:cTn id="55" dur="1" fill="hold">
+                                        <p:cTn id="35" dur="1" fill="hold">
                                           <p:stCondLst>
                                             <p:cond delay="499"/>
                                           </p:stCondLst>
@@ -13013,26 +12927,26 @@
                     </p:cTn>
                   </p:par>
                   <p:par>
-                    <p:cTn id="56" fill="hold">
+                    <p:cTn id="36" fill="hold">
                       <p:stCondLst>
                         <p:cond delay="indefinite"/>
                       </p:stCondLst>
                       <p:childTnLst>
                         <p:par>
-                          <p:cTn id="57" fill="hold">
+                          <p:cTn id="37" fill="hold">
                             <p:stCondLst>
                               <p:cond delay="0"/>
                             </p:stCondLst>
                             <p:childTnLst>
                               <p:par>
-                                <p:cTn id="58" presetID="22" presetClass="entr" presetSubtype="4" fill="hold" nodeType="clickEffect">
+                                <p:cTn id="38" presetID="22" presetClass="entr" presetSubtype="4" fill="hold" nodeType="clickEffect">
                                   <p:stCondLst>
                                     <p:cond delay="0"/>
                                   </p:stCondLst>
                                   <p:childTnLst>
                                     <p:set>
                                       <p:cBhvr>
-                                        <p:cTn id="59" dur="1" fill="hold">
+                                        <p:cTn id="39" dur="1" fill="hold">
                                           <p:stCondLst>
                                             <p:cond delay="0"/>
                                           </p:stCondLst>
@@ -13040,7 +12954,7 @@
                                         <p:tgtEl>
                                           <p:spTgt spid="10">
                                             <p:txEl>
-                                              <p:pRg st="7" end="7"/>
+                                              <p:pRg st="3" end="3"/>
                                             </p:txEl>
                                           </p:spTgt>
                                         </p:tgtEl>
@@ -13054,11 +12968,11 @@
                                     </p:set>
                                     <p:animEffect transition="in" filter="wipe(down)">
                                       <p:cBhvr>
-                                        <p:cTn id="60" dur="500"/>
+                                        <p:cTn id="40" dur="500"/>
                                         <p:tgtEl>
                                           <p:spTgt spid="10">
                                             <p:txEl>
-                                              <p:pRg st="7" end="7"/>
+                                              <p:pRg st="3" end="3"/>
                                             </p:txEl>
                                           </p:spTgt>
                                         </p:tgtEl>
@@ -13068,14 +12982,14 @@
                                 </p:cTn>
                               </p:par>
                               <p:par>
-                                <p:cTn id="61" presetID="22" presetClass="entr" presetSubtype="4" fill="hold" nodeType="withEffect">
+                                <p:cTn id="41" presetID="22" presetClass="entr" presetSubtype="4" fill="hold" nodeType="withEffect">
                                   <p:stCondLst>
                                     <p:cond delay="0"/>
                                   </p:stCondLst>
                                   <p:childTnLst>
                                     <p:set>
                                       <p:cBhvr>
-                                        <p:cTn id="62" dur="1" fill="hold">
+                                        <p:cTn id="42" dur="1" fill="hold">
                                           <p:stCondLst>
                                             <p:cond delay="0"/>
                                           </p:stCondLst>
@@ -13093,7 +13007,7 @@
                                     </p:set>
                                     <p:animEffect transition="in" filter="wipe(down)">
                                       <p:cBhvr>
-                                        <p:cTn id="63" dur="500"/>
+                                        <p:cTn id="43" dur="500"/>
                                         <p:tgtEl>
                                           <p:spTgt spid="19"/>
                                         </p:tgtEl>
@@ -13109,26 +13023,26 @@
                     </p:cTn>
                   </p:par>
                   <p:par>
-                    <p:cTn id="64" fill="hold">
+                    <p:cTn id="44" fill="hold">
                       <p:stCondLst>
                         <p:cond delay="indefinite"/>
                       </p:stCondLst>
                       <p:childTnLst>
                         <p:par>
-                          <p:cTn id="65" fill="hold">
+                          <p:cTn id="45" fill="hold">
                             <p:stCondLst>
                               <p:cond delay="0"/>
                             </p:stCondLst>
                             <p:childTnLst>
                               <p:par>
-                                <p:cTn id="66" presetID="2" presetClass="exit" presetSubtype="4" fill="hold" nodeType="clickEffect">
+                                <p:cTn id="46" presetID="2" presetClass="exit" presetSubtype="4" fill="hold" nodeType="clickEffect">
                                   <p:stCondLst>
                                     <p:cond delay="0"/>
                                   </p:stCondLst>
                                   <p:childTnLst>
                                     <p:anim calcmode="lin" valueType="num">
                                       <p:cBhvr additive="base">
-                                        <p:cTn id="67" dur="500"/>
+                                        <p:cTn id="47" dur="500"/>
                                         <p:tgtEl>
                                           <p:spTgt spid="19"/>
                                         </p:tgtEl>
@@ -13151,7 +13065,7 @@
                                     </p:anim>
                                     <p:anim calcmode="lin" valueType="num">
                                       <p:cBhvr additive="base">
-                                        <p:cTn id="68" dur="500"/>
+                                        <p:cTn id="48" dur="500"/>
                                         <p:tgtEl>
                                           <p:spTgt spid="19"/>
                                         </p:tgtEl>
@@ -13174,7 +13088,7 @@
                                     </p:anim>
                                     <p:set>
                                       <p:cBhvr>
-                                        <p:cTn id="69" dur="1" fill="hold">
+                                        <p:cTn id="49" dur="1" fill="hold">
                                           <p:stCondLst>
                                             <p:cond delay="499"/>
                                           </p:stCondLst>
@@ -13200,26 +13114,26 @@
                     </p:cTn>
                   </p:par>
                   <p:par>
-                    <p:cTn id="70" fill="hold">
+                    <p:cTn id="50" fill="hold">
                       <p:stCondLst>
                         <p:cond delay="indefinite"/>
                       </p:stCondLst>
                       <p:childTnLst>
                         <p:par>
-                          <p:cTn id="71" fill="hold">
+                          <p:cTn id="51" fill="hold">
                             <p:stCondLst>
                               <p:cond delay="0"/>
                             </p:stCondLst>
                             <p:childTnLst>
                               <p:par>
-                                <p:cTn id="72" presetID="22" presetClass="entr" presetSubtype="4" fill="hold" nodeType="clickEffect">
+                                <p:cTn id="52" presetID="22" presetClass="entr" presetSubtype="4" fill="hold" nodeType="clickEffect">
                                   <p:stCondLst>
                                     <p:cond delay="0"/>
                                   </p:stCondLst>
                                   <p:childTnLst>
                                     <p:set>
                                       <p:cBhvr>
-                                        <p:cTn id="73" dur="1" fill="hold">
+                                        <p:cTn id="53" dur="1" fill="hold">
                                           <p:stCondLst>
                                             <p:cond delay="0"/>
                                           </p:stCondLst>
@@ -13227,7 +13141,7 @@
                                         <p:tgtEl>
                                           <p:spTgt spid="10">
                                             <p:txEl>
-                                              <p:pRg st="8" end="8"/>
+                                              <p:pRg st="4" end="4"/>
                                             </p:txEl>
                                           </p:spTgt>
                                         </p:tgtEl>
@@ -13241,11 +13155,11 @@
                                     </p:set>
                                     <p:animEffect transition="in" filter="wipe(down)">
                                       <p:cBhvr>
-                                        <p:cTn id="74" dur="500"/>
+                                        <p:cTn id="54" dur="500"/>
                                         <p:tgtEl>
                                           <p:spTgt spid="10">
                                             <p:txEl>
-                                              <p:pRg st="8" end="8"/>
+                                              <p:pRg st="4" end="4"/>
                                             </p:txEl>
                                           </p:spTgt>
                                         </p:tgtEl>
@@ -13255,14 +13169,14 @@
                                 </p:cTn>
                               </p:par>
                               <p:par>
-                                <p:cTn id="75" presetID="22" presetClass="entr" presetSubtype="4" fill="hold" nodeType="withEffect">
+                                <p:cTn id="55" presetID="22" presetClass="entr" presetSubtype="4" fill="hold" nodeType="withEffect">
                                   <p:stCondLst>
                                     <p:cond delay="0"/>
                                   </p:stCondLst>
                                   <p:childTnLst>
                                     <p:set>
                                       <p:cBhvr>
-                                        <p:cTn id="76" dur="1" fill="hold">
+                                        <p:cTn id="56" dur="1" fill="hold">
                                           <p:stCondLst>
                                             <p:cond delay="0"/>
                                           </p:stCondLst>
@@ -13280,9 +13194,156 @@
                                     </p:set>
                                     <p:animEffect transition="in" filter="wipe(down)">
                                       <p:cBhvr>
-                                        <p:cTn id="77" dur="500"/>
+                                        <p:cTn id="57" dur="500"/>
                                         <p:tgtEl>
                                           <p:spTgt spid="20"/>
+                                        </p:tgtEl>
+                                      </p:cBhvr>
+                                    </p:animEffect>
+                                  </p:childTnLst>
+                                </p:cTn>
+                              </p:par>
+                            </p:childTnLst>
+                          </p:cTn>
+                        </p:par>
+                      </p:childTnLst>
+                    </p:cTn>
+                  </p:par>
+                  <p:par>
+                    <p:cTn id="58" fill="hold">
+                      <p:stCondLst>
+                        <p:cond delay="indefinite"/>
+                      </p:stCondLst>
+                      <p:childTnLst>
+                        <p:par>
+                          <p:cTn id="59" fill="hold">
+                            <p:stCondLst>
+                              <p:cond delay="0"/>
+                            </p:stCondLst>
+                            <p:childTnLst>
+                              <p:par>
+                                <p:cTn id="60" presetID="22" presetClass="entr" presetSubtype="4" fill="hold" nodeType="clickEffect">
+                                  <p:stCondLst>
+                                    <p:cond delay="0"/>
+                                  </p:stCondLst>
+                                  <p:childTnLst>
+                                    <p:set>
+                                      <p:cBhvr>
+                                        <p:cTn id="61" dur="1" fill="hold">
+                                          <p:stCondLst>
+                                            <p:cond delay="0"/>
+                                          </p:stCondLst>
+                                        </p:cTn>
+                                        <p:tgtEl>
+                                          <p:spTgt spid="10">
+                                            <p:txEl>
+                                              <p:pRg st="5" end="5"/>
+                                            </p:txEl>
+                                          </p:spTgt>
+                                        </p:tgtEl>
+                                        <p:attrNameLst>
+                                          <p:attrName>style.visibility</p:attrName>
+                                        </p:attrNameLst>
+                                      </p:cBhvr>
+                                      <p:to>
+                                        <p:strVal val="visible"/>
+                                      </p:to>
+                                    </p:set>
+                                    <p:animEffect transition="in" filter="wipe(down)">
+                                      <p:cBhvr>
+                                        <p:cTn id="62" dur="500"/>
+                                        <p:tgtEl>
+                                          <p:spTgt spid="10">
+                                            <p:txEl>
+                                              <p:pRg st="5" end="5"/>
+                                            </p:txEl>
+                                          </p:spTgt>
+                                        </p:tgtEl>
+                                      </p:cBhvr>
+                                    </p:animEffect>
+                                  </p:childTnLst>
+                                </p:cTn>
+                              </p:par>
+                              <p:par>
+                                <p:cTn id="63" presetID="22" presetClass="entr" presetSubtype="4" fill="hold" nodeType="withEffect">
+                                  <p:stCondLst>
+                                    <p:cond delay="0"/>
+                                  </p:stCondLst>
+                                  <p:childTnLst>
+                                    <p:set>
+                                      <p:cBhvr>
+                                        <p:cTn id="64" dur="1" fill="hold">
+                                          <p:stCondLst>
+                                            <p:cond delay="0"/>
+                                          </p:stCondLst>
+                                        </p:cTn>
+                                        <p:tgtEl>
+                                          <p:spTgt spid="10">
+                                            <p:txEl>
+                                              <p:pRg st="6" end="6"/>
+                                            </p:txEl>
+                                          </p:spTgt>
+                                        </p:tgtEl>
+                                        <p:attrNameLst>
+                                          <p:attrName>style.visibility</p:attrName>
+                                        </p:attrNameLst>
+                                      </p:cBhvr>
+                                      <p:to>
+                                        <p:strVal val="visible"/>
+                                      </p:to>
+                                    </p:set>
+                                    <p:animEffect transition="in" filter="wipe(down)">
+                                      <p:cBhvr>
+                                        <p:cTn id="65" dur="500"/>
+                                        <p:tgtEl>
+                                          <p:spTgt spid="10">
+                                            <p:txEl>
+                                              <p:pRg st="6" end="6"/>
+                                            </p:txEl>
+                                          </p:spTgt>
+                                        </p:tgtEl>
+                                      </p:cBhvr>
+                                    </p:animEffect>
+                                  </p:childTnLst>
+                                </p:cTn>
+                              </p:par>
+                              <p:par>
+                                <p:cTn id="66" presetID="22" presetClass="entr" presetSubtype="4" fill="hold" nodeType="withEffect">
+                                  <p:stCondLst>
+                                    <p:cond delay="0"/>
+                                  </p:stCondLst>
+                                  <p:childTnLst>
+                                    <p:set>
+                                      <p:cBhvr>
+                                        <p:cTn id="67" dur="1" fill="hold">
+                                          <p:stCondLst>
+                                            <p:cond delay="0"/>
+                                          </p:stCondLst>
+                                        </p:cTn>
+                                        <p:tgtEl>
+                                          <p:spTgt spid="10">
+                                            <p:txEl>
+                                              <p:pRg st="7" end="7"/>
+                                            </p:txEl>
+                                          </p:spTgt>
+                                        </p:tgtEl>
+                                        <p:attrNameLst>
+                                          <p:attrName>style.visibility</p:attrName>
+                                        </p:attrNameLst>
+                                      </p:cBhvr>
+                                      <p:to>
+                                        <p:strVal val="visible"/>
+                                      </p:to>
+                                    </p:set>
+                                    <p:animEffect transition="in" filter="wipe(down)">
+                                      <p:cBhvr>
+                                        <p:cTn id="68" dur="500"/>
+                                        <p:tgtEl>
+                                          <p:spTgt spid="10">
+                                            <p:txEl>
+                                              <p:pRg st="7" end="7"/>
+                                            </p:txEl>
+                                          </p:spTgt>
                                         </p:tgtEl>
                                       </p:cBhvr>
                                     </p:animEffect>
@@ -13354,7 +13415,7 @@
           <a:p>
             <a:r>
               <a:rPr lang="nl-NL" dirty="0" err="1" smtClean="0"/>
-              <a:t>What</a:t>
+              <a:t>Biologically</a:t>
             </a:r>
             <a:r>
               <a:rPr lang="nl-NL" dirty="0" smtClean="0"/>
@@ -13362,19 +13423,11 @@
             </a:r>
             <a:r>
               <a:rPr lang="nl-NL" dirty="0" err="1" smtClean="0"/>
-              <a:t>causes</a:t>
-            </a:r>
-            <a:r>
-              <a:rPr lang="nl-NL" dirty="0" smtClean="0"/>
-              <a:t> different </a:t>
-            </a:r>
-            <a:r>
-              <a:rPr lang="nl-NL" dirty="0" err="1" smtClean="0"/>
-              <a:t>states</a:t>
-            </a:r>
-            <a:r>
-              <a:rPr lang="nl-NL" dirty="0" smtClean="0"/>
-              <a:t>?</a:t>
+              <a:t>realistic</a:t>
+            </a:r>
+            <a:r>
+              <a:rPr lang="nl-NL" dirty="0" smtClean="0"/>
+              <a:t> model</a:t>
             </a:r>
             <a:endParaRPr lang="nl-NL" dirty="0"/>
           </a:p>
@@ -13382,7 +13435,7 @@
       </p:sp>
       <p:sp>
         <p:nvSpPr>
-          <p:cNvPr id="3" name="Tijdelijke aanduiding voor inhoud 2"/>
+          <p:cNvPr id="8" name="Tijdelijke aanduiding voor inhoud 7"/>
           <p:cNvSpPr>
             <a:spLocks noGrp="1"/>
           </p:cNvSpPr>
@@ -13392,34 +13445,28 @@
         </p:nvSpPr>
         <p:spPr/>
         <p:txBody>
-          <a:bodyPr>
-            <a:normAutofit/>
-          </a:bodyPr>
+          <a:bodyPr/>
           <a:lstStyle/>
           <a:p>
             <a:r>
               <a:rPr lang="nl-NL" dirty="0" err="1" smtClean="0"/>
-              <a:t>Based</a:t>
+              <a:t>Brunel</a:t>
+            </a:r>
+            <a:r>
+              <a:rPr lang="nl-NL" dirty="0" smtClean="0"/>
+              <a:t> (2000) </a:t>
+            </a:r>
+            <a:r>
+              <a:rPr lang="nl-NL" dirty="0" err="1" smtClean="0"/>
+              <a:t>simplest</a:t>
             </a:r>
             <a:r>
               <a:rPr lang="nl-NL" dirty="0" smtClean="0"/>
               <a:t> </a:t>
             </a:r>
             <a:r>
-              <a:rPr lang="nl-NL" dirty="0" err="1" smtClean="0"/>
-              <a:t>on</a:t>
-            </a:r>
-            <a:r>
-              <a:rPr lang="nl-NL" dirty="0" smtClean="0"/>
-              <a:t> </a:t>
-            </a:r>
-            <a:r>
-              <a:rPr lang="nl-NL" dirty="0" err="1" smtClean="0"/>
-              <a:t>variations</a:t>
-            </a:r>
-            <a:r>
-              <a:rPr lang="nl-NL" dirty="0" smtClean="0"/>
-              <a:t> of 2 parameters:</a:t>
+              <a:rPr lang="nl-NL" dirty="0" smtClean="0"/>
+              <a:t>model</a:t>
             </a:r>
           </a:p>
           <a:p>
@@ -13428,26 +13475,57 @@
               <a:buChar char="o"/>
             </a:pPr>
             <a:r>
-              <a:rPr lang="nl-NL" sz="2600" dirty="0" err="1" smtClean="0"/>
-              <a:t>External</a:t>
-            </a:r>
-            <a:r>
-              <a:rPr lang="nl-NL" sz="2600" dirty="0" smtClean="0"/>
+              <a:rPr lang="nl-NL" dirty="0" err="1" smtClean="0"/>
+              <a:t>Synapse</a:t>
+            </a:r>
+            <a:r>
+              <a:rPr lang="nl-NL" dirty="0" smtClean="0"/>
+              <a:t> updates </a:t>
+            </a:r>
+            <a:r>
+              <a:rPr lang="nl-NL" dirty="0" err="1" smtClean="0"/>
+              <a:t>membrane</a:t>
+            </a:r>
+            <a:r>
+              <a:rPr lang="nl-NL" dirty="0" smtClean="0"/>
               <a:t> </a:t>
             </a:r>
             <a:r>
-              <a:rPr lang="nl-NL" sz="2600" dirty="0" smtClean="0"/>
-              <a:t>input (</a:t>
-            </a:r>
-            <a:r>
-              <a:rPr lang="nl-NL" sz="2600" dirty="0" err="1" smtClean="0"/>
-              <a:t>Vext</a:t>
-            </a:r>
-            <a:r>
-              <a:rPr lang="nl-NL" sz="2600" dirty="0" smtClean="0"/>
-              <a:t>)</a:t>
-            </a:r>
-            <a:endParaRPr lang="nl-NL" sz="2600" dirty="0" smtClean="0"/>
+              <a:rPr lang="nl-NL" dirty="0" err="1" smtClean="0"/>
+              <a:t>potential</a:t>
+            </a:r>
+            <a:endParaRPr lang="nl-NL" dirty="0" smtClean="0"/>
+          </a:p>
+          <a:p>
+            <a:r>
+              <a:rPr lang="nl-NL" dirty="0" err="1" smtClean="0"/>
+              <a:t>Yger</a:t>
+            </a:r>
+            <a:r>
+              <a:rPr lang="nl-NL" dirty="0" smtClean="0"/>
+              <a:t> (2013) more </a:t>
+            </a:r>
+            <a:r>
+              <a:rPr lang="nl-NL" dirty="0" err="1" smtClean="0"/>
+              <a:t>biologically</a:t>
+            </a:r>
+            <a:r>
+              <a:rPr lang="nl-NL" dirty="0" smtClean="0"/>
+              <a:t> </a:t>
+            </a:r>
+            <a:r>
+              <a:rPr lang="nl-NL" dirty="0" err="1" smtClean="0"/>
+              <a:t>realistic</a:t>
+            </a:r>
+            <a:r>
+              <a:rPr lang="nl-NL" dirty="0" smtClean="0"/>
+              <a:t> </a:t>
+            </a:r>
+            <a:r>
+              <a:rPr lang="nl-NL" dirty="0" err="1" smtClean="0"/>
+              <a:t>synapse</a:t>
+            </a:r>
+            <a:endParaRPr lang="nl-NL" dirty="0" smtClean="0"/>
           </a:p>
           <a:p>
             <a:pPr lvl="1">
@@ -13455,101 +13533,97 @@
               <a:buChar char="o"/>
             </a:pPr>
             <a:r>
-              <a:rPr lang="nl-NL" sz="2600" dirty="0" err="1" smtClean="0"/>
-              <a:t>Relative</a:t>
-            </a:r>
-            <a:r>
-              <a:rPr lang="nl-NL" sz="2600" dirty="0" smtClean="0"/>
+              <a:rPr lang="nl-NL" dirty="0" err="1" smtClean="0"/>
+              <a:t>after</a:t>
+            </a:r>
+            <a:r>
+              <a:rPr lang="nl-NL" dirty="0" smtClean="0"/>
               <a:t> </a:t>
             </a:r>
             <a:r>
-              <a:rPr lang="nl-NL" sz="2600" dirty="0" err="1" smtClean="0"/>
-              <a:t>strength</a:t>
-            </a:r>
-            <a:r>
-              <a:rPr lang="nl-NL" sz="2600" dirty="0" smtClean="0"/>
+              <a:rPr lang="nl-NL" dirty="0" smtClean="0"/>
+              <a:t>a spike, </a:t>
+            </a:r>
+            <a:r>
+              <a:rPr lang="nl-NL" dirty="0" err="1" smtClean="0"/>
+              <a:t>conductance</a:t>
+            </a:r>
+            <a:r>
+              <a:rPr lang="nl-NL" dirty="0" smtClean="0"/>
               <a:t> </a:t>
             </a:r>
             <a:r>
-              <a:rPr lang="nl-NL" sz="2600" dirty="0" err="1" smtClean="0"/>
-              <a:t>inhibitory</a:t>
-            </a:r>
-            <a:r>
-              <a:rPr lang="nl-NL" sz="2600" dirty="0" smtClean="0"/>
+              <a:rPr lang="nl-NL" dirty="0" err="1" smtClean="0"/>
+              <a:t>decays</a:t>
+            </a:r>
+            <a:r>
+              <a:rPr lang="nl-NL" dirty="0" smtClean="0"/>
+              <a:t> over time </a:t>
+            </a:r>
+          </a:p>
+          <a:p>
+            <a:r>
+              <a:rPr lang="nl-NL" dirty="0" err="1" smtClean="0"/>
+              <a:t>Reaches</a:t>
+            </a:r>
+            <a:r>
+              <a:rPr lang="nl-NL" dirty="0" smtClean="0"/>
               <a:t> </a:t>
             </a:r>
             <a:r>
-              <a:rPr lang="nl-NL" sz="2600" dirty="0" err="1" smtClean="0"/>
-              <a:t>synapse</a:t>
-            </a:r>
-            <a:r>
-              <a:rPr lang="nl-NL" sz="2600" dirty="0" smtClean="0"/>
-              <a:t> (g)</a:t>
-            </a:r>
-            <a:endParaRPr lang="nl-NL" sz="2600" dirty="0" smtClean="0"/>
-          </a:p>
-          <a:p>
+              <a:rPr lang="nl-NL" dirty="0" err="1" smtClean="0"/>
+              <a:t>Asynchronous</a:t>
+            </a:r>
+            <a:r>
+              <a:rPr lang="nl-NL" dirty="0" smtClean="0"/>
+              <a:t> </a:t>
+            </a:r>
+            <a:r>
+              <a:rPr lang="nl-NL" dirty="0" err="1" smtClean="0"/>
+              <a:t>Irregular</a:t>
+            </a:r>
+            <a:r>
+              <a:rPr lang="nl-NL" dirty="0" smtClean="0"/>
+              <a:t> (AI) state</a:t>
+            </a:r>
+          </a:p>
+          <a:p>
+            <a:r>
+              <a:rPr lang="nl-NL" dirty="0" smtClean="0"/>
+              <a:t>AI state </a:t>
+            </a:r>
+            <a:r>
+              <a:rPr lang="nl-NL" dirty="0" err="1" smtClean="0"/>
+              <a:t>similar</a:t>
+            </a:r>
+            <a:r>
+              <a:rPr lang="nl-NL" dirty="0" smtClean="0"/>
+              <a:t> to </a:t>
+            </a:r>
+            <a:r>
+              <a:rPr lang="nl-NL" dirty="0" err="1" smtClean="0"/>
+              <a:t>human</a:t>
+            </a:r>
+            <a:r>
+              <a:rPr lang="nl-NL" dirty="0" smtClean="0"/>
+              <a:t> </a:t>
+            </a:r>
+            <a:r>
+              <a:rPr lang="nl-NL" dirty="0" err="1" smtClean="0"/>
+              <a:t>cortical</a:t>
+            </a:r>
+            <a:r>
+              <a:rPr lang="nl-NL" dirty="0" smtClean="0"/>
+              <a:t> </a:t>
+            </a:r>
+            <a:r>
+              <a:rPr lang="nl-NL" dirty="0" err="1" smtClean="0"/>
+              <a:t>activity</a:t>
+            </a:r>
             <a:endParaRPr lang="nl-NL" dirty="0"/>
           </a:p>
         </p:txBody>
       </p:sp>
-      <p:pic>
-        <p:nvPicPr>
-          <p:cNvPr id="5" name="Picture 2"/>
-          <p:cNvPicPr>
-            <a:picLocks noGrp="1" noChangeAspect="1" noChangeArrowheads="1"/>
-          </p:cNvPicPr>
-          <p:nvPr>
-            <p:ph sz="quarter" idx="2"/>
-          </p:nvPr>
-        </p:nvPicPr>
-        <p:blipFill>
-          <a:blip r:embed="rId2" cstate="print"/>
-          <a:stretch>
-            <a:fillRect/>
-          </a:stretch>
-        </p:blipFill>
-        <p:spPr bwMode="auto">
-          <a:xfrm>
-            <a:off x="4427984" y="1844824"/>
-            <a:ext cx="4543673" cy="3753469"/>
-          </a:xfrm>
-          <a:prstGeom prst="rect">
-            <a:avLst/>
-          </a:prstGeom>
-          <a:noFill/>
-          <a:ln w="9525">
-            <a:noFill/>
-            <a:miter lim="800000"/>
-            <a:headEnd/>
-            <a:tailEnd/>
-          </a:ln>
-        </p:spPr>
-      </p:pic>
-      <p:pic>
-        <p:nvPicPr>
-          <p:cNvPr id="6" name="Tijdelijke aanduiding voor inhoud 4" descr="balanced network.PNG"/>
-          <p:cNvPicPr>
-            <a:picLocks noChangeAspect="1"/>
-          </p:cNvPicPr>
-          <p:nvPr/>
-        </p:nvPicPr>
-        <p:blipFill>
-          <a:blip r:embed="rId3" cstate="print"/>
-          <a:stretch>
-            <a:fillRect/>
-          </a:stretch>
-        </p:blipFill>
-        <p:spPr>
-          <a:xfrm>
-            <a:off x="4788024" y="1628800"/>
-            <a:ext cx="3749675" cy="4360087"/>
-          </a:xfrm>
-          <a:prstGeom prst="rect">
-            <a:avLst/>
-          </a:prstGeom>
-        </p:spPr>
-      </p:pic>
     </p:spTree>
   </p:cSld>
   <p:clrMapOvr>
@@ -13589,7 +13663,7 @@
                                           </p:stCondLst>
                                         </p:cTn>
                                         <p:tgtEl>
-                                          <p:spTgt spid="3">
+                                          <p:spTgt spid="8">
                                             <p:txEl>
                                               <p:pRg st="0" end="0"/>
                                             </p:txEl>
@@ -13607,9 +13681,52 @@
                                       <p:cBhvr>
                                         <p:cTn id="7" dur="500"/>
                                         <p:tgtEl>
-                                          <p:spTgt spid="3">
+                                          <p:spTgt spid="8">
                                             <p:txEl>
                                               <p:pRg st="0" end="0"/>
+                                            </p:txEl>
+                                          </p:spTgt>
+                                        </p:tgtEl>
+                                      </p:cBhvr>
+                                    </p:animEffect>
+                                  </p:childTnLst>
+                                </p:cTn>
+                              </p:par>
+                              <p:par>
+                                <p:cTn id="8" presetID="22" presetClass="entr" presetSubtype="4" fill="hold" nodeType="withEffect">
+                                  <p:stCondLst>
+                                    <p:cond delay="0"/>
+                                  </p:stCondLst>
+                                  <p:childTnLst>
+                                    <p:set>
+                                      <p:cBhvr>
+                                        <p:cTn id="9" dur="1" fill="hold">
+                                          <p:stCondLst>
+                                            <p:cond delay="0"/>
+                                          </p:stCondLst>
+                                        </p:cTn>
+                                        <p:tgtEl>
+                                          <p:spTgt spid="8">
+                                            <p:txEl>
+                                              <p:pRg st="1" end="1"/>
+                                            </p:txEl>
+                                          </p:spTgt>
+                                        </p:tgtEl>
+                                        <p:attrNameLst>
+                                          <p:attrName>style.visibility</p:attrName>
+                                        </p:attrNameLst>
+                                      </p:cBhvr>
+                                      <p:to>
+                                        <p:strVal val="visible"/>
+                                      </p:to>
+                                    </p:set>
+                                    <p:animEffect transition="in" filter="wipe(down)">
+                                      <p:cBhvr>
+                                        <p:cTn id="10" dur="500"/>
+                                        <p:tgtEl>
+                                          <p:spTgt spid="8">
+                                            <p:txEl>
+                                              <p:pRg st="1" end="1"/>
                                             </p:txEl>
                                           </p:spTgt>
                                         </p:tgtEl>
@@ -13625,62 +13742,19 @@
                     </p:cTn>
                   </p:par>
                   <p:par>
-                    <p:cTn id="8" fill="hold">
+                    <p:cTn id="11" fill="hold">
                       <p:stCondLst>
                         <p:cond delay="indefinite"/>
                       </p:stCondLst>
                       <p:childTnLst>
                         <p:par>
-                          <p:cTn id="9" fill="hold">
+                          <p:cTn id="12" fill="hold">
                             <p:stCondLst>
                               <p:cond delay="0"/>
                             </p:stCondLst>
                             <p:childTnLst>
                               <p:par>
-                                <p:cTn id="10" presetID="22" presetClass="entr" presetSubtype="4" fill="hold" nodeType="clickEffect">
-                                  <p:stCondLst>
-                                    <p:cond delay="0"/>
-                                  </p:stCondLst>
-                                  <p:childTnLst>
-                                    <p:set>
-                                      <p:cBhvr>
-                                        <p:cTn id="11" dur="1" fill="hold">
-                                          <p:stCondLst>
-                                            <p:cond delay="0"/>
-                                          </p:stCondLst>
-                                        </p:cTn>
-                                        <p:tgtEl>
-                                          <p:spTgt spid="3">
-                                            <p:txEl>
-                                              <p:pRg st="1" end="1"/>
-                                            </p:txEl>
-                                          </p:spTgt>
-                                        </p:tgtEl>
-                                        <p:attrNameLst>
-                                          <p:attrName>style.visibility</p:attrName>
-                                        </p:attrNameLst>
-                                      </p:cBhvr>
-                                      <p:to>
-                                        <p:strVal val="visible"/>
-                                      </p:to>
-                                    </p:set>
-                                    <p:animEffect transition="in" filter="wipe(down)">
-                                      <p:cBhvr>
-                                        <p:cTn id="12" dur="500"/>
-                                        <p:tgtEl>
-                                          <p:spTgt spid="3">
-                                            <p:txEl>
-                                              <p:pRg st="1" end="1"/>
-                                            </p:txEl>
-                                          </p:spTgt>
-                                        </p:tgtEl>
-                                      </p:cBhvr>
-                                    </p:animEffect>
-                                  </p:childTnLst>
-                                </p:cTn>
-                              </p:par>
-                              <p:par>
-                                <p:cTn id="13" presetID="22" presetClass="entr" presetSubtype="4" fill="hold" nodeType="withEffect">
+                                <p:cTn id="13" presetID="22" presetClass="entr" presetSubtype="4" fill="hold" nodeType="clickEffect">
                                   <p:stCondLst>
                                     <p:cond delay="0"/>
                                   </p:stCondLst>
@@ -13693,60 +13767,7 @@
                                           </p:stCondLst>
                                         </p:cTn>
                                         <p:tgtEl>
-                                          <p:spTgt spid="6"/>
-                                        </p:tgtEl>
-                                        <p:attrNameLst>
-                                          <p:attrName>style.visibility</p:attrName>
-                                        </p:attrNameLst>
-                                      </p:cBhvr>
-                                      <p:to>
-                                        <p:strVal val="visible"/>
-                                      </p:to>
-                                    </p:set>
-                                    <p:animEffect transition="in" filter="wipe(down)">
-                                      <p:cBhvr>
-                                        <p:cTn id="15" dur="500"/>
-                                        <p:tgtEl>
-                                          <p:spTgt spid="6"/>
-                                        </p:tgtEl>
-                                      </p:cBhvr>
-                                    </p:animEffect>
-                                  </p:childTnLst>
-                                </p:cTn>
-                              </p:par>
-                            </p:childTnLst>
-                          </p:cTn>
-                        </p:par>
-                      </p:childTnLst>
-                    </p:cTn>
-                  </p:par>
-                  <p:par>
-                    <p:cTn id="16" fill="hold">
-                      <p:stCondLst>
-                        <p:cond delay="indefinite"/>
-                      </p:stCondLst>
-                      <p:childTnLst>
-                        <p:par>
-                          <p:cTn id="17" fill="hold">
-                            <p:stCondLst>
-                              <p:cond delay="0"/>
-                            </p:stCondLst>
-                            <p:childTnLst>
-                              <p:par>
-                                <p:cTn id="18" presetID="22" presetClass="entr" presetSubtype="4" fill="hold" nodeType="clickEffect">
-                                  <p:stCondLst>
-                                    <p:cond delay="0"/>
-                                  </p:stCondLst>
-                                  <p:childTnLst>
-                                    <p:set>
-                                      <p:cBhvr>
-                                        <p:cTn id="19" dur="1" fill="hold">
-                                          <p:stCondLst>
-                                            <p:cond delay="0"/>
-                                          </p:stCondLst>
-                                        </p:cTn>
-                                        <p:tgtEl>
-                                          <p:spTgt spid="3">
+                                          <p:spTgt spid="8">
                                             <p:txEl>
                                               <p:pRg st="2" end="2"/>
                                             </p:txEl>
@@ -13762,11 +13783,54 @@
                                     </p:set>
                                     <p:animEffect transition="in" filter="wipe(down)">
                                       <p:cBhvr>
-                                        <p:cTn id="20" dur="500"/>
+                                        <p:cTn id="15" dur="500"/>
                                         <p:tgtEl>
-                                          <p:spTgt spid="3">
+                                          <p:spTgt spid="8">
                                             <p:txEl>
                                               <p:pRg st="2" end="2"/>
+                                            </p:txEl>
+                                          </p:spTgt>
+                                        </p:tgtEl>
+                                      </p:cBhvr>
+                                    </p:animEffect>
+                                  </p:childTnLst>
+                                </p:cTn>
+                              </p:par>
+                              <p:par>
+                                <p:cTn id="16" presetID="22" presetClass="entr" presetSubtype="4" fill="hold" nodeType="withEffect">
+                                  <p:stCondLst>
+                                    <p:cond delay="0"/>
+                                  </p:stCondLst>
+                                  <p:childTnLst>
+                                    <p:set>
+                                      <p:cBhvr>
+                                        <p:cTn id="17" dur="1" fill="hold">
+                                          <p:stCondLst>
+                                            <p:cond delay="0"/>
+                                          </p:stCondLst>
+                                        </p:cTn>
+                                        <p:tgtEl>
+                                          <p:spTgt spid="8">
+                                            <p:txEl>
+                                              <p:pRg st="3" end="3"/>
+                                            </p:txEl>
+                                          </p:spTgt>
+                                        </p:tgtEl>
+                                        <p:attrNameLst>
+                                          <p:attrName>style.visibility</p:attrName>
+                                        </p:attrNameLst>
+                                      </p:cBhvr>
+                                      <p:to>
+                                        <p:strVal val="visible"/>
+                                      </p:to>
+                                    </p:set>
+                                    <p:animEffect transition="in" filter="wipe(down)">
+                                      <p:cBhvr>
+                                        <p:cTn id="18" dur="500"/>
+                                        <p:tgtEl>
+                                          <p:spTgt spid="8">
+                                            <p:txEl>
+                                              <p:pRg st="3" end="3"/>
                                             </p:txEl>
                                           </p:spTgt>
                                         </p:tgtEl>
@@ -13782,123 +13846,36 @@
                     </p:cTn>
                   </p:par>
                   <p:par>
-                    <p:cTn id="21" fill="hold">
+                    <p:cTn id="19" fill="hold">
                       <p:stCondLst>
                         <p:cond delay="indefinite"/>
                       </p:stCondLst>
                       <p:childTnLst>
                         <p:par>
-                          <p:cTn id="22" fill="hold">
+                          <p:cTn id="20" fill="hold">
                             <p:stCondLst>
                               <p:cond delay="0"/>
                             </p:stCondLst>
                             <p:childTnLst>
                               <p:par>
-                                <p:cTn id="23" presetID="2" presetClass="exit" presetSubtype="4" fill="hold" nodeType="clickEffect">
-                                  <p:stCondLst>
-                                    <p:cond delay="0"/>
-                                  </p:stCondLst>
-                                  <p:childTnLst>
-                                    <p:anim calcmode="lin" valueType="num">
-                                      <p:cBhvr additive="base">
-                                        <p:cTn id="24" dur="500"/>
-                                        <p:tgtEl>
-                                          <p:spTgt spid="6"/>
-                                        </p:tgtEl>
-                                        <p:attrNameLst>
-                                          <p:attrName>ppt_x</p:attrName>
-                                        </p:attrNameLst>
-                                      </p:cBhvr>
-                                      <p:tavLst>
-                                        <p:tav tm="0">
-                                          <p:val>
-                                            <p:strVal val="ppt_x"/>
-                                          </p:val>
-                                        </p:tav>
-                                        <p:tav tm="100000">
-                                          <p:val>
-                                            <p:strVal val="ppt_x"/>
-                                          </p:val>
-                                        </p:tav>
-                                      </p:tavLst>
-                                    </p:anim>
-                                    <p:anim calcmode="lin" valueType="num">
-                                      <p:cBhvr additive="base">
-                                        <p:cTn id="25" dur="500"/>
-                                        <p:tgtEl>
-                                          <p:spTgt spid="6"/>
-                                        </p:tgtEl>
-                                        <p:attrNameLst>
-                                          <p:attrName>ppt_y</p:attrName>
-                                        </p:attrNameLst>
-                                      </p:cBhvr>
-                                      <p:tavLst>
-                                        <p:tav tm="0">
-                                          <p:val>
-                                            <p:strVal val="ppt_y"/>
-                                          </p:val>
-                                        </p:tav>
-                                        <p:tav tm="100000">
-                                          <p:val>
-                                            <p:strVal val="1+ppt_h/2"/>
-                                          </p:val>
-                                        </p:tav>
-                                      </p:tavLst>
-                                    </p:anim>
-                                    <p:set>
-                                      <p:cBhvr>
-                                        <p:cTn id="26" dur="1" fill="hold">
-                                          <p:stCondLst>
-                                            <p:cond delay="499"/>
-                                          </p:stCondLst>
-                                        </p:cTn>
-                                        <p:tgtEl>
-                                          <p:spTgt spid="6"/>
-                                        </p:tgtEl>
-                                        <p:attrNameLst>
-                                          <p:attrName>style.visibility</p:attrName>
-                                        </p:attrNameLst>
-                                      </p:cBhvr>
-                                      <p:to>
-                                        <p:strVal val="hidden"/>
-                                      </p:to>
-                                    </p:set>
-                                  </p:childTnLst>
-                                </p:cTn>
-                              </p:par>
-                            </p:childTnLst>
-                          </p:cTn>
-                        </p:par>
-                      </p:childTnLst>
-                    </p:cTn>
-                  </p:par>
-                  <p:par>
-                    <p:cTn id="27" fill="hold">
-                      <p:stCondLst>
-                        <p:cond delay="indefinite"/>
-                      </p:stCondLst>
-                      <p:childTnLst>
-                        <p:par>
-                          <p:cTn id="28" fill="hold">
-                            <p:stCondLst>
-                              <p:cond delay="0"/>
-                            </p:stCondLst>
-                            <p:childTnLst>
-                              <p:par>
-                                <p:cTn id="29" presetID="22" presetClass="entr" presetSubtype="4" fill="hold" nodeType="clickEffect">
+                                <p:cTn id="21" presetID="22" presetClass="entr" presetSubtype="4" fill="hold" nodeType="clickEffect">
                                   <p:stCondLst>
                                     <p:cond delay="0"/>
                                   </p:stCondLst>
                                   <p:childTnLst>
                                     <p:set>
                                       <p:cBhvr>
-                                        <p:cTn id="30" dur="1" fill="hold">
+                                        <p:cTn id="22" dur="1" fill="hold">
                                           <p:stCondLst>
                                             <p:cond delay="0"/>
                                           </p:stCondLst>
                                         </p:cTn>
                                         <p:tgtEl>
-                                          <p:spTgt spid="5"/>
+                                          <p:spTgt spid="8">
+                                            <p:txEl>
+                                              <p:pRg st="4" end="4"/>
+                                            </p:txEl>
+                                          </p:spTgt>
                                         </p:tgtEl>
                                         <p:attrNameLst>
                                           <p:attrName>style.visibility</p:attrName>
@@ -13910,9 +13887,74 @@
                                     </p:set>
                                     <p:animEffect transition="in" filter="wipe(down)">
                                       <p:cBhvr>
-                                        <p:cTn id="31" dur="500"/>
+                                        <p:cTn id="23" dur="500"/>
                                         <p:tgtEl>
-                                          <p:spTgt spid="5"/>
+                                          <p:spTgt spid="8">
+                                            <p:txEl>
+                                              <p:pRg st="4" end="4"/>
+                                            </p:txEl>
+                                          </p:spTgt>
+                                        </p:tgtEl>
+                                      </p:cBhvr>
+                                    </p:animEffect>
+                                  </p:childTnLst>
+                                </p:cTn>
+                              </p:par>
+                            </p:childTnLst>
+                          </p:cTn>
+                        </p:par>
+                      </p:childTnLst>
+                    </p:cTn>
+                  </p:par>
+                  <p:par>
+                    <p:cTn id="24" fill="hold">
+                      <p:stCondLst>
+                        <p:cond delay="indefinite"/>
+                      </p:stCondLst>
+                      <p:childTnLst>
+                        <p:par>
+                          <p:cTn id="25" fill="hold">
+                            <p:stCondLst>
+                              <p:cond delay="0"/>
+                            </p:stCondLst>
+                            <p:childTnLst>
+                              <p:par>
+                                <p:cTn id="26" presetID="22" presetClass="entr" presetSubtype="4" fill="hold" nodeType="clickEffect">
+                                  <p:stCondLst>
+                                    <p:cond delay="0"/>
+                                  </p:stCondLst>
+                                  <p:childTnLst>
+                                    <p:set>
+                                      <p:cBhvr>
+                                        <p:cTn id="27" dur="1" fill="hold">
+                                          <p:stCondLst>
+                                            <p:cond delay="0"/>
+                                          </p:stCondLst>
+                                        </p:cTn>
+                                        <p:tgtEl>
+                                          <p:spTgt spid="8">
+                                            <p:txEl>
+                                              <p:pRg st="5" end="5"/>
+                                            </p:txEl>
+                                          </p:spTgt>
+                                        </p:tgtEl>
+                                        <p:attrNameLst>
+                                          <p:attrName>style.visibility</p:attrName>
+                                        </p:attrNameLst>
+                                      </p:cBhvr>
+                                      <p:to>
+                                        <p:strVal val="visible"/>
+                                      </p:to>
+                                    </p:set>
+                                    <p:animEffect transition="in" filter="wipe(down)">
+                                      <p:cBhvr>
+                                        <p:cTn id="28" dur="500"/>
+                                        <p:tgtEl>
+                                          <p:spTgt spid="8">
+                                            <p:txEl>
+                                              <p:pRg st="5" end="5"/>
+                                            </p:txEl>
+                                          </p:spTgt>
                                         </p:tgtEl>
                                       </p:cBhvr>
                                     </p:animEffect>

--- a/Final presentation bachelor thesis Jiri Brummer - dynamics of balanced network.pptx
+++ b/Final presentation bachelor thesis Jiri Brummer - dynamics of balanced network.pptx
@@ -12,31 +12,31 @@
     <p:sldId id="260" r:id="rId3"/>
     <p:sldId id="261" r:id="rId4"/>
     <p:sldId id="262" r:id="rId5"/>
-    <p:sldId id="264" r:id="rId6"/>
-    <p:sldId id="265" r:id="rId7"/>
-    <p:sldId id="266" r:id="rId8"/>
-    <p:sldId id="267" r:id="rId9"/>
-    <p:sldId id="269" r:id="rId10"/>
-    <p:sldId id="270" r:id="rId11"/>
-    <p:sldId id="271" r:id="rId12"/>
-    <p:sldId id="272" r:id="rId13"/>
-    <p:sldId id="273" r:id="rId14"/>
-    <p:sldId id="275" r:id="rId15"/>
-    <p:sldId id="274" r:id="rId16"/>
-    <p:sldId id="276" r:id="rId17"/>
-    <p:sldId id="277" r:id="rId18"/>
-    <p:sldId id="278" r:id="rId19"/>
-    <p:sldId id="279" r:id="rId20"/>
-    <p:sldId id="280" r:id="rId21"/>
-    <p:sldId id="281" r:id="rId22"/>
-    <p:sldId id="282" r:id="rId23"/>
-    <p:sldId id="283" r:id="rId24"/>
-    <p:sldId id="284" r:id="rId25"/>
-    <p:sldId id="285" r:id="rId26"/>
-    <p:sldId id="286" r:id="rId27"/>
-    <p:sldId id="287" r:id="rId28"/>
-    <p:sldId id="292" r:id="rId29"/>
-    <p:sldId id="293" r:id="rId30"/>
+    <p:sldId id="266" r:id="rId6"/>
+    <p:sldId id="267" r:id="rId7"/>
+    <p:sldId id="269" r:id="rId8"/>
+    <p:sldId id="270" r:id="rId9"/>
+    <p:sldId id="271" r:id="rId10"/>
+    <p:sldId id="272" r:id="rId11"/>
+    <p:sldId id="273" r:id="rId12"/>
+    <p:sldId id="275" r:id="rId13"/>
+    <p:sldId id="274" r:id="rId14"/>
+    <p:sldId id="276" r:id="rId15"/>
+    <p:sldId id="277" r:id="rId16"/>
+    <p:sldId id="278" r:id="rId17"/>
+    <p:sldId id="279" r:id="rId18"/>
+    <p:sldId id="280" r:id="rId19"/>
+    <p:sldId id="281" r:id="rId20"/>
+    <p:sldId id="282" r:id="rId21"/>
+    <p:sldId id="283" r:id="rId22"/>
+    <p:sldId id="284" r:id="rId23"/>
+    <p:sldId id="285" r:id="rId24"/>
+    <p:sldId id="286" r:id="rId25"/>
+    <p:sldId id="287" r:id="rId26"/>
+    <p:sldId id="292" r:id="rId27"/>
+    <p:sldId id="293" r:id="rId28"/>
+    <p:sldId id="295" r:id="rId29"/>
+    <p:sldId id="294" r:id="rId30"/>
     <p:sldId id="289" r:id="rId31"/>
     <p:sldId id="290" r:id="rId32"/>
   </p:sldIdLst>
@@ -223,7 +223,7 @@
             <a:fld id="{6F65B35A-9FED-4D9A-98FF-161054BACE8F}" type="datetimeFigureOut">
               <a:rPr lang="nl-NL" smtClean="0"/>
               <a:pPr/>
-              <a:t>23-6-2015</a:t>
+              <a:t>24-6-2015</a:t>
             </a:fld>
             <a:endParaRPr lang="nl-NL"/>
           </a:p>
@@ -727,7 +727,7 @@
             <a:fld id="{7D077806-2948-4571-A820-43A6990CBEFE}" type="slidenum">
               <a:rPr lang="nl-NL" smtClean="0"/>
               <a:pPr/>
-              <a:t>7</a:t>
+              <a:t>5</a:t>
             </a:fld>
             <a:endParaRPr lang="nl-NL"/>
           </a:p>
@@ -1018,7 +1018,7 @@
             <a:fld id="{B7ADDA06-6B0E-42B0-A7F8-DB9B168B469E}" type="datetimeFigureOut">
               <a:rPr lang="nl-NL" smtClean="0"/>
               <a:pPr/>
-              <a:t>23-6-2015</a:t>
+              <a:t>24-6-2015</a:t>
             </a:fld>
             <a:endParaRPr lang="nl-NL"/>
           </a:p>
@@ -1373,7 +1373,7 @@
             <a:fld id="{B7ADDA06-6B0E-42B0-A7F8-DB9B168B469E}" type="datetimeFigureOut">
               <a:rPr lang="nl-NL" smtClean="0"/>
               <a:pPr/>
-              <a:t>23-6-2015</a:t>
+              <a:t>24-6-2015</a:t>
             </a:fld>
             <a:endParaRPr lang="nl-NL"/>
           </a:p>
@@ -1550,7 +1550,7 @@
             <a:fld id="{B7ADDA06-6B0E-42B0-A7F8-DB9B168B469E}" type="datetimeFigureOut">
               <a:rPr lang="nl-NL" smtClean="0"/>
               <a:pPr/>
-              <a:t>23-6-2015</a:t>
+              <a:t>24-6-2015</a:t>
             </a:fld>
             <a:endParaRPr lang="nl-NL"/>
           </a:p>
@@ -1665,7 +1665,7 @@
             <a:fld id="{B7ADDA06-6B0E-42B0-A7F8-DB9B168B469E}" type="datetimeFigureOut">
               <a:rPr lang="nl-NL" smtClean="0"/>
               <a:pPr/>
-              <a:t>23-6-2015</a:t>
+              <a:t>24-6-2015</a:t>
             </a:fld>
             <a:endParaRPr lang="nl-NL"/>
           </a:p>
@@ -2025,7 +2025,7 @@
             <a:fld id="{B7ADDA06-6B0E-42B0-A7F8-DB9B168B469E}" type="datetimeFigureOut">
               <a:rPr lang="nl-NL" smtClean="0"/>
               <a:pPr/>
-              <a:t>23-6-2015</a:t>
+              <a:t>24-6-2015</a:t>
             </a:fld>
             <a:endParaRPr lang="nl-NL"/>
           </a:p>
@@ -2292,7 +2292,7 @@
             <a:fld id="{B7ADDA06-6B0E-42B0-A7F8-DB9B168B469E}" type="datetimeFigureOut">
               <a:rPr lang="nl-NL" smtClean="0"/>
               <a:pPr/>
-              <a:t>23-6-2015</a:t>
+              <a:t>24-6-2015</a:t>
             </a:fld>
             <a:endParaRPr lang="nl-NL"/>
           </a:p>
@@ -2656,7 +2656,7 @@
             <a:fld id="{B7ADDA06-6B0E-42B0-A7F8-DB9B168B469E}" type="datetimeFigureOut">
               <a:rPr lang="nl-NL" smtClean="0"/>
               <a:pPr/>
-              <a:t>23-6-2015</a:t>
+              <a:t>24-6-2015</a:t>
             </a:fld>
             <a:endParaRPr lang="nl-NL"/>
           </a:p>
@@ -2885,7 +2885,7 @@
             <a:fld id="{B7ADDA06-6B0E-42B0-A7F8-DB9B168B469E}" type="datetimeFigureOut">
               <a:rPr lang="nl-NL" smtClean="0"/>
               <a:pPr/>
-              <a:t>23-6-2015</a:t>
+              <a:t>24-6-2015</a:t>
             </a:fld>
             <a:endParaRPr lang="nl-NL"/>
           </a:p>
@@ -2977,7 +2977,7 @@
             <a:fld id="{B7ADDA06-6B0E-42B0-A7F8-DB9B168B469E}" type="datetimeFigureOut">
               <a:rPr lang="nl-NL" smtClean="0"/>
               <a:pPr/>
-              <a:t>23-6-2015</a:t>
+              <a:t>24-6-2015</a:t>
             </a:fld>
             <a:endParaRPr lang="nl-NL"/>
           </a:p>
@@ -3246,7 +3246,7 @@
             <a:fld id="{B7ADDA06-6B0E-42B0-A7F8-DB9B168B469E}" type="datetimeFigureOut">
               <a:rPr lang="nl-NL" smtClean="0"/>
               <a:pPr/>
-              <a:t>23-6-2015</a:t>
+              <a:t>24-6-2015</a:t>
             </a:fld>
             <a:endParaRPr lang="nl-NL"/>
           </a:p>
@@ -3476,7 +3476,7 @@
             <a:fld id="{B7ADDA06-6B0E-42B0-A7F8-DB9B168B469E}" type="datetimeFigureOut">
               <a:rPr lang="nl-NL" smtClean="0"/>
               <a:pPr/>
-              <a:t>23-6-2015</a:t>
+              <a:t>24-6-2015</a:t>
             </a:fld>
             <a:endParaRPr lang="nl-NL"/>
           </a:p>
@@ -3977,7 +3977,7 @@
             <a:fld id="{B7ADDA06-6B0E-42B0-A7F8-DB9B168B469E}" type="datetimeFigureOut">
               <a:rPr lang="nl-NL" smtClean="0"/>
               <a:pPr/>
-              <a:t>23-6-2015</a:t>
+              <a:t>24-6-2015</a:t>
             </a:fld>
             <a:endParaRPr lang="nl-NL"/>
           </a:p>
@@ -4482,11 +4482,7 @@
           <a:p>
             <a:r>
               <a:rPr lang="en-US" sz="4500" dirty="0" smtClean="0"/>
-              <a:t>Dynamics of a </a:t>
-            </a:r>
-            <a:r>
-              <a:rPr lang="en-US" sz="4500" dirty="0" smtClean="0"/>
-              <a:t>biologically realistic neural network model</a:t>
+              <a:t>Dynamics of a biologically realistic neural network model</a:t>
             </a:r>
             <a:endParaRPr lang="en-US" sz="4500" dirty="0"/>
           </a:p>
@@ -4536,16 +4532,30 @@
         </p:nvSpPr>
         <p:spPr/>
         <p:txBody>
-          <a:bodyPr/>
+          <a:bodyPr>
+            <a:normAutofit fontScale="90000"/>
+          </a:bodyPr>
           <a:lstStyle/>
           <a:p>
             <a:r>
-              <a:rPr lang="nl-NL" dirty="0" smtClean="0"/>
-              <a:t>Research </a:t>
-            </a:r>
-            <a:r>
-              <a:rPr lang="nl-NL" dirty="0" err="1" smtClean="0"/>
-              <a:t>question</a:t>
+              <a:rPr lang="nl-NL" dirty="0" err="1" smtClean="0"/>
+              <a:t>Implementation</a:t>
+            </a:r>
+            <a:r>
+              <a:rPr lang="nl-NL" dirty="0" smtClean="0"/>
+              <a:t> of </a:t>
+            </a:r>
+            <a:r>
+              <a:rPr lang="nl-NL" dirty="0" err="1" smtClean="0"/>
+              <a:t>balanced</a:t>
+            </a:r>
+            <a:r>
+              <a:rPr lang="nl-NL" dirty="0" smtClean="0"/>
+              <a:t> </a:t>
+            </a:r>
+            <a:r>
+              <a:rPr lang="nl-NL" dirty="0" err="1" smtClean="0"/>
+              <a:t>network</a:t>
             </a:r>
             <a:endParaRPr lang="nl-NL" dirty="0"/>
           </a:p>
@@ -4561,170 +4571,6 @@
             <p:ph sz="quarter" idx="1"/>
           </p:nvPr>
         </p:nvSpPr>
-        <p:spPr/>
-        <p:txBody>
-          <a:bodyPr>
-            <a:normAutofit/>
-          </a:bodyPr>
-          <a:lstStyle/>
-          <a:p>
-            <a:r>
-              <a:rPr lang="en-US" sz="3600" dirty="0" smtClean="0"/>
-              <a:t>Can a network model with more </a:t>
-            </a:r>
-            <a:r>
-              <a:rPr lang="en-US" sz="3600" dirty="0" smtClean="0"/>
-              <a:t>biologically </a:t>
-            </a:r>
-            <a:r>
-              <a:rPr lang="en-US" sz="3600" dirty="0" smtClean="0"/>
-              <a:t>plausible synapses reach the same states as the original network with respect to synchrony and regularity. </a:t>
-            </a:r>
-            <a:endParaRPr lang="nl-NL" sz="3600" dirty="0"/>
-          </a:p>
-        </p:txBody>
-      </p:sp>
-    </p:spTree>
-  </p:cSld>
-  <p:clrMapOvr>
-    <a:masterClrMapping/>
-  </p:clrMapOvr>
-  <p:timing>
-    <p:tnLst>
-      <p:par>
-        <p:cTn id="1" dur="indefinite" restart="never" nodeType="tmRoot"/>
-      </p:par>
-    </p:tnLst>
-  </p:timing>
-</p:sld>
-</file>
-
-<file path=ppt/slides/slide11.xml><?xml version="1.0" encoding="utf-8"?>
-<p:sld xmlns:a="http://schemas.openxmlformats.org/drawingml/2006/main" xmlns:r="http://schemas.openxmlformats.org/officeDocument/2006/relationships" xmlns:p="http://schemas.openxmlformats.org/presentationml/2006/main" show="0">
-  <p:cSld>
-    <p:spTree>
-      <p:nvGrpSpPr>
-        <p:cNvPr id="1" name=""/>
-        <p:cNvGrpSpPr/>
-        <p:nvPr/>
-      </p:nvGrpSpPr>
-      <p:grpSpPr>
-        <a:xfrm>
-          <a:off x="0" y="0"/>
-          <a:ext cx="0" cy="0"/>
-          <a:chOff x="0" y="0"/>
-          <a:chExt cx="0" cy="0"/>
-        </a:xfrm>
-      </p:grpSpPr>
-      <p:sp>
-        <p:nvSpPr>
-          <p:cNvPr id="2" name="Titel 1"/>
-          <p:cNvSpPr>
-            <a:spLocks noGrp="1"/>
-          </p:cNvSpPr>
-          <p:nvPr>
-            <p:ph type="title"/>
-          </p:nvPr>
-        </p:nvSpPr>
-        <p:spPr/>
-        <p:txBody>
-          <a:bodyPr>
-            <a:normAutofit/>
-          </a:bodyPr>
-          <a:lstStyle/>
-          <a:p>
-            <a:r>
-              <a:rPr lang="nl-NL" sz="5400" dirty="0" err="1" smtClean="0"/>
-              <a:t>Methods</a:t>
-            </a:r>
-            <a:endParaRPr lang="nl-NL" sz="5400" dirty="0"/>
-          </a:p>
-        </p:txBody>
-      </p:sp>
-    </p:spTree>
-  </p:cSld>
-  <p:clrMapOvr>
-    <a:masterClrMapping/>
-  </p:clrMapOvr>
-  <p:transition/>
-  <p:timing>
-    <p:tnLst>
-      <p:par>
-        <p:cTn id="1" dur="indefinite" restart="never" nodeType="tmRoot"/>
-      </p:par>
-    </p:tnLst>
-  </p:timing>
-</p:sld>
-</file>
-
-<file path=ppt/slides/slide12.xml><?xml version="1.0" encoding="utf-8"?>
-<p:sld xmlns:a="http://schemas.openxmlformats.org/drawingml/2006/main" xmlns:r="http://schemas.openxmlformats.org/officeDocument/2006/relationships" xmlns:p="http://schemas.openxmlformats.org/presentationml/2006/main">
-  <p:cSld>
-    <p:spTree>
-      <p:nvGrpSpPr>
-        <p:cNvPr id="1" name=""/>
-        <p:cNvGrpSpPr/>
-        <p:nvPr/>
-      </p:nvGrpSpPr>
-      <p:grpSpPr>
-        <a:xfrm>
-          <a:off x="0" y="0"/>
-          <a:ext cx="0" cy="0"/>
-          <a:chOff x="0" y="0"/>
-          <a:chExt cx="0" cy="0"/>
-        </a:xfrm>
-      </p:grpSpPr>
-      <p:sp>
-        <p:nvSpPr>
-          <p:cNvPr id="2" name="Titel 1"/>
-          <p:cNvSpPr>
-            <a:spLocks noGrp="1"/>
-          </p:cNvSpPr>
-          <p:nvPr>
-            <p:ph type="title"/>
-          </p:nvPr>
-        </p:nvSpPr>
-        <p:spPr/>
-        <p:txBody>
-          <a:bodyPr>
-            <a:normAutofit fontScale="90000"/>
-          </a:bodyPr>
-          <a:lstStyle/>
-          <a:p>
-            <a:r>
-              <a:rPr lang="nl-NL" dirty="0" err="1" smtClean="0"/>
-              <a:t>Implementation</a:t>
-            </a:r>
-            <a:r>
-              <a:rPr lang="nl-NL" dirty="0" smtClean="0"/>
-              <a:t> of </a:t>
-            </a:r>
-            <a:r>
-              <a:rPr lang="nl-NL" dirty="0" err="1" smtClean="0"/>
-              <a:t>balanced</a:t>
-            </a:r>
-            <a:r>
-              <a:rPr lang="nl-NL" dirty="0" smtClean="0"/>
-              <a:t> </a:t>
-            </a:r>
-            <a:r>
-              <a:rPr lang="nl-NL" dirty="0" err="1" smtClean="0"/>
-              <a:t>network</a:t>
-            </a:r>
-            <a:endParaRPr lang="nl-NL" dirty="0"/>
-          </a:p>
-        </p:txBody>
-      </p:sp>
-      <p:sp>
-        <p:nvSpPr>
-          <p:cNvPr id="3" name="Tijdelijke aanduiding voor inhoud 2"/>
-          <p:cNvSpPr>
-            <a:spLocks noGrp="1"/>
-          </p:cNvSpPr>
-          <p:nvPr>
-            <p:ph sz="quarter" idx="1"/>
-          </p:nvPr>
-        </p:nvSpPr>
         <p:spPr>
           <a:xfrm>
             <a:off x="914400" y="1447800"/>
@@ -4739,11 +4585,7 @@
           <a:p>
             <a:r>
               <a:rPr lang="nl-NL" dirty="0" smtClean="0"/>
-              <a:t>BRIAN </a:t>
-            </a:r>
-            <a:r>
-              <a:rPr lang="nl-NL" dirty="0" smtClean="0"/>
-              <a:t>2 simulator (Python) </a:t>
+              <a:t>BRIAN 2 simulator (Python) </a:t>
             </a:r>
           </a:p>
           <a:p>
@@ -5284,7 +5126,7 @@
 </p:sld>
 </file>
 
-<file path=ppt/slides/slide13.xml><?xml version="1.0" encoding="utf-8"?>
+<file path=ppt/slides/slide11.xml><?xml version="1.0" encoding="utf-8"?>
 <p:sld xmlns:a="http://schemas.openxmlformats.org/drawingml/2006/main" xmlns:r="http://schemas.openxmlformats.org/officeDocument/2006/relationships" xmlns:p="http://schemas.openxmlformats.org/presentationml/2006/main">
   <p:cSld>
     <p:spTree>
@@ -6273,7 +6115,7 @@
 </p:sld>
 </file>
 
-<file path=ppt/slides/slide14.xml><?xml version="1.0" encoding="utf-8"?>
+<file path=ppt/slides/slide12.xml><?xml version="1.0" encoding="utf-8"?>
 <p:sld xmlns:a="http://schemas.openxmlformats.org/drawingml/2006/main" xmlns:r="http://schemas.openxmlformats.org/officeDocument/2006/relationships" xmlns:p="http://schemas.openxmlformats.org/presentationml/2006/main">
   <p:cSld>
     <p:spTree>
@@ -6292,7 +6134,7 @@
       </p:grpSpPr>
       <p:pic>
         <p:nvPicPr>
-          <p:cNvPr id="4" name="Afbeelding 3" descr="SM measure.png"/>
+          <p:cNvPr id="7" name="Afbeelding 6" descr="SM measure_scaled.png"/>
           <p:cNvPicPr>
             <a:picLocks noChangeAspect="1"/>
           </p:cNvPicPr>
@@ -6300,15 +6142,15 @@
         </p:nvPicPr>
         <p:blipFill>
           <a:blip r:embed="rId2" cstate="print"/>
-          <a:srcRect l="6688" r="7476"/>
+          <a:srcRect l="6300" r="7864"/>
           <a:stretch>
             <a:fillRect/>
           </a:stretch>
         </p:blipFill>
         <p:spPr>
           <a:xfrm>
-            <a:off x="323528" y="2924944"/>
-            <a:ext cx="8568952" cy="3765478"/>
+            <a:off x="395536" y="2924944"/>
+            <a:ext cx="8504335" cy="3737084"/>
           </a:xfrm>
           <a:prstGeom prst="rect">
             <a:avLst/>
@@ -6482,7 +6324,11 @@
           <a:p>
             <a:r>
               <a:rPr lang="nl-NL" dirty="0" smtClean="0"/>
-              <a:t>High SM </a:t>
+              <a:t>High </a:t>
+            </a:r>
+            <a:r>
+              <a:rPr lang="nl-NL" dirty="0" smtClean="0"/>
+              <a:t>SM, </a:t>
             </a:r>
             <a:r>
               <a:rPr lang="nl-NL" dirty="0" err="1" smtClean="0"/>
@@ -6534,7 +6380,7 @@
       </p:pic>
       <p:pic>
         <p:nvPicPr>
-          <p:cNvPr id="6" name="Afbeelding 5" descr="SM measure.png"/>
+          <p:cNvPr id="8" name="Afbeelding 7" descr="SM measure_scaled.png"/>
           <p:cNvPicPr>
             <a:picLocks noChangeAspect="1"/>
           </p:cNvPicPr>
@@ -6542,7 +6388,7 @@
         </p:nvPicPr>
         <p:blipFill>
           <a:blip r:embed="rId2" cstate="print"/>
-          <a:srcRect l="6688" r="51560"/>
+          <a:srcRect l="6300" r="50904"/>
           <a:stretch>
             <a:fillRect/>
           </a:stretch>
@@ -6550,7 +6396,7 @@
         <p:spPr>
           <a:xfrm>
             <a:off x="4716016" y="2924944"/>
-            <a:ext cx="4168080" cy="3765478"/>
+            <a:ext cx="4240088" cy="3737084"/>
           </a:xfrm>
           <a:prstGeom prst="rect">
             <a:avLst/>
@@ -6718,7 +6564,7 @@
                                           </p:stCondLst>
                                         </p:cTn>
                                         <p:tgtEl>
-                                          <p:spTgt spid="4"/>
+                                          <p:spTgt spid="7"/>
                                         </p:tgtEl>
                                         <p:attrNameLst>
                                           <p:attrName>style.visibility</p:attrName>
@@ -6732,7 +6578,7 @@
                                       <p:cBhvr>
                                         <p:cTn id="17" dur="500"/>
                                         <p:tgtEl>
-                                          <p:spTgt spid="4"/>
+                                          <p:spTgt spid="7"/>
                                         </p:tgtEl>
                                       </p:cBhvr>
                                     </p:animEffect>
@@ -6767,7 +6613,7 @@
                                       <p:cBhvr additive="base">
                                         <p:cTn id="21" dur="500"/>
                                         <p:tgtEl>
-                                          <p:spTgt spid="4"/>
+                                          <p:spTgt spid="7"/>
                                         </p:tgtEl>
                                         <p:attrNameLst>
                                           <p:attrName>ppt_x</p:attrName>
@@ -6790,7 +6636,7 @@
                                       <p:cBhvr additive="base">
                                         <p:cTn id="22" dur="500"/>
                                         <p:tgtEl>
-                                          <p:spTgt spid="4"/>
+                                          <p:spTgt spid="7"/>
                                         </p:tgtEl>
                                         <p:attrNameLst>
                                           <p:attrName>ppt_y</p:attrName>
@@ -6817,7 +6663,7 @@
                                           </p:stCondLst>
                                         </p:cTn>
                                         <p:tgtEl>
-                                          <p:spTgt spid="4"/>
+                                          <p:spTgt spid="7"/>
                                         </p:tgtEl>
                                         <p:attrNameLst>
                                           <p:attrName>style.visibility</p:attrName>
@@ -6934,21 +6780,39 @@
                                   </p:childTnLst>
                                 </p:cTn>
                               </p:par>
+                            </p:childTnLst>
+                          </p:cTn>
+                        </p:par>
+                      </p:childTnLst>
+                    </p:cTn>
+                  </p:par>
+                  <p:par>
+                    <p:cTn id="32" fill="hold">
+                      <p:stCondLst>
+                        <p:cond delay="indefinite"/>
+                      </p:stCondLst>
+                      <p:childTnLst>
+                        <p:par>
+                          <p:cTn id="33" fill="hold">
+                            <p:stCondLst>
+                              <p:cond delay="0"/>
+                            </p:stCondLst>
+                            <p:childTnLst>
                               <p:par>
-                                <p:cTn id="32" presetID="22" presetClass="entr" presetSubtype="4" fill="hold" nodeType="withEffect">
+                                <p:cTn id="34" presetID="22" presetClass="entr" presetSubtype="4" fill="hold" nodeType="clickEffect">
                                   <p:stCondLst>
                                     <p:cond delay="0"/>
                                   </p:stCondLst>
                                   <p:childTnLst>
                                     <p:set>
                                       <p:cBhvr>
-                                        <p:cTn id="33" dur="1" fill="hold">
+                                        <p:cTn id="35" dur="1" fill="hold">
                                           <p:stCondLst>
                                             <p:cond delay="0"/>
                                           </p:stCondLst>
                                         </p:cTn>
                                         <p:tgtEl>
-                                          <p:spTgt spid="6"/>
+                                          <p:spTgt spid="8"/>
                                         </p:tgtEl>
                                         <p:attrNameLst>
                                           <p:attrName>style.visibility</p:attrName>
@@ -6960,9 +6824,9 @@
                                     </p:set>
                                     <p:animEffect transition="in" filter="wipe(down)">
                                       <p:cBhvr>
-                                        <p:cTn id="34" dur="500"/>
+                                        <p:cTn id="36" dur="500"/>
                                         <p:tgtEl>
-                                          <p:spTgt spid="6"/>
+                                          <p:spTgt spid="8"/>
                                         </p:tgtEl>
                                       </p:cBhvr>
                                     </p:animEffect>
@@ -6976,26 +6840,26 @@
                     </p:cTn>
                   </p:par>
                   <p:par>
-                    <p:cTn id="35" fill="hold">
+                    <p:cTn id="37" fill="hold">
                       <p:stCondLst>
                         <p:cond delay="indefinite"/>
                       </p:stCondLst>
                       <p:childTnLst>
                         <p:par>
-                          <p:cTn id="36" fill="hold">
+                          <p:cTn id="38" fill="hold">
                             <p:stCondLst>
                               <p:cond delay="0"/>
                             </p:stCondLst>
                             <p:childTnLst>
                               <p:par>
-                                <p:cTn id="37" presetID="22" presetClass="entr" presetSubtype="4" fill="hold" nodeType="clickEffect">
+                                <p:cTn id="39" presetID="22" presetClass="entr" presetSubtype="4" fill="hold" nodeType="clickEffect">
                                   <p:stCondLst>
                                     <p:cond delay="0"/>
                                   </p:stCondLst>
                                   <p:childTnLst>
                                     <p:set>
                                       <p:cBhvr>
-                                        <p:cTn id="38" dur="1" fill="hold">
+                                        <p:cTn id="40" dur="1" fill="hold">
                                           <p:stCondLst>
                                             <p:cond delay="0"/>
                                           </p:stCondLst>
@@ -7017,7 +6881,7 @@
                                     </p:set>
                                     <p:animEffect transition="in" filter="wipe(down)">
                                       <p:cBhvr>
-                                        <p:cTn id="39" dur="500"/>
+                                        <p:cTn id="41" dur="500"/>
                                         <p:tgtEl>
                                           <p:spTgt spid="3">
                                             <p:txEl>
@@ -7037,26 +6901,26 @@
                     </p:cTn>
                   </p:par>
                   <p:par>
-                    <p:cTn id="40" fill="hold">
+                    <p:cTn id="42" fill="hold">
                       <p:stCondLst>
                         <p:cond delay="indefinite"/>
                       </p:stCondLst>
                       <p:childTnLst>
                         <p:par>
-                          <p:cTn id="41" fill="hold">
+                          <p:cTn id="43" fill="hold">
                             <p:stCondLst>
                               <p:cond delay="0"/>
                             </p:stCondLst>
                             <p:childTnLst>
                               <p:par>
-                                <p:cTn id="42" presetID="22" presetClass="entr" presetSubtype="4" fill="hold" nodeType="clickEffect">
+                                <p:cTn id="44" presetID="22" presetClass="entr" presetSubtype="4" fill="hold" nodeType="clickEffect">
                                   <p:stCondLst>
                                     <p:cond delay="0"/>
                                   </p:stCondLst>
                                   <p:childTnLst>
                                     <p:set>
                                       <p:cBhvr>
-                                        <p:cTn id="43" dur="1" fill="hold">
+                                        <p:cTn id="45" dur="1" fill="hold">
                                           <p:stCondLst>
                                             <p:cond delay="0"/>
                                           </p:stCondLst>
@@ -7074,7 +6938,7 @@
                                     </p:set>
                                     <p:animEffect transition="in" filter="wipe(down)">
                                       <p:cBhvr>
-                                        <p:cTn id="44" dur="500"/>
+                                        <p:cTn id="46" dur="500"/>
                                         <p:tgtEl>
                                           <p:spTgt spid="5"/>
                                         </p:tgtEl>
@@ -7090,26 +6954,26 @@
                     </p:cTn>
                   </p:par>
                   <p:par>
-                    <p:cTn id="45" fill="hold">
+                    <p:cTn id="47" fill="hold">
                       <p:stCondLst>
                         <p:cond delay="indefinite"/>
                       </p:stCondLst>
                       <p:childTnLst>
                         <p:par>
-                          <p:cTn id="46" fill="hold">
+                          <p:cTn id="48" fill="hold">
                             <p:stCondLst>
                               <p:cond delay="0"/>
                             </p:stCondLst>
                             <p:childTnLst>
                               <p:par>
-                                <p:cTn id="47" presetID="22" presetClass="entr" presetSubtype="4" fill="hold" nodeType="clickEffect">
+                                <p:cTn id="49" presetID="22" presetClass="entr" presetSubtype="4" fill="hold" nodeType="clickEffect">
                                   <p:stCondLst>
                                     <p:cond delay="0"/>
                                   </p:stCondLst>
                                   <p:childTnLst>
                                     <p:set>
                                       <p:cBhvr>
-                                        <p:cTn id="48" dur="1" fill="hold">
+                                        <p:cTn id="50" dur="1" fill="hold">
                                           <p:stCondLst>
                                             <p:cond delay="0"/>
                                           </p:stCondLst>
@@ -7131,7 +6995,7 @@
                                     </p:set>
                                     <p:animEffect transition="in" filter="wipe(down)">
                                       <p:cBhvr>
-                                        <p:cTn id="49" dur="500"/>
+                                        <p:cTn id="51" dur="500"/>
                                         <p:tgtEl>
                                           <p:spTgt spid="3">
                                             <p:txEl>
@@ -7175,7 +7039,7 @@
 </p:sld>
 </file>
 
-<file path=ppt/slides/slide15.xml><?xml version="1.0" encoding="utf-8"?>
+<file path=ppt/slides/slide13.xml><?xml version="1.0" encoding="utf-8"?>
 <p:sld xmlns:a="http://schemas.openxmlformats.org/drawingml/2006/main" xmlns:r="http://schemas.openxmlformats.org/officeDocument/2006/relationships" xmlns:p="http://schemas.openxmlformats.org/presentationml/2006/main">
   <p:cSld>
     <p:spTree>
@@ -7416,7 +7280,7 @@
 </p:sld>
 </file>
 
-<file path=ppt/slides/slide16.xml><?xml version="1.0" encoding="utf-8"?>
+<file path=ppt/slides/slide14.xml><?xml version="1.0" encoding="utf-8"?>
 <p:sld xmlns:a="http://schemas.openxmlformats.org/drawingml/2006/main" xmlns:r="http://schemas.openxmlformats.org/officeDocument/2006/relationships" xmlns:p="http://schemas.openxmlformats.org/presentationml/2006/main">
   <p:cSld>
     <p:spTree>
@@ -7474,7 +7338,7 @@
 </p:sld>
 </file>
 
-<file path=ppt/slides/slide17.xml><?xml version="1.0" encoding="utf-8"?>
+<file path=ppt/slides/slide15.xml><?xml version="1.0" encoding="utf-8"?>
 <p:sld xmlns:a="http://schemas.openxmlformats.org/drawingml/2006/main" xmlns:r="http://schemas.openxmlformats.org/officeDocument/2006/relationships" xmlns:p="http://schemas.openxmlformats.org/presentationml/2006/main">
   <p:cSld>
     <p:spTree>
@@ -7565,7 +7429,7 @@
 </p:sld>
 </file>
 
-<file path=ppt/slides/slide18.xml><?xml version="1.0" encoding="utf-8"?>
+<file path=ppt/slides/slide16.xml><?xml version="1.0" encoding="utf-8"?>
 <p:sld xmlns:a="http://schemas.openxmlformats.org/drawingml/2006/main" xmlns:r="http://schemas.openxmlformats.org/officeDocument/2006/relationships" xmlns:p="http://schemas.openxmlformats.org/presentationml/2006/main">
   <p:cSld>
     <p:spTree>
@@ -7652,7 +7516,7 @@
 </p:sld>
 </file>
 
-<file path=ppt/slides/slide19.xml><?xml version="1.0" encoding="utf-8"?>
+<file path=ppt/slides/slide17.xml><?xml version="1.0" encoding="utf-8"?>
 <p:sld xmlns:a="http://schemas.openxmlformats.org/drawingml/2006/main" xmlns:r="http://schemas.openxmlformats.org/officeDocument/2006/relationships" xmlns:p="http://schemas.openxmlformats.org/presentationml/2006/main">
   <p:cSld>
     <p:spTree>
@@ -7739,174 +7603,7 @@
 </p:sld>
 </file>
 
-<file path=ppt/slides/slide2.xml><?xml version="1.0" encoding="utf-8"?>
-<p:sld xmlns:a="http://schemas.openxmlformats.org/drawingml/2006/main" xmlns:r="http://schemas.openxmlformats.org/officeDocument/2006/relationships" xmlns:p="http://schemas.openxmlformats.org/presentationml/2006/main" show="0">
-  <p:cSld>
-    <p:spTree>
-      <p:nvGrpSpPr>
-        <p:cNvPr id="1" name=""/>
-        <p:cNvGrpSpPr/>
-        <p:nvPr/>
-      </p:nvGrpSpPr>
-      <p:grpSpPr>
-        <a:xfrm>
-          <a:off x="0" y="0"/>
-          <a:ext cx="0" cy="0"/>
-          <a:chOff x="0" y="0"/>
-          <a:chExt cx="0" cy="0"/>
-        </a:xfrm>
-      </p:grpSpPr>
-      <p:sp>
-        <p:nvSpPr>
-          <p:cNvPr id="2" name="Titel 1"/>
-          <p:cNvSpPr>
-            <a:spLocks noGrp="1"/>
-          </p:cNvSpPr>
-          <p:nvPr>
-            <p:ph type="title"/>
-          </p:nvPr>
-        </p:nvSpPr>
-        <p:spPr/>
-        <p:txBody>
-          <a:bodyPr>
-            <a:normAutofit/>
-          </a:bodyPr>
-          <a:lstStyle/>
-          <a:p>
-            <a:r>
-              <a:rPr lang="nl-NL" dirty="0" err="1" smtClean="0"/>
-              <a:t>Outline</a:t>
-            </a:r>
-            <a:endParaRPr lang="nl-NL" dirty="0"/>
-          </a:p>
-        </p:txBody>
-      </p:sp>
-      <p:sp>
-        <p:nvSpPr>
-          <p:cNvPr id="3" name="Tijdelijke aanduiding voor inhoud 2"/>
-          <p:cNvSpPr>
-            <a:spLocks noGrp="1"/>
-          </p:cNvSpPr>
-          <p:nvPr>
-            <p:ph sz="quarter" idx="1"/>
-          </p:nvPr>
-        </p:nvSpPr>
-        <p:spPr/>
-        <p:txBody>
-          <a:bodyPr/>
-          <a:lstStyle/>
-          <a:p>
-            <a:r>
-              <a:rPr lang="nl-NL" dirty="0" err="1" smtClean="0"/>
-              <a:t>Introduction</a:t>
-            </a:r>
-            <a:endParaRPr lang="nl-NL" dirty="0" smtClean="0"/>
-          </a:p>
-          <a:p>
-            <a:pPr lvl="1">
-              <a:buFont typeface="Courier New" pitchFamily="49" charset="0"/>
-              <a:buChar char="o"/>
-            </a:pPr>
-            <a:r>
-              <a:rPr lang="nl-NL" dirty="0" err="1" smtClean="0"/>
-              <a:t>What</a:t>
-            </a:r>
-            <a:r>
-              <a:rPr lang="nl-NL" dirty="0" smtClean="0"/>
-              <a:t> is a </a:t>
-            </a:r>
-            <a:r>
-              <a:rPr lang="nl-NL" dirty="0" err="1" smtClean="0"/>
-              <a:t>balanced</a:t>
-            </a:r>
-            <a:r>
-              <a:rPr lang="nl-NL" dirty="0" smtClean="0"/>
-              <a:t> </a:t>
-            </a:r>
-            <a:r>
-              <a:rPr lang="nl-NL" dirty="0" err="1" smtClean="0"/>
-              <a:t>network</a:t>
-            </a:r>
-            <a:endParaRPr lang="nl-NL" dirty="0" smtClean="0"/>
-          </a:p>
-          <a:p>
-            <a:pPr lvl="1">
-              <a:buFont typeface="Courier New" pitchFamily="49" charset="0"/>
-              <a:buChar char="o"/>
-            </a:pPr>
-            <a:r>
-              <a:rPr lang="nl-NL" dirty="0" err="1" smtClean="0"/>
-              <a:t>Previous</a:t>
-            </a:r>
-            <a:r>
-              <a:rPr lang="nl-NL" dirty="0" smtClean="0"/>
-              <a:t> studies</a:t>
-            </a:r>
-          </a:p>
-          <a:p>
-            <a:r>
-              <a:rPr lang="nl-NL" dirty="0" err="1" smtClean="0"/>
-              <a:t>Methods</a:t>
-            </a:r>
-            <a:endParaRPr lang="nl-NL" dirty="0" smtClean="0"/>
-          </a:p>
-          <a:p>
-            <a:pPr lvl="1">
-              <a:buFont typeface="Courier New" pitchFamily="49" charset="0"/>
-              <a:buChar char="o"/>
-            </a:pPr>
-            <a:r>
-              <a:rPr lang="en-US" dirty="0" smtClean="0"/>
-              <a:t>Implementation</a:t>
-            </a:r>
-            <a:r>
-              <a:rPr lang="nl-NL" dirty="0" smtClean="0"/>
-              <a:t> </a:t>
-            </a:r>
-          </a:p>
-          <a:p>
-            <a:pPr lvl="1">
-              <a:buFont typeface="Courier New" pitchFamily="49" charset="0"/>
-              <a:buChar char="o"/>
-            </a:pPr>
-            <a:r>
-              <a:rPr lang="en-US" dirty="0" smtClean="0"/>
-              <a:t>Analysis</a:t>
-            </a:r>
-          </a:p>
-          <a:p>
-            <a:r>
-              <a:rPr lang="nl-NL" dirty="0" err="1" smtClean="0"/>
-              <a:t>Results</a:t>
-            </a:r>
-            <a:endParaRPr lang="nl-NL" dirty="0" smtClean="0"/>
-          </a:p>
-          <a:p>
-            <a:r>
-              <a:rPr lang="nl-NL" dirty="0" err="1" smtClean="0"/>
-              <a:t>Discussion</a:t>
-            </a:r>
-            <a:endParaRPr lang="nl-NL" dirty="0" smtClean="0"/>
-          </a:p>
-        </p:txBody>
-      </p:sp>
-    </p:spTree>
-  </p:cSld>
-  <p:clrMapOvr>
-    <a:masterClrMapping/>
-  </p:clrMapOvr>
-  <p:transition/>
-  <p:timing>
-    <p:tnLst>
-      <p:par>
-        <p:cTn id="1" dur="indefinite" restart="never" nodeType="tmRoot"/>
-      </p:par>
-    </p:tnLst>
-  </p:timing>
-</p:sld>
-</file>
-
-<file path=ppt/slides/slide20.xml><?xml version="1.0" encoding="utf-8"?>
+<file path=ppt/slides/slide18.xml><?xml version="1.0" encoding="utf-8"?>
 <p:sld xmlns:a="http://schemas.openxmlformats.org/drawingml/2006/main" xmlns:r="http://schemas.openxmlformats.org/officeDocument/2006/relationships" xmlns:p="http://schemas.openxmlformats.org/presentationml/2006/main">
   <p:cSld>
     <p:spTree>
@@ -7985,7 +7682,7 @@
 </p:sld>
 </file>
 
-<file path=ppt/slides/slide21.xml><?xml version="1.0" encoding="utf-8"?>
+<file path=ppt/slides/slide19.xml><?xml version="1.0" encoding="utf-8"?>
 <p:sld xmlns:a="http://schemas.openxmlformats.org/drawingml/2006/main" xmlns:r="http://schemas.openxmlformats.org/officeDocument/2006/relationships" xmlns:p="http://schemas.openxmlformats.org/presentationml/2006/main">
   <p:cSld>
     <p:spTree>
@@ -8064,7 +7761,174 @@
 </p:sld>
 </file>
 
-<file path=ppt/slides/slide22.xml><?xml version="1.0" encoding="utf-8"?>
+<file path=ppt/slides/slide2.xml><?xml version="1.0" encoding="utf-8"?>
+<p:sld xmlns:a="http://schemas.openxmlformats.org/drawingml/2006/main" xmlns:r="http://schemas.openxmlformats.org/officeDocument/2006/relationships" xmlns:p="http://schemas.openxmlformats.org/presentationml/2006/main" show="0">
+  <p:cSld>
+    <p:spTree>
+      <p:nvGrpSpPr>
+        <p:cNvPr id="1" name=""/>
+        <p:cNvGrpSpPr/>
+        <p:nvPr/>
+      </p:nvGrpSpPr>
+      <p:grpSpPr>
+        <a:xfrm>
+          <a:off x="0" y="0"/>
+          <a:ext cx="0" cy="0"/>
+          <a:chOff x="0" y="0"/>
+          <a:chExt cx="0" cy="0"/>
+        </a:xfrm>
+      </p:grpSpPr>
+      <p:sp>
+        <p:nvSpPr>
+          <p:cNvPr id="2" name="Titel 1"/>
+          <p:cNvSpPr>
+            <a:spLocks noGrp="1"/>
+          </p:cNvSpPr>
+          <p:nvPr>
+            <p:ph type="title"/>
+          </p:nvPr>
+        </p:nvSpPr>
+        <p:spPr/>
+        <p:txBody>
+          <a:bodyPr>
+            <a:normAutofit/>
+          </a:bodyPr>
+          <a:lstStyle/>
+          <a:p>
+            <a:r>
+              <a:rPr lang="nl-NL" dirty="0" err="1" smtClean="0"/>
+              <a:t>Outline</a:t>
+            </a:r>
+            <a:endParaRPr lang="nl-NL" dirty="0"/>
+          </a:p>
+        </p:txBody>
+      </p:sp>
+      <p:sp>
+        <p:nvSpPr>
+          <p:cNvPr id="3" name="Tijdelijke aanduiding voor inhoud 2"/>
+          <p:cNvSpPr>
+            <a:spLocks noGrp="1"/>
+          </p:cNvSpPr>
+          <p:nvPr>
+            <p:ph sz="quarter" idx="1"/>
+          </p:nvPr>
+        </p:nvSpPr>
+        <p:spPr/>
+        <p:txBody>
+          <a:bodyPr/>
+          <a:lstStyle/>
+          <a:p>
+            <a:r>
+              <a:rPr lang="nl-NL" dirty="0" err="1" smtClean="0"/>
+              <a:t>Introduction</a:t>
+            </a:r>
+            <a:endParaRPr lang="nl-NL" dirty="0" smtClean="0"/>
+          </a:p>
+          <a:p>
+            <a:pPr lvl="1">
+              <a:buFont typeface="Courier New" pitchFamily="49" charset="0"/>
+              <a:buChar char="o"/>
+            </a:pPr>
+            <a:r>
+              <a:rPr lang="nl-NL" dirty="0" err="1" smtClean="0"/>
+              <a:t>What</a:t>
+            </a:r>
+            <a:r>
+              <a:rPr lang="nl-NL" dirty="0" smtClean="0"/>
+              <a:t> is a </a:t>
+            </a:r>
+            <a:r>
+              <a:rPr lang="nl-NL" dirty="0" err="1" smtClean="0"/>
+              <a:t>balanced</a:t>
+            </a:r>
+            <a:r>
+              <a:rPr lang="nl-NL" dirty="0" smtClean="0"/>
+              <a:t> </a:t>
+            </a:r>
+            <a:r>
+              <a:rPr lang="nl-NL" dirty="0" err="1" smtClean="0"/>
+              <a:t>network</a:t>
+            </a:r>
+            <a:endParaRPr lang="nl-NL" dirty="0" smtClean="0"/>
+          </a:p>
+          <a:p>
+            <a:pPr lvl="1">
+              <a:buFont typeface="Courier New" pitchFamily="49" charset="0"/>
+              <a:buChar char="o"/>
+            </a:pPr>
+            <a:r>
+              <a:rPr lang="nl-NL" dirty="0" err="1" smtClean="0"/>
+              <a:t>Previous</a:t>
+            </a:r>
+            <a:r>
+              <a:rPr lang="nl-NL" dirty="0" smtClean="0"/>
+              <a:t> studies</a:t>
+            </a:r>
+          </a:p>
+          <a:p>
+            <a:r>
+              <a:rPr lang="nl-NL" dirty="0" err="1" smtClean="0"/>
+              <a:t>Methods</a:t>
+            </a:r>
+            <a:endParaRPr lang="nl-NL" dirty="0" smtClean="0"/>
+          </a:p>
+          <a:p>
+            <a:pPr lvl="1">
+              <a:buFont typeface="Courier New" pitchFamily="49" charset="0"/>
+              <a:buChar char="o"/>
+            </a:pPr>
+            <a:r>
+              <a:rPr lang="en-US" dirty="0" smtClean="0"/>
+              <a:t>Implementation</a:t>
+            </a:r>
+            <a:r>
+              <a:rPr lang="nl-NL" dirty="0" smtClean="0"/>
+              <a:t> </a:t>
+            </a:r>
+          </a:p>
+          <a:p>
+            <a:pPr lvl="1">
+              <a:buFont typeface="Courier New" pitchFamily="49" charset="0"/>
+              <a:buChar char="o"/>
+            </a:pPr>
+            <a:r>
+              <a:rPr lang="en-US" dirty="0" smtClean="0"/>
+              <a:t>Analysis</a:t>
+            </a:r>
+          </a:p>
+          <a:p>
+            <a:r>
+              <a:rPr lang="nl-NL" dirty="0" err="1" smtClean="0"/>
+              <a:t>Results</a:t>
+            </a:r>
+            <a:endParaRPr lang="nl-NL" dirty="0" smtClean="0"/>
+          </a:p>
+          <a:p>
+            <a:r>
+              <a:rPr lang="nl-NL" dirty="0" err="1" smtClean="0"/>
+              <a:t>Discussion</a:t>
+            </a:r>
+            <a:endParaRPr lang="nl-NL" dirty="0" smtClean="0"/>
+          </a:p>
+        </p:txBody>
+      </p:sp>
+    </p:spTree>
+  </p:cSld>
+  <p:clrMapOvr>
+    <a:masterClrMapping/>
+  </p:clrMapOvr>
+  <p:transition/>
+  <p:timing>
+    <p:tnLst>
+      <p:par>
+        <p:cTn id="1" dur="indefinite" restart="never" nodeType="tmRoot"/>
+      </p:par>
+    </p:tnLst>
+  </p:timing>
+</p:sld>
+</file>
+
+<file path=ppt/slides/slide20.xml><?xml version="1.0" encoding="utf-8"?>
 <p:sld xmlns:a="http://schemas.openxmlformats.org/drawingml/2006/main" xmlns:r="http://schemas.openxmlformats.org/officeDocument/2006/relationships" xmlns:p="http://schemas.openxmlformats.org/presentationml/2006/main">
   <p:cSld>
     <p:spTree>
@@ -8155,7 +8019,7 @@
 </p:sld>
 </file>
 
-<file path=ppt/slides/slide23.xml><?xml version="1.0" encoding="utf-8"?>
+<file path=ppt/slides/slide21.xml><?xml version="1.0" encoding="utf-8"?>
 <p:sld xmlns:a="http://schemas.openxmlformats.org/drawingml/2006/main" xmlns:r="http://schemas.openxmlformats.org/officeDocument/2006/relationships" xmlns:p="http://schemas.openxmlformats.org/presentationml/2006/main" show="0">
   <p:cSld>
     <p:spTree>
@@ -8203,6 +8067,510 @@
     <a:masterClrMapping/>
   </p:clrMapOvr>
   <p:transition/>
+  <p:timing>
+    <p:tnLst>
+      <p:par>
+        <p:cTn id="1" dur="indefinite" restart="never" nodeType="tmRoot"/>
+      </p:par>
+    </p:tnLst>
+  </p:timing>
+</p:sld>
+</file>
+
+<file path=ppt/slides/slide22.xml><?xml version="1.0" encoding="utf-8"?>
+<p:sld xmlns:a="http://schemas.openxmlformats.org/drawingml/2006/main" xmlns:r="http://schemas.openxmlformats.org/officeDocument/2006/relationships" xmlns:p="http://schemas.openxmlformats.org/presentationml/2006/main">
+  <p:cSld>
+    <p:spTree>
+      <p:nvGrpSpPr>
+        <p:cNvPr id="1" name=""/>
+        <p:cNvGrpSpPr/>
+        <p:nvPr/>
+      </p:nvGrpSpPr>
+      <p:grpSpPr>
+        <a:xfrm>
+          <a:off x="0" y="0"/>
+          <a:ext cx="0" cy="0"/>
+          <a:chOff x="0" y="0"/>
+          <a:chExt cx="0" cy="0"/>
+        </a:xfrm>
+      </p:grpSpPr>
+      <p:sp>
+        <p:nvSpPr>
+          <p:cNvPr id="4" name="Titel 3"/>
+          <p:cNvSpPr>
+            <a:spLocks noGrp="1"/>
+          </p:cNvSpPr>
+          <p:nvPr>
+            <p:ph type="title"/>
+          </p:nvPr>
+        </p:nvSpPr>
+        <p:spPr/>
+        <p:txBody>
+          <a:bodyPr/>
+          <a:lstStyle/>
+          <a:p>
+            <a:r>
+              <a:rPr lang="nl-NL" dirty="0" err="1" smtClean="0"/>
+              <a:t>Conclusion</a:t>
+            </a:r>
+            <a:endParaRPr lang="nl-NL" dirty="0"/>
+          </a:p>
+        </p:txBody>
+      </p:sp>
+      <p:sp>
+        <p:nvSpPr>
+          <p:cNvPr id="5" name="Tijdelijke aanduiding voor inhoud 4"/>
+          <p:cNvSpPr>
+            <a:spLocks noGrp="1"/>
+          </p:cNvSpPr>
+          <p:nvPr>
+            <p:ph sz="quarter" idx="1"/>
+          </p:nvPr>
+        </p:nvSpPr>
+        <p:spPr/>
+        <p:txBody>
+          <a:bodyPr/>
+          <a:lstStyle/>
+          <a:p>
+            <a:r>
+              <a:rPr lang="nl-NL" sz="2800" dirty="0" smtClean="0"/>
+              <a:t>The </a:t>
+            </a:r>
+            <a:r>
+              <a:rPr lang="nl-NL" sz="2800" dirty="0" err="1" smtClean="0"/>
+              <a:t>network</a:t>
+            </a:r>
+            <a:r>
+              <a:rPr lang="nl-NL" sz="2800" dirty="0" smtClean="0"/>
+              <a:t> model </a:t>
+            </a:r>
+            <a:r>
+              <a:rPr lang="nl-NL" sz="2800" dirty="0" err="1" smtClean="0"/>
+              <a:t>with</a:t>
+            </a:r>
+            <a:r>
+              <a:rPr lang="nl-NL" sz="2800" dirty="0" smtClean="0"/>
+              <a:t> more </a:t>
+            </a:r>
+            <a:r>
+              <a:rPr lang="nl-NL" sz="2800" dirty="0" err="1" smtClean="0"/>
+              <a:t>biologically</a:t>
+            </a:r>
+            <a:r>
+              <a:rPr lang="nl-NL" sz="2800" dirty="0" smtClean="0"/>
+              <a:t> </a:t>
+            </a:r>
+            <a:r>
+              <a:rPr lang="nl-NL" sz="2800" dirty="0" err="1" smtClean="0"/>
+              <a:t>realistic</a:t>
+            </a:r>
+            <a:r>
+              <a:rPr lang="nl-NL" sz="2800" dirty="0" smtClean="0"/>
+              <a:t> </a:t>
+            </a:r>
+            <a:r>
+              <a:rPr lang="nl-NL" sz="2800" dirty="0" err="1" smtClean="0"/>
+              <a:t>synapses</a:t>
+            </a:r>
+            <a:r>
+              <a:rPr lang="nl-NL" sz="2800" dirty="0" smtClean="0"/>
+              <a:t> </a:t>
+            </a:r>
+            <a:r>
+              <a:rPr lang="nl-NL" sz="2800" dirty="0" err="1" smtClean="0"/>
+              <a:t>can</a:t>
+            </a:r>
+            <a:r>
+              <a:rPr lang="nl-NL" sz="2800" dirty="0" smtClean="0"/>
+              <a:t> </a:t>
+            </a:r>
+            <a:r>
+              <a:rPr lang="nl-NL" sz="2800" dirty="0" err="1" smtClean="0"/>
+              <a:t>reach</a:t>
+            </a:r>
+            <a:r>
+              <a:rPr lang="nl-NL" sz="2800" dirty="0" smtClean="0"/>
+              <a:t> different </a:t>
+            </a:r>
+            <a:r>
+              <a:rPr lang="nl-NL" sz="2800" dirty="0" err="1" smtClean="0"/>
+              <a:t>balanced</a:t>
+            </a:r>
+            <a:r>
+              <a:rPr lang="nl-NL" sz="2800" dirty="0" smtClean="0"/>
+              <a:t> </a:t>
+            </a:r>
+            <a:r>
+              <a:rPr lang="nl-NL" sz="2800" dirty="0" err="1" smtClean="0"/>
+              <a:t>states</a:t>
+            </a:r>
+            <a:r>
+              <a:rPr lang="nl-NL" sz="2800" dirty="0" smtClean="0"/>
+              <a:t> </a:t>
+            </a:r>
+            <a:r>
+              <a:rPr lang="nl-NL" sz="2800" dirty="0" err="1" smtClean="0"/>
+              <a:t>with</a:t>
+            </a:r>
+            <a:r>
+              <a:rPr lang="nl-NL" sz="2800" dirty="0" smtClean="0"/>
+              <a:t> respect to </a:t>
+            </a:r>
+            <a:r>
+              <a:rPr lang="nl-NL" sz="2800" dirty="0" err="1" smtClean="0"/>
+              <a:t>Regularity</a:t>
+            </a:r>
+            <a:r>
+              <a:rPr lang="nl-NL" sz="2800" dirty="0" smtClean="0"/>
+              <a:t> and </a:t>
+            </a:r>
+            <a:r>
+              <a:rPr lang="nl-NL" sz="2800" dirty="0" err="1" smtClean="0"/>
+              <a:t>Synchrony</a:t>
+            </a:r>
+            <a:r>
+              <a:rPr lang="nl-NL" sz="2800" dirty="0" smtClean="0"/>
+              <a:t>, </a:t>
+            </a:r>
+            <a:r>
+              <a:rPr lang="nl-NL" sz="2800" dirty="0" err="1" smtClean="0"/>
+              <a:t>but</a:t>
+            </a:r>
+            <a:r>
+              <a:rPr lang="nl-NL" sz="2800" dirty="0" smtClean="0"/>
+              <a:t> the </a:t>
+            </a:r>
+            <a:r>
+              <a:rPr lang="nl-NL" sz="2800" dirty="0" err="1" smtClean="0"/>
+              <a:t>behavior</a:t>
+            </a:r>
+            <a:r>
+              <a:rPr lang="nl-NL" sz="2800" dirty="0" smtClean="0"/>
+              <a:t> </a:t>
+            </a:r>
+            <a:r>
+              <a:rPr lang="nl-NL" sz="2800" dirty="0" err="1" smtClean="0"/>
+              <a:t>differs</a:t>
+            </a:r>
+            <a:r>
+              <a:rPr lang="nl-NL" sz="2800" dirty="0" smtClean="0"/>
+              <a:t> </a:t>
+            </a:r>
+            <a:r>
+              <a:rPr lang="nl-NL" sz="2800" dirty="0" err="1" smtClean="0"/>
+              <a:t>from</a:t>
+            </a:r>
+            <a:r>
+              <a:rPr lang="nl-NL" sz="2800" dirty="0" smtClean="0"/>
+              <a:t> the </a:t>
+            </a:r>
+            <a:r>
+              <a:rPr lang="nl-NL" sz="2800" dirty="0" err="1" smtClean="0"/>
+              <a:t>simpler</a:t>
+            </a:r>
+            <a:r>
+              <a:rPr lang="nl-NL" sz="2800" dirty="0" smtClean="0"/>
+              <a:t> </a:t>
+            </a:r>
+            <a:r>
+              <a:rPr lang="nl-NL" sz="2800" dirty="0" err="1" smtClean="0"/>
+              <a:t>network</a:t>
+            </a:r>
+            <a:r>
+              <a:rPr lang="nl-NL" sz="2800" dirty="0" smtClean="0"/>
+              <a:t> model, as </a:t>
+            </a:r>
+            <a:r>
+              <a:rPr lang="nl-NL" sz="2800" dirty="0" err="1" smtClean="0"/>
+              <a:t>there</a:t>
+            </a:r>
+            <a:r>
+              <a:rPr lang="nl-NL" sz="2800" dirty="0" smtClean="0"/>
+              <a:t> is </a:t>
+            </a:r>
+            <a:r>
+              <a:rPr lang="nl-NL" sz="2800" dirty="0" err="1" smtClean="0"/>
+              <a:t>strong</a:t>
+            </a:r>
+            <a:r>
+              <a:rPr lang="nl-NL" sz="2800" dirty="0" smtClean="0"/>
+              <a:t> </a:t>
+            </a:r>
+            <a:r>
+              <a:rPr lang="nl-NL" sz="2800" dirty="0" err="1" smtClean="0"/>
+              <a:t>bursting</a:t>
+            </a:r>
+            <a:r>
+              <a:rPr lang="nl-NL" sz="2800" dirty="0" smtClean="0"/>
+              <a:t> </a:t>
+            </a:r>
+            <a:r>
+              <a:rPr lang="nl-NL" sz="2800" dirty="0" err="1" smtClean="0"/>
+              <a:t>behavior</a:t>
+            </a:r>
+            <a:r>
+              <a:rPr lang="nl-NL" sz="2800" dirty="0" smtClean="0"/>
+              <a:t>.</a:t>
+            </a:r>
+          </a:p>
+        </p:txBody>
+      </p:sp>
+    </p:spTree>
+  </p:cSld>
+  <p:clrMapOvr>
+    <a:masterClrMapping/>
+  </p:clrMapOvr>
+  <p:timing>
+    <p:tnLst>
+      <p:par>
+        <p:cTn id="1" dur="indefinite" restart="never" nodeType="tmRoot"/>
+      </p:par>
+    </p:tnLst>
+  </p:timing>
+</p:sld>
+</file>
+
+<file path=ppt/slides/slide23.xml><?xml version="1.0" encoding="utf-8"?>
+<p:sld xmlns:a="http://schemas.openxmlformats.org/drawingml/2006/main" xmlns:r="http://schemas.openxmlformats.org/officeDocument/2006/relationships" xmlns:p="http://schemas.openxmlformats.org/presentationml/2006/main">
+  <p:cSld>
+    <p:spTree>
+      <p:nvGrpSpPr>
+        <p:cNvPr id="1" name=""/>
+        <p:cNvGrpSpPr/>
+        <p:nvPr/>
+      </p:nvGrpSpPr>
+      <p:grpSpPr>
+        <a:xfrm>
+          <a:off x="0" y="0"/>
+          <a:ext cx="0" cy="0"/>
+          <a:chOff x="0" y="0"/>
+          <a:chExt cx="0" cy="0"/>
+        </a:xfrm>
+      </p:grpSpPr>
+      <p:sp>
+        <p:nvSpPr>
+          <p:cNvPr id="2" name="Titel 1"/>
+          <p:cNvSpPr>
+            <a:spLocks noGrp="1"/>
+          </p:cNvSpPr>
+          <p:nvPr>
+            <p:ph type="title"/>
+          </p:nvPr>
+        </p:nvSpPr>
+        <p:spPr/>
+        <p:txBody>
+          <a:bodyPr/>
+          <a:lstStyle/>
+          <a:p>
+            <a:r>
+              <a:rPr lang="nl-NL" dirty="0" err="1" smtClean="0"/>
+              <a:t>Possible</a:t>
+            </a:r>
+            <a:r>
+              <a:rPr lang="nl-NL" dirty="0" smtClean="0"/>
+              <a:t> </a:t>
+            </a:r>
+            <a:r>
+              <a:rPr lang="nl-NL" dirty="0" err="1" smtClean="0"/>
+              <a:t>explanations</a:t>
+            </a:r>
+            <a:endParaRPr lang="nl-NL" dirty="0"/>
+          </a:p>
+        </p:txBody>
+      </p:sp>
+      <p:sp>
+        <p:nvSpPr>
+          <p:cNvPr id="3" name="Tijdelijke aanduiding voor inhoud 2"/>
+          <p:cNvSpPr>
+            <a:spLocks noGrp="1"/>
+          </p:cNvSpPr>
+          <p:nvPr>
+            <p:ph sz="quarter" idx="1"/>
+          </p:nvPr>
+        </p:nvSpPr>
+        <p:spPr/>
+        <p:txBody>
+          <a:bodyPr/>
+          <a:lstStyle/>
+          <a:p>
+            <a:r>
+              <a:rPr lang="nl-NL" dirty="0" smtClean="0"/>
+              <a:t>The more </a:t>
+            </a:r>
+            <a:r>
+              <a:rPr lang="nl-NL" dirty="0" err="1" smtClean="0"/>
+              <a:t>biologically</a:t>
+            </a:r>
+            <a:r>
+              <a:rPr lang="nl-NL" dirty="0" smtClean="0"/>
+              <a:t> </a:t>
+            </a:r>
+            <a:r>
+              <a:rPr lang="nl-NL" dirty="0" err="1" smtClean="0"/>
+              <a:t>realistic</a:t>
+            </a:r>
+            <a:r>
+              <a:rPr lang="nl-NL" dirty="0" smtClean="0"/>
+              <a:t> </a:t>
+            </a:r>
+            <a:r>
+              <a:rPr lang="nl-NL" dirty="0" err="1" smtClean="0"/>
+              <a:t>synapse</a:t>
+            </a:r>
+            <a:r>
+              <a:rPr lang="nl-NL" dirty="0" smtClean="0"/>
+              <a:t> model</a:t>
+            </a:r>
+          </a:p>
+          <a:p>
+            <a:pPr lvl="1">
+              <a:buFont typeface="Courier New" pitchFamily="49" charset="0"/>
+              <a:buChar char="o"/>
+            </a:pPr>
+            <a:r>
+              <a:rPr lang="nl-NL" dirty="0" err="1" smtClean="0"/>
+              <a:t>Decay</a:t>
+            </a:r>
+            <a:r>
+              <a:rPr lang="nl-NL" dirty="0" smtClean="0"/>
+              <a:t> </a:t>
+            </a:r>
+            <a:r>
+              <a:rPr lang="nl-NL" dirty="0" err="1" smtClean="0"/>
+              <a:t>keeps</a:t>
+            </a:r>
+            <a:r>
+              <a:rPr lang="nl-NL" dirty="0" smtClean="0"/>
+              <a:t> </a:t>
+            </a:r>
+            <a:r>
+              <a:rPr lang="nl-NL" dirty="0" err="1" smtClean="0"/>
+              <a:t>membrane</a:t>
+            </a:r>
+            <a:r>
+              <a:rPr lang="nl-NL" dirty="0" smtClean="0"/>
+              <a:t> </a:t>
+            </a:r>
+            <a:r>
+              <a:rPr lang="nl-NL" dirty="0" err="1" smtClean="0"/>
+              <a:t>potential</a:t>
+            </a:r>
+            <a:r>
+              <a:rPr lang="nl-NL" dirty="0" smtClean="0"/>
+              <a:t> to </a:t>
+            </a:r>
+            <a:r>
+              <a:rPr lang="nl-NL" dirty="0" err="1" smtClean="0"/>
+              <a:t>threshold</a:t>
+            </a:r>
+            <a:r>
+              <a:rPr lang="nl-NL" dirty="0" smtClean="0"/>
+              <a:t>: </a:t>
+            </a:r>
+            <a:r>
+              <a:rPr lang="nl-NL" dirty="0" err="1" smtClean="0"/>
+              <a:t>bursting</a:t>
+            </a:r>
+            <a:endParaRPr lang="nl-NL" dirty="0" smtClean="0"/>
+          </a:p>
+          <a:p>
+            <a:pPr lvl="1">
+              <a:buFont typeface="Courier New" pitchFamily="49" charset="0"/>
+              <a:buChar char="o"/>
+            </a:pPr>
+            <a:r>
+              <a:rPr lang="nl-NL" dirty="0" smtClean="0"/>
+              <a:t>Time constant of </a:t>
+            </a:r>
+            <a:r>
+              <a:rPr lang="nl-NL" dirty="0" err="1" smtClean="0"/>
+              <a:t>inhibitory</a:t>
+            </a:r>
+            <a:r>
+              <a:rPr lang="nl-NL" dirty="0" smtClean="0"/>
+              <a:t> </a:t>
+            </a:r>
+            <a:r>
+              <a:rPr lang="nl-NL" dirty="0" err="1" smtClean="0"/>
+              <a:t>synapse</a:t>
+            </a:r>
+            <a:r>
+              <a:rPr lang="nl-NL" dirty="0" smtClean="0"/>
+              <a:t> </a:t>
+            </a:r>
+            <a:r>
+              <a:rPr lang="nl-NL" dirty="0" err="1" smtClean="0"/>
+              <a:t>higher</a:t>
+            </a:r>
+            <a:endParaRPr lang="nl-NL" dirty="0" smtClean="0"/>
+          </a:p>
+          <a:p>
+            <a:r>
+              <a:rPr lang="nl-NL" dirty="0" err="1" smtClean="0"/>
+              <a:t>Synapse</a:t>
+            </a:r>
+            <a:r>
+              <a:rPr lang="nl-NL" dirty="0" smtClean="0"/>
+              <a:t> </a:t>
+            </a:r>
+            <a:r>
+              <a:rPr lang="nl-NL" dirty="0" err="1" smtClean="0"/>
+              <a:t>strengths</a:t>
+            </a:r>
+            <a:r>
+              <a:rPr lang="nl-NL" dirty="0" smtClean="0"/>
+              <a:t> </a:t>
+            </a:r>
+            <a:r>
+              <a:rPr lang="nl-NL" dirty="0" err="1" smtClean="0"/>
+              <a:t>distributed</a:t>
+            </a:r>
+            <a:endParaRPr lang="nl-NL" dirty="0" smtClean="0"/>
+          </a:p>
+          <a:p>
+            <a:pPr lvl="1">
+              <a:buFont typeface="Courier New" pitchFamily="49" charset="0"/>
+              <a:buChar char="o"/>
+            </a:pPr>
+            <a:r>
+              <a:rPr lang="nl-NL" dirty="0" err="1" smtClean="0"/>
+              <a:t>Transition</a:t>
+            </a:r>
+            <a:r>
+              <a:rPr lang="nl-NL" dirty="0" smtClean="0"/>
+              <a:t> State</a:t>
+            </a:r>
+          </a:p>
+          <a:p>
+            <a:r>
+              <a:rPr lang="nl-NL" dirty="0" err="1" smtClean="0"/>
+              <a:t>Scaling</a:t>
+            </a:r>
+            <a:r>
+              <a:rPr lang="nl-NL" dirty="0" smtClean="0"/>
+              <a:t> of </a:t>
+            </a:r>
+            <a:r>
+              <a:rPr lang="nl-NL" dirty="0" err="1" smtClean="0"/>
+              <a:t>network</a:t>
+            </a:r>
+            <a:r>
+              <a:rPr lang="nl-NL" dirty="0" smtClean="0"/>
+              <a:t> </a:t>
+            </a:r>
+            <a:r>
+              <a:rPr lang="nl-NL" dirty="0" err="1" smtClean="0"/>
+              <a:t>size</a:t>
+            </a:r>
+            <a:endParaRPr lang="nl-NL" dirty="0" smtClean="0"/>
+          </a:p>
+        </p:txBody>
+      </p:sp>
+    </p:spTree>
+  </p:cSld>
+  <p:clrMapOvr>
+    <a:masterClrMapping/>
+  </p:clrMapOvr>
   <p:timing>
     <p:tnLst>
       <p:par>
@@ -8232,7 +8600,7 @@
       </p:grpSpPr>
       <p:sp>
         <p:nvSpPr>
-          <p:cNvPr id="4" name="Titel 3"/>
+          <p:cNvPr id="2" name="Titel 1"/>
           <p:cNvSpPr>
             <a:spLocks noGrp="1"/>
           </p:cNvSpPr>
@@ -8247,7 +8615,11 @@
           <a:p>
             <a:r>
               <a:rPr lang="nl-NL" dirty="0" err="1" smtClean="0"/>
-              <a:t>Conclusion</a:t>
+              <a:t>Why</a:t>
+            </a:r>
+            <a:r>
+              <a:rPr lang="nl-NL" dirty="0" smtClean="0"/>
+              <a:t> relevant?</a:t>
             </a:r>
             <a:endParaRPr lang="nl-NL" dirty="0"/>
           </a:p>
@@ -8255,7 +8627,7 @@
       </p:sp>
       <p:sp>
         <p:nvSpPr>
-          <p:cNvPr id="5" name="Tijdelijke aanduiding voor inhoud 4"/>
+          <p:cNvPr id="3" name="Tijdelijke aanduiding voor inhoud 2"/>
           <p:cNvSpPr>
             <a:spLocks noGrp="1"/>
           </p:cNvSpPr>
@@ -8269,185 +8641,227 @@
           <a:lstStyle/>
           <a:p>
             <a:r>
-              <a:rPr lang="nl-NL" sz="2800" dirty="0" smtClean="0"/>
-              <a:t>The </a:t>
-            </a:r>
-            <a:r>
-              <a:rPr lang="nl-NL" sz="2800" dirty="0" err="1" smtClean="0"/>
-              <a:t>network</a:t>
-            </a:r>
-            <a:r>
-              <a:rPr lang="nl-NL" sz="2800" dirty="0" smtClean="0"/>
-              <a:t> model </a:t>
-            </a:r>
-            <a:r>
-              <a:rPr lang="nl-NL" sz="2800" dirty="0" err="1" smtClean="0"/>
+              <a:rPr lang="nl-NL" dirty="0" err="1" smtClean="0"/>
+              <a:t>Examine</a:t>
+            </a:r>
+            <a:r>
+              <a:rPr lang="nl-NL" dirty="0" smtClean="0"/>
+              <a:t> </a:t>
+            </a:r>
+            <a:r>
+              <a:rPr lang="nl-NL" dirty="0" err="1" smtClean="0"/>
+              <a:t>influence</a:t>
+            </a:r>
+            <a:r>
+              <a:rPr lang="nl-NL" dirty="0" smtClean="0"/>
+              <a:t> </a:t>
+            </a:r>
+            <a:r>
+              <a:rPr lang="nl-NL" dirty="0" err="1" smtClean="0"/>
+              <a:t>biologically</a:t>
+            </a:r>
+            <a:r>
+              <a:rPr lang="nl-NL" dirty="0" smtClean="0"/>
+              <a:t> </a:t>
+            </a:r>
+            <a:r>
+              <a:rPr lang="nl-NL" dirty="0" smtClean="0"/>
+              <a:t>relevant </a:t>
+            </a:r>
+            <a:r>
+              <a:rPr lang="nl-NL" dirty="0" err="1" smtClean="0"/>
+              <a:t>properties</a:t>
+            </a:r>
+            <a:endParaRPr lang="nl-NL" dirty="0" smtClean="0"/>
+          </a:p>
+          <a:p>
+            <a:pPr lvl="1">
+              <a:buFont typeface="Courier New" pitchFamily="49" charset="0"/>
+              <a:buChar char="o"/>
+            </a:pPr>
+            <a:r>
+              <a:rPr lang="nl-NL" dirty="0" err="1" smtClean="0"/>
+              <a:t>Synaptic</a:t>
+            </a:r>
+            <a:r>
+              <a:rPr lang="nl-NL" dirty="0" smtClean="0"/>
+              <a:t> </a:t>
+            </a:r>
+            <a:r>
+              <a:rPr lang="nl-NL" dirty="0" err="1" smtClean="0"/>
+              <a:t>strength</a:t>
+            </a:r>
+            <a:endParaRPr lang="nl-NL" dirty="0" smtClean="0"/>
+          </a:p>
+          <a:p>
+            <a:pPr lvl="1">
+              <a:buFont typeface="Courier New" pitchFamily="49" charset="0"/>
+              <a:buChar char="o"/>
+            </a:pPr>
+            <a:r>
+              <a:rPr lang="nl-NL" dirty="0" err="1" smtClean="0"/>
+              <a:t>Connectivity</a:t>
+            </a:r>
+            <a:r>
+              <a:rPr lang="nl-NL" dirty="0" smtClean="0"/>
+              <a:t> of </a:t>
+            </a:r>
+            <a:r>
+              <a:rPr lang="nl-NL" dirty="0" err="1" smtClean="0"/>
+              <a:t>brain</a:t>
+            </a:r>
+            <a:r>
+              <a:rPr lang="nl-NL" dirty="0" smtClean="0"/>
+              <a:t> </a:t>
+            </a:r>
+            <a:r>
+              <a:rPr lang="nl-NL" dirty="0" err="1" smtClean="0"/>
+              <a:t>area</a:t>
+            </a:r>
+            <a:endParaRPr lang="nl-NL" dirty="0" smtClean="0"/>
+          </a:p>
+          <a:p>
+            <a:pPr lvl="1">
+              <a:buFont typeface="Courier New" pitchFamily="49" charset="0"/>
+              <a:buChar char="o"/>
+            </a:pPr>
+            <a:r>
+              <a:rPr lang="nl-NL" dirty="0" err="1" smtClean="0"/>
+              <a:t>Length</a:t>
+            </a:r>
+            <a:r>
+              <a:rPr lang="nl-NL" dirty="0" smtClean="0"/>
+              <a:t> of </a:t>
+            </a:r>
+            <a:r>
+              <a:rPr lang="nl-NL" dirty="0" err="1" smtClean="0"/>
+              <a:t>axons</a:t>
+            </a:r>
+            <a:r>
+              <a:rPr lang="nl-NL" dirty="0" smtClean="0"/>
+              <a:t>/ </a:t>
+            </a:r>
+            <a:r>
+              <a:rPr lang="nl-NL" dirty="0" err="1" smtClean="0"/>
+              <a:t>dendrites</a:t>
+            </a:r>
+            <a:r>
+              <a:rPr lang="nl-NL" dirty="0" smtClean="0"/>
+              <a:t> </a:t>
+            </a:r>
+          </a:p>
+          <a:p>
+            <a:r>
+              <a:rPr lang="nl-NL" dirty="0" err="1" smtClean="0"/>
+              <a:t>Especially</a:t>
+            </a:r>
+            <a:r>
+              <a:rPr lang="nl-NL" dirty="0" smtClean="0"/>
+              <a:t> </a:t>
+            </a:r>
+            <a:r>
+              <a:rPr lang="nl-NL" dirty="0" err="1" smtClean="0"/>
+              <a:t>on</a:t>
+            </a:r>
+            <a:r>
+              <a:rPr lang="nl-NL" dirty="0" smtClean="0"/>
+              <a:t> </a:t>
+            </a:r>
+            <a:r>
+              <a:rPr lang="nl-NL" dirty="0" err="1" smtClean="0"/>
+              <a:t>Asynchronous</a:t>
+            </a:r>
+            <a:r>
+              <a:rPr lang="nl-NL" dirty="0" smtClean="0"/>
+              <a:t> </a:t>
+            </a:r>
+            <a:r>
+              <a:rPr lang="nl-NL" dirty="0" err="1" smtClean="0"/>
+              <a:t>Irregular</a:t>
+            </a:r>
+            <a:r>
+              <a:rPr lang="nl-NL" dirty="0" smtClean="0"/>
+              <a:t> State</a:t>
+            </a:r>
+          </a:p>
+          <a:p>
+            <a:pPr lvl="1">
+              <a:buFont typeface="Courier New" pitchFamily="49" charset="0"/>
+              <a:buChar char="o"/>
+            </a:pPr>
+            <a:r>
+              <a:rPr lang="nl-NL" dirty="0" err="1" smtClean="0"/>
+              <a:t>Epilepsy</a:t>
+            </a:r>
+            <a:endParaRPr lang="nl-NL" dirty="0" smtClean="0"/>
+          </a:p>
+          <a:p>
+            <a:r>
+              <a:rPr lang="nl-NL" dirty="0" err="1" smtClean="0"/>
+              <a:t>Extend</a:t>
+            </a:r>
+            <a:r>
+              <a:rPr lang="nl-NL" dirty="0" smtClean="0"/>
+              <a:t> </a:t>
+            </a:r>
+            <a:r>
+              <a:rPr lang="nl-NL" dirty="0" err="1" smtClean="0"/>
               <a:t>with</a:t>
             </a:r>
             <a:r>
-              <a:rPr lang="nl-NL" sz="2800" dirty="0" smtClean="0"/>
+              <a:rPr lang="nl-NL" dirty="0" smtClean="0"/>
               <a:t> more </a:t>
             </a:r>
             <a:r>
-              <a:rPr lang="nl-NL" sz="2800" dirty="0" err="1" smtClean="0"/>
+              <a:rPr lang="nl-NL" dirty="0" err="1" smtClean="0"/>
               <a:t>biologically</a:t>
             </a:r>
             <a:r>
-              <a:rPr lang="nl-NL" sz="2800" dirty="0" smtClean="0"/>
+              <a:rPr lang="nl-NL" dirty="0" smtClean="0"/>
               <a:t> </a:t>
             </a:r>
             <a:r>
-              <a:rPr lang="nl-NL" sz="2800" dirty="0" err="1" smtClean="0"/>
+              <a:rPr lang="nl-NL" dirty="0" err="1" smtClean="0"/>
               <a:t>realistic</a:t>
             </a:r>
             <a:r>
-              <a:rPr lang="nl-NL" sz="2800" dirty="0" smtClean="0"/>
+              <a:rPr lang="nl-NL" dirty="0" smtClean="0"/>
               <a:t> </a:t>
             </a:r>
             <a:r>
-              <a:rPr lang="nl-NL" sz="2800" dirty="0" err="1" smtClean="0"/>
-              <a:t>synapses</a:t>
-            </a:r>
-            <a:r>
-              <a:rPr lang="nl-NL" sz="2800" dirty="0" smtClean="0"/>
+              <a:rPr lang="nl-NL" dirty="0" err="1" smtClean="0"/>
+              <a:t>components</a:t>
+            </a:r>
+            <a:endParaRPr lang="nl-NL" dirty="0" smtClean="0"/>
+          </a:p>
+          <a:p>
+            <a:pPr lvl="1">
+              <a:buFont typeface="Courier New" pitchFamily="49" charset="0"/>
+              <a:buChar char="o"/>
+            </a:pPr>
+            <a:r>
+              <a:rPr lang="nl-NL" dirty="0" err="1" smtClean="0"/>
+              <a:t>Increase</a:t>
+            </a:r>
+            <a:r>
+              <a:rPr lang="nl-NL" dirty="0" smtClean="0"/>
               <a:t> </a:t>
             </a:r>
             <a:r>
-              <a:rPr lang="nl-NL" sz="2800" dirty="0" err="1" smtClean="0"/>
-              <a:t>can</a:t>
-            </a:r>
-            <a:r>
-              <a:rPr lang="nl-NL" sz="2800" dirty="0" smtClean="0"/>
-              <a:t> </a:t>
-            </a:r>
-            <a:r>
-              <a:rPr lang="nl-NL" sz="2800" dirty="0" err="1" smtClean="0"/>
-              <a:t>reach</a:t>
-            </a:r>
-            <a:r>
-              <a:rPr lang="nl-NL" sz="2800" dirty="0" smtClean="0"/>
-              <a:t> different </a:t>
-            </a:r>
-            <a:r>
-              <a:rPr lang="nl-NL" sz="2800" dirty="0" err="1" smtClean="0"/>
-              <a:t>balanced</a:t>
-            </a:r>
-            <a:r>
-              <a:rPr lang="nl-NL" sz="2800" dirty="0" smtClean="0"/>
-              <a:t> </a:t>
-            </a:r>
-            <a:r>
-              <a:rPr lang="nl-NL" sz="2800" dirty="0" err="1" smtClean="0"/>
-              <a:t>states</a:t>
-            </a:r>
-            <a:r>
-              <a:rPr lang="nl-NL" sz="2800" dirty="0" smtClean="0"/>
-              <a:t> </a:t>
-            </a:r>
-            <a:r>
-              <a:rPr lang="nl-NL" sz="2800" dirty="0" err="1" smtClean="0"/>
-              <a:t>with</a:t>
-            </a:r>
-            <a:r>
-              <a:rPr lang="nl-NL" sz="2800" dirty="0" smtClean="0"/>
-              <a:t> respect to </a:t>
-            </a:r>
-            <a:r>
-              <a:rPr lang="nl-NL" sz="2800" dirty="0" err="1" smtClean="0"/>
-              <a:t>Regularity</a:t>
-            </a:r>
-            <a:r>
-              <a:rPr lang="nl-NL" sz="2800" dirty="0" smtClean="0"/>
-              <a:t> and </a:t>
-            </a:r>
-            <a:r>
-              <a:rPr lang="nl-NL" sz="2800" dirty="0" err="1" smtClean="0"/>
-              <a:t>Synchrony</a:t>
-            </a:r>
-            <a:r>
-              <a:rPr lang="nl-NL" sz="2800" dirty="0" smtClean="0"/>
-              <a:t>, </a:t>
-            </a:r>
-            <a:r>
-              <a:rPr lang="nl-NL" sz="2800" dirty="0" err="1" smtClean="0"/>
-              <a:t>but</a:t>
-            </a:r>
-            <a:r>
-              <a:rPr lang="nl-NL" sz="2800" dirty="0" smtClean="0"/>
-              <a:t> the </a:t>
-            </a:r>
-            <a:r>
-              <a:rPr lang="nl-NL" sz="2800" dirty="0" err="1" smtClean="0"/>
-              <a:t>behavior</a:t>
-            </a:r>
-            <a:r>
-              <a:rPr lang="nl-NL" sz="2800" dirty="0" smtClean="0"/>
-              <a:t> </a:t>
-            </a:r>
-            <a:r>
-              <a:rPr lang="nl-NL" sz="2800" dirty="0" err="1" smtClean="0"/>
-              <a:t>differs</a:t>
-            </a:r>
-            <a:r>
-              <a:rPr lang="nl-NL" sz="2800" dirty="0" smtClean="0"/>
-              <a:t> </a:t>
-            </a:r>
-            <a:r>
-              <a:rPr lang="nl-NL" sz="2800" dirty="0" err="1" smtClean="0"/>
-              <a:t>from</a:t>
-            </a:r>
-            <a:r>
-              <a:rPr lang="nl-NL" sz="2800" dirty="0" smtClean="0"/>
-              <a:t> the </a:t>
-            </a:r>
-            <a:r>
-              <a:rPr lang="nl-NL" sz="2800" dirty="0" err="1" smtClean="0"/>
-              <a:t>simpler</a:t>
-            </a:r>
-            <a:r>
-              <a:rPr lang="nl-NL" sz="2800" dirty="0" smtClean="0"/>
-              <a:t> </a:t>
-            </a:r>
-            <a:r>
-              <a:rPr lang="nl-NL" sz="2800" dirty="0" err="1" smtClean="0"/>
-              <a:t>network</a:t>
-            </a:r>
-            <a:r>
-              <a:rPr lang="nl-NL" sz="2800" dirty="0" smtClean="0"/>
-              <a:t> model, as </a:t>
-            </a:r>
-            <a:r>
-              <a:rPr lang="nl-NL" sz="2800" dirty="0" err="1" smtClean="0"/>
-              <a:t>there</a:t>
-            </a:r>
-            <a:r>
-              <a:rPr lang="nl-NL" sz="2800" dirty="0" smtClean="0"/>
-              <a:t> is </a:t>
-            </a:r>
-            <a:r>
-              <a:rPr lang="nl-NL" sz="2800" dirty="0" err="1" smtClean="0"/>
-              <a:t>strong</a:t>
-            </a:r>
-            <a:r>
-              <a:rPr lang="nl-NL" sz="2800" dirty="0" smtClean="0"/>
-              <a:t> </a:t>
-            </a:r>
-            <a:r>
-              <a:rPr lang="nl-NL" sz="2800" dirty="0" err="1" smtClean="0"/>
-              <a:t>bursting</a:t>
-            </a:r>
-            <a:r>
-              <a:rPr lang="nl-NL" sz="2800" dirty="0" smtClean="0"/>
-              <a:t> </a:t>
-            </a:r>
-            <a:r>
-              <a:rPr lang="nl-NL" sz="2800" dirty="0" err="1" smtClean="0"/>
-              <a:t>behavior</a:t>
-            </a:r>
-            <a:r>
-              <a:rPr lang="nl-NL" sz="2800" dirty="0" smtClean="0"/>
-              <a:t>.</a:t>
-            </a:r>
+              <a:rPr lang="nl-NL" dirty="0" err="1" smtClean="0"/>
+              <a:t>computational</a:t>
+            </a:r>
+            <a:r>
+              <a:rPr lang="nl-NL" dirty="0" smtClean="0"/>
+              <a:t> power</a:t>
+            </a:r>
+          </a:p>
+          <a:p>
+            <a:pPr lvl="1">
+              <a:buFont typeface="Courier New" pitchFamily="49" charset="0"/>
+              <a:buChar char="o"/>
+            </a:pPr>
+            <a:endParaRPr lang="nl-NL" dirty="0"/>
           </a:p>
         </p:txBody>
       </p:sp>
@@ -8467,560 +8881,6 @@
 </file>
 
 <file path=ppt/slides/slide25.xml><?xml version="1.0" encoding="utf-8"?>
-<p:sld xmlns:a="http://schemas.openxmlformats.org/drawingml/2006/main" xmlns:r="http://schemas.openxmlformats.org/officeDocument/2006/relationships" xmlns:p="http://schemas.openxmlformats.org/presentationml/2006/main">
-  <p:cSld>
-    <p:spTree>
-      <p:nvGrpSpPr>
-        <p:cNvPr id="1" name=""/>
-        <p:cNvGrpSpPr/>
-        <p:nvPr/>
-      </p:nvGrpSpPr>
-      <p:grpSpPr>
-        <a:xfrm>
-          <a:off x="0" y="0"/>
-          <a:ext cx="0" cy="0"/>
-          <a:chOff x="0" y="0"/>
-          <a:chExt cx="0" cy="0"/>
-        </a:xfrm>
-      </p:grpSpPr>
-      <p:sp>
-        <p:nvSpPr>
-          <p:cNvPr id="2" name="Titel 1"/>
-          <p:cNvSpPr>
-            <a:spLocks noGrp="1"/>
-          </p:cNvSpPr>
-          <p:nvPr>
-            <p:ph type="title"/>
-          </p:nvPr>
-        </p:nvSpPr>
-        <p:spPr/>
-        <p:txBody>
-          <a:bodyPr/>
-          <a:lstStyle/>
-          <a:p>
-            <a:r>
-              <a:rPr lang="nl-NL" dirty="0" err="1" smtClean="0"/>
-              <a:t>Possible</a:t>
-            </a:r>
-            <a:r>
-              <a:rPr lang="nl-NL" dirty="0" smtClean="0"/>
-              <a:t> </a:t>
-            </a:r>
-            <a:r>
-              <a:rPr lang="nl-NL" dirty="0" err="1" smtClean="0"/>
-              <a:t>explanations</a:t>
-            </a:r>
-            <a:endParaRPr lang="nl-NL" dirty="0"/>
-          </a:p>
-        </p:txBody>
-      </p:sp>
-      <p:sp>
-        <p:nvSpPr>
-          <p:cNvPr id="3" name="Tijdelijke aanduiding voor inhoud 2"/>
-          <p:cNvSpPr>
-            <a:spLocks noGrp="1"/>
-          </p:cNvSpPr>
-          <p:nvPr>
-            <p:ph sz="quarter" idx="1"/>
-          </p:nvPr>
-        </p:nvSpPr>
-        <p:spPr/>
-        <p:txBody>
-          <a:bodyPr/>
-          <a:lstStyle/>
-          <a:p>
-            <a:r>
-              <a:rPr lang="nl-NL" dirty="0" smtClean="0"/>
-              <a:t>The more </a:t>
-            </a:r>
-            <a:r>
-              <a:rPr lang="nl-NL" dirty="0" err="1" smtClean="0"/>
-              <a:t>biologically</a:t>
-            </a:r>
-            <a:r>
-              <a:rPr lang="nl-NL" dirty="0" smtClean="0"/>
-              <a:t> </a:t>
-            </a:r>
-            <a:r>
-              <a:rPr lang="nl-NL" dirty="0" err="1" smtClean="0"/>
-              <a:t>realistic</a:t>
-            </a:r>
-            <a:r>
-              <a:rPr lang="nl-NL" dirty="0" smtClean="0"/>
-              <a:t> </a:t>
-            </a:r>
-            <a:r>
-              <a:rPr lang="nl-NL" dirty="0" err="1" smtClean="0"/>
-              <a:t>synapse</a:t>
-            </a:r>
-            <a:r>
-              <a:rPr lang="nl-NL" dirty="0" smtClean="0"/>
-              <a:t> </a:t>
-            </a:r>
-            <a:r>
-              <a:rPr lang="nl-NL" dirty="0" smtClean="0"/>
-              <a:t>model</a:t>
-            </a:r>
-          </a:p>
-          <a:p>
-            <a:pPr lvl="1">
-              <a:buFont typeface="Courier New" pitchFamily="49" charset="0"/>
-              <a:buChar char="o"/>
-            </a:pPr>
-            <a:r>
-              <a:rPr lang="nl-NL" dirty="0" err="1" smtClean="0"/>
-              <a:t>Decay</a:t>
-            </a:r>
-            <a:r>
-              <a:rPr lang="nl-NL" dirty="0" smtClean="0"/>
-              <a:t> </a:t>
-            </a:r>
-            <a:r>
-              <a:rPr lang="nl-NL" dirty="0" err="1" smtClean="0"/>
-              <a:t>keeps</a:t>
-            </a:r>
-            <a:r>
-              <a:rPr lang="nl-NL" dirty="0" smtClean="0"/>
-              <a:t> </a:t>
-            </a:r>
-            <a:r>
-              <a:rPr lang="nl-NL" dirty="0" err="1" smtClean="0"/>
-              <a:t>membrane</a:t>
-            </a:r>
-            <a:r>
-              <a:rPr lang="nl-NL" dirty="0" smtClean="0"/>
-              <a:t> </a:t>
-            </a:r>
-            <a:r>
-              <a:rPr lang="nl-NL" dirty="0" err="1" smtClean="0"/>
-              <a:t>potential</a:t>
-            </a:r>
-            <a:r>
-              <a:rPr lang="nl-NL" dirty="0" smtClean="0"/>
-              <a:t> to </a:t>
-            </a:r>
-            <a:r>
-              <a:rPr lang="nl-NL" dirty="0" err="1" smtClean="0"/>
-              <a:t>threshold</a:t>
-            </a:r>
-            <a:r>
-              <a:rPr lang="nl-NL" dirty="0" smtClean="0"/>
-              <a:t>: </a:t>
-            </a:r>
-            <a:r>
-              <a:rPr lang="nl-NL" dirty="0" err="1" smtClean="0"/>
-              <a:t>bursting</a:t>
-            </a:r>
-            <a:endParaRPr lang="nl-NL" dirty="0" smtClean="0"/>
-          </a:p>
-          <a:p>
-            <a:pPr lvl="1">
-              <a:buFont typeface="Courier New" pitchFamily="49" charset="0"/>
-              <a:buChar char="o"/>
-            </a:pPr>
-            <a:r>
-              <a:rPr lang="nl-NL" dirty="0" smtClean="0"/>
-              <a:t>Time constant of </a:t>
-            </a:r>
-            <a:r>
-              <a:rPr lang="nl-NL" dirty="0" err="1" smtClean="0"/>
-              <a:t>inhibitory</a:t>
-            </a:r>
-            <a:r>
-              <a:rPr lang="nl-NL" dirty="0" smtClean="0"/>
-              <a:t> </a:t>
-            </a:r>
-            <a:r>
-              <a:rPr lang="nl-NL" dirty="0" err="1" smtClean="0"/>
-              <a:t>synapse</a:t>
-            </a:r>
-            <a:r>
-              <a:rPr lang="nl-NL" dirty="0" smtClean="0"/>
-              <a:t> </a:t>
-            </a:r>
-            <a:r>
-              <a:rPr lang="nl-NL" dirty="0" err="1" smtClean="0"/>
-              <a:t>higher</a:t>
-            </a:r>
-            <a:endParaRPr lang="nl-NL" dirty="0" smtClean="0"/>
-          </a:p>
-          <a:p>
-            <a:r>
-              <a:rPr lang="nl-NL" dirty="0" err="1" smtClean="0"/>
-              <a:t>Synapse</a:t>
-            </a:r>
-            <a:r>
-              <a:rPr lang="nl-NL" dirty="0" smtClean="0"/>
-              <a:t> </a:t>
-            </a:r>
-            <a:r>
-              <a:rPr lang="nl-NL" dirty="0" err="1" smtClean="0"/>
-              <a:t>strengths</a:t>
-            </a:r>
-            <a:r>
-              <a:rPr lang="nl-NL" dirty="0" smtClean="0"/>
-              <a:t> </a:t>
-            </a:r>
-            <a:r>
-              <a:rPr lang="nl-NL" dirty="0" err="1" smtClean="0"/>
-              <a:t>distributed</a:t>
-            </a:r>
-            <a:endParaRPr lang="nl-NL" dirty="0" smtClean="0"/>
-          </a:p>
-          <a:p>
-            <a:pPr lvl="1">
-              <a:buFont typeface="Courier New" pitchFamily="49" charset="0"/>
-              <a:buChar char="o"/>
-            </a:pPr>
-            <a:r>
-              <a:rPr lang="nl-NL" dirty="0" err="1" smtClean="0"/>
-              <a:t>Transition</a:t>
-            </a:r>
-            <a:r>
-              <a:rPr lang="nl-NL" dirty="0" smtClean="0"/>
-              <a:t> State</a:t>
-            </a:r>
-          </a:p>
-          <a:p>
-            <a:r>
-              <a:rPr lang="nl-NL" dirty="0" err="1" smtClean="0"/>
-              <a:t>Scaling</a:t>
-            </a:r>
-            <a:r>
-              <a:rPr lang="nl-NL" dirty="0" smtClean="0"/>
-              <a:t> of </a:t>
-            </a:r>
-            <a:r>
-              <a:rPr lang="nl-NL" dirty="0" err="1" smtClean="0"/>
-              <a:t>network</a:t>
-            </a:r>
-            <a:r>
-              <a:rPr lang="nl-NL" dirty="0" smtClean="0"/>
-              <a:t> </a:t>
-            </a:r>
-            <a:r>
-              <a:rPr lang="nl-NL" dirty="0" err="1" smtClean="0"/>
-              <a:t>size</a:t>
-            </a:r>
-            <a:endParaRPr lang="nl-NL" dirty="0" smtClean="0"/>
-          </a:p>
-        </p:txBody>
-      </p:sp>
-    </p:spTree>
-  </p:cSld>
-  <p:clrMapOvr>
-    <a:masterClrMapping/>
-  </p:clrMapOvr>
-  <p:timing>
-    <p:tnLst>
-      <p:par>
-        <p:cTn id="1" dur="indefinite" restart="never" nodeType="tmRoot"/>
-      </p:par>
-    </p:tnLst>
-  </p:timing>
-</p:sld>
-</file>
-
-<file path=ppt/slides/slide26.xml><?xml version="1.0" encoding="utf-8"?>
-<p:sld xmlns:a="http://schemas.openxmlformats.org/drawingml/2006/main" xmlns:r="http://schemas.openxmlformats.org/officeDocument/2006/relationships" xmlns:p="http://schemas.openxmlformats.org/presentationml/2006/main">
-  <p:cSld>
-    <p:spTree>
-      <p:nvGrpSpPr>
-        <p:cNvPr id="1" name=""/>
-        <p:cNvGrpSpPr/>
-        <p:nvPr/>
-      </p:nvGrpSpPr>
-      <p:grpSpPr>
-        <a:xfrm>
-          <a:off x="0" y="0"/>
-          <a:ext cx="0" cy="0"/>
-          <a:chOff x="0" y="0"/>
-          <a:chExt cx="0" cy="0"/>
-        </a:xfrm>
-      </p:grpSpPr>
-      <p:sp>
-        <p:nvSpPr>
-          <p:cNvPr id="2" name="Titel 1"/>
-          <p:cNvSpPr>
-            <a:spLocks noGrp="1"/>
-          </p:cNvSpPr>
-          <p:nvPr>
-            <p:ph type="title"/>
-          </p:nvPr>
-        </p:nvSpPr>
-        <p:spPr/>
-        <p:txBody>
-          <a:bodyPr/>
-          <a:lstStyle/>
-          <a:p>
-            <a:r>
-              <a:rPr lang="nl-NL" dirty="0" err="1" smtClean="0"/>
-              <a:t>Why</a:t>
-            </a:r>
-            <a:r>
-              <a:rPr lang="nl-NL" dirty="0" smtClean="0"/>
-              <a:t> relevant?</a:t>
-            </a:r>
-            <a:endParaRPr lang="nl-NL" dirty="0"/>
-          </a:p>
-        </p:txBody>
-      </p:sp>
-      <p:sp>
-        <p:nvSpPr>
-          <p:cNvPr id="3" name="Tijdelijke aanduiding voor inhoud 2"/>
-          <p:cNvSpPr>
-            <a:spLocks noGrp="1"/>
-          </p:cNvSpPr>
-          <p:nvPr>
-            <p:ph sz="quarter" idx="1"/>
-          </p:nvPr>
-        </p:nvSpPr>
-        <p:spPr/>
-        <p:txBody>
-          <a:bodyPr/>
-          <a:lstStyle/>
-          <a:p>
-            <a:r>
-              <a:rPr lang="nl-NL" dirty="0" err="1" smtClean="0"/>
-              <a:t>Examine</a:t>
-            </a:r>
-            <a:r>
-              <a:rPr lang="nl-NL" dirty="0" smtClean="0"/>
-              <a:t> </a:t>
-            </a:r>
-            <a:r>
-              <a:rPr lang="nl-NL" dirty="0" err="1" smtClean="0"/>
-              <a:t>influence</a:t>
-            </a:r>
-            <a:r>
-              <a:rPr lang="nl-NL" dirty="0" smtClean="0"/>
-              <a:t> </a:t>
-            </a:r>
-            <a:r>
-              <a:rPr lang="nl-NL" dirty="0" err="1" smtClean="0"/>
-              <a:t>biological</a:t>
-            </a:r>
-            <a:r>
-              <a:rPr lang="nl-NL" dirty="0" smtClean="0"/>
-              <a:t> relevant </a:t>
-            </a:r>
-            <a:r>
-              <a:rPr lang="nl-NL" dirty="0" err="1" smtClean="0"/>
-              <a:t>properties</a:t>
-            </a:r>
-            <a:endParaRPr lang="nl-NL" dirty="0" smtClean="0"/>
-          </a:p>
-          <a:p>
-            <a:pPr lvl="1">
-              <a:buFont typeface="Courier New" pitchFamily="49" charset="0"/>
-              <a:buChar char="o"/>
-            </a:pPr>
-            <a:r>
-              <a:rPr lang="nl-NL" dirty="0" err="1" smtClean="0"/>
-              <a:t>Synaptic</a:t>
-            </a:r>
-            <a:r>
-              <a:rPr lang="nl-NL" dirty="0" smtClean="0"/>
-              <a:t> </a:t>
-            </a:r>
-            <a:r>
-              <a:rPr lang="nl-NL" dirty="0" err="1" smtClean="0"/>
-              <a:t>strength</a:t>
-            </a:r>
-            <a:endParaRPr lang="nl-NL" dirty="0" smtClean="0"/>
-          </a:p>
-          <a:p>
-            <a:pPr lvl="1">
-              <a:buFont typeface="Courier New" pitchFamily="49" charset="0"/>
-              <a:buChar char="o"/>
-            </a:pPr>
-            <a:r>
-              <a:rPr lang="nl-NL" dirty="0" err="1" smtClean="0"/>
-              <a:t>Connectivity</a:t>
-            </a:r>
-            <a:r>
-              <a:rPr lang="nl-NL" dirty="0" smtClean="0"/>
-              <a:t> of </a:t>
-            </a:r>
-            <a:r>
-              <a:rPr lang="nl-NL" dirty="0" err="1" smtClean="0"/>
-              <a:t>brain</a:t>
-            </a:r>
-            <a:r>
-              <a:rPr lang="nl-NL" dirty="0" smtClean="0"/>
-              <a:t> </a:t>
-            </a:r>
-            <a:r>
-              <a:rPr lang="nl-NL" dirty="0" err="1" smtClean="0"/>
-              <a:t>area</a:t>
-            </a:r>
-            <a:endParaRPr lang="nl-NL" dirty="0" smtClean="0"/>
-          </a:p>
-          <a:p>
-            <a:pPr lvl="1">
-              <a:buFont typeface="Courier New" pitchFamily="49" charset="0"/>
-              <a:buChar char="o"/>
-            </a:pPr>
-            <a:r>
-              <a:rPr lang="nl-NL" dirty="0" err="1" smtClean="0"/>
-              <a:t>Length</a:t>
-            </a:r>
-            <a:r>
-              <a:rPr lang="nl-NL" dirty="0" smtClean="0"/>
-              <a:t> of </a:t>
-            </a:r>
-            <a:r>
-              <a:rPr lang="nl-NL" dirty="0" err="1" smtClean="0"/>
-              <a:t>axons</a:t>
-            </a:r>
-            <a:r>
-              <a:rPr lang="nl-NL" dirty="0" smtClean="0"/>
-              <a:t>/ </a:t>
-            </a:r>
-            <a:r>
-              <a:rPr lang="nl-NL" dirty="0" err="1" smtClean="0"/>
-              <a:t>dendrites</a:t>
-            </a:r>
-            <a:r>
-              <a:rPr lang="nl-NL" dirty="0" smtClean="0"/>
-              <a:t> </a:t>
-            </a:r>
-          </a:p>
-          <a:p>
-            <a:r>
-              <a:rPr lang="nl-NL" dirty="0" err="1" smtClean="0"/>
-              <a:t>Especially</a:t>
-            </a:r>
-            <a:r>
-              <a:rPr lang="nl-NL" dirty="0" smtClean="0"/>
-              <a:t> </a:t>
-            </a:r>
-            <a:r>
-              <a:rPr lang="nl-NL" dirty="0" err="1" smtClean="0"/>
-              <a:t>on</a:t>
-            </a:r>
-            <a:r>
-              <a:rPr lang="nl-NL" dirty="0" smtClean="0"/>
-              <a:t> </a:t>
-            </a:r>
-            <a:r>
-              <a:rPr lang="nl-NL" dirty="0" err="1" smtClean="0"/>
-              <a:t>Asynchronous</a:t>
-            </a:r>
-            <a:r>
-              <a:rPr lang="nl-NL" dirty="0" smtClean="0"/>
-              <a:t> </a:t>
-            </a:r>
-            <a:r>
-              <a:rPr lang="nl-NL" dirty="0" err="1" smtClean="0"/>
-              <a:t>Irregular</a:t>
-            </a:r>
-            <a:r>
-              <a:rPr lang="nl-NL" dirty="0" smtClean="0"/>
-              <a:t> State</a:t>
-            </a:r>
-          </a:p>
-          <a:p>
-            <a:pPr lvl="1">
-              <a:buFont typeface="Courier New" pitchFamily="49" charset="0"/>
-              <a:buChar char="o"/>
-            </a:pPr>
-            <a:r>
-              <a:rPr lang="nl-NL" dirty="0" err="1" smtClean="0"/>
-              <a:t>Epilepsy</a:t>
-            </a:r>
-            <a:endParaRPr lang="nl-NL" dirty="0" smtClean="0"/>
-          </a:p>
-          <a:p>
-            <a:r>
-              <a:rPr lang="nl-NL" dirty="0" err="1" smtClean="0"/>
-              <a:t>Extend</a:t>
-            </a:r>
-            <a:r>
-              <a:rPr lang="nl-NL" dirty="0" smtClean="0"/>
-              <a:t> </a:t>
-            </a:r>
-            <a:r>
-              <a:rPr lang="nl-NL" dirty="0" err="1" smtClean="0"/>
-              <a:t>with</a:t>
-            </a:r>
-            <a:r>
-              <a:rPr lang="nl-NL" dirty="0" smtClean="0"/>
-              <a:t> more </a:t>
-            </a:r>
-            <a:r>
-              <a:rPr lang="nl-NL" dirty="0" err="1" smtClean="0"/>
-              <a:t>biological</a:t>
-            </a:r>
-            <a:r>
-              <a:rPr lang="nl-NL" dirty="0" smtClean="0"/>
-              <a:t> </a:t>
-            </a:r>
-            <a:r>
-              <a:rPr lang="nl-NL" dirty="0" err="1" smtClean="0"/>
-              <a:t>realistic</a:t>
-            </a:r>
-            <a:r>
-              <a:rPr lang="nl-NL" dirty="0" smtClean="0"/>
-              <a:t> </a:t>
-            </a:r>
-            <a:r>
-              <a:rPr lang="nl-NL" dirty="0" err="1" smtClean="0"/>
-              <a:t>components</a:t>
-            </a:r>
-            <a:endParaRPr lang="nl-NL" dirty="0" smtClean="0"/>
-          </a:p>
-          <a:p>
-            <a:pPr lvl="1">
-              <a:buFont typeface="Courier New" pitchFamily="49" charset="0"/>
-              <a:buChar char="o"/>
-            </a:pPr>
-            <a:r>
-              <a:rPr lang="nl-NL" dirty="0" err="1" smtClean="0"/>
-              <a:t>Increase</a:t>
-            </a:r>
-            <a:r>
-              <a:rPr lang="nl-NL" dirty="0" smtClean="0"/>
-              <a:t> </a:t>
-            </a:r>
-            <a:r>
-              <a:rPr lang="nl-NL" dirty="0" err="1" smtClean="0"/>
-              <a:t>computational</a:t>
-            </a:r>
-            <a:r>
-              <a:rPr lang="nl-NL" dirty="0" smtClean="0"/>
-              <a:t> </a:t>
-            </a:r>
-            <a:r>
-              <a:rPr lang="nl-NL" dirty="0" smtClean="0"/>
-              <a:t>power</a:t>
-            </a:r>
-          </a:p>
-          <a:p>
-            <a:pPr lvl="1">
-              <a:buFont typeface="Courier New" pitchFamily="49" charset="0"/>
-              <a:buChar char="o"/>
-            </a:pPr>
-            <a:endParaRPr lang="nl-NL" dirty="0"/>
-          </a:p>
-        </p:txBody>
-      </p:sp>
-    </p:spTree>
-  </p:cSld>
-  <p:clrMapOvr>
-    <a:masterClrMapping/>
-  </p:clrMapOvr>
-  <p:timing>
-    <p:tnLst>
-      <p:par>
-        <p:cTn id="1" dur="indefinite" restart="never" nodeType="tmRoot"/>
-      </p:par>
-    </p:tnLst>
-  </p:timing>
-</p:sld>
-</file>
-
-<file path=ppt/slides/slide27.xml><?xml version="1.0" encoding="utf-8"?>
 <p:sld xmlns:a="http://schemas.openxmlformats.org/drawingml/2006/main" xmlns:r="http://schemas.openxmlformats.org/officeDocument/2006/relationships" xmlns:p="http://schemas.openxmlformats.org/presentationml/2006/main">
   <p:cSld>
     <p:spTree>
@@ -9505,6 +9365,146 @@
 </p:sld>
 </file>
 
+<file path=ppt/slides/slide26.xml><?xml version="1.0" encoding="utf-8"?>
+<p:sld xmlns:a="http://schemas.openxmlformats.org/drawingml/2006/main" xmlns:r="http://schemas.openxmlformats.org/officeDocument/2006/relationships" xmlns:p="http://schemas.openxmlformats.org/presentationml/2006/main">
+  <p:cSld>
+    <p:spTree>
+      <p:nvGrpSpPr>
+        <p:cNvPr id="1" name=""/>
+        <p:cNvGrpSpPr/>
+        <p:nvPr/>
+      </p:nvGrpSpPr>
+      <p:grpSpPr>
+        <a:xfrm>
+          <a:off x="0" y="0"/>
+          <a:ext cx="0" cy="0"/>
+          <a:chOff x="0" y="0"/>
+          <a:chExt cx="0" cy="0"/>
+        </a:xfrm>
+      </p:grpSpPr>
+      <p:sp>
+        <p:nvSpPr>
+          <p:cNvPr id="2" name="Titel 1"/>
+          <p:cNvSpPr>
+            <a:spLocks noGrp="1"/>
+          </p:cNvSpPr>
+          <p:nvPr>
+            <p:ph type="title"/>
+          </p:nvPr>
+        </p:nvSpPr>
+        <p:spPr/>
+        <p:txBody>
+          <a:bodyPr>
+            <a:normAutofit/>
+          </a:bodyPr>
+          <a:lstStyle/>
+          <a:p>
+            <a:r>
+              <a:rPr lang="nl-NL" sz="5400" dirty="0" err="1" smtClean="0"/>
+              <a:t>Questions</a:t>
+            </a:r>
+            <a:endParaRPr lang="nl-NL" sz="5400" dirty="0"/>
+          </a:p>
+        </p:txBody>
+      </p:sp>
+    </p:spTree>
+  </p:cSld>
+  <p:clrMapOvr>
+    <a:masterClrMapping/>
+  </p:clrMapOvr>
+  <p:transition/>
+  <p:timing>
+    <p:tnLst>
+      <p:par>
+        <p:cTn id="1" dur="indefinite" restart="never" nodeType="tmRoot"/>
+      </p:par>
+    </p:tnLst>
+  </p:timing>
+</p:sld>
+</file>
+
+<file path=ppt/slides/slide27.xml><?xml version="1.0" encoding="utf-8"?>
+<p:sld xmlns:a="http://schemas.openxmlformats.org/drawingml/2006/main" xmlns:r="http://schemas.openxmlformats.org/officeDocument/2006/relationships" xmlns:p="http://schemas.openxmlformats.org/presentationml/2006/main">
+  <p:cSld>
+    <p:spTree>
+      <p:nvGrpSpPr>
+        <p:cNvPr id="1" name=""/>
+        <p:cNvGrpSpPr/>
+        <p:nvPr/>
+      </p:nvGrpSpPr>
+      <p:grpSpPr>
+        <a:xfrm>
+          <a:off x="0" y="0"/>
+          <a:ext cx="0" cy="0"/>
+          <a:chOff x="0" y="0"/>
+          <a:chExt cx="0" cy="0"/>
+        </a:xfrm>
+      </p:grpSpPr>
+      <p:sp>
+        <p:nvSpPr>
+          <p:cNvPr id="2" name="Titel 1"/>
+          <p:cNvSpPr>
+            <a:spLocks noGrp="1"/>
+          </p:cNvSpPr>
+          <p:nvPr>
+            <p:ph type="title"/>
+          </p:nvPr>
+        </p:nvSpPr>
+        <p:spPr/>
+        <p:txBody>
+          <a:bodyPr>
+            <a:normAutofit fontScale="90000"/>
+          </a:bodyPr>
+          <a:lstStyle/>
+          <a:p>
+            <a:r>
+              <a:rPr lang="nl-NL" sz="5400" dirty="0" err="1" smtClean="0"/>
+              <a:t>Slides</a:t>
+            </a:r>
+            <a:r>
+              <a:rPr lang="nl-NL" sz="5400" dirty="0" smtClean="0"/>
+              <a:t> </a:t>
+            </a:r>
+            <a:r>
+              <a:rPr lang="nl-NL" sz="5400" dirty="0" err="1" smtClean="0"/>
+              <a:t>for</a:t>
+            </a:r>
+            <a:r>
+              <a:rPr lang="nl-NL" sz="5400" dirty="0" smtClean="0"/>
+              <a:t> </a:t>
+            </a:r>
+            <a:r>
+              <a:rPr lang="nl-NL" sz="5400" dirty="0" err="1" smtClean="0"/>
+              <a:t>possible</a:t>
+            </a:r>
+            <a:r>
+              <a:rPr lang="nl-NL" sz="5400" dirty="0" smtClean="0"/>
+              <a:t> </a:t>
+            </a:r>
+            <a:r>
+              <a:rPr lang="nl-NL" sz="5400" dirty="0" err="1" smtClean="0"/>
+              <a:t>questions</a:t>
+            </a:r>
+            <a:endParaRPr lang="nl-NL" sz="5400" dirty="0"/>
+          </a:p>
+        </p:txBody>
+      </p:sp>
+    </p:spTree>
+  </p:cSld>
+  <p:clrMapOvr>
+    <a:masterClrMapping/>
+  </p:clrMapOvr>
+  <p:transition/>
+  <p:timing>
+    <p:tnLst>
+      <p:par>
+        <p:cTn id="1" dur="indefinite" restart="never" nodeType="tmRoot"/>
+      </p:par>
+    </p:tnLst>
+  </p:timing>
+</p:sld>
+</file>
+
 <file path=ppt/slides/slide28.xml><?xml version="1.0" encoding="utf-8"?>
 <p:sld xmlns:a="http://schemas.openxmlformats.org/drawingml/2006/main" xmlns:r="http://schemas.openxmlformats.org/officeDocument/2006/relationships" xmlns:p="http://schemas.openxmlformats.org/presentationml/2006/main">
   <p:cSld>
@@ -9532,7 +9532,54 @@
             <p:ph type="title"/>
           </p:nvPr>
         </p:nvSpPr>
-        <p:spPr/>
+        <p:spPr>
+          <a:xfrm>
+            <a:off x="395536" y="274638"/>
+            <a:ext cx="8291264" cy="1143000"/>
+          </a:xfrm>
+        </p:spPr>
+        <p:txBody>
+          <a:bodyPr>
+            <a:noAutofit/>
+          </a:bodyPr>
+          <a:lstStyle/>
+          <a:p>
+            <a:r>
+              <a:rPr lang="nl-NL" dirty="0" err="1" smtClean="0"/>
+              <a:t>Leaky</a:t>
+            </a:r>
+            <a:r>
+              <a:rPr lang="nl-NL" dirty="0" smtClean="0"/>
+              <a:t> </a:t>
+            </a:r>
+            <a:r>
+              <a:rPr lang="nl-NL" dirty="0" err="1" smtClean="0"/>
+              <a:t>Integrate-and-Fire</a:t>
+            </a:r>
+            <a:r>
+              <a:rPr lang="nl-NL" dirty="0" smtClean="0"/>
+              <a:t> (LIF) neurons</a:t>
+            </a:r>
+            <a:endParaRPr lang="nl-NL" dirty="0"/>
+          </a:p>
+        </p:txBody>
+      </p:sp>
+      <p:sp>
+        <p:nvSpPr>
+          <p:cNvPr id="3" name="Tijdelijke aanduiding voor inhoud 2"/>
+          <p:cNvSpPr>
+            <a:spLocks noGrp="1"/>
+          </p:cNvSpPr>
+          <p:nvPr>
+            <p:ph sz="quarter" idx="1"/>
+          </p:nvPr>
+        </p:nvSpPr>
+        <p:spPr>
+          <a:xfrm>
+            <a:off x="914400" y="2060848"/>
+            <a:ext cx="7772400" cy="3958952"/>
+          </a:xfrm>
+        </p:spPr>
         <p:txBody>
           <a:bodyPr>
             <a:normAutofit/>
@@ -9540,19 +9587,99 @@
           <a:lstStyle/>
           <a:p>
             <a:r>
-              <a:rPr lang="nl-NL" sz="5400" dirty="0" err="1" smtClean="0"/>
-              <a:t>Questions</a:t>
-            </a:r>
-            <a:endParaRPr lang="nl-NL" sz="5400" dirty="0"/>
-          </a:p>
-        </p:txBody>
-      </p:sp>
+              <a:rPr lang="nl-NL" dirty="0" err="1" smtClean="0">
+                <a:latin typeface="+mj-lt"/>
+              </a:rPr>
+              <a:t>Computational</a:t>
+            </a:r>
+            <a:r>
+              <a:rPr lang="nl-NL" dirty="0" smtClean="0">
+                <a:latin typeface="+mj-lt"/>
+              </a:rPr>
+              <a:t> </a:t>
+            </a:r>
+            <a:r>
+              <a:rPr lang="nl-NL" dirty="0" err="1" smtClean="0">
+                <a:latin typeface="+mj-lt"/>
+              </a:rPr>
+              <a:t>powerful</a:t>
+            </a:r>
+            <a:endParaRPr lang="nl-NL" dirty="0" smtClean="0">
+              <a:latin typeface="+mj-lt"/>
+            </a:endParaRPr>
+          </a:p>
+          <a:p>
+            <a:r>
+              <a:rPr lang="nl-NL" dirty="0" smtClean="0">
+                <a:latin typeface="+mj-lt"/>
+              </a:rPr>
+              <a:t>Easy to </a:t>
+            </a:r>
+            <a:r>
+              <a:rPr lang="nl-NL" dirty="0" err="1" smtClean="0">
+                <a:latin typeface="+mj-lt"/>
+              </a:rPr>
+              <a:t>analyze</a:t>
+            </a:r>
+            <a:endParaRPr lang="nl-NL" dirty="0" smtClean="0">
+              <a:latin typeface="+mj-lt"/>
+            </a:endParaRPr>
+          </a:p>
+          <a:p>
+            <a:r>
+              <a:rPr lang="nl-NL" dirty="0" err="1" smtClean="0">
+                <a:latin typeface="+mj-lt"/>
+              </a:rPr>
+              <a:t>Very</a:t>
+            </a:r>
+            <a:r>
+              <a:rPr lang="nl-NL" dirty="0" smtClean="0">
+                <a:latin typeface="+mj-lt"/>
+              </a:rPr>
+              <a:t> few parameters</a:t>
+            </a:r>
+          </a:p>
+          <a:p>
+            <a:endParaRPr lang="nl-NL" dirty="0" smtClean="0">
+              <a:latin typeface="+mj-lt"/>
+            </a:endParaRPr>
+          </a:p>
+          <a:p>
+            <a:endParaRPr lang="nl-NL" dirty="0" smtClean="0">
+              <a:latin typeface="+mj-lt"/>
+            </a:endParaRPr>
+          </a:p>
+        </p:txBody>
+      </p:sp>
+      <p:pic>
+        <p:nvPicPr>
+          <p:cNvPr id="4" name="Afbeelding 3" descr="LIF neuron.PNG"/>
+          <p:cNvPicPr>
+            <a:picLocks noChangeAspect="1"/>
+          </p:cNvPicPr>
+          <p:nvPr/>
+        </p:nvPicPr>
+        <p:blipFill>
+          <a:blip r:embed="rId2" cstate="print"/>
+          <a:stretch>
+            <a:fillRect/>
+          </a:stretch>
+        </p:blipFill>
+        <p:spPr>
+          <a:xfrm>
+            <a:off x="5220072" y="1340767"/>
+            <a:ext cx="3511838" cy="5298207"/>
+          </a:xfrm>
+          <a:prstGeom prst="rect">
+            <a:avLst/>
+          </a:prstGeom>
+        </p:spPr>
+      </p:pic>
     </p:spTree>
   </p:cSld>
   <p:clrMapOvr>
     <a:masterClrMapping/>
   </p:clrMapOvr>
-  <p:transition/>
   <p:timing>
     <p:tnLst>
       <p:par>
@@ -9593,42 +9720,144 @@
         <p:spPr/>
         <p:txBody>
           <a:bodyPr>
-            <a:normAutofit fontScale="90000"/>
+            <a:noAutofit/>
           </a:bodyPr>
           <a:lstStyle/>
           <a:p>
             <a:r>
-              <a:rPr lang="nl-NL" sz="5400" dirty="0" err="1" smtClean="0"/>
-              <a:t>Slides</a:t>
-            </a:r>
-            <a:r>
-              <a:rPr lang="nl-NL" sz="5400" dirty="0" smtClean="0"/>
-              <a:t> </a:t>
-            </a:r>
-            <a:r>
-              <a:rPr lang="nl-NL" sz="5400" dirty="0" err="1" smtClean="0"/>
-              <a:t>for</a:t>
-            </a:r>
-            <a:r>
-              <a:rPr lang="nl-NL" sz="5400" dirty="0" smtClean="0"/>
-              <a:t> </a:t>
-            </a:r>
-            <a:r>
-              <a:rPr lang="nl-NL" sz="5400" dirty="0" err="1" smtClean="0"/>
-              <a:t>possible</a:t>
-            </a:r>
-            <a:r>
-              <a:rPr lang="nl-NL" sz="5400" dirty="0" smtClean="0"/>
-              <a:t> </a:t>
-            </a:r>
-            <a:r>
-              <a:rPr lang="nl-NL" sz="5400" dirty="0" err="1" smtClean="0"/>
-              <a:t>questions</a:t>
-            </a:r>
-            <a:endParaRPr lang="nl-NL" sz="5400" dirty="0"/>
-          </a:p>
-        </p:txBody>
-      </p:sp>
+              <a:rPr lang="nl-NL" dirty="0" smtClean="0"/>
+              <a:t>LIF neurons </a:t>
+            </a:r>
+            <a:r>
+              <a:rPr lang="nl-NL" dirty="0" err="1" smtClean="0"/>
+              <a:t>behavior</a:t>
+            </a:r>
+            <a:endParaRPr lang="nl-NL" dirty="0"/>
+          </a:p>
+        </p:txBody>
+      </p:sp>
+      <p:sp>
+        <p:nvSpPr>
+          <p:cNvPr id="3" name="Tijdelijke aanduiding voor inhoud 2"/>
+          <p:cNvSpPr>
+            <a:spLocks noGrp="1"/>
+          </p:cNvSpPr>
+          <p:nvPr>
+            <p:ph sz="quarter" idx="1"/>
+          </p:nvPr>
+        </p:nvSpPr>
+        <p:spPr>
+          <a:xfrm>
+            <a:off x="914400" y="2060848"/>
+            <a:ext cx="7772400" cy="3958952"/>
+          </a:xfrm>
+        </p:spPr>
+        <p:txBody>
+          <a:bodyPr>
+            <a:normAutofit/>
+          </a:bodyPr>
+          <a:lstStyle/>
+          <a:p>
+            <a:r>
+              <a:rPr lang="nl-NL" dirty="0" err="1" smtClean="0">
+                <a:latin typeface="+mj-lt"/>
+              </a:rPr>
+              <a:t>Example</a:t>
+            </a:r>
+            <a:r>
+              <a:rPr lang="nl-NL" dirty="0" smtClean="0">
+                <a:latin typeface="+mj-lt"/>
+              </a:rPr>
+              <a:t>: </a:t>
+            </a:r>
+            <a:r>
+              <a:rPr lang="nl-NL" dirty="0" err="1" smtClean="0">
+                <a:latin typeface="+mj-lt"/>
+              </a:rPr>
+              <a:t>influence</a:t>
+            </a:r>
+            <a:r>
+              <a:rPr lang="nl-NL" dirty="0" smtClean="0">
+                <a:latin typeface="+mj-lt"/>
+              </a:rPr>
+              <a:t> of </a:t>
+            </a:r>
+            <a:r>
+              <a:rPr lang="nl-NL" dirty="0" err="1" smtClean="0">
+                <a:latin typeface="+mj-lt"/>
+              </a:rPr>
+              <a:t>integration</a:t>
+            </a:r>
+            <a:r>
+              <a:rPr lang="nl-NL" dirty="0" smtClean="0">
+                <a:latin typeface="+mj-lt"/>
+              </a:rPr>
+              <a:t> time (</a:t>
+            </a:r>
+            <a:r>
+              <a:rPr lang="nl-NL" dirty="0" err="1" smtClean="0">
+                <a:latin typeface="+mj-lt"/>
+              </a:rPr>
+              <a:t>tau</a:t>
+            </a:r>
+            <a:r>
+              <a:rPr lang="nl-NL" dirty="0" smtClean="0">
+                <a:latin typeface="+mj-lt"/>
+              </a:rPr>
+              <a:t>)</a:t>
+            </a:r>
+          </a:p>
+        </p:txBody>
+      </p:sp>
+      <p:pic>
+        <p:nvPicPr>
+          <p:cNvPr id="4" name="Afbeelding 3" descr="figure_1.jpeg"/>
+          <p:cNvPicPr>
+            <a:picLocks noChangeAspect="1"/>
+          </p:cNvPicPr>
+          <p:nvPr/>
+        </p:nvPicPr>
+        <p:blipFill>
+          <a:blip r:embed="rId2" cstate="print"/>
+          <a:stretch>
+            <a:fillRect/>
+          </a:stretch>
+        </p:blipFill>
+        <p:spPr>
+          <a:xfrm>
+            <a:off x="251520" y="3140968"/>
+            <a:ext cx="4678438" cy="3491284"/>
+          </a:xfrm>
+          <a:prstGeom prst="rect">
+            <a:avLst/>
+          </a:prstGeom>
+        </p:spPr>
+      </p:pic>
+      <p:pic>
+        <p:nvPicPr>
+          <p:cNvPr id="5" name="Afbeelding 4" descr="figure_2.jpeg"/>
+          <p:cNvPicPr>
+            <a:picLocks noChangeAspect="1"/>
+          </p:cNvPicPr>
+          <p:nvPr/>
+        </p:nvPicPr>
+        <p:blipFill>
+          <a:blip r:embed="rId3" cstate="print"/>
+          <a:srcRect r="7820"/>
+          <a:stretch>
+            <a:fillRect/>
+          </a:stretch>
+        </p:blipFill>
+        <p:spPr>
+          <a:xfrm>
+            <a:off x="4554370" y="3140968"/>
+            <a:ext cx="4373606" cy="3540700"/>
+          </a:xfrm>
+          <a:prstGeom prst="rect">
+            <a:avLst/>
+          </a:prstGeom>
+        </p:spPr>
+      </p:pic>
     </p:spTree>
   </p:cSld>
   <p:clrMapOvr>
@@ -10371,7 +10600,7 @@
         </p:spPr>
         <p:txBody>
           <a:bodyPr>
-            <a:normAutofit lnSpcReduction="10000"/>
+            <a:normAutofit/>
           </a:bodyPr>
           <a:lstStyle/>
           <a:p>
@@ -10462,13 +10691,7 @@
               <a:rPr lang="nl-NL" dirty="0" smtClean="0">
                 <a:latin typeface="+mj-lt"/>
               </a:rPr>
-              <a:t> </a:t>
-            </a:r>
-            <a:r>
-              <a:rPr lang="nl-NL" dirty="0" smtClean="0">
-                <a:latin typeface="+mj-lt"/>
-              </a:rPr>
-              <a:t>models</a:t>
+              <a:t> models</a:t>
             </a:r>
           </a:p>
           <a:p>
@@ -10557,34 +10780,17 @@
               <a:rPr lang="nl-NL" dirty="0" smtClean="0">
                 <a:latin typeface="+mj-lt"/>
               </a:rPr>
-              <a:t> state</a:t>
-            </a:r>
-          </a:p>
-          <a:p>
-            <a:r>
-              <a:rPr lang="nl-NL" dirty="0" err="1" smtClean="0">
-                <a:latin typeface="+mj-lt"/>
-              </a:rPr>
-              <a:t>Leaky</a:t>
+              <a:t> </a:t>
             </a:r>
             <a:r>
               <a:rPr lang="nl-NL" dirty="0" smtClean="0">
                 <a:latin typeface="+mj-lt"/>
               </a:rPr>
-              <a:t> </a:t>
-            </a:r>
-            <a:r>
-              <a:rPr lang="nl-NL" dirty="0" err="1" smtClean="0">
-                <a:latin typeface="+mj-lt"/>
-              </a:rPr>
-              <a:t>Integrate-and-Fire</a:t>
-            </a:r>
-            <a:r>
-              <a:rPr lang="nl-NL" dirty="0" smtClean="0">
-                <a:latin typeface="+mj-lt"/>
-              </a:rPr>
-              <a:t> neurons</a:t>
-            </a:r>
+              <a:t>state</a:t>
+            </a:r>
+            <a:endParaRPr lang="nl-NL" dirty="0" smtClean="0">
+              <a:latin typeface="+mj-lt"/>
+            </a:endParaRPr>
           </a:p>
         </p:txBody>
       </p:sp>
@@ -10862,67 +11068,6 @@
                       </p:childTnLst>
                     </p:cTn>
                   </p:par>
-                  <p:par>
-                    <p:cTn id="24" fill="hold">
-                      <p:stCondLst>
-                        <p:cond delay="indefinite"/>
-                      </p:stCondLst>
-                      <p:childTnLst>
-                        <p:par>
-                          <p:cTn id="25" fill="hold">
-                            <p:stCondLst>
-                              <p:cond delay="0"/>
-                            </p:stCondLst>
-                            <p:childTnLst>
-                              <p:par>
-                                <p:cTn id="26" presetID="22" presetClass="entr" presetSubtype="4" fill="hold" grpId="0" nodeType="clickEffect">
-                                  <p:stCondLst>
-                                    <p:cond delay="0"/>
-                                  </p:stCondLst>
-                                  <p:childTnLst>
-                                    <p:set>
-                                      <p:cBhvr>
-                                        <p:cTn id="27" dur="1" fill="hold">
-                                          <p:stCondLst>
-                                            <p:cond delay="0"/>
-                                          </p:stCondLst>
-                                        </p:cTn>
-                                        <p:tgtEl>
-                                          <p:spTgt spid="3">
-                                            <p:txEl>
-                                              <p:pRg st="10" end="10"/>
-                                            </p:txEl>
-                                          </p:spTgt>
-                                        </p:tgtEl>
-                                        <p:attrNameLst>
-                                          <p:attrName>style.visibility</p:attrName>
-                                        </p:attrNameLst>
-                                      </p:cBhvr>
-                                      <p:to>
-                                        <p:strVal val="visible"/>
-                                      </p:to>
-                                    </p:set>
-                                    <p:animEffect transition="in" filter="wipe(down)">
-                                      <p:cBhvr>
-                                        <p:cTn id="28" dur="500"/>
-                                        <p:tgtEl>
-                                          <p:spTgt spid="3">
-                                            <p:txEl>
-                                              <p:pRg st="10" end="10"/>
-                                            </p:txEl>
-                                          </p:spTgt>
-                                        </p:tgtEl>
-                                      </p:cBhvr>
-                                    </p:animEffect>
-                                  </p:childTnLst>
-                                </p:cTn>
-                              </p:par>
-                            </p:childTnLst>
-                          </p:cTn>
-                        </p:par>
-                      </p:childTnLst>
-                    </p:cTn>
-                  </p:par>
                 </p:childTnLst>
               </p:cTn>
               <p:prevCondLst>
@@ -10978,21 +11123,20 @@
             <p:ph type="title"/>
           </p:nvPr>
         </p:nvSpPr>
-        <p:spPr>
-          <a:xfrm>
-            <a:off x="395536" y="274638"/>
-            <a:ext cx="8291264" cy="1143000"/>
-          </a:xfrm>
-        </p:spPr>
+        <p:spPr/>
         <p:txBody>
           <a:bodyPr>
-            <a:noAutofit/>
+            <a:normAutofit/>
           </a:bodyPr>
           <a:lstStyle/>
           <a:p>
             <a:r>
-              <a:rPr lang="nl-NL" dirty="0" err="1" smtClean="0"/>
-              <a:t>Leaky</a:t>
+              <a:rPr lang="nl-NL" dirty="0" smtClean="0"/>
+              <a:t>A </a:t>
+            </a:r>
+            <a:r>
+              <a:rPr lang="nl-NL" dirty="0" err="1" smtClean="0"/>
+              <a:t>Balanced</a:t>
             </a:r>
             <a:r>
               <a:rPr lang="nl-NL" dirty="0" smtClean="0"/>
@@ -11000,11 +11144,7 @@
             </a:r>
             <a:r>
               <a:rPr lang="nl-NL" dirty="0" err="1" smtClean="0"/>
-              <a:t>Integrate-and-Fire</a:t>
-            </a:r>
-            <a:r>
-              <a:rPr lang="nl-NL" dirty="0" smtClean="0"/>
-              <a:t> (LIF) neurons</a:t>
+              <a:t>Network</a:t>
             </a:r>
             <a:endParaRPr lang="nl-NL" dirty="0"/>
           </a:p>
@@ -11022,333 +11162,10 @@
         </p:nvSpPr>
         <p:spPr>
           <a:xfrm>
-            <a:off x="914400" y="2060848"/>
-            <a:ext cx="7772400" cy="3958952"/>
+            <a:off x="914400" y="1447800"/>
+            <a:ext cx="4017640" cy="4572000"/>
           </a:xfrm>
         </p:spPr>
-        <p:txBody>
-          <a:bodyPr>
-            <a:normAutofit/>
-          </a:bodyPr>
-          <a:lstStyle/>
-          <a:p>
-            <a:r>
-              <a:rPr lang="nl-NL" dirty="0" err="1" smtClean="0">
-                <a:latin typeface="+mj-lt"/>
-              </a:rPr>
-              <a:t>Computational</a:t>
-            </a:r>
-            <a:r>
-              <a:rPr lang="nl-NL" dirty="0" smtClean="0">
-                <a:latin typeface="+mj-lt"/>
-              </a:rPr>
-              <a:t> </a:t>
-            </a:r>
-            <a:r>
-              <a:rPr lang="nl-NL" dirty="0" err="1" smtClean="0">
-                <a:latin typeface="+mj-lt"/>
-              </a:rPr>
-              <a:t>powerful</a:t>
-            </a:r>
-            <a:endParaRPr lang="nl-NL" dirty="0" smtClean="0">
-              <a:latin typeface="+mj-lt"/>
-            </a:endParaRPr>
-          </a:p>
-          <a:p>
-            <a:r>
-              <a:rPr lang="nl-NL" dirty="0" smtClean="0">
-                <a:latin typeface="+mj-lt"/>
-              </a:rPr>
-              <a:t>Easy to </a:t>
-            </a:r>
-            <a:r>
-              <a:rPr lang="nl-NL" dirty="0" err="1" smtClean="0">
-                <a:latin typeface="+mj-lt"/>
-              </a:rPr>
-              <a:t>analyze</a:t>
-            </a:r>
-            <a:endParaRPr lang="nl-NL" dirty="0" smtClean="0">
-              <a:latin typeface="+mj-lt"/>
-            </a:endParaRPr>
-          </a:p>
-          <a:p>
-            <a:r>
-              <a:rPr lang="nl-NL" dirty="0" err="1" smtClean="0">
-                <a:latin typeface="+mj-lt"/>
-              </a:rPr>
-              <a:t>Very</a:t>
-            </a:r>
-            <a:r>
-              <a:rPr lang="nl-NL" dirty="0" smtClean="0">
-                <a:latin typeface="+mj-lt"/>
-              </a:rPr>
-              <a:t> few parameters</a:t>
-            </a:r>
-          </a:p>
-          <a:p>
-            <a:endParaRPr lang="nl-NL" dirty="0" smtClean="0">
-              <a:latin typeface="+mj-lt"/>
-            </a:endParaRPr>
-          </a:p>
-          <a:p>
-            <a:endParaRPr lang="nl-NL" dirty="0" smtClean="0">
-              <a:latin typeface="+mj-lt"/>
-            </a:endParaRPr>
-          </a:p>
-        </p:txBody>
-      </p:sp>
-    </p:spTree>
-  </p:cSld>
-  <p:clrMapOvr>
-    <a:masterClrMapping/>
-  </p:clrMapOvr>
-  <p:timing>
-    <p:tnLst>
-      <p:par>
-        <p:cTn id="1" dur="indefinite" restart="never" nodeType="tmRoot">
-          <p:childTnLst>
-            <p:seq concurrent="1" nextAc="seek">
-              <p:cTn id="2" dur="indefinite" nodeType="mainSeq">
-                <p:childTnLst>
-                  <p:par>
-                    <p:cTn id="3" fill="hold">
-                      <p:stCondLst>
-                        <p:cond delay="indefinite"/>
-                      </p:stCondLst>
-                      <p:childTnLst>
-                        <p:par>
-                          <p:cTn id="4" fill="hold">
-                            <p:stCondLst>
-                              <p:cond delay="0"/>
-                            </p:stCondLst>
-                            <p:childTnLst>
-                              <p:par>
-                                <p:cTn id="5" presetID="22" presetClass="entr" presetSubtype="4" fill="hold" grpId="0" nodeType="clickEffect">
-                                  <p:stCondLst>
-                                    <p:cond delay="0"/>
-                                  </p:stCondLst>
-                                  <p:childTnLst>
-                                    <p:set>
-                                      <p:cBhvr>
-                                        <p:cTn id="6" dur="1" fill="hold">
-                                          <p:stCondLst>
-                                            <p:cond delay="0"/>
-                                          </p:stCondLst>
-                                        </p:cTn>
-                                        <p:tgtEl>
-                                          <p:spTgt spid="3">
-                                            <p:txEl>
-                                              <p:pRg st="0" end="0"/>
-                                            </p:txEl>
-                                          </p:spTgt>
-                                        </p:tgtEl>
-                                        <p:attrNameLst>
-                                          <p:attrName>style.visibility</p:attrName>
-                                        </p:attrNameLst>
-                                      </p:cBhvr>
-                                      <p:to>
-                                        <p:strVal val="visible"/>
-                                      </p:to>
-                                    </p:set>
-                                    <p:animEffect transition="in" filter="wipe(down)">
-                                      <p:cBhvr>
-                                        <p:cTn id="7" dur="500"/>
-                                        <p:tgtEl>
-                                          <p:spTgt spid="3">
-                                            <p:txEl>
-                                              <p:pRg st="0" end="0"/>
-                                            </p:txEl>
-                                          </p:spTgt>
-                                        </p:tgtEl>
-                                      </p:cBhvr>
-                                    </p:animEffect>
-                                  </p:childTnLst>
-                                </p:cTn>
-                              </p:par>
-                            </p:childTnLst>
-                          </p:cTn>
-                        </p:par>
-                      </p:childTnLst>
-                    </p:cTn>
-                  </p:par>
-                  <p:par>
-                    <p:cTn id="8" fill="hold">
-                      <p:stCondLst>
-                        <p:cond delay="indefinite"/>
-                      </p:stCondLst>
-                      <p:childTnLst>
-                        <p:par>
-                          <p:cTn id="9" fill="hold">
-                            <p:stCondLst>
-                              <p:cond delay="0"/>
-                            </p:stCondLst>
-                            <p:childTnLst>
-                              <p:par>
-                                <p:cTn id="10" presetID="22" presetClass="entr" presetSubtype="4" fill="hold" grpId="0" nodeType="clickEffect">
-                                  <p:stCondLst>
-                                    <p:cond delay="0"/>
-                                  </p:stCondLst>
-                                  <p:childTnLst>
-                                    <p:set>
-                                      <p:cBhvr>
-                                        <p:cTn id="11" dur="1" fill="hold">
-                                          <p:stCondLst>
-                                            <p:cond delay="0"/>
-                                          </p:stCondLst>
-                                        </p:cTn>
-                                        <p:tgtEl>
-                                          <p:spTgt spid="3">
-                                            <p:txEl>
-                                              <p:pRg st="1" end="1"/>
-                                            </p:txEl>
-                                          </p:spTgt>
-                                        </p:tgtEl>
-                                        <p:attrNameLst>
-                                          <p:attrName>style.visibility</p:attrName>
-                                        </p:attrNameLst>
-                                      </p:cBhvr>
-                                      <p:to>
-                                        <p:strVal val="visible"/>
-                                      </p:to>
-                                    </p:set>
-                                    <p:animEffect transition="in" filter="wipe(down)">
-                                      <p:cBhvr>
-                                        <p:cTn id="12" dur="500"/>
-                                        <p:tgtEl>
-                                          <p:spTgt spid="3">
-                                            <p:txEl>
-                                              <p:pRg st="1" end="1"/>
-                                            </p:txEl>
-                                          </p:spTgt>
-                                        </p:tgtEl>
-                                      </p:cBhvr>
-                                    </p:animEffect>
-                                  </p:childTnLst>
-                                </p:cTn>
-                              </p:par>
-                            </p:childTnLst>
-                          </p:cTn>
-                        </p:par>
-                      </p:childTnLst>
-                    </p:cTn>
-                  </p:par>
-                  <p:par>
-                    <p:cTn id="13" fill="hold">
-                      <p:stCondLst>
-                        <p:cond delay="indefinite"/>
-                      </p:stCondLst>
-                      <p:childTnLst>
-                        <p:par>
-                          <p:cTn id="14" fill="hold">
-                            <p:stCondLst>
-                              <p:cond delay="0"/>
-                            </p:stCondLst>
-                            <p:childTnLst>
-                              <p:par>
-                                <p:cTn id="15" presetID="22" presetClass="entr" presetSubtype="4" fill="hold" grpId="0" nodeType="clickEffect">
-                                  <p:stCondLst>
-                                    <p:cond delay="0"/>
-                                  </p:stCondLst>
-                                  <p:childTnLst>
-                                    <p:set>
-                                      <p:cBhvr>
-                                        <p:cTn id="16" dur="1" fill="hold">
-                                          <p:stCondLst>
-                                            <p:cond delay="0"/>
-                                          </p:stCondLst>
-                                        </p:cTn>
-                                        <p:tgtEl>
-                                          <p:spTgt spid="3">
-                                            <p:txEl>
-                                              <p:pRg st="2" end="2"/>
-                                            </p:txEl>
-                                          </p:spTgt>
-                                        </p:tgtEl>
-                                        <p:attrNameLst>
-                                          <p:attrName>style.visibility</p:attrName>
-                                        </p:attrNameLst>
-                                      </p:cBhvr>
-                                      <p:to>
-                                        <p:strVal val="visible"/>
-                                      </p:to>
-                                    </p:set>
-                                    <p:animEffect transition="in" filter="wipe(down)">
-                                      <p:cBhvr>
-                                        <p:cTn id="17" dur="500"/>
-                                        <p:tgtEl>
-                                          <p:spTgt spid="3">
-                                            <p:txEl>
-                                              <p:pRg st="2" end="2"/>
-                                            </p:txEl>
-                                          </p:spTgt>
-                                        </p:tgtEl>
-                                      </p:cBhvr>
-                                    </p:animEffect>
-                                  </p:childTnLst>
-                                </p:cTn>
-                              </p:par>
-                            </p:childTnLst>
-                          </p:cTn>
-                        </p:par>
-                      </p:childTnLst>
-                    </p:cTn>
-                  </p:par>
-                </p:childTnLst>
-              </p:cTn>
-              <p:prevCondLst>
-                <p:cond evt="onPrev" delay="0">
-                  <p:tgtEl>
-                    <p:sldTgt/>
-                  </p:tgtEl>
-                </p:cond>
-              </p:prevCondLst>
-              <p:nextCondLst>
-                <p:cond evt="onNext" delay="0">
-                  <p:tgtEl>
-                    <p:sldTgt/>
-                  </p:tgtEl>
-                </p:cond>
-              </p:nextCondLst>
-            </p:seq>
-          </p:childTnLst>
-        </p:cTn>
-      </p:par>
-    </p:tnLst>
-    <p:bldLst>
-      <p:bldP spid="3" grpId="0" uiExpand="1" build="p"/>
-    </p:bldLst>
-  </p:timing>
-</p:sld>
-</file>
-
-<file path=ppt/slides/slide6.xml><?xml version="1.0" encoding="utf-8"?>
-<p:sld xmlns:a="http://schemas.openxmlformats.org/drawingml/2006/main" xmlns:r="http://schemas.openxmlformats.org/officeDocument/2006/relationships" xmlns:p="http://schemas.openxmlformats.org/presentationml/2006/main" show="0">
-  <p:cSld>
-    <p:spTree>
-      <p:nvGrpSpPr>
-        <p:cNvPr id="1" name=""/>
-        <p:cNvGrpSpPr/>
-        <p:nvPr/>
-      </p:nvGrpSpPr>
-      <p:grpSpPr>
-        <a:xfrm>
-          <a:off x="0" y="0"/>
-          <a:ext cx="0" cy="0"/>
-          <a:chOff x="0" y="0"/>
-          <a:chExt cx="0" cy="0"/>
-        </a:xfrm>
-      </p:grpSpPr>
-      <p:sp>
-        <p:nvSpPr>
-          <p:cNvPr id="2" name="Titel 1"/>
-          <p:cNvSpPr>
-            <a:spLocks noGrp="1"/>
-          </p:cNvSpPr>
-          <p:nvPr>
-            <p:ph type="title"/>
-          </p:nvPr>
-        </p:nvSpPr>
-        <p:spPr/>
         <p:txBody>
           <a:bodyPr>
             <a:noAutofit/>
@@ -11356,372 +11173,8 @@
           <a:lstStyle/>
           <a:p>
             <a:r>
-              <a:rPr lang="nl-NL" dirty="0" smtClean="0"/>
-              <a:t>LIF neurons </a:t>
-            </a:r>
-            <a:r>
-              <a:rPr lang="nl-NL" dirty="0" err="1" smtClean="0"/>
-              <a:t>behavior</a:t>
-            </a:r>
-            <a:endParaRPr lang="nl-NL" dirty="0"/>
-          </a:p>
-        </p:txBody>
-      </p:sp>
-      <p:sp>
-        <p:nvSpPr>
-          <p:cNvPr id="3" name="Tijdelijke aanduiding voor inhoud 2"/>
-          <p:cNvSpPr>
-            <a:spLocks noGrp="1"/>
-          </p:cNvSpPr>
-          <p:nvPr>
-            <p:ph sz="quarter" idx="1"/>
-          </p:nvPr>
-        </p:nvSpPr>
-        <p:spPr>
-          <a:xfrm>
-            <a:off x="914400" y="2060848"/>
-            <a:ext cx="7772400" cy="3958952"/>
-          </a:xfrm>
-        </p:spPr>
-        <p:txBody>
-          <a:bodyPr>
-            <a:normAutofit/>
-          </a:bodyPr>
-          <a:lstStyle/>
-          <a:p>
-            <a:r>
-              <a:rPr lang="nl-NL" dirty="0" err="1" smtClean="0">
-                <a:latin typeface="+mj-lt"/>
-              </a:rPr>
-              <a:t>Example</a:t>
-            </a:r>
-            <a:r>
-              <a:rPr lang="nl-NL" dirty="0" smtClean="0">
-                <a:latin typeface="+mj-lt"/>
-              </a:rPr>
-              <a:t>: </a:t>
-            </a:r>
-            <a:r>
-              <a:rPr lang="nl-NL" dirty="0" err="1" smtClean="0">
-                <a:latin typeface="+mj-lt"/>
-              </a:rPr>
-              <a:t>influence</a:t>
-            </a:r>
-            <a:r>
-              <a:rPr lang="nl-NL" dirty="0" smtClean="0">
-                <a:latin typeface="+mj-lt"/>
-              </a:rPr>
-              <a:t> of </a:t>
-            </a:r>
-            <a:r>
-              <a:rPr lang="nl-NL" dirty="0" err="1" smtClean="0">
-                <a:latin typeface="+mj-lt"/>
-              </a:rPr>
-              <a:t>integration</a:t>
-            </a:r>
-            <a:r>
-              <a:rPr lang="nl-NL" dirty="0" smtClean="0">
-                <a:latin typeface="+mj-lt"/>
-              </a:rPr>
-              <a:t> time (</a:t>
-            </a:r>
-            <a:r>
-              <a:rPr lang="nl-NL" dirty="0" err="1" smtClean="0">
-                <a:latin typeface="+mj-lt"/>
-              </a:rPr>
-              <a:t>tau</a:t>
-            </a:r>
-            <a:r>
-              <a:rPr lang="nl-NL" dirty="0" smtClean="0">
-                <a:latin typeface="+mj-lt"/>
-              </a:rPr>
-              <a:t>)</a:t>
-            </a:r>
-          </a:p>
-        </p:txBody>
-      </p:sp>
-      <p:pic>
-        <p:nvPicPr>
-          <p:cNvPr id="4" name="Afbeelding 3" descr="figure_1.jpeg"/>
-          <p:cNvPicPr>
-            <a:picLocks noChangeAspect="1"/>
-          </p:cNvPicPr>
-          <p:nvPr/>
-        </p:nvPicPr>
-        <p:blipFill>
-          <a:blip r:embed="rId2" cstate="print"/>
-          <a:stretch>
-            <a:fillRect/>
-          </a:stretch>
-        </p:blipFill>
-        <p:spPr>
-          <a:xfrm>
-            <a:off x="251520" y="3140968"/>
-            <a:ext cx="4678438" cy="3491284"/>
-          </a:xfrm>
-          <a:prstGeom prst="rect">
-            <a:avLst/>
-          </a:prstGeom>
-        </p:spPr>
-      </p:pic>
-      <p:pic>
-        <p:nvPicPr>
-          <p:cNvPr id="5" name="Afbeelding 4" descr="figure_2.jpeg"/>
-          <p:cNvPicPr>
-            <a:picLocks noChangeAspect="1"/>
-          </p:cNvPicPr>
-          <p:nvPr/>
-        </p:nvPicPr>
-        <p:blipFill>
-          <a:blip r:embed="rId3" cstate="print"/>
-          <a:srcRect r="7820"/>
-          <a:stretch>
-            <a:fillRect/>
-          </a:stretch>
-        </p:blipFill>
-        <p:spPr>
-          <a:xfrm>
-            <a:off x="4554370" y="3140968"/>
-            <a:ext cx="4373606" cy="3540700"/>
-          </a:xfrm>
-          <a:prstGeom prst="rect">
-            <a:avLst/>
-          </a:prstGeom>
-        </p:spPr>
-      </p:pic>
-    </p:spTree>
-  </p:cSld>
-  <p:clrMapOvr>
-    <a:masterClrMapping/>
-  </p:clrMapOvr>
-  <p:transition/>
-  <p:timing>
-    <p:tnLst>
-      <p:par>
-        <p:cTn id="1" dur="indefinite" restart="never" nodeType="tmRoot">
-          <p:childTnLst>
-            <p:seq concurrent="1" nextAc="seek">
-              <p:cTn id="2" dur="indefinite" nodeType="mainSeq">
-                <p:childTnLst>
-                  <p:par>
-                    <p:cTn id="3" fill="hold">
-                      <p:stCondLst>
-                        <p:cond delay="indefinite"/>
-                      </p:stCondLst>
-                      <p:childTnLst>
-                        <p:par>
-                          <p:cTn id="4" fill="hold">
-                            <p:stCondLst>
-                              <p:cond delay="0"/>
-                            </p:stCondLst>
-                            <p:childTnLst>
-                              <p:par>
-                                <p:cTn id="5" presetID="22" presetClass="entr" presetSubtype="4" fill="hold" nodeType="clickEffect">
-                                  <p:stCondLst>
-                                    <p:cond delay="0"/>
-                                  </p:stCondLst>
-                                  <p:childTnLst>
-                                    <p:set>
-                                      <p:cBhvr>
-                                        <p:cTn id="6" dur="1" fill="hold">
-                                          <p:stCondLst>
-                                            <p:cond delay="0"/>
-                                          </p:stCondLst>
-                                        </p:cTn>
-                                        <p:tgtEl>
-                                          <p:spTgt spid="3">
-                                            <p:txEl>
-                                              <p:pRg st="0" end="0"/>
-                                            </p:txEl>
-                                          </p:spTgt>
-                                        </p:tgtEl>
-                                        <p:attrNameLst>
-                                          <p:attrName>style.visibility</p:attrName>
-                                        </p:attrNameLst>
-                                      </p:cBhvr>
-                                      <p:to>
-                                        <p:strVal val="visible"/>
-                                      </p:to>
-                                    </p:set>
-                                    <p:animEffect transition="in" filter="wipe(down)">
-                                      <p:cBhvr>
-                                        <p:cTn id="7" dur="500"/>
-                                        <p:tgtEl>
-                                          <p:spTgt spid="3">
-                                            <p:txEl>
-                                              <p:pRg st="0" end="0"/>
-                                            </p:txEl>
-                                          </p:spTgt>
-                                        </p:tgtEl>
-                                      </p:cBhvr>
-                                    </p:animEffect>
-                                  </p:childTnLst>
-                                </p:cTn>
-                              </p:par>
-                            </p:childTnLst>
-                          </p:cTn>
-                        </p:par>
-                      </p:childTnLst>
-                    </p:cTn>
-                  </p:par>
-                  <p:par>
-                    <p:cTn id="8" fill="hold">
-                      <p:stCondLst>
-                        <p:cond delay="indefinite"/>
-                      </p:stCondLst>
-                      <p:childTnLst>
-                        <p:par>
-                          <p:cTn id="9" fill="hold">
-                            <p:stCondLst>
-                              <p:cond delay="0"/>
-                            </p:stCondLst>
-                            <p:childTnLst>
-                              <p:par>
-                                <p:cTn id="10" presetID="22" presetClass="entr" presetSubtype="4" fill="hold" nodeType="clickEffect">
-                                  <p:stCondLst>
-                                    <p:cond delay="0"/>
-                                  </p:stCondLst>
-                                  <p:childTnLst>
-                                    <p:set>
-                                      <p:cBhvr>
-                                        <p:cTn id="11" dur="1" fill="hold">
-                                          <p:stCondLst>
-                                            <p:cond delay="0"/>
-                                          </p:stCondLst>
-                                        </p:cTn>
-                                        <p:tgtEl>
-                                          <p:spTgt spid="4"/>
-                                        </p:tgtEl>
-                                        <p:attrNameLst>
-                                          <p:attrName>style.visibility</p:attrName>
-                                        </p:attrNameLst>
-                                      </p:cBhvr>
-                                      <p:to>
-                                        <p:strVal val="visible"/>
-                                      </p:to>
-                                    </p:set>
-                                    <p:animEffect transition="in" filter="wipe(down)">
-                                      <p:cBhvr>
-                                        <p:cTn id="12" dur="500"/>
-                                        <p:tgtEl>
-                                          <p:spTgt spid="4"/>
-                                        </p:tgtEl>
-                                      </p:cBhvr>
-                                    </p:animEffect>
-                                  </p:childTnLst>
-                                </p:cTn>
-                              </p:par>
-                              <p:par>
-                                <p:cTn id="13" presetID="22" presetClass="entr" presetSubtype="4" fill="hold" nodeType="withEffect">
-                                  <p:stCondLst>
-                                    <p:cond delay="0"/>
-                                  </p:stCondLst>
-                                  <p:childTnLst>
-                                    <p:set>
-                                      <p:cBhvr>
-                                        <p:cTn id="14" dur="1" fill="hold">
-                                          <p:stCondLst>
-                                            <p:cond delay="0"/>
-                                          </p:stCondLst>
-                                        </p:cTn>
-                                        <p:tgtEl>
-                                          <p:spTgt spid="5"/>
-                                        </p:tgtEl>
-                                        <p:attrNameLst>
-                                          <p:attrName>style.visibility</p:attrName>
-                                        </p:attrNameLst>
-                                      </p:cBhvr>
-                                      <p:to>
-                                        <p:strVal val="visible"/>
-                                      </p:to>
-                                    </p:set>
-                                    <p:animEffect transition="in" filter="wipe(down)">
-                                      <p:cBhvr>
-                                        <p:cTn id="15" dur="500"/>
-                                        <p:tgtEl>
-                                          <p:spTgt spid="5"/>
-                                        </p:tgtEl>
-                                      </p:cBhvr>
-                                    </p:animEffect>
-                                  </p:childTnLst>
-                                </p:cTn>
-                              </p:par>
-                            </p:childTnLst>
-                          </p:cTn>
-                        </p:par>
-                      </p:childTnLst>
-                    </p:cTn>
-                  </p:par>
-                </p:childTnLst>
-              </p:cTn>
-              <p:prevCondLst>
-                <p:cond evt="onPrev" delay="0">
-                  <p:tgtEl>
-                    <p:sldTgt/>
-                  </p:tgtEl>
-                </p:cond>
-              </p:prevCondLst>
-              <p:nextCondLst>
-                <p:cond evt="onNext" delay="0">
-                  <p:tgtEl>
-                    <p:sldTgt/>
-                  </p:tgtEl>
-                </p:cond>
-              </p:nextCondLst>
-            </p:seq>
-          </p:childTnLst>
-        </p:cTn>
-      </p:par>
-    </p:tnLst>
-  </p:timing>
-</p:sld>
-</file>
-
-<file path=ppt/slides/slide7.xml><?xml version="1.0" encoding="utf-8"?>
-<p:sld xmlns:a="http://schemas.openxmlformats.org/drawingml/2006/main" xmlns:r="http://schemas.openxmlformats.org/officeDocument/2006/relationships" xmlns:p="http://schemas.openxmlformats.org/presentationml/2006/main">
-  <p:cSld>
-    <p:spTree>
-      <p:nvGrpSpPr>
-        <p:cNvPr id="1" name=""/>
-        <p:cNvGrpSpPr/>
-        <p:nvPr/>
-      </p:nvGrpSpPr>
-      <p:grpSpPr>
-        <a:xfrm>
-          <a:off x="0" y="0"/>
-          <a:ext cx="0" cy="0"/>
-          <a:chOff x="0" y="0"/>
-          <a:chExt cx="0" cy="0"/>
-        </a:xfrm>
-      </p:grpSpPr>
-      <p:sp>
-        <p:nvSpPr>
-          <p:cNvPr id="2" name="Titel 1"/>
-          <p:cNvSpPr>
-            <a:spLocks noGrp="1"/>
-          </p:cNvSpPr>
-          <p:nvPr>
-            <p:ph type="title"/>
-          </p:nvPr>
-        </p:nvSpPr>
-        <p:spPr/>
-        <p:txBody>
-          <a:bodyPr>
-            <a:normAutofit/>
-          </a:bodyPr>
-          <a:lstStyle/>
-          <a:p>
-            <a:r>
-              <a:rPr lang="nl-NL" dirty="0" err="1" smtClean="0"/>
-              <a:t>From</a:t>
-            </a:r>
-            <a:r>
-              <a:rPr lang="nl-NL" dirty="0" smtClean="0"/>
-              <a:t> LIF to a </a:t>
-            </a:r>
-            <a:r>
-              <a:rPr lang="nl-NL" dirty="0" err="1" smtClean="0"/>
-              <a:t>Balanced</a:t>
+              <a:rPr lang="nl-NL" dirty="0" err="1" smtClean="0"/>
+              <a:t>Randomly</a:t>
             </a:r>
             <a:r>
               <a:rPr lang="nl-NL" dirty="0" smtClean="0"/>
@@ -11729,37 +11182,7 @@
             </a:r>
             <a:r>
               <a:rPr lang="nl-NL" dirty="0" err="1" smtClean="0"/>
-              <a:t>Network</a:t>
-            </a:r>
-            <a:endParaRPr lang="nl-NL" dirty="0"/>
-          </a:p>
-        </p:txBody>
-      </p:sp>
-      <p:sp>
-        <p:nvSpPr>
-          <p:cNvPr id="3" name="Tijdelijke aanduiding voor inhoud 2"/>
-          <p:cNvSpPr>
-            <a:spLocks noGrp="1"/>
-          </p:cNvSpPr>
-          <p:nvPr>
-            <p:ph sz="quarter" idx="1"/>
-          </p:nvPr>
-        </p:nvSpPr>
-        <p:spPr>
-          <a:xfrm>
-            <a:off x="914400" y="1447800"/>
-            <a:ext cx="4017640" cy="4572000"/>
-          </a:xfrm>
-        </p:spPr>
-        <p:txBody>
-          <a:bodyPr>
-            <a:noAutofit/>
-          </a:bodyPr>
-          <a:lstStyle/>
-          <a:p>
-            <a:r>
-              <a:rPr lang="nl-NL" dirty="0" err="1" smtClean="0"/>
-              <a:t>Randomly</a:t>
+              <a:t>connected</a:t>
             </a:r>
             <a:r>
               <a:rPr lang="nl-NL" dirty="0" smtClean="0"/>
@@ -11767,7 +11190,14 @@
             </a:r>
             <a:r>
               <a:rPr lang="nl-NL" dirty="0" err="1" smtClean="0"/>
-              <a:t>connected</a:t>
+              <a:t>network</a:t>
+            </a:r>
+            <a:endParaRPr lang="nl-NL" dirty="0" smtClean="0"/>
+          </a:p>
+          <a:p>
+            <a:r>
+              <a:rPr lang="nl-NL" dirty="0" err="1" smtClean="0"/>
+              <a:t>Balance</a:t>
             </a:r>
             <a:r>
               <a:rPr lang="nl-NL" dirty="0" smtClean="0"/>
@@ -11775,14 +11205,7 @@
             </a:r>
             <a:r>
               <a:rPr lang="nl-NL" dirty="0" err="1" smtClean="0"/>
-              <a:t>network</a:t>
-            </a:r>
-            <a:endParaRPr lang="nl-NL" dirty="0" smtClean="0"/>
-          </a:p>
-          <a:p>
-            <a:r>
-              <a:rPr lang="nl-NL" dirty="0" err="1" smtClean="0"/>
-              <a:t>Balance</a:t>
+              <a:t>between</a:t>
             </a:r>
             <a:r>
               <a:rPr lang="nl-NL" dirty="0" smtClean="0"/>
@@ -11790,14 +11213,6 @@
             </a:r>
             <a:r>
               <a:rPr lang="nl-NL" dirty="0" err="1" smtClean="0"/>
-              <a:t>between</a:t>
-            </a:r>
-            <a:r>
-              <a:rPr lang="nl-NL" dirty="0" smtClean="0"/>
-              <a:t> </a:t>
-            </a:r>
-            <a:r>
-              <a:rPr lang="nl-NL" dirty="0" err="1" smtClean="0"/>
               <a:t>excitatory</a:t>
             </a:r>
             <a:r>
@@ -11812,7 +11227,6 @@
               <a:rPr lang="nl-NL" dirty="0" smtClean="0"/>
               <a:t> neurons</a:t>
             </a:r>
-            <a:endParaRPr lang="nl-NL" dirty="0" smtClean="0"/>
           </a:p>
         </p:txBody>
       </p:sp>
@@ -12114,7 +11528,7 @@
 </p:sld>
 </file>
 
-<file path=ppt/slides/slide8.xml><?xml version="1.0" encoding="utf-8"?>
+<file path=ppt/slides/slide6.xml><?xml version="1.0" encoding="utf-8"?>
 <p:sld xmlns:a="http://schemas.openxmlformats.org/drawingml/2006/main" xmlns:r="http://schemas.openxmlformats.org/officeDocument/2006/relationships" xmlns:p="http://schemas.openxmlformats.org/presentationml/2006/main">
   <p:cSld>
     <p:spTree>
@@ -12300,11 +11714,7 @@
             </a:r>
             <a:r>
               <a:rPr lang="nl-NL" sz="2600" dirty="0" smtClean="0"/>
-              <a:t> (AI</a:t>
-            </a:r>
-            <a:r>
-              <a:rPr lang="nl-NL" sz="2600" dirty="0" smtClean="0"/>
-              <a:t>)</a:t>
+              <a:t> (AI)</a:t>
             </a:r>
             <a:endParaRPr lang="nl-NL" dirty="0" smtClean="0"/>
           </a:p>
@@ -13381,7 +12791,7 @@
 </p:sld>
 </file>
 
-<file path=ppt/slides/slide9.xml><?xml version="1.0" encoding="utf-8"?>
+<file path=ppt/slides/slide7.xml><?xml version="1.0" encoding="utf-8"?>
 <p:sld xmlns:a="http://schemas.openxmlformats.org/drawingml/2006/main" xmlns:r="http://schemas.openxmlformats.org/officeDocument/2006/relationships" xmlns:p="http://schemas.openxmlformats.org/presentationml/2006/main">
   <p:cSld>
     <p:spTree>
@@ -13462,11 +12872,7 @@
             </a:r>
             <a:r>
               <a:rPr lang="nl-NL" dirty="0" smtClean="0"/>
-              <a:t> </a:t>
-            </a:r>
-            <a:r>
-              <a:rPr lang="nl-NL" dirty="0" smtClean="0"/>
-              <a:t>model</a:t>
+              <a:t> model</a:t>
             </a:r>
           </a:p>
           <a:p>
@@ -13538,11 +12944,7 @@
             </a:r>
             <a:r>
               <a:rPr lang="nl-NL" dirty="0" smtClean="0"/>
-              <a:t> </a:t>
-            </a:r>
-            <a:r>
-              <a:rPr lang="nl-NL" dirty="0" smtClean="0"/>
-              <a:t>a spike, </a:t>
+              <a:t> a spike, </a:t>
             </a:r>
             <a:r>
               <a:rPr lang="nl-NL" dirty="0" err="1" smtClean="0"/>
@@ -13986,6 +13388,156 @@
             </p:seq>
           </p:childTnLst>
         </p:cTn>
+      </p:par>
+    </p:tnLst>
+  </p:timing>
+</p:sld>
+</file>
+
+<file path=ppt/slides/slide8.xml><?xml version="1.0" encoding="utf-8"?>
+<p:sld xmlns:a="http://schemas.openxmlformats.org/drawingml/2006/main" xmlns:r="http://schemas.openxmlformats.org/officeDocument/2006/relationships" xmlns:p="http://schemas.openxmlformats.org/presentationml/2006/main">
+  <p:cSld>
+    <p:spTree>
+      <p:nvGrpSpPr>
+        <p:cNvPr id="1" name=""/>
+        <p:cNvGrpSpPr/>
+        <p:nvPr/>
+      </p:nvGrpSpPr>
+      <p:grpSpPr>
+        <a:xfrm>
+          <a:off x="0" y="0"/>
+          <a:ext cx="0" cy="0"/>
+          <a:chOff x="0" y="0"/>
+          <a:chExt cx="0" cy="0"/>
+        </a:xfrm>
+      </p:grpSpPr>
+      <p:sp>
+        <p:nvSpPr>
+          <p:cNvPr id="2" name="Titel 1"/>
+          <p:cNvSpPr>
+            <a:spLocks noGrp="1"/>
+          </p:cNvSpPr>
+          <p:nvPr>
+            <p:ph type="title"/>
+          </p:nvPr>
+        </p:nvSpPr>
+        <p:spPr/>
+        <p:txBody>
+          <a:bodyPr/>
+          <a:lstStyle/>
+          <a:p>
+            <a:r>
+              <a:rPr lang="nl-NL" dirty="0" smtClean="0"/>
+              <a:t>Research </a:t>
+            </a:r>
+            <a:r>
+              <a:rPr lang="nl-NL" dirty="0" err="1" smtClean="0"/>
+              <a:t>question</a:t>
+            </a:r>
+            <a:endParaRPr lang="nl-NL" dirty="0"/>
+          </a:p>
+        </p:txBody>
+      </p:sp>
+      <p:sp>
+        <p:nvSpPr>
+          <p:cNvPr id="3" name="Tijdelijke aanduiding voor inhoud 2"/>
+          <p:cNvSpPr>
+            <a:spLocks noGrp="1"/>
+          </p:cNvSpPr>
+          <p:nvPr>
+            <p:ph sz="quarter" idx="1"/>
+          </p:nvPr>
+        </p:nvSpPr>
+        <p:spPr/>
+        <p:txBody>
+          <a:bodyPr>
+            <a:normAutofit/>
+          </a:bodyPr>
+          <a:lstStyle/>
+          <a:p>
+            <a:r>
+              <a:rPr lang="en-US" sz="3600" dirty="0" smtClean="0"/>
+              <a:t>Can a network model with more biologically </a:t>
+            </a:r>
+            <a:r>
+              <a:rPr lang="en-US" sz="3600" dirty="0" smtClean="0"/>
+              <a:t>realistic synapses </a:t>
+            </a:r>
+            <a:r>
+              <a:rPr lang="en-US" sz="3600" dirty="0" smtClean="0"/>
+              <a:t>reach the same states as the original network with respect to synchrony and regularity. </a:t>
+            </a:r>
+            <a:endParaRPr lang="nl-NL" sz="3600" dirty="0"/>
+          </a:p>
+        </p:txBody>
+      </p:sp>
+    </p:spTree>
+  </p:cSld>
+  <p:clrMapOvr>
+    <a:masterClrMapping/>
+  </p:clrMapOvr>
+  <p:timing>
+    <p:tnLst>
+      <p:par>
+        <p:cTn id="1" dur="indefinite" restart="never" nodeType="tmRoot"/>
+      </p:par>
+    </p:tnLst>
+  </p:timing>
+</p:sld>
+</file>
+
+<file path=ppt/slides/slide9.xml><?xml version="1.0" encoding="utf-8"?>
+<p:sld xmlns:a="http://schemas.openxmlformats.org/drawingml/2006/main" xmlns:r="http://schemas.openxmlformats.org/officeDocument/2006/relationships" xmlns:p="http://schemas.openxmlformats.org/presentationml/2006/main" show="0">
+  <p:cSld>
+    <p:spTree>
+      <p:nvGrpSpPr>
+        <p:cNvPr id="1" name=""/>
+        <p:cNvGrpSpPr/>
+        <p:nvPr/>
+      </p:nvGrpSpPr>
+      <p:grpSpPr>
+        <a:xfrm>
+          <a:off x="0" y="0"/>
+          <a:ext cx="0" cy="0"/>
+          <a:chOff x="0" y="0"/>
+          <a:chExt cx="0" cy="0"/>
+        </a:xfrm>
+      </p:grpSpPr>
+      <p:sp>
+        <p:nvSpPr>
+          <p:cNvPr id="2" name="Titel 1"/>
+          <p:cNvSpPr>
+            <a:spLocks noGrp="1"/>
+          </p:cNvSpPr>
+          <p:nvPr>
+            <p:ph type="title"/>
+          </p:nvPr>
+        </p:nvSpPr>
+        <p:spPr/>
+        <p:txBody>
+          <a:bodyPr>
+            <a:normAutofit/>
+          </a:bodyPr>
+          <a:lstStyle/>
+          <a:p>
+            <a:r>
+              <a:rPr lang="nl-NL" sz="5400" dirty="0" err="1" smtClean="0"/>
+              <a:t>Methods</a:t>
+            </a:r>
+            <a:endParaRPr lang="nl-NL" sz="5400" dirty="0"/>
+          </a:p>
+        </p:txBody>
+      </p:sp>
+    </p:spTree>
+  </p:cSld>
+  <p:clrMapOvr>
+    <a:masterClrMapping/>
+  </p:clrMapOvr>
+  <p:transition/>
+  <p:timing>
+    <p:tnLst>
+      <p:par>
+        <p:cTn id="1" dur="indefinite" restart="never" nodeType="tmRoot"/>
       </p:par>
     </p:tnLst>
   </p:timing>

--- a/Final presentation bachelor thesis Jiri Brummer - dynamics of balanced network.pptx
+++ b/Final presentation bachelor thesis Jiri Brummer - dynamics of balanced network.pptx
@@ -25,20 +25,20 @@
     <p:sldId id="277" r:id="rId16"/>
     <p:sldId id="278" r:id="rId17"/>
     <p:sldId id="279" r:id="rId18"/>
-    <p:sldId id="280" r:id="rId19"/>
-    <p:sldId id="281" r:id="rId20"/>
-    <p:sldId id="282" r:id="rId21"/>
-    <p:sldId id="283" r:id="rId22"/>
-    <p:sldId id="284" r:id="rId23"/>
-    <p:sldId id="285" r:id="rId24"/>
-    <p:sldId id="286" r:id="rId25"/>
-    <p:sldId id="287" r:id="rId26"/>
-    <p:sldId id="292" r:id="rId27"/>
-    <p:sldId id="293" r:id="rId28"/>
-    <p:sldId id="295" r:id="rId29"/>
-    <p:sldId id="294" r:id="rId30"/>
-    <p:sldId id="289" r:id="rId31"/>
-    <p:sldId id="290" r:id="rId32"/>
+    <p:sldId id="281" r:id="rId19"/>
+    <p:sldId id="282" r:id="rId20"/>
+    <p:sldId id="283" r:id="rId21"/>
+    <p:sldId id="284" r:id="rId22"/>
+    <p:sldId id="285" r:id="rId23"/>
+    <p:sldId id="286" r:id="rId24"/>
+    <p:sldId id="287" r:id="rId25"/>
+    <p:sldId id="292" r:id="rId26"/>
+    <p:sldId id="293" r:id="rId27"/>
+    <p:sldId id="295" r:id="rId28"/>
+    <p:sldId id="294" r:id="rId29"/>
+    <p:sldId id="289" r:id="rId30"/>
+    <p:sldId id="290" r:id="rId31"/>
+    <p:sldId id="280" r:id="rId32"/>
   </p:sldIdLst>
   <p:sldSz cx="9144000" cy="6858000" type="screen4x3"/>
   <p:notesSz cx="6858000" cy="9144000"/>
@@ -223,7 +223,7 @@
             <a:fld id="{6F65B35A-9FED-4D9A-98FF-161054BACE8F}" type="datetimeFigureOut">
               <a:rPr lang="nl-NL" smtClean="0"/>
               <a:pPr/>
-              <a:t>24-6-2015</a:t>
+              <a:t>25-6-2015</a:t>
             </a:fld>
             <a:endParaRPr lang="nl-NL"/>
           </a:p>
@@ -809,7 +809,7 @@
             <a:fld id="{7D077806-2948-4571-A820-43A6990CBEFE}" type="slidenum">
               <a:rPr lang="nl-NL" smtClean="0"/>
               <a:pPr/>
-              <a:t>30</a:t>
+              <a:t>29</a:t>
             </a:fld>
             <a:endParaRPr lang="nl-NL"/>
           </a:p>
@@ -1018,7 +1018,7 @@
             <a:fld id="{B7ADDA06-6B0E-42B0-A7F8-DB9B168B469E}" type="datetimeFigureOut">
               <a:rPr lang="nl-NL" smtClean="0"/>
               <a:pPr/>
-              <a:t>24-6-2015</a:t>
+              <a:t>25-6-2015</a:t>
             </a:fld>
             <a:endParaRPr lang="nl-NL"/>
           </a:p>
@@ -1373,7 +1373,7 @@
             <a:fld id="{B7ADDA06-6B0E-42B0-A7F8-DB9B168B469E}" type="datetimeFigureOut">
               <a:rPr lang="nl-NL" smtClean="0"/>
               <a:pPr/>
-              <a:t>24-6-2015</a:t>
+              <a:t>25-6-2015</a:t>
             </a:fld>
             <a:endParaRPr lang="nl-NL"/>
           </a:p>
@@ -1550,7 +1550,7 @@
             <a:fld id="{B7ADDA06-6B0E-42B0-A7F8-DB9B168B469E}" type="datetimeFigureOut">
               <a:rPr lang="nl-NL" smtClean="0"/>
               <a:pPr/>
-              <a:t>24-6-2015</a:t>
+              <a:t>25-6-2015</a:t>
             </a:fld>
             <a:endParaRPr lang="nl-NL"/>
           </a:p>
@@ -1665,7 +1665,7 @@
             <a:fld id="{B7ADDA06-6B0E-42B0-A7F8-DB9B168B469E}" type="datetimeFigureOut">
               <a:rPr lang="nl-NL" smtClean="0"/>
               <a:pPr/>
-              <a:t>24-6-2015</a:t>
+              <a:t>25-6-2015</a:t>
             </a:fld>
             <a:endParaRPr lang="nl-NL"/>
           </a:p>
@@ -2025,7 +2025,7 @@
             <a:fld id="{B7ADDA06-6B0E-42B0-A7F8-DB9B168B469E}" type="datetimeFigureOut">
               <a:rPr lang="nl-NL" smtClean="0"/>
               <a:pPr/>
-              <a:t>24-6-2015</a:t>
+              <a:t>25-6-2015</a:t>
             </a:fld>
             <a:endParaRPr lang="nl-NL"/>
           </a:p>
@@ -2292,7 +2292,7 @@
             <a:fld id="{B7ADDA06-6B0E-42B0-A7F8-DB9B168B469E}" type="datetimeFigureOut">
               <a:rPr lang="nl-NL" smtClean="0"/>
               <a:pPr/>
-              <a:t>24-6-2015</a:t>
+              <a:t>25-6-2015</a:t>
             </a:fld>
             <a:endParaRPr lang="nl-NL"/>
           </a:p>
@@ -2656,7 +2656,7 @@
             <a:fld id="{B7ADDA06-6B0E-42B0-A7F8-DB9B168B469E}" type="datetimeFigureOut">
               <a:rPr lang="nl-NL" smtClean="0"/>
               <a:pPr/>
-              <a:t>24-6-2015</a:t>
+              <a:t>25-6-2015</a:t>
             </a:fld>
             <a:endParaRPr lang="nl-NL"/>
           </a:p>
@@ -2885,7 +2885,7 @@
             <a:fld id="{B7ADDA06-6B0E-42B0-A7F8-DB9B168B469E}" type="datetimeFigureOut">
               <a:rPr lang="nl-NL" smtClean="0"/>
               <a:pPr/>
-              <a:t>24-6-2015</a:t>
+              <a:t>25-6-2015</a:t>
             </a:fld>
             <a:endParaRPr lang="nl-NL"/>
           </a:p>
@@ -2977,7 +2977,7 @@
             <a:fld id="{B7ADDA06-6B0E-42B0-A7F8-DB9B168B469E}" type="datetimeFigureOut">
               <a:rPr lang="nl-NL" smtClean="0"/>
               <a:pPr/>
-              <a:t>24-6-2015</a:t>
+              <a:t>25-6-2015</a:t>
             </a:fld>
             <a:endParaRPr lang="nl-NL"/>
           </a:p>
@@ -3246,7 +3246,7 @@
             <a:fld id="{B7ADDA06-6B0E-42B0-A7F8-DB9B168B469E}" type="datetimeFigureOut">
               <a:rPr lang="nl-NL" smtClean="0"/>
               <a:pPr/>
-              <a:t>24-6-2015</a:t>
+              <a:t>25-6-2015</a:t>
             </a:fld>
             <a:endParaRPr lang="nl-NL"/>
           </a:p>
@@ -3476,7 +3476,7 @@
             <a:fld id="{B7ADDA06-6B0E-42B0-A7F8-DB9B168B469E}" type="datetimeFigureOut">
               <a:rPr lang="nl-NL" smtClean="0"/>
               <a:pPr/>
-              <a:t>24-6-2015</a:t>
+              <a:t>25-6-2015</a:t>
             </a:fld>
             <a:endParaRPr lang="nl-NL"/>
           </a:p>
@@ -3977,7 +3977,7 @@
             <a:fld id="{B7ADDA06-6B0E-42B0-A7F8-DB9B168B469E}" type="datetimeFigureOut">
               <a:rPr lang="nl-NL" smtClean="0"/>
               <a:pPr/>
-              <a:t>24-6-2015</a:t>
+              <a:t>25-6-2015</a:t>
             </a:fld>
             <a:endParaRPr lang="nl-NL"/>
           </a:p>
@@ -6324,11 +6324,7 @@
           <a:p>
             <a:r>
               <a:rPr lang="nl-NL" dirty="0" smtClean="0"/>
-              <a:t>High </a:t>
-            </a:r>
-            <a:r>
-              <a:rPr lang="nl-NL" dirty="0" smtClean="0"/>
-              <a:t>SM, </a:t>
+              <a:t>High SM, </a:t>
             </a:r>
             <a:r>
               <a:rPr lang="nl-NL" dirty="0" err="1" smtClean="0"/>
@@ -7645,85 +7641,6 @@
       </p:sp>
       <p:pic>
         <p:nvPicPr>
-          <p:cNvPr id="4" name="Tijdelijke aanduiding voor inhoud 3" descr="kmeans6.png"/>
-          <p:cNvPicPr>
-            <a:picLocks noGrp="1" noChangeAspect="1"/>
-          </p:cNvPicPr>
-          <p:nvPr>
-            <p:ph sz="quarter" idx="1"/>
-          </p:nvPr>
-        </p:nvPicPr>
-        <p:blipFill>
-          <a:blip r:embed="rId2" cstate="print"/>
-          <a:srcRect r="51088"/>
-          <a:stretch>
-            <a:fillRect/>
-          </a:stretch>
-        </p:blipFill>
-        <p:spPr>
-          <a:xfrm>
-            <a:off x="1115616" y="1412776"/>
-            <a:ext cx="6480720" cy="5005058"/>
-          </a:xfrm>
-        </p:spPr>
-      </p:pic>
-    </p:spTree>
-  </p:cSld>
-  <p:clrMapOvr>
-    <a:masterClrMapping/>
-  </p:clrMapOvr>
-  <p:timing>
-    <p:tnLst>
-      <p:par>
-        <p:cTn id="1" dur="indefinite" restart="never" nodeType="tmRoot"/>
-      </p:par>
-    </p:tnLst>
-  </p:timing>
-</p:sld>
-</file>
-
-<file path=ppt/slides/slide19.xml><?xml version="1.0" encoding="utf-8"?>
-<p:sld xmlns:a="http://schemas.openxmlformats.org/drawingml/2006/main" xmlns:r="http://schemas.openxmlformats.org/officeDocument/2006/relationships" xmlns:p="http://schemas.openxmlformats.org/presentationml/2006/main">
-  <p:cSld>
-    <p:spTree>
-      <p:nvGrpSpPr>
-        <p:cNvPr id="1" name=""/>
-        <p:cNvGrpSpPr/>
-        <p:nvPr/>
-      </p:nvGrpSpPr>
-      <p:grpSpPr>
-        <a:xfrm>
-          <a:off x="0" y="0"/>
-          <a:ext cx="0" cy="0"/>
-          <a:chOff x="0" y="0"/>
-          <a:chExt cx="0" cy="0"/>
-        </a:xfrm>
-      </p:grpSpPr>
-      <p:sp>
-        <p:nvSpPr>
-          <p:cNvPr id="2" name="Titel 1"/>
-          <p:cNvSpPr>
-            <a:spLocks noGrp="1"/>
-          </p:cNvSpPr>
-          <p:nvPr>
-            <p:ph type="title"/>
-          </p:nvPr>
-        </p:nvSpPr>
-        <p:spPr/>
-        <p:txBody>
-          <a:bodyPr/>
-          <a:lstStyle/>
-          <a:p>
-            <a:r>
-              <a:rPr lang="nl-NL" dirty="0" smtClean="0"/>
-              <a:t>Clustering</a:t>
-            </a:r>
-            <a:endParaRPr lang="nl-NL" dirty="0"/>
-          </a:p>
-        </p:txBody>
-      </p:sp>
-      <p:pic>
-        <p:nvPicPr>
           <p:cNvPr id="6" name="Tijdelijke aanduiding voor inhoud 5" descr="kmeans2.png"/>
           <p:cNvPicPr>
             <a:picLocks noGrp="1" noChangeAspect="1"/>
@@ -7761,174 +7678,7 @@
 </p:sld>
 </file>
 
-<file path=ppt/slides/slide2.xml><?xml version="1.0" encoding="utf-8"?>
-<p:sld xmlns:a="http://schemas.openxmlformats.org/drawingml/2006/main" xmlns:r="http://schemas.openxmlformats.org/officeDocument/2006/relationships" xmlns:p="http://schemas.openxmlformats.org/presentationml/2006/main" show="0">
-  <p:cSld>
-    <p:spTree>
-      <p:nvGrpSpPr>
-        <p:cNvPr id="1" name=""/>
-        <p:cNvGrpSpPr/>
-        <p:nvPr/>
-      </p:nvGrpSpPr>
-      <p:grpSpPr>
-        <a:xfrm>
-          <a:off x="0" y="0"/>
-          <a:ext cx="0" cy="0"/>
-          <a:chOff x="0" y="0"/>
-          <a:chExt cx="0" cy="0"/>
-        </a:xfrm>
-      </p:grpSpPr>
-      <p:sp>
-        <p:nvSpPr>
-          <p:cNvPr id="2" name="Titel 1"/>
-          <p:cNvSpPr>
-            <a:spLocks noGrp="1"/>
-          </p:cNvSpPr>
-          <p:nvPr>
-            <p:ph type="title"/>
-          </p:nvPr>
-        </p:nvSpPr>
-        <p:spPr/>
-        <p:txBody>
-          <a:bodyPr>
-            <a:normAutofit/>
-          </a:bodyPr>
-          <a:lstStyle/>
-          <a:p>
-            <a:r>
-              <a:rPr lang="nl-NL" dirty="0" err="1" smtClean="0"/>
-              <a:t>Outline</a:t>
-            </a:r>
-            <a:endParaRPr lang="nl-NL" dirty="0"/>
-          </a:p>
-        </p:txBody>
-      </p:sp>
-      <p:sp>
-        <p:nvSpPr>
-          <p:cNvPr id="3" name="Tijdelijke aanduiding voor inhoud 2"/>
-          <p:cNvSpPr>
-            <a:spLocks noGrp="1"/>
-          </p:cNvSpPr>
-          <p:nvPr>
-            <p:ph sz="quarter" idx="1"/>
-          </p:nvPr>
-        </p:nvSpPr>
-        <p:spPr/>
-        <p:txBody>
-          <a:bodyPr/>
-          <a:lstStyle/>
-          <a:p>
-            <a:r>
-              <a:rPr lang="nl-NL" dirty="0" err="1" smtClean="0"/>
-              <a:t>Introduction</a:t>
-            </a:r>
-            <a:endParaRPr lang="nl-NL" dirty="0" smtClean="0"/>
-          </a:p>
-          <a:p>
-            <a:pPr lvl="1">
-              <a:buFont typeface="Courier New" pitchFamily="49" charset="0"/>
-              <a:buChar char="o"/>
-            </a:pPr>
-            <a:r>
-              <a:rPr lang="nl-NL" dirty="0" err="1" smtClean="0"/>
-              <a:t>What</a:t>
-            </a:r>
-            <a:r>
-              <a:rPr lang="nl-NL" dirty="0" smtClean="0"/>
-              <a:t> is a </a:t>
-            </a:r>
-            <a:r>
-              <a:rPr lang="nl-NL" dirty="0" err="1" smtClean="0"/>
-              <a:t>balanced</a:t>
-            </a:r>
-            <a:r>
-              <a:rPr lang="nl-NL" dirty="0" smtClean="0"/>
-              <a:t> </a:t>
-            </a:r>
-            <a:r>
-              <a:rPr lang="nl-NL" dirty="0" err="1" smtClean="0"/>
-              <a:t>network</a:t>
-            </a:r>
-            <a:endParaRPr lang="nl-NL" dirty="0" smtClean="0"/>
-          </a:p>
-          <a:p>
-            <a:pPr lvl="1">
-              <a:buFont typeface="Courier New" pitchFamily="49" charset="0"/>
-              <a:buChar char="o"/>
-            </a:pPr>
-            <a:r>
-              <a:rPr lang="nl-NL" dirty="0" err="1" smtClean="0"/>
-              <a:t>Previous</a:t>
-            </a:r>
-            <a:r>
-              <a:rPr lang="nl-NL" dirty="0" smtClean="0"/>
-              <a:t> studies</a:t>
-            </a:r>
-          </a:p>
-          <a:p>
-            <a:r>
-              <a:rPr lang="nl-NL" dirty="0" err="1" smtClean="0"/>
-              <a:t>Methods</a:t>
-            </a:r>
-            <a:endParaRPr lang="nl-NL" dirty="0" smtClean="0"/>
-          </a:p>
-          <a:p>
-            <a:pPr lvl="1">
-              <a:buFont typeface="Courier New" pitchFamily="49" charset="0"/>
-              <a:buChar char="o"/>
-            </a:pPr>
-            <a:r>
-              <a:rPr lang="en-US" dirty="0" smtClean="0"/>
-              <a:t>Implementation</a:t>
-            </a:r>
-            <a:r>
-              <a:rPr lang="nl-NL" dirty="0" smtClean="0"/>
-              <a:t> </a:t>
-            </a:r>
-          </a:p>
-          <a:p>
-            <a:pPr lvl="1">
-              <a:buFont typeface="Courier New" pitchFamily="49" charset="0"/>
-              <a:buChar char="o"/>
-            </a:pPr>
-            <a:r>
-              <a:rPr lang="en-US" dirty="0" smtClean="0"/>
-              <a:t>Analysis</a:t>
-            </a:r>
-          </a:p>
-          <a:p>
-            <a:r>
-              <a:rPr lang="nl-NL" dirty="0" err="1" smtClean="0"/>
-              <a:t>Results</a:t>
-            </a:r>
-            <a:endParaRPr lang="nl-NL" dirty="0" smtClean="0"/>
-          </a:p>
-          <a:p>
-            <a:r>
-              <a:rPr lang="nl-NL" dirty="0" err="1" smtClean="0"/>
-              <a:t>Discussion</a:t>
-            </a:r>
-            <a:endParaRPr lang="nl-NL" dirty="0" smtClean="0"/>
-          </a:p>
-        </p:txBody>
-      </p:sp>
-    </p:spTree>
-  </p:cSld>
-  <p:clrMapOvr>
-    <a:masterClrMapping/>
-  </p:clrMapOvr>
-  <p:transition/>
-  <p:timing>
-    <p:tnLst>
-      <p:par>
-        <p:cTn id="1" dur="indefinite" restart="never" nodeType="tmRoot"/>
-      </p:par>
-    </p:tnLst>
-  </p:timing>
-</p:sld>
-</file>
-
-<file path=ppt/slides/slide20.xml><?xml version="1.0" encoding="utf-8"?>
+<file path=ppt/slides/slide19.xml><?xml version="1.0" encoding="utf-8"?>
 <p:sld xmlns:a="http://schemas.openxmlformats.org/drawingml/2006/main" xmlns:r="http://schemas.openxmlformats.org/officeDocument/2006/relationships" xmlns:p="http://schemas.openxmlformats.org/presentationml/2006/main">
   <p:cSld>
     <p:spTree>
@@ -8019,7 +7769,7 @@
 </p:sld>
 </file>
 
-<file path=ppt/slides/slide21.xml><?xml version="1.0" encoding="utf-8"?>
+<file path=ppt/slides/slide2.xml><?xml version="1.0" encoding="utf-8"?>
 <p:sld xmlns:a="http://schemas.openxmlformats.org/drawingml/2006/main" xmlns:r="http://schemas.openxmlformats.org/officeDocument/2006/relationships" xmlns:p="http://schemas.openxmlformats.org/presentationml/2006/main" show="0">
   <p:cSld>
     <p:spTree>
@@ -8054,10 +7804,119 @@
           <a:lstStyle/>
           <a:p>
             <a:r>
-              <a:rPr lang="nl-NL" sz="5400" dirty="0" err="1" smtClean="0"/>
+              <a:rPr lang="nl-NL" dirty="0" err="1" smtClean="0"/>
+              <a:t>Outline</a:t>
+            </a:r>
+            <a:endParaRPr lang="nl-NL" dirty="0"/>
+          </a:p>
+        </p:txBody>
+      </p:sp>
+      <p:sp>
+        <p:nvSpPr>
+          <p:cNvPr id="3" name="Tijdelijke aanduiding voor inhoud 2"/>
+          <p:cNvSpPr>
+            <a:spLocks noGrp="1"/>
+          </p:cNvSpPr>
+          <p:nvPr>
+            <p:ph sz="quarter" idx="1"/>
+          </p:nvPr>
+        </p:nvSpPr>
+        <p:spPr/>
+        <p:txBody>
+          <a:bodyPr/>
+          <a:lstStyle/>
+          <a:p>
+            <a:r>
+              <a:rPr lang="nl-NL" dirty="0" err="1" smtClean="0"/>
+              <a:t>Introduction</a:t>
+            </a:r>
+            <a:endParaRPr lang="nl-NL" dirty="0" smtClean="0"/>
+          </a:p>
+          <a:p>
+            <a:pPr lvl="1">
+              <a:buFont typeface="Courier New" pitchFamily="49" charset="0"/>
+              <a:buChar char="o"/>
+            </a:pPr>
+            <a:r>
+              <a:rPr lang="nl-NL" dirty="0" err="1" smtClean="0"/>
+              <a:t>What</a:t>
+            </a:r>
+            <a:r>
+              <a:rPr lang="nl-NL" dirty="0" smtClean="0"/>
+              <a:t> is a </a:t>
+            </a:r>
+            <a:r>
+              <a:rPr lang="nl-NL" dirty="0" err="1" smtClean="0"/>
+              <a:t>balanced</a:t>
+            </a:r>
+            <a:r>
+              <a:rPr lang="nl-NL" dirty="0" smtClean="0"/>
+              <a:t> </a:t>
+            </a:r>
+            <a:r>
+              <a:rPr lang="nl-NL" dirty="0" err="1" smtClean="0"/>
+              <a:t>network</a:t>
+            </a:r>
+            <a:endParaRPr lang="nl-NL" dirty="0" smtClean="0"/>
+          </a:p>
+          <a:p>
+            <a:pPr lvl="1">
+              <a:buFont typeface="Courier New" pitchFamily="49" charset="0"/>
+              <a:buChar char="o"/>
+            </a:pPr>
+            <a:r>
+              <a:rPr lang="nl-NL" dirty="0" err="1" smtClean="0"/>
+              <a:t>Previous</a:t>
+            </a:r>
+            <a:r>
+              <a:rPr lang="nl-NL" dirty="0" smtClean="0"/>
+              <a:t> studies</a:t>
+            </a:r>
+          </a:p>
+          <a:p>
+            <a:r>
+              <a:rPr lang="nl-NL" dirty="0" err="1" smtClean="0"/>
+              <a:t>Methods</a:t>
+            </a:r>
+            <a:endParaRPr lang="nl-NL" dirty="0" smtClean="0"/>
+          </a:p>
+          <a:p>
+            <a:pPr lvl="1">
+              <a:buFont typeface="Courier New" pitchFamily="49" charset="0"/>
+              <a:buChar char="o"/>
+            </a:pPr>
+            <a:r>
+              <a:rPr lang="en-US" dirty="0" smtClean="0"/>
+              <a:t>Implementation</a:t>
+            </a:r>
+            <a:r>
+              <a:rPr lang="nl-NL" dirty="0" smtClean="0"/>
+              <a:t> </a:t>
+            </a:r>
+          </a:p>
+          <a:p>
+            <a:pPr lvl="1">
+              <a:buFont typeface="Courier New" pitchFamily="49" charset="0"/>
+              <a:buChar char="o"/>
+            </a:pPr>
+            <a:r>
+              <a:rPr lang="en-US" dirty="0" smtClean="0"/>
+              <a:t>Analysis</a:t>
+            </a:r>
+          </a:p>
+          <a:p>
+            <a:r>
+              <a:rPr lang="nl-NL" dirty="0" err="1" smtClean="0"/>
+              <a:t>Results</a:t>
+            </a:r>
+            <a:endParaRPr lang="nl-NL" dirty="0" smtClean="0"/>
+          </a:p>
+          <a:p>
+            <a:r>
+              <a:rPr lang="nl-NL" dirty="0" err="1" smtClean="0"/>
               <a:t>Discussion</a:t>
             </a:r>
-            <a:endParaRPr lang="nl-NL" sz="5400" dirty="0"/>
+            <a:endParaRPr lang="nl-NL" dirty="0" smtClean="0"/>
           </a:p>
         </p:txBody>
       </p:sp>
@@ -8067,6 +7926,317 @@
     <a:masterClrMapping/>
   </p:clrMapOvr>
   <p:transition/>
+  <p:timing>
+    <p:tnLst>
+      <p:par>
+        <p:cTn id="1" dur="indefinite" restart="never" nodeType="tmRoot"/>
+      </p:par>
+    </p:tnLst>
+  </p:timing>
+</p:sld>
+</file>
+
+<file path=ppt/slides/slide20.xml><?xml version="1.0" encoding="utf-8"?>
+<p:sld xmlns:a="http://schemas.openxmlformats.org/drawingml/2006/main" xmlns:r="http://schemas.openxmlformats.org/officeDocument/2006/relationships" xmlns:p="http://schemas.openxmlformats.org/presentationml/2006/main" show="0">
+  <p:cSld>
+    <p:spTree>
+      <p:nvGrpSpPr>
+        <p:cNvPr id="1" name=""/>
+        <p:cNvGrpSpPr/>
+        <p:nvPr/>
+      </p:nvGrpSpPr>
+      <p:grpSpPr>
+        <a:xfrm>
+          <a:off x="0" y="0"/>
+          <a:ext cx="0" cy="0"/>
+          <a:chOff x="0" y="0"/>
+          <a:chExt cx="0" cy="0"/>
+        </a:xfrm>
+      </p:grpSpPr>
+      <p:sp>
+        <p:nvSpPr>
+          <p:cNvPr id="2" name="Titel 1"/>
+          <p:cNvSpPr>
+            <a:spLocks noGrp="1"/>
+          </p:cNvSpPr>
+          <p:nvPr>
+            <p:ph type="title"/>
+          </p:nvPr>
+        </p:nvSpPr>
+        <p:spPr/>
+        <p:txBody>
+          <a:bodyPr>
+            <a:normAutofit/>
+          </a:bodyPr>
+          <a:lstStyle/>
+          <a:p>
+            <a:r>
+              <a:rPr lang="nl-NL" sz="5400" dirty="0" err="1" smtClean="0"/>
+              <a:t>Discussion</a:t>
+            </a:r>
+            <a:endParaRPr lang="nl-NL" sz="5400" dirty="0"/>
+          </a:p>
+        </p:txBody>
+      </p:sp>
+    </p:spTree>
+  </p:cSld>
+  <p:clrMapOvr>
+    <a:masterClrMapping/>
+  </p:clrMapOvr>
+  <p:transition/>
+  <p:timing>
+    <p:tnLst>
+      <p:par>
+        <p:cTn id="1" dur="indefinite" restart="never" nodeType="tmRoot"/>
+      </p:par>
+    </p:tnLst>
+  </p:timing>
+</p:sld>
+</file>
+
+<file path=ppt/slides/slide21.xml><?xml version="1.0" encoding="utf-8"?>
+<p:sld xmlns:a="http://schemas.openxmlformats.org/drawingml/2006/main" xmlns:r="http://schemas.openxmlformats.org/officeDocument/2006/relationships" xmlns:p="http://schemas.openxmlformats.org/presentationml/2006/main">
+  <p:cSld>
+    <p:spTree>
+      <p:nvGrpSpPr>
+        <p:cNvPr id="1" name=""/>
+        <p:cNvGrpSpPr/>
+        <p:nvPr/>
+      </p:nvGrpSpPr>
+      <p:grpSpPr>
+        <a:xfrm>
+          <a:off x="0" y="0"/>
+          <a:ext cx="0" cy="0"/>
+          <a:chOff x="0" y="0"/>
+          <a:chExt cx="0" cy="0"/>
+        </a:xfrm>
+      </p:grpSpPr>
+      <p:sp>
+        <p:nvSpPr>
+          <p:cNvPr id="4" name="Titel 3"/>
+          <p:cNvSpPr>
+            <a:spLocks noGrp="1"/>
+          </p:cNvSpPr>
+          <p:nvPr>
+            <p:ph type="title"/>
+          </p:nvPr>
+        </p:nvSpPr>
+        <p:spPr/>
+        <p:txBody>
+          <a:bodyPr/>
+          <a:lstStyle/>
+          <a:p>
+            <a:r>
+              <a:rPr lang="nl-NL" dirty="0" err="1" smtClean="0"/>
+              <a:t>Conclusion</a:t>
+            </a:r>
+            <a:endParaRPr lang="nl-NL" dirty="0"/>
+          </a:p>
+        </p:txBody>
+      </p:sp>
+      <p:sp>
+        <p:nvSpPr>
+          <p:cNvPr id="5" name="Tijdelijke aanduiding voor inhoud 4"/>
+          <p:cNvSpPr>
+            <a:spLocks noGrp="1"/>
+          </p:cNvSpPr>
+          <p:nvPr>
+            <p:ph sz="quarter" idx="1"/>
+          </p:nvPr>
+        </p:nvSpPr>
+        <p:spPr/>
+        <p:txBody>
+          <a:bodyPr/>
+          <a:lstStyle/>
+          <a:p>
+            <a:r>
+              <a:rPr lang="nl-NL" sz="2800" dirty="0" smtClean="0"/>
+              <a:t>The </a:t>
+            </a:r>
+            <a:r>
+              <a:rPr lang="nl-NL" sz="2800" dirty="0" err="1" smtClean="0"/>
+              <a:t>network</a:t>
+            </a:r>
+            <a:r>
+              <a:rPr lang="nl-NL" sz="2800" dirty="0" smtClean="0"/>
+              <a:t> model </a:t>
+            </a:r>
+            <a:r>
+              <a:rPr lang="nl-NL" sz="2800" dirty="0" err="1" smtClean="0"/>
+              <a:t>with</a:t>
+            </a:r>
+            <a:r>
+              <a:rPr lang="nl-NL" sz="2800" dirty="0" smtClean="0"/>
+              <a:t> more </a:t>
+            </a:r>
+            <a:r>
+              <a:rPr lang="nl-NL" sz="2800" dirty="0" err="1" smtClean="0"/>
+              <a:t>biologically</a:t>
+            </a:r>
+            <a:r>
+              <a:rPr lang="nl-NL" sz="2800" dirty="0" smtClean="0"/>
+              <a:t> </a:t>
+            </a:r>
+            <a:r>
+              <a:rPr lang="nl-NL" sz="2800" dirty="0" err="1" smtClean="0"/>
+              <a:t>realistic</a:t>
+            </a:r>
+            <a:r>
+              <a:rPr lang="nl-NL" sz="2800" dirty="0" smtClean="0"/>
+              <a:t> </a:t>
+            </a:r>
+            <a:r>
+              <a:rPr lang="nl-NL" sz="2800" dirty="0" err="1" smtClean="0"/>
+              <a:t>synapses</a:t>
+            </a:r>
+            <a:r>
+              <a:rPr lang="nl-NL" sz="2800" dirty="0" smtClean="0"/>
+              <a:t> </a:t>
+            </a:r>
+            <a:r>
+              <a:rPr lang="nl-NL" sz="2800" dirty="0" err="1" smtClean="0"/>
+              <a:t>can</a:t>
+            </a:r>
+            <a:r>
+              <a:rPr lang="nl-NL" sz="2800" dirty="0" smtClean="0"/>
+              <a:t> </a:t>
+            </a:r>
+            <a:r>
+              <a:rPr lang="nl-NL" sz="2800" dirty="0" err="1" smtClean="0"/>
+              <a:t>reach</a:t>
+            </a:r>
+            <a:r>
+              <a:rPr lang="nl-NL" sz="2800" dirty="0" smtClean="0"/>
+              <a:t> different </a:t>
+            </a:r>
+            <a:r>
+              <a:rPr lang="nl-NL" sz="2800" dirty="0" err="1" smtClean="0"/>
+              <a:t>balanced</a:t>
+            </a:r>
+            <a:r>
+              <a:rPr lang="nl-NL" sz="2800" dirty="0" smtClean="0"/>
+              <a:t> </a:t>
+            </a:r>
+            <a:r>
+              <a:rPr lang="nl-NL" sz="2800" dirty="0" err="1" smtClean="0"/>
+              <a:t>states</a:t>
+            </a:r>
+            <a:r>
+              <a:rPr lang="nl-NL" sz="2800" dirty="0" smtClean="0"/>
+              <a:t> </a:t>
+            </a:r>
+            <a:r>
+              <a:rPr lang="nl-NL" sz="2800" dirty="0" err="1" smtClean="0"/>
+              <a:t>with</a:t>
+            </a:r>
+            <a:r>
+              <a:rPr lang="nl-NL" sz="2800" dirty="0" smtClean="0"/>
+              <a:t> respect to </a:t>
+            </a:r>
+            <a:r>
+              <a:rPr lang="nl-NL" sz="2800" dirty="0" err="1" smtClean="0"/>
+              <a:t>Regularity</a:t>
+            </a:r>
+            <a:r>
+              <a:rPr lang="nl-NL" sz="2800" dirty="0" smtClean="0"/>
+              <a:t> and </a:t>
+            </a:r>
+            <a:r>
+              <a:rPr lang="nl-NL" sz="2800" dirty="0" err="1" smtClean="0"/>
+              <a:t>Synchrony</a:t>
+            </a:r>
+            <a:r>
+              <a:rPr lang="nl-NL" sz="2800" dirty="0" smtClean="0"/>
+              <a:t>, </a:t>
+            </a:r>
+            <a:r>
+              <a:rPr lang="nl-NL" sz="2800" dirty="0" err="1" smtClean="0"/>
+              <a:t>but</a:t>
+            </a:r>
+            <a:r>
+              <a:rPr lang="nl-NL" sz="2800" dirty="0" smtClean="0"/>
+              <a:t> the </a:t>
+            </a:r>
+            <a:r>
+              <a:rPr lang="nl-NL" sz="2800" dirty="0" err="1" smtClean="0"/>
+              <a:t>behavior</a:t>
+            </a:r>
+            <a:r>
+              <a:rPr lang="nl-NL" sz="2800" dirty="0" smtClean="0"/>
+              <a:t> </a:t>
+            </a:r>
+            <a:r>
+              <a:rPr lang="nl-NL" sz="2800" dirty="0" err="1" smtClean="0"/>
+              <a:t>differs</a:t>
+            </a:r>
+            <a:r>
+              <a:rPr lang="nl-NL" sz="2800" dirty="0" smtClean="0"/>
+              <a:t> </a:t>
+            </a:r>
+            <a:r>
+              <a:rPr lang="nl-NL" sz="2800" dirty="0" err="1" smtClean="0"/>
+              <a:t>from</a:t>
+            </a:r>
+            <a:r>
+              <a:rPr lang="nl-NL" sz="2800" dirty="0" smtClean="0"/>
+              <a:t> the </a:t>
+            </a:r>
+            <a:r>
+              <a:rPr lang="nl-NL" sz="2800" dirty="0" err="1" smtClean="0"/>
+              <a:t>simpler</a:t>
+            </a:r>
+            <a:r>
+              <a:rPr lang="nl-NL" sz="2800" dirty="0" smtClean="0"/>
+              <a:t> </a:t>
+            </a:r>
+            <a:r>
+              <a:rPr lang="nl-NL" sz="2800" dirty="0" err="1" smtClean="0"/>
+              <a:t>network</a:t>
+            </a:r>
+            <a:r>
+              <a:rPr lang="nl-NL" sz="2800" dirty="0" smtClean="0"/>
+              <a:t> model, as </a:t>
+            </a:r>
+            <a:r>
+              <a:rPr lang="nl-NL" sz="2800" dirty="0" err="1" smtClean="0"/>
+              <a:t>there</a:t>
+            </a:r>
+            <a:r>
+              <a:rPr lang="nl-NL" sz="2800" dirty="0" smtClean="0"/>
+              <a:t> is </a:t>
+            </a:r>
+            <a:r>
+              <a:rPr lang="nl-NL" sz="2800" dirty="0" err="1" smtClean="0"/>
+              <a:t>strong</a:t>
+            </a:r>
+            <a:r>
+              <a:rPr lang="nl-NL" sz="2800" dirty="0" smtClean="0"/>
+              <a:t> </a:t>
+            </a:r>
+            <a:r>
+              <a:rPr lang="nl-NL" sz="2800" dirty="0" err="1" smtClean="0"/>
+              <a:t>bursting</a:t>
+            </a:r>
+            <a:r>
+              <a:rPr lang="nl-NL" sz="2800" dirty="0" smtClean="0"/>
+              <a:t> </a:t>
+            </a:r>
+            <a:r>
+              <a:rPr lang="nl-NL" sz="2800" dirty="0" err="1" smtClean="0"/>
+              <a:t>behavior</a:t>
+            </a:r>
+            <a:r>
+              <a:rPr lang="nl-NL" sz="2800" dirty="0" smtClean="0"/>
+              <a:t>.</a:t>
+            </a:r>
+          </a:p>
+        </p:txBody>
+      </p:sp>
+    </p:spTree>
+  </p:cSld>
+  <p:clrMapOvr>
+    <a:masterClrMapping/>
+  </p:clrMapOvr>
   <p:timing>
     <p:tnLst>
       <p:par>
@@ -8096,7 +8266,7 @@
       </p:grpSpPr>
       <p:sp>
         <p:nvSpPr>
-          <p:cNvPr id="4" name="Titel 3"/>
+          <p:cNvPr id="2" name="Titel 1"/>
           <p:cNvSpPr>
             <a:spLocks noGrp="1"/>
           </p:cNvSpPr>
@@ -8111,7 +8281,15 @@
           <a:p>
             <a:r>
               <a:rPr lang="nl-NL" dirty="0" err="1" smtClean="0"/>
-              <a:t>Conclusion</a:t>
+              <a:t>Possible</a:t>
+            </a:r>
+            <a:r>
+              <a:rPr lang="nl-NL" dirty="0" smtClean="0"/>
+              <a:t> </a:t>
+            </a:r>
+            <a:r>
+              <a:rPr lang="nl-NL" dirty="0" err="1" smtClean="0"/>
+              <a:t>explanations</a:t>
             </a:r>
             <a:endParaRPr lang="nl-NL" dirty="0"/>
           </a:p>
@@ -8119,7 +8297,7 @@
       </p:sp>
       <p:sp>
         <p:nvSpPr>
-          <p:cNvPr id="5" name="Tijdelijke aanduiding voor inhoud 4"/>
+          <p:cNvPr id="3" name="Tijdelijke aanduiding voor inhoud 2"/>
           <p:cNvSpPr>
             <a:spLocks noGrp="1"/>
           </p:cNvSpPr>
@@ -8133,185 +8311,175 @@
           <a:lstStyle/>
           <a:p>
             <a:r>
-              <a:rPr lang="nl-NL" sz="2800" dirty="0" smtClean="0"/>
-              <a:t>The </a:t>
-            </a:r>
-            <a:r>
-              <a:rPr lang="nl-NL" sz="2800" dirty="0" err="1" smtClean="0"/>
+              <a:rPr lang="nl-NL" dirty="0" smtClean="0"/>
+              <a:t>The more </a:t>
+            </a:r>
+            <a:r>
+              <a:rPr lang="nl-NL" dirty="0" err="1" smtClean="0"/>
+              <a:t>biologically</a:t>
+            </a:r>
+            <a:r>
+              <a:rPr lang="nl-NL" dirty="0" smtClean="0"/>
+              <a:t> </a:t>
+            </a:r>
+            <a:r>
+              <a:rPr lang="nl-NL" dirty="0" err="1" smtClean="0"/>
+              <a:t>realistic</a:t>
+            </a:r>
+            <a:r>
+              <a:rPr lang="nl-NL" dirty="0" smtClean="0"/>
+              <a:t> </a:t>
+            </a:r>
+            <a:r>
+              <a:rPr lang="nl-NL" dirty="0" err="1" smtClean="0"/>
+              <a:t>synapse</a:t>
+            </a:r>
+            <a:r>
+              <a:rPr lang="nl-NL" dirty="0" smtClean="0"/>
+              <a:t> model</a:t>
+            </a:r>
+          </a:p>
+          <a:p>
+            <a:pPr lvl="1">
+              <a:buFont typeface="Courier New" pitchFamily="49" charset="0"/>
+              <a:buChar char="o"/>
+            </a:pPr>
+            <a:r>
+              <a:rPr lang="nl-NL" dirty="0" err="1" smtClean="0"/>
+              <a:t>Decay</a:t>
+            </a:r>
+            <a:r>
+              <a:rPr lang="nl-NL" dirty="0" smtClean="0"/>
+              <a:t> </a:t>
+            </a:r>
+            <a:r>
+              <a:rPr lang="nl-NL" dirty="0" err="1" smtClean="0"/>
+              <a:t>keeps</a:t>
+            </a:r>
+            <a:r>
+              <a:rPr lang="nl-NL" dirty="0" smtClean="0"/>
+              <a:t> </a:t>
+            </a:r>
+            <a:r>
+              <a:rPr lang="nl-NL" dirty="0" err="1" smtClean="0"/>
+              <a:t>membrane</a:t>
+            </a:r>
+            <a:r>
+              <a:rPr lang="nl-NL" dirty="0" smtClean="0"/>
+              <a:t> </a:t>
+            </a:r>
+            <a:r>
+              <a:rPr lang="nl-NL" dirty="0" err="1" smtClean="0"/>
+              <a:t>potential</a:t>
+            </a:r>
+            <a:r>
+              <a:rPr lang="nl-NL" dirty="0" smtClean="0"/>
+              <a:t> to </a:t>
+            </a:r>
+            <a:r>
+              <a:rPr lang="nl-NL" dirty="0" err="1" smtClean="0"/>
+              <a:t>threshold</a:t>
+            </a:r>
+            <a:r>
+              <a:rPr lang="nl-NL" dirty="0" smtClean="0"/>
+              <a:t>: </a:t>
+            </a:r>
+            <a:r>
+              <a:rPr lang="nl-NL" dirty="0" err="1" smtClean="0"/>
+              <a:t>bursting</a:t>
+            </a:r>
+            <a:endParaRPr lang="nl-NL" dirty="0" smtClean="0"/>
+          </a:p>
+          <a:p>
+            <a:pPr lvl="1">
+              <a:buFont typeface="Courier New" pitchFamily="49" charset="0"/>
+              <a:buChar char="o"/>
+            </a:pPr>
+            <a:r>
+              <a:rPr lang="nl-NL" dirty="0" smtClean="0"/>
+              <a:t>Time constant of </a:t>
+            </a:r>
+            <a:r>
+              <a:rPr lang="nl-NL" dirty="0" err="1" smtClean="0"/>
+              <a:t>inhibitory</a:t>
+            </a:r>
+            <a:r>
+              <a:rPr lang="nl-NL" dirty="0" smtClean="0"/>
+              <a:t> </a:t>
+            </a:r>
+            <a:r>
+              <a:rPr lang="nl-NL" dirty="0" err="1" smtClean="0"/>
+              <a:t>synapse</a:t>
+            </a:r>
+            <a:r>
+              <a:rPr lang="nl-NL" dirty="0" smtClean="0"/>
+              <a:t> </a:t>
+            </a:r>
+            <a:r>
+              <a:rPr lang="nl-NL" dirty="0" err="1" smtClean="0"/>
+              <a:t>higher</a:t>
+            </a:r>
+            <a:endParaRPr lang="nl-NL" dirty="0" smtClean="0"/>
+          </a:p>
+          <a:p>
+            <a:r>
+              <a:rPr lang="nl-NL" dirty="0" err="1" smtClean="0"/>
+              <a:t>Synapse</a:t>
+            </a:r>
+            <a:r>
+              <a:rPr lang="nl-NL" dirty="0" smtClean="0"/>
+              <a:t> </a:t>
+            </a:r>
+            <a:r>
+              <a:rPr lang="nl-NL" dirty="0" err="1" smtClean="0"/>
+              <a:t>strengths</a:t>
+            </a:r>
+            <a:r>
+              <a:rPr lang="nl-NL" dirty="0" smtClean="0"/>
+              <a:t> </a:t>
+            </a:r>
+            <a:r>
+              <a:rPr lang="nl-NL" dirty="0" err="1" smtClean="0"/>
+              <a:t>distributed</a:t>
+            </a:r>
+            <a:endParaRPr lang="nl-NL" dirty="0" smtClean="0"/>
+          </a:p>
+          <a:p>
+            <a:pPr lvl="1">
+              <a:buFont typeface="Courier New" pitchFamily="49" charset="0"/>
+              <a:buChar char="o"/>
+            </a:pPr>
+            <a:r>
+              <a:rPr lang="nl-NL" dirty="0" err="1" smtClean="0"/>
+              <a:t>Transition</a:t>
+            </a:r>
+            <a:r>
+              <a:rPr lang="nl-NL" dirty="0" smtClean="0"/>
+              <a:t> State</a:t>
+            </a:r>
+          </a:p>
+          <a:p>
+            <a:r>
+              <a:rPr lang="nl-NL" dirty="0" err="1" smtClean="0"/>
+              <a:t>Scaling</a:t>
+            </a:r>
+            <a:r>
+              <a:rPr lang="nl-NL" dirty="0" smtClean="0"/>
+              <a:t> of </a:t>
+            </a:r>
+            <a:r>
+              <a:rPr lang="nl-NL" dirty="0" err="1" smtClean="0"/>
               <a:t>network</a:t>
             </a:r>
             <a:r>
-              <a:rPr lang="nl-NL" sz="2800" dirty="0" smtClean="0"/>
-              <a:t> model </a:t>
-            </a:r>
-            <a:r>
-              <a:rPr lang="nl-NL" sz="2800" dirty="0" err="1" smtClean="0"/>
-              <a:t>with</a:t>
-            </a:r>
-            <a:r>
-              <a:rPr lang="nl-NL" sz="2800" dirty="0" smtClean="0"/>
-              <a:t> more </a:t>
-            </a:r>
-            <a:r>
-              <a:rPr lang="nl-NL" sz="2800" dirty="0" err="1" smtClean="0"/>
-              <a:t>biologically</a:t>
-            </a:r>
-            <a:r>
-              <a:rPr lang="nl-NL" sz="2800" dirty="0" smtClean="0"/>
+              <a:rPr lang="nl-NL" dirty="0" smtClean="0"/>
               <a:t> </a:t>
             </a:r>
             <a:r>
-              <a:rPr lang="nl-NL" sz="2800" dirty="0" err="1" smtClean="0"/>
-              <a:t>realistic</a:t>
-            </a:r>
-            <a:r>
-              <a:rPr lang="nl-NL" sz="2800" dirty="0" smtClean="0"/>
-              <a:t> </a:t>
-            </a:r>
-            <a:r>
-              <a:rPr lang="nl-NL" sz="2800" dirty="0" err="1" smtClean="0"/>
-              <a:t>synapses</a:t>
-            </a:r>
-            <a:r>
-              <a:rPr lang="nl-NL" sz="2800" dirty="0" smtClean="0"/>
-              <a:t> </a:t>
-            </a:r>
-            <a:r>
-              <a:rPr lang="nl-NL" sz="2800" dirty="0" err="1" smtClean="0"/>
-              <a:t>can</a:t>
-            </a:r>
-            <a:r>
-              <a:rPr lang="nl-NL" sz="2800" dirty="0" smtClean="0"/>
-              <a:t> </a:t>
-            </a:r>
-            <a:r>
-              <a:rPr lang="nl-NL" sz="2800" dirty="0" err="1" smtClean="0"/>
-              <a:t>reach</a:t>
-            </a:r>
-            <a:r>
-              <a:rPr lang="nl-NL" sz="2800" dirty="0" smtClean="0"/>
-              <a:t> different </a:t>
-            </a:r>
-            <a:r>
-              <a:rPr lang="nl-NL" sz="2800" dirty="0" err="1" smtClean="0"/>
-              <a:t>balanced</a:t>
-            </a:r>
-            <a:r>
-              <a:rPr lang="nl-NL" sz="2800" dirty="0" smtClean="0"/>
-              <a:t> </a:t>
-            </a:r>
-            <a:r>
-              <a:rPr lang="nl-NL" sz="2800" dirty="0" err="1" smtClean="0"/>
-              <a:t>states</a:t>
-            </a:r>
-            <a:r>
-              <a:rPr lang="nl-NL" sz="2800" dirty="0" smtClean="0"/>
-              <a:t> </a:t>
-            </a:r>
-            <a:r>
-              <a:rPr lang="nl-NL" sz="2800" dirty="0" err="1" smtClean="0"/>
-              <a:t>with</a:t>
-            </a:r>
-            <a:r>
-              <a:rPr lang="nl-NL" sz="2800" dirty="0" smtClean="0"/>
-              <a:t> respect to </a:t>
-            </a:r>
-            <a:r>
-              <a:rPr lang="nl-NL" sz="2800" dirty="0" err="1" smtClean="0"/>
-              <a:t>Regularity</a:t>
-            </a:r>
-            <a:r>
-              <a:rPr lang="nl-NL" sz="2800" dirty="0" smtClean="0"/>
-              <a:t> and </a:t>
-            </a:r>
-            <a:r>
-              <a:rPr lang="nl-NL" sz="2800" dirty="0" err="1" smtClean="0"/>
-              <a:t>Synchrony</a:t>
-            </a:r>
-            <a:r>
-              <a:rPr lang="nl-NL" sz="2800" dirty="0" smtClean="0"/>
-              <a:t>, </a:t>
-            </a:r>
-            <a:r>
-              <a:rPr lang="nl-NL" sz="2800" dirty="0" err="1" smtClean="0"/>
-              <a:t>but</a:t>
-            </a:r>
-            <a:r>
-              <a:rPr lang="nl-NL" sz="2800" dirty="0" smtClean="0"/>
-              <a:t> the </a:t>
-            </a:r>
-            <a:r>
-              <a:rPr lang="nl-NL" sz="2800" dirty="0" err="1" smtClean="0"/>
-              <a:t>behavior</a:t>
-            </a:r>
-            <a:r>
-              <a:rPr lang="nl-NL" sz="2800" dirty="0" smtClean="0"/>
-              <a:t> </a:t>
-            </a:r>
-            <a:r>
-              <a:rPr lang="nl-NL" sz="2800" dirty="0" err="1" smtClean="0"/>
-              <a:t>differs</a:t>
-            </a:r>
-            <a:r>
-              <a:rPr lang="nl-NL" sz="2800" dirty="0" smtClean="0"/>
-              <a:t> </a:t>
-            </a:r>
-            <a:r>
-              <a:rPr lang="nl-NL" sz="2800" dirty="0" err="1" smtClean="0"/>
-              <a:t>from</a:t>
-            </a:r>
-            <a:r>
-              <a:rPr lang="nl-NL" sz="2800" dirty="0" smtClean="0"/>
-              <a:t> the </a:t>
-            </a:r>
-            <a:r>
-              <a:rPr lang="nl-NL" sz="2800" dirty="0" err="1" smtClean="0"/>
-              <a:t>simpler</a:t>
-            </a:r>
-            <a:r>
-              <a:rPr lang="nl-NL" sz="2800" dirty="0" smtClean="0"/>
-              <a:t> </a:t>
-            </a:r>
-            <a:r>
-              <a:rPr lang="nl-NL" sz="2800" dirty="0" err="1" smtClean="0"/>
-              <a:t>network</a:t>
-            </a:r>
-            <a:r>
-              <a:rPr lang="nl-NL" sz="2800" dirty="0" smtClean="0"/>
-              <a:t> model, as </a:t>
-            </a:r>
-            <a:r>
-              <a:rPr lang="nl-NL" sz="2800" dirty="0" err="1" smtClean="0"/>
-              <a:t>there</a:t>
-            </a:r>
-            <a:r>
-              <a:rPr lang="nl-NL" sz="2800" dirty="0" smtClean="0"/>
-              <a:t> is </a:t>
-            </a:r>
-            <a:r>
-              <a:rPr lang="nl-NL" sz="2800" dirty="0" err="1" smtClean="0"/>
-              <a:t>strong</a:t>
-            </a:r>
-            <a:r>
-              <a:rPr lang="nl-NL" sz="2800" dirty="0" smtClean="0"/>
-              <a:t> </a:t>
-            </a:r>
-            <a:r>
-              <a:rPr lang="nl-NL" sz="2800" dirty="0" err="1" smtClean="0"/>
-              <a:t>bursting</a:t>
-            </a:r>
-            <a:r>
-              <a:rPr lang="nl-NL" sz="2800" dirty="0" smtClean="0"/>
-              <a:t> </a:t>
-            </a:r>
-            <a:r>
-              <a:rPr lang="nl-NL" sz="2800" dirty="0" err="1" smtClean="0"/>
-              <a:t>behavior</a:t>
-            </a:r>
-            <a:r>
-              <a:rPr lang="nl-NL" sz="2800" dirty="0" smtClean="0"/>
-              <a:t>.</a:t>
-            </a:r>
+              <a:rPr lang="nl-NL" dirty="0" err="1" smtClean="0"/>
+              <a:t>size</a:t>
+            </a:r>
+            <a:endParaRPr lang="nl-NL" dirty="0" smtClean="0"/>
           </a:p>
         </p:txBody>
       </p:sp>
@@ -8364,15 +8532,11 @@
           <a:p>
             <a:r>
               <a:rPr lang="nl-NL" dirty="0" err="1" smtClean="0"/>
-              <a:t>Possible</a:t>
-            </a:r>
-            <a:r>
-              <a:rPr lang="nl-NL" dirty="0" smtClean="0"/>
-              <a:t> </a:t>
-            </a:r>
-            <a:r>
-              <a:rPr lang="nl-NL" dirty="0" err="1" smtClean="0"/>
-              <a:t>explanations</a:t>
+              <a:t>Why</a:t>
+            </a:r>
+            <a:r>
+              <a:rPr lang="nl-NL" dirty="0" smtClean="0"/>
+              <a:t> relevant?</a:t>
             </a:r>
             <a:endParaRPr lang="nl-NL" dirty="0"/>
           </a:p>
@@ -8394,8 +8558,20 @@
           <a:lstStyle/>
           <a:p>
             <a:r>
-              <a:rPr lang="nl-NL" dirty="0" smtClean="0"/>
-              <a:t>The more </a:t>
+              <a:rPr lang="nl-NL" dirty="0" err="1" smtClean="0"/>
+              <a:t>Examine</a:t>
+            </a:r>
+            <a:r>
+              <a:rPr lang="nl-NL" dirty="0" smtClean="0"/>
+              <a:t> </a:t>
+            </a:r>
+            <a:r>
+              <a:rPr lang="nl-NL" dirty="0" err="1" smtClean="0"/>
+              <a:t>influence</a:t>
+            </a:r>
+            <a:r>
+              <a:rPr lang="nl-NL" dirty="0" smtClean="0"/>
+              <a:t> </a:t>
             </a:r>
             <a:r>
               <a:rPr lang="nl-NL" dirty="0" err="1" smtClean="0"/>
@@ -8403,24 +8579,13 @@
             </a:r>
             <a:r>
               <a:rPr lang="nl-NL" dirty="0" smtClean="0"/>
-              <a:t> </a:t>
-            </a:r>
-            <a:r>
-              <a:rPr lang="nl-NL" dirty="0" err="1" smtClean="0"/>
-              <a:t>realistic</a:t>
-            </a:r>
-            <a:r>
-              <a:rPr lang="nl-NL" dirty="0" smtClean="0"/>
-              <a:t> </a:t>
-            </a:r>
-            <a:r>
-              <a:rPr lang="nl-NL" dirty="0" err="1" smtClean="0"/>
-              <a:t>synapse</a:t>
-            </a:r>
-            <a:r>
-              <a:rPr lang="nl-NL" dirty="0" smtClean="0"/>
-              <a:t> model</a:t>
-            </a:r>
+              <a:t> relevant </a:t>
+            </a:r>
+            <a:r>
+              <a:rPr lang="nl-NL" dirty="0" err="1" smtClean="0"/>
+              <a:t>properties</a:t>
+            </a:r>
+            <a:endParaRPr lang="nl-NL" dirty="0" smtClean="0"/>
           </a:p>
           <a:p>
             <a:pPr lvl="1">
@@ -8429,7 +8594,7 @@
             </a:pPr>
             <a:r>
               <a:rPr lang="nl-NL" dirty="0" err="1" smtClean="0"/>
-              <a:t>Decay</a:t>
+              <a:t>Synaptic</a:t>
             </a:r>
             <a:r>
               <a:rPr lang="nl-NL" dirty="0" smtClean="0"/>
@@ -8437,39 +8602,7 @@
             </a:r>
             <a:r>
               <a:rPr lang="nl-NL" dirty="0" err="1" smtClean="0"/>
-              <a:t>keeps</a:t>
-            </a:r>
-            <a:r>
-              <a:rPr lang="nl-NL" dirty="0" smtClean="0"/>
-              <a:t> </a:t>
-            </a:r>
-            <a:r>
-              <a:rPr lang="nl-NL" dirty="0" err="1" smtClean="0"/>
-              <a:t>membrane</a:t>
-            </a:r>
-            <a:r>
-              <a:rPr lang="nl-NL" dirty="0" smtClean="0"/>
-              <a:t> </a:t>
-            </a:r>
-            <a:r>
-              <a:rPr lang="nl-NL" dirty="0" err="1" smtClean="0"/>
-              <a:t>potential</a:t>
-            </a:r>
-            <a:r>
-              <a:rPr lang="nl-NL" dirty="0" smtClean="0"/>
-              <a:t> to </a:t>
-            </a:r>
-            <a:r>
-              <a:rPr lang="nl-NL" dirty="0" err="1" smtClean="0"/>
-              <a:t>threshold</a:t>
-            </a:r>
-            <a:r>
-              <a:rPr lang="nl-NL" dirty="0" smtClean="0"/>
-              <a:t>: </a:t>
-            </a:r>
-            <a:r>
-              <a:rPr lang="nl-NL" dirty="0" err="1" smtClean="0"/>
-              <a:t>bursting</a:t>
+              <a:t>strength</a:t>
             </a:r>
             <a:endParaRPr lang="nl-NL" dirty="0" smtClean="0"/>
           </a:p>
@@ -8479,12 +8612,16 @@
               <a:buChar char="o"/>
             </a:pPr>
             <a:r>
-              <a:rPr lang="nl-NL" dirty="0" smtClean="0"/>
-              <a:t>Time constant of </a:t>
-            </a:r>
-            <a:r>
-              <a:rPr lang="nl-NL" dirty="0" err="1" smtClean="0"/>
-              <a:t>inhibitory</a:t>
+              <a:rPr lang="nl-NL" dirty="0" err="1" smtClean="0"/>
+              <a:t>Connectivity</a:t>
+            </a:r>
+            <a:r>
+              <a:rPr lang="nl-NL" dirty="0" smtClean="0"/>
+              <a:t> of </a:t>
+            </a:r>
+            <a:r>
+              <a:rPr lang="nl-NL" dirty="0" err="1" smtClean="0"/>
+              <a:t>brain</a:t>
             </a:r>
             <a:r>
               <a:rPr lang="nl-NL" dirty="0" smtClean="0"/>
@@ -8492,38 +8629,7 @@
             </a:r>
             <a:r>
               <a:rPr lang="nl-NL" dirty="0" err="1" smtClean="0"/>
-              <a:t>synapse</a:t>
-            </a:r>
-            <a:r>
-              <a:rPr lang="nl-NL" dirty="0" smtClean="0"/>
-              <a:t> </a:t>
-            </a:r>
-            <a:r>
-              <a:rPr lang="nl-NL" dirty="0" err="1" smtClean="0"/>
-              <a:t>higher</a:t>
-            </a:r>
-            <a:endParaRPr lang="nl-NL" dirty="0" smtClean="0"/>
-          </a:p>
-          <a:p>
-            <a:r>
-              <a:rPr lang="nl-NL" dirty="0" err="1" smtClean="0"/>
-              <a:t>Synapse</a:t>
-            </a:r>
-            <a:r>
-              <a:rPr lang="nl-NL" dirty="0" smtClean="0"/>
-              <a:t> </a:t>
-            </a:r>
-            <a:r>
-              <a:rPr lang="nl-NL" dirty="0" err="1" smtClean="0"/>
-              <a:t>strengths</a:t>
-            </a:r>
-            <a:r>
-              <a:rPr lang="nl-NL" dirty="0" smtClean="0"/>
-              <a:t> </a:t>
-            </a:r>
-            <a:r>
-              <a:rPr lang="nl-NL" dirty="0" err="1" smtClean="0"/>
-              <a:t>distributed</a:t>
+              <a:t>area</a:t>
             </a:r>
             <a:endParaRPr lang="nl-NL" dirty="0" smtClean="0"/>
           </a:p>
@@ -8534,7 +8640,57 @@
             </a:pPr>
             <a:r>
               <a:rPr lang="nl-NL" dirty="0" err="1" smtClean="0"/>
-              <a:t>Transition</a:t>
+              <a:t>Length</a:t>
+            </a:r>
+            <a:r>
+              <a:rPr lang="nl-NL" dirty="0" smtClean="0"/>
+              <a:t> of </a:t>
+            </a:r>
+            <a:r>
+              <a:rPr lang="nl-NL" dirty="0" err="1" smtClean="0"/>
+              <a:t>axons</a:t>
+            </a:r>
+            <a:r>
+              <a:rPr lang="nl-NL" dirty="0" smtClean="0"/>
+              <a:t>/ </a:t>
+            </a:r>
+            <a:r>
+              <a:rPr lang="nl-NL" dirty="0" err="1" smtClean="0"/>
+              <a:t>dendrites</a:t>
+            </a:r>
+            <a:r>
+              <a:rPr lang="nl-NL" dirty="0" smtClean="0"/>
+              <a:t> </a:t>
+            </a:r>
+          </a:p>
+          <a:p>
+            <a:r>
+              <a:rPr lang="nl-NL" dirty="0" err="1" smtClean="0"/>
+              <a:t>Especially</a:t>
+            </a:r>
+            <a:r>
+              <a:rPr lang="nl-NL" dirty="0" smtClean="0"/>
+              <a:t> </a:t>
+            </a:r>
+            <a:r>
+              <a:rPr lang="nl-NL" dirty="0" err="1" smtClean="0"/>
+              <a:t>on</a:t>
+            </a:r>
+            <a:r>
+              <a:rPr lang="nl-NL" dirty="0" smtClean="0"/>
+              <a:t> </a:t>
+            </a:r>
+            <a:r>
+              <a:rPr lang="nl-NL" dirty="0" err="1" smtClean="0"/>
+              <a:t>Asynchronous</a:t>
+            </a:r>
+            <a:r>
+              <a:rPr lang="nl-NL" dirty="0" smtClean="0"/>
+              <a:t> </a:t>
+            </a:r>
+            <a:r>
+              <a:rPr lang="nl-NL" dirty="0" err="1" smtClean="0"/>
+              <a:t>Irregular</a:t>
             </a:r>
             <a:r>
               <a:rPr lang="nl-NL" dirty="0" smtClean="0"/>
@@ -8542,17 +8698,20 @@
             </a:r>
           </a:p>
           <a:p>
-            <a:r>
-              <a:rPr lang="nl-NL" dirty="0" err="1" smtClean="0"/>
-              <a:t>Scaling</a:t>
-            </a:r>
-            <a:r>
-              <a:rPr lang="nl-NL" dirty="0" smtClean="0"/>
-              <a:t> of </a:t>
-            </a:r>
-            <a:r>
-              <a:rPr lang="nl-NL" dirty="0" err="1" smtClean="0"/>
-              <a:t>network</a:t>
+            <a:pPr lvl="1">
+              <a:buFont typeface="Courier New" pitchFamily="49" charset="0"/>
+              <a:buChar char="o"/>
+            </a:pPr>
+            <a:r>
+              <a:rPr lang="nl-NL" dirty="0" err="1" smtClean="0"/>
+              <a:t>Epilepsy</a:t>
+            </a:r>
+            <a:endParaRPr lang="nl-NL" dirty="0" smtClean="0"/>
+          </a:p>
+          <a:p>
+            <a:r>
+              <a:rPr lang="nl-NL" dirty="0" err="1" smtClean="0"/>
+              <a:t>Extend</a:t>
             </a:r>
             <a:r>
               <a:rPr lang="nl-NL" dirty="0" smtClean="0"/>
@@ -8560,9 +8719,62 @@
             </a:r>
             <a:r>
               <a:rPr lang="nl-NL" dirty="0" err="1" smtClean="0"/>
-              <a:t>size</a:t>
+              <a:t>with</a:t>
+            </a:r>
+            <a:r>
+              <a:rPr lang="nl-NL" dirty="0" smtClean="0"/>
+              <a:t> more </a:t>
+            </a:r>
+            <a:r>
+              <a:rPr lang="nl-NL" dirty="0" err="1" smtClean="0"/>
+              <a:t>biologically</a:t>
+            </a:r>
+            <a:r>
+              <a:rPr lang="nl-NL" dirty="0" smtClean="0"/>
+              <a:t> </a:t>
+            </a:r>
+            <a:r>
+              <a:rPr lang="nl-NL" dirty="0" err="1" smtClean="0"/>
+              <a:t>realistic</a:t>
+            </a:r>
+            <a:r>
+              <a:rPr lang="nl-NL" dirty="0" smtClean="0"/>
+              <a:t> </a:t>
+            </a:r>
+            <a:r>
+              <a:rPr lang="nl-NL" dirty="0" err="1" smtClean="0"/>
+              <a:t>components</a:t>
             </a:r>
             <a:endParaRPr lang="nl-NL" dirty="0" smtClean="0"/>
+          </a:p>
+          <a:p>
+            <a:pPr lvl="1">
+              <a:buFont typeface="Courier New" pitchFamily="49" charset="0"/>
+              <a:buChar char="o"/>
+            </a:pPr>
+            <a:r>
+              <a:rPr lang="nl-NL" dirty="0" err="1" smtClean="0"/>
+              <a:t>Increase</a:t>
+            </a:r>
+            <a:r>
+              <a:rPr lang="nl-NL" dirty="0" smtClean="0"/>
+              <a:t> </a:t>
+            </a:r>
+            <a:r>
+              <a:rPr lang="nl-NL" dirty="0" err="1" smtClean="0"/>
+              <a:t>computational</a:t>
+            </a:r>
+            <a:r>
+              <a:rPr lang="nl-NL" dirty="0" smtClean="0"/>
+              <a:t> power</a:t>
+            </a:r>
+          </a:p>
+          <a:p>
+            <a:pPr lvl="1">
+              <a:buFont typeface="Courier New" pitchFamily="49" charset="0"/>
+              <a:buChar char="o"/>
+            </a:pPr>
+            <a:endParaRPr lang="nl-NL" dirty="0"/>
           </a:p>
         </p:txBody>
       </p:sp>
@@ -8582,305 +8794,6 @@
 </file>
 
 <file path=ppt/slides/slide24.xml><?xml version="1.0" encoding="utf-8"?>
-<p:sld xmlns:a="http://schemas.openxmlformats.org/drawingml/2006/main" xmlns:r="http://schemas.openxmlformats.org/officeDocument/2006/relationships" xmlns:p="http://schemas.openxmlformats.org/presentationml/2006/main">
-  <p:cSld>
-    <p:spTree>
-      <p:nvGrpSpPr>
-        <p:cNvPr id="1" name=""/>
-        <p:cNvGrpSpPr/>
-        <p:nvPr/>
-      </p:nvGrpSpPr>
-      <p:grpSpPr>
-        <a:xfrm>
-          <a:off x="0" y="0"/>
-          <a:ext cx="0" cy="0"/>
-          <a:chOff x="0" y="0"/>
-          <a:chExt cx="0" cy="0"/>
-        </a:xfrm>
-      </p:grpSpPr>
-      <p:sp>
-        <p:nvSpPr>
-          <p:cNvPr id="2" name="Titel 1"/>
-          <p:cNvSpPr>
-            <a:spLocks noGrp="1"/>
-          </p:cNvSpPr>
-          <p:nvPr>
-            <p:ph type="title"/>
-          </p:nvPr>
-        </p:nvSpPr>
-        <p:spPr/>
-        <p:txBody>
-          <a:bodyPr/>
-          <a:lstStyle/>
-          <a:p>
-            <a:r>
-              <a:rPr lang="nl-NL" dirty="0" err="1" smtClean="0"/>
-              <a:t>Why</a:t>
-            </a:r>
-            <a:r>
-              <a:rPr lang="nl-NL" dirty="0" smtClean="0"/>
-              <a:t> relevant?</a:t>
-            </a:r>
-            <a:endParaRPr lang="nl-NL" dirty="0"/>
-          </a:p>
-        </p:txBody>
-      </p:sp>
-      <p:sp>
-        <p:nvSpPr>
-          <p:cNvPr id="3" name="Tijdelijke aanduiding voor inhoud 2"/>
-          <p:cNvSpPr>
-            <a:spLocks noGrp="1"/>
-          </p:cNvSpPr>
-          <p:nvPr>
-            <p:ph sz="quarter" idx="1"/>
-          </p:nvPr>
-        </p:nvSpPr>
-        <p:spPr/>
-        <p:txBody>
-          <a:bodyPr/>
-          <a:lstStyle/>
-          <a:p>
-            <a:r>
-              <a:rPr lang="nl-NL" dirty="0" err="1" smtClean="0"/>
-              <a:t>Examine</a:t>
-            </a:r>
-            <a:r>
-              <a:rPr lang="nl-NL" dirty="0" smtClean="0"/>
-              <a:t> </a:t>
-            </a:r>
-            <a:r>
-              <a:rPr lang="nl-NL" dirty="0" err="1" smtClean="0"/>
-              <a:t>influence</a:t>
-            </a:r>
-            <a:r>
-              <a:rPr lang="nl-NL" dirty="0" smtClean="0"/>
-              <a:t> </a:t>
-            </a:r>
-            <a:r>
-              <a:rPr lang="nl-NL" dirty="0" err="1" smtClean="0"/>
-              <a:t>biologically</a:t>
-            </a:r>
-            <a:r>
-              <a:rPr lang="nl-NL" dirty="0" smtClean="0"/>
-              <a:t> </a:t>
-            </a:r>
-            <a:r>
-              <a:rPr lang="nl-NL" dirty="0" smtClean="0"/>
-              <a:t>relevant </a:t>
-            </a:r>
-            <a:r>
-              <a:rPr lang="nl-NL" dirty="0" err="1" smtClean="0"/>
-              <a:t>properties</a:t>
-            </a:r>
-            <a:endParaRPr lang="nl-NL" dirty="0" smtClean="0"/>
-          </a:p>
-          <a:p>
-            <a:pPr lvl="1">
-              <a:buFont typeface="Courier New" pitchFamily="49" charset="0"/>
-              <a:buChar char="o"/>
-            </a:pPr>
-            <a:r>
-              <a:rPr lang="nl-NL" dirty="0" err="1" smtClean="0"/>
-              <a:t>Synaptic</a:t>
-            </a:r>
-            <a:r>
-              <a:rPr lang="nl-NL" dirty="0" smtClean="0"/>
-              <a:t> </a:t>
-            </a:r>
-            <a:r>
-              <a:rPr lang="nl-NL" dirty="0" err="1" smtClean="0"/>
-              <a:t>strength</a:t>
-            </a:r>
-            <a:endParaRPr lang="nl-NL" dirty="0" smtClean="0"/>
-          </a:p>
-          <a:p>
-            <a:pPr lvl="1">
-              <a:buFont typeface="Courier New" pitchFamily="49" charset="0"/>
-              <a:buChar char="o"/>
-            </a:pPr>
-            <a:r>
-              <a:rPr lang="nl-NL" dirty="0" err="1" smtClean="0"/>
-              <a:t>Connectivity</a:t>
-            </a:r>
-            <a:r>
-              <a:rPr lang="nl-NL" dirty="0" smtClean="0"/>
-              <a:t> of </a:t>
-            </a:r>
-            <a:r>
-              <a:rPr lang="nl-NL" dirty="0" err="1" smtClean="0"/>
-              <a:t>brain</a:t>
-            </a:r>
-            <a:r>
-              <a:rPr lang="nl-NL" dirty="0" smtClean="0"/>
-              <a:t> </a:t>
-            </a:r>
-            <a:r>
-              <a:rPr lang="nl-NL" dirty="0" err="1" smtClean="0"/>
-              <a:t>area</a:t>
-            </a:r>
-            <a:endParaRPr lang="nl-NL" dirty="0" smtClean="0"/>
-          </a:p>
-          <a:p>
-            <a:pPr lvl="1">
-              <a:buFont typeface="Courier New" pitchFamily="49" charset="0"/>
-              <a:buChar char="o"/>
-            </a:pPr>
-            <a:r>
-              <a:rPr lang="nl-NL" dirty="0" err="1" smtClean="0"/>
-              <a:t>Length</a:t>
-            </a:r>
-            <a:r>
-              <a:rPr lang="nl-NL" dirty="0" smtClean="0"/>
-              <a:t> of </a:t>
-            </a:r>
-            <a:r>
-              <a:rPr lang="nl-NL" dirty="0" err="1" smtClean="0"/>
-              <a:t>axons</a:t>
-            </a:r>
-            <a:r>
-              <a:rPr lang="nl-NL" dirty="0" smtClean="0"/>
-              <a:t>/ </a:t>
-            </a:r>
-            <a:r>
-              <a:rPr lang="nl-NL" dirty="0" err="1" smtClean="0"/>
-              <a:t>dendrites</a:t>
-            </a:r>
-            <a:r>
-              <a:rPr lang="nl-NL" dirty="0" smtClean="0"/>
-              <a:t> </a:t>
-            </a:r>
-          </a:p>
-          <a:p>
-            <a:r>
-              <a:rPr lang="nl-NL" dirty="0" err="1" smtClean="0"/>
-              <a:t>Especially</a:t>
-            </a:r>
-            <a:r>
-              <a:rPr lang="nl-NL" dirty="0" smtClean="0"/>
-              <a:t> </a:t>
-            </a:r>
-            <a:r>
-              <a:rPr lang="nl-NL" dirty="0" err="1" smtClean="0"/>
-              <a:t>on</a:t>
-            </a:r>
-            <a:r>
-              <a:rPr lang="nl-NL" dirty="0" smtClean="0"/>
-              <a:t> </a:t>
-            </a:r>
-            <a:r>
-              <a:rPr lang="nl-NL" dirty="0" err="1" smtClean="0"/>
-              <a:t>Asynchronous</a:t>
-            </a:r>
-            <a:r>
-              <a:rPr lang="nl-NL" dirty="0" smtClean="0"/>
-              <a:t> </a:t>
-            </a:r>
-            <a:r>
-              <a:rPr lang="nl-NL" dirty="0" err="1" smtClean="0"/>
-              <a:t>Irregular</a:t>
-            </a:r>
-            <a:r>
-              <a:rPr lang="nl-NL" dirty="0" smtClean="0"/>
-              <a:t> State</a:t>
-            </a:r>
-          </a:p>
-          <a:p>
-            <a:pPr lvl="1">
-              <a:buFont typeface="Courier New" pitchFamily="49" charset="0"/>
-              <a:buChar char="o"/>
-            </a:pPr>
-            <a:r>
-              <a:rPr lang="nl-NL" dirty="0" err="1" smtClean="0"/>
-              <a:t>Epilepsy</a:t>
-            </a:r>
-            <a:endParaRPr lang="nl-NL" dirty="0" smtClean="0"/>
-          </a:p>
-          <a:p>
-            <a:r>
-              <a:rPr lang="nl-NL" dirty="0" err="1" smtClean="0"/>
-              <a:t>Extend</a:t>
-            </a:r>
-            <a:r>
-              <a:rPr lang="nl-NL" dirty="0" smtClean="0"/>
-              <a:t> </a:t>
-            </a:r>
-            <a:r>
-              <a:rPr lang="nl-NL" dirty="0" err="1" smtClean="0"/>
-              <a:t>with</a:t>
-            </a:r>
-            <a:r>
-              <a:rPr lang="nl-NL" dirty="0" smtClean="0"/>
-              <a:t> more </a:t>
-            </a:r>
-            <a:r>
-              <a:rPr lang="nl-NL" dirty="0" err="1" smtClean="0"/>
-              <a:t>biologically</a:t>
-            </a:r>
-            <a:r>
-              <a:rPr lang="nl-NL" dirty="0" smtClean="0"/>
-              <a:t> </a:t>
-            </a:r>
-            <a:r>
-              <a:rPr lang="nl-NL" dirty="0" err="1" smtClean="0"/>
-              <a:t>realistic</a:t>
-            </a:r>
-            <a:r>
-              <a:rPr lang="nl-NL" dirty="0" smtClean="0"/>
-              <a:t> </a:t>
-            </a:r>
-            <a:r>
-              <a:rPr lang="nl-NL" dirty="0" err="1" smtClean="0"/>
-              <a:t>components</a:t>
-            </a:r>
-            <a:endParaRPr lang="nl-NL" dirty="0" smtClean="0"/>
-          </a:p>
-          <a:p>
-            <a:pPr lvl="1">
-              <a:buFont typeface="Courier New" pitchFamily="49" charset="0"/>
-              <a:buChar char="o"/>
-            </a:pPr>
-            <a:r>
-              <a:rPr lang="nl-NL" dirty="0" err="1" smtClean="0"/>
-              <a:t>Increase</a:t>
-            </a:r>
-            <a:r>
-              <a:rPr lang="nl-NL" dirty="0" smtClean="0"/>
-              <a:t> </a:t>
-            </a:r>
-            <a:r>
-              <a:rPr lang="nl-NL" dirty="0" err="1" smtClean="0"/>
-              <a:t>computational</a:t>
-            </a:r>
-            <a:r>
-              <a:rPr lang="nl-NL" dirty="0" smtClean="0"/>
-              <a:t> power</a:t>
-            </a:r>
-          </a:p>
-          <a:p>
-            <a:pPr lvl="1">
-              <a:buFont typeface="Courier New" pitchFamily="49" charset="0"/>
-              <a:buChar char="o"/>
-            </a:pPr>
-            <a:endParaRPr lang="nl-NL" dirty="0"/>
-          </a:p>
-        </p:txBody>
-      </p:sp>
-    </p:spTree>
-  </p:cSld>
-  <p:clrMapOvr>
-    <a:masterClrMapping/>
-  </p:clrMapOvr>
-  <p:timing>
-    <p:tnLst>
-      <p:par>
-        <p:cTn id="1" dur="indefinite" restart="never" nodeType="tmRoot"/>
-      </p:par>
-    </p:tnLst>
-  </p:timing>
-</p:sld>
-</file>
-
-<file path=ppt/slides/slide25.xml><?xml version="1.0" encoding="utf-8"?>
 <p:sld xmlns:a="http://schemas.openxmlformats.org/drawingml/2006/main" xmlns:r="http://schemas.openxmlformats.org/officeDocument/2006/relationships" xmlns:p="http://schemas.openxmlformats.org/presentationml/2006/main">
   <p:cSld>
     <p:spTree>
@@ -9365,6 +9278,64 @@
 </p:sld>
 </file>
 
+<file path=ppt/slides/slide25.xml><?xml version="1.0" encoding="utf-8"?>
+<p:sld xmlns:a="http://schemas.openxmlformats.org/drawingml/2006/main" xmlns:r="http://schemas.openxmlformats.org/officeDocument/2006/relationships" xmlns:p="http://schemas.openxmlformats.org/presentationml/2006/main">
+  <p:cSld>
+    <p:spTree>
+      <p:nvGrpSpPr>
+        <p:cNvPr id="1" name=""/>
+        <p:cNvGrpSpPr/>
+        <p:nvPr/>
+      </p:nvGrpSpPr>
+      <p:grpSpPr>
+        <a:xfrm>
+          <a:off x="0" y="0"/>
+          <a:ext cx="0" cy="0"/>
+          <a:chOff x="0" y="0"/>
+          <a:chExt cx="0" cy="0"/>
+        </a:xfrm>
+      </p:grpSpPr>
+      <p:sp>
+        <p:nvSpPr>
+          <p:cNvPr id="2" name="Titel 1"/>
+          <p:cNvSpPr>
+            <a:spLocks noGrp="1"/>
+          </p:cNvSpPr>
+          <p:nvPr>
+            <p:ph type="title"/>
+          </p:nvPr>
+        </p:nvSpPr>
+        <p:spPr/>
+        <p:txBody>
+          <a:bodyPr>
+            <a:normAutofit/>
+          </a:bodyPr>
+          <a:lstStyle/>
+          <a:p>
+            <a:r>
+              <a:rPr lang="nl-NL" sz="5400" dirty="0" err="1" smtClean="0"/>
+              <a:t>Questions</a:t>
+            </a:r>
+            <a:endParaRPr lang="nl-NL" sz="5400" dirty="0"/>
+          </a:p>
+        </p:txBody>
+      </p:sp>
+    </p:spTree>
+  </p:cSld>
+  <p:clrMapOvr>
+    <a:masterClrMapping/>
+  </p:clrMapOvr>
+  <p:transition/>
+  <p:timing>
+    <p:tnLst>
+      <p:par>
+        <p:cTn id="1" dur="indefinite" restart="never" nodeType="tmRoot"/>
+      </p:par>
+    </p:tnLst>
+  </p:timing>
+</p:sld>
+</file>
+
 <file path=ppt/slides/slide26.xml><?xml version="1.0" encoding="utf-8"?>
 <p:sld xmlns:a="http://schemas.openxmlformats.org/drawingml/2006/main" xmlns:r="http://schemas.openxmlformats.org/officeDocument/2006/relationships" xmlns:p="http://schemas.openxmlformats.org/presentationml/2006/main">
   <p:cSld>
@@ -9395,13 +9366,37 @@
         <p:spPr/>
         <p:txBody>
           <a:bodyPr>
-            <a:normAutofit/>
+            <a:normAutofit fontScale="90000"/>
           </a:bodyPr>
           <a:lstStyle/>
           <a:p>
             <a:r>
               <a:rPr lang="nl-NL" sz="5400" dirty="0" err="1" smtClean="0"/>
-              <a:t>Questions</a:t>
+              <a:t>Slides</a:t>
+            </a:r>
+            <a:r>
+              <a:rPr lang="nl-NL" sz="5400" dirty="0" smtClean="0"/>
+              <a:t> </a:t>
+            </a:r>
+            <a:r>
+              <a:rPr lang="nl-NL" sz="5400" dirty="0" err="1" smtClean="0"/>
+              <a:t>for</a:t>
+            </a:r>
+            <a:r>
+              <a:rPr lang="nl-NL" sz="5400" dirty="0" smtClean="0"/>
+              <a:t> </a:t>
+            </a:r>
+            <a:r>
+              <a:rPr lang="nl-NL" sz="5400" dirty="0" err="1" smtClean="0"/>
+              <a:t>possible</a:t>
+            </a:r>
+            <a:r>
+              <a:rPr lang="nl-NL" sz="5400" dirty="0" smtClean="0"/>
+              <a:t> </a:t>
+            </a:r>
+            <a:r>
+              <a:rPr lang="nl-NL" sz="5400" dirty="0" err="1" smtClean="0"/>
+              <a:t>questions</a:t>
             </a:r>
             <a:endParaRPr lang="nl-NL" sz="5400" dirty="0"/>
           </a:p>
@@ -9424,88 +9419,6 @@
 </file>
 
 <file path=ppt/slides/slide27.xml><?xml version="1.0" encoding="utf-8"?>
-<p:sld xmlns:a="http://schemas.openxmlformats.org/drawingml/2006/main" xmlns:r="http://schemas.openxmlformats.org/officeDocument/2006/relationships" xmlns:p="http://schemas.openxmlformats.org/presentationml/2006/main">
-  <p:cSld>
-    <p:spTree>
-      <p:nvGrpSpPr>
-        <p:cNvPr id="1" name=""/>
-        <p:cNvGrpSpPr/>
-        <p:nvPr/>
-      </p:nvGrpSpPr>
-      <p:grpSpPr>
-        <a:xfrm>
-          <a:off x="0" y="0"/>
-          <a:ext cx="0" cy="0"/>
-          <a:chOff x="0" y="0"/>
-          <a:chExt cx="0" cy="0"/>
-        </a:xfrm>
-      </p:grpSpPr>
-      <p:sp>
-        <p:nvSpPr>
-          <p:cNvPr id="2" name="Titel 1"/>
-          <p:cNvSpPr>
-            <a:spLocks noGrp="1"/>
-          </p:cNvSpPr>
-          <p:nvPr>
-            <p:ph type="title"/>
-          </p:nvPr>
-        </p:nvSpPr>
-        <p:spPr/>
-        <p:txBody>
-          <a:bodyPr>
-            <a:normAutofit fontScale="90000"/>
-          </a:bodyPr>
-          <a:lstStyle/>
-          <a:p>
-            <a:r>
-              <a:rPr lang="nl-NL" sz="5400" dirty="0" err="1" smtClean="0"/>
-              <a:t>Slides</a:t>
-            </a:r>
-            <a:r>
-              <a:rPr lang="nl-NL" sz="5400" dirty="0" smtClean="0"/>
-              <a:t> </a:t>
-            </a:r>
-            <a:r>
-              <a:rPr lang="nl-NL" sz="5400" dirty="0" err="1" smtClean="0"/>
-              <a:t>for</a:t>
-            </a:r>
-            <a:r>
-              <a:rPr lang="nl-NL" sz="5400" dirty="0" smtClean="0"/>
-              <a:t> </a:t>
-            </a:r>
-            <a:r>
-              <a:rPr lang="nl-NL" sz="5400" dirty="0" err="1" smtClean="0"/>
-              <a:t>possible</a:t>
-            </a:r>
-            <a:r>
-              <a:rPr lang="nl-NL" sz="5400" dirty="0" smtClean="0"/>
-              <a:t> </a:t>
-            </a:r>
-            <a:r>
-              <a:rPr lang="nl-NL" sz="5400" dirty="0" err="1" smtClean="0"/>
-              <a:t>questions</a:t>
-            </a:r>
-            <a:endParaRPr lang="nl-NL" sz="5400" dirty="0"/>
-          </a:p>
-        </p:txBody>
-      </p:sp>
-    </p:spTree>
-  </p:cSld>
-  <p:clrMapOvr>
-    <a:masterClrMapping/>
-  </p:clrMapOvr>
-  <p:transition/>
-  <p:timing>
-    <p:tnLst>
-      <p:par>
-        <p:cTn id="1" dur="indefinite" restart="never" nodeType="tmRoot"/>
-      </p:par>
-    </p:tnLst>
-  </p:timing>
-</p:sld>
-</file>
-
-<file path=ppt/slides/slide28.xml><?xml version="1.0" encoding="utf-8"?>
 <p:sld xmlns:a="http://schemas.openxmlformats.org/drawingml/2006/main" xmlns:r="http://schemas.openxmlformats.org/officeDocument/2006/relationships" xmlns:p="http://schemas.openxmlformats.org/presentationml/2006/main">
   <p:cSld>
     <p:spTree>
@@ -9690,7 +9603,7 @@
 </p:sld>
 </file>
 
-<file path=ppt/slides/slide29.xml><?xml version="1.0" encoding="utf-8"?>
+<file path=ppt/slides/slide28.xml><?xml version="1.0" encoding="utf-8"?>
 <p:sld xmlns:a="http://schemas.openxmlformats.org/drawingml/2006/main" xmlns:r="http://schemas.openxmlformats.org/officeDocument/2006/relationships" xmlns:p="http://schemas.openxmlformats.org/presentationml/2006/main">
   <p:cSld>
     <p:spTree>
@@ -9874,6 +9787,371 @@
 </p:sld>
 </file>
 
+<file path=ppt/slides/slide29.xml><?xml version="1.0" encoding="utf-8"?>
+<p:sld xmlns:a="http://schemas.openxmlformats.org/drawingml/2006/main" xmlns:r="http://schemas.openxmlformats.org/officeDocument/2006/relationships" xmlns:p="http://schemas.openxmlformats.org/presentationml/2006/main">
+  <p:cSld>
+    <p:spTree>
+      <p:nvGrpSpPr>
+        <p:cNvPr id="1" name=""/>
+        <p:cNvGrpSpPr/>
+        <p:nvPr/>
+      </p:nvGrpSpPr>
+      <p:grpSpPr>
+        <a:xfrm>
+          <a:off x="0" y="0"/>
+          <a:ext cx="0" cy="0"/>
+          <a:chOff x="0" y="0"/>
+          <a:chExt cx="0" cy="0"/>
+        </a:xfrm>
+      </p:grpSpPr>
+      <p:sp>
+        <p:nvSpPr>
+          <p:cNvPr id="2" name="Titel 1"/>
+          <p:cNvSpPr>
+            <a:spLocks noGrp="1"/>
+          </p:cNvSpPr>
+          <p:nvPr>
+            <p:ph type="title"/>
+          </p:nvPr>
+        </p:nvSpPr>
+        <p:spPr/>
+        <p:txBody>
+          <a:bodyPr>
+            <a:normAutofit/>
+          </a:bodyPr>
+          <a:lstStyle/>
+          <a:p>
+            <a:r>
+              <a:rPr lang="nl-NL" dirty="0" smtClean="0"/>
+              <a:t>A </a:t>
+            </a:r>
+            <a:r>
+              <a:rPr lang="nl-NL" dirty="0" err="1" smtClean="0"/>
+              <a:t>Balanced</a:t>
+            </a:r>
+            <a:r>
+              <a:rPr lang="nl-NL" dirty="0" smtClean="0"/>
+              <a:t> </a:t>
+            </a:r>
+            <a:r>
+              <a:rPr lang="nl-NL" dirty="0" err="1" smtClean="0"/>
+              <a:t>Network</a:t>
+            </a:r>
+            <a:endParaRPr lang="nl-NL" dirty="0"/>
+          </a:p>
+        </p:txBody>
+      </p:sp>
+      <p:sp>
+        <p:nvSpPr>
+          <p:cNvPr id="3" name="Tijdelijke aanduiding voor inhoud 2"/>
+          <p:cNvSpPr>
+            <a:spLocks noGrp="1"/>
+          </p:cNvSpPr>
+          <p:nvPr>
+            <p:ph sz="quarter" idx="1"/>
+          </p:nvPr>
+        </p:nvSpPr>
+        <p:spPr>
+          <a:xfrm>
+            <a:off x="914400" y="1447800"/>
+            <a:ext cx="4017640" cy="4572000"/>
+          </a:xfrm>
+        </p:spPr>
+        <p:txBody>
+          <a:bodyPr>
+            <a:noAutofit/>
+          </a:bodyPr>
+          <a:lstStyle/>
+          <a:p>
+            <a:r>
+              <a:rPr lang="nl-NL" dirty="0" err="1" smtClean="0"/>
+              <a:t>Recurrent</a:t>
+            </a:r>
+            <a:r>
+              <a:rPr lang="nl-NL" dirty="0" smtClean="0"/>
+              <a:t> </a:t>
+            </a:r>
+            <a:r>
+              <a:rPr lang="nl-NL" dirty="0" err="1" smtClean="0"/>
+              <a:t>network</a:t>
+            </a:r>
+            <a:endParaRPr lang="nl-NL" dirty="0" smtClean="0"/>
+          </a:p>
+          <a:p>
+            <a:r>
+              <a:rPr lang="nl-NL" dirty="0" err="1" smtClean="0"/>
+              <a:t>Excitatory</a:t>
+            </a:r>
+            <a:r>
+              <a:rPr lang="nl-NL" dirty="0" smtClean="0"/>
+              <a:t> : </a:t>
+            </a:r>
+            <a:r>
+              <a:rPr lang="nl-NL" dirty="0" err="1" smtClean="0"/>
+              <a:t>inhibitory</a:t>
+            </a:r>
+            <a:r>
+              <a:rPr lang="nl-NL" dirty="0" smtClean="0"/>
+              <a:t> neurons = 4:1</a:t>
+            </a:r>
+          </a:p>
+          <a:p>
+            <a:endParaRPr lang="nl-NL" dirty="0" smtClean="0"/>
+          </a:p>
+          <a:p>
+            <a:r>
+              <a:rPr lang="nl-NL" dirty="0" smtClean="0"/>
+              <a:t>w = </a:t>
+            </a:r>
+            <a:r>
+              <a:rPr lang="nl-NL" dirty="0" err="1" smtClean="0"/>
+              <a:t>synaptic</a:t>
+            </a:r>
+            <a:r>
+              <a:rPr lang="nl-NL" dirty="0" smtClean="0"/>
+              <a:t> </a:t>
+            </a:r>
+            <a:r>
+              <a:rPr lang="nl-NL" dirty="0" err="1" smtClean="0"/>
+              <a:t>strength</a:t>
+            </a:r>
+            <a:r>
+              <a:rPr lang="nl-NL" dirty="0" smtClean="0"/>
+              <a:t> </a:t>
+            </a:r>
+            <a:r>
+              <a:rPr lang="nl-NL" dirty="0" err="1" smtClean="0"/>
+              <a:t>excitatory</a:t>
+            </a:r>
+            <a:r>
+              <a:rPr lang="nl-NL" dirty="0" smtClean="0"/>
+              <a:t> </a:t>
+            </a:r>
+            <a:r>
+              <a:rPr lang="nl-NL" dirty="0" err="1" smtClean="0"/>
+              <a:t>connections</a:t>
+            </a:r>
+            <a:endParaRPr lang="nl-NL" dirty="0" smtClean="0"/>
+          </a:p>
+          <a:p>
+            <a:r>
+              <a:rPr lang="nl-NL" dirty="0" smtClean="0"/>
+              <a:t>g = </a:t>
+            </a:r>
+            <a:r>
+              <a:rPr lang="nl-NL" dirty="0" err="1" smtClean="0"/>
+              <a:t>relative</a:t>
+            </a:r>
+            <a:r>
+              <a:rPr lang="nl-NL" dirty="0" smtClean="0"/>
+              <a:t> </a:t>
+            </a:r>
+            <a:r>
+              <a:rPr lang="nl-NL" dirty="0" err="1" smtClean="0"/>
+              <a:t>weight</a:t>
+            </a:r>
+            <a:r>
+              <a:rPr lang="nl-NL" dirty="0" smtClean="0"/>
+              <a:t> </a:t>
+            </a:r>
+            <a:r>
+              <a:rPr lang="nl-NL" dirty="0" err="1" smtClean="0"/>
+              <a:t>inhibitory</a:t>
+            </a:r>
+            <a:r>
+              <a:rPr lang="nl-NL" dirty="0" smtClean="0"/>
+              <a:t> </a:t>
+            </a:r>
+            <a:r>
+              <a:rPr lang="nl-NL" dirty="0" err="1" smtClean="0"/>
+              <a:t>connections</a:t>
+            </a:r>
+            <a:endParaRPr lang="nl-NL" dirty="0" smtClean="0"/>
+          </a:p>
+          <a:p>
+            <a:r>
+              <a:rPr lang="nl-NL" dirty="0" err="1" smtClean="0"/>
+              <a:t>Vext</a:t>
+            </a:r>
+            <a:r>
+              <a:rPr lang="nl-NL" dirty="0" smtClean="0"/>
+              <a:t> = </a:t>
+            </a:r>
+            <a:r>
+              <a:rPr lang="nl-NL" dirty="0" err="1" smtClean="0"/>
+              <a:t>frequency</a:t>
+            </a:r>
+            <a:r>
+              <a:rPr lang="nl-NL" dirty="0" smtClean="0"/>
+              <a:t> </a:t>
+            </a:r>
+            <a:r>
+              <a:rPr lang="nl-NL" dirty="0" err="1" smtClean="0"/>
+              <a:t>external</a:t>
+            </a:r>
+            <a:r>
+              <a:rPr lang="nl-NL" dirty="0" smtClean="0"/>
+              <a:t> input</a:t>
+            </a:r>
+          </a:p>
+          <a:p>
+            <a:endParaRPr lang="nl-NL" dirty="0"/>
+          </a:p>
+        </p:txBody>
+      </p:sp>
+      <p:pic>
+        <p:nvPicPr>
+          <p:cNvPr id="5" name="Tijdelijke aanduiding voor inhoud 4" descr="balanced network.PNG"/>
+          <p:cNvPicPr>
+            <a:picLocks noGrp="1" noChangeAspect="1"/>
+          </p:cNvPicPr>
+          <p:nvPr>
+            <p:ph sz="quarter" idx="2"/>
+          </p:nvPr>
+        </p:nvPicPr>
+        <p:blipFill>
+          <a:blip r:embed="rId3" cstate="print"/>
+          <a:stretch>
+            <a:fillRect/>
+          </a:stretch>
+        </p:blipFill>
+        <p:spPr>
+          <a:xfrm>
+            <a:off x="4933950" y="1553756"/>
+            <a:ext cx="3749675" cy="4360087"/>
+          </a:xfrm>
+        </p:spPr>
+      </p:pic>
+      <p:sp>
+        <p:nvSpPr>
+          <p:cNvPr id="1026" name="Rectangle 2"/>
+          <p:cNvSpPr>
+            <a:spLocks noChangeArrowheads="1"/>
+          </p:cNvSpPr>
+          <p:nvPr/>
+        </p:nvSpPr>
+        <p:spPr bwMode="auto">
+          <a:xfrm>
+            <a:off x="0" y="0"/>
+            <a:ext cx="9144000" cy="0"/>
+          </a:xfrm>
+          <a:prstGeom prst="rect">
+            <a:avLst/>
+          </a:prstGeom>
+          <a:noFill/>
+          <a:ln w="9525">
+            <a:noFill/>
+            <a:miter lim="800000"/>
+            <a:headEnd/>
+            <a:tailEnd/>
+          </a:ln>
+          <a:effectLst/>
+        </p:spPr>
+        <p:txBody>
+          <a:bodyPr vert="horz" wrap="none" lIns="91440" tIns="45720" rIns="91440" bIns="45720" numCol="1" anchor="ctr" anchorCtr="0" compatLnSpc="1">
+            <a:prstTxWarp prst="textNoShape">
+              <a:avLst/>
+            </a:prstTxWarp>
+            <a:spAutoFit/>
+          </a:bodyPr>
+          <a:lstStyle/>
+          <a:p>
+            <a:endParaRPr lang="nl-NL"/>
+          </a:p>
+        </p:txBody>
+      </p:sp>
+      <p:sp>
+        <p:nvSpPr>
+          <p:cNvPr id="1028" name="Rectangle 4"/>
+          <p:cNvSpPr>
+            <a:spLocks noChangeArrowheads="1"/>
+          </p:cNvSpPr>
+          <p:nvPr/>
+        </p:nvSpPr>
+        <p:spPr bwMode="auto">
+          <a:xfrm>
+            <a:off x="0" y="0"/>
+            <a:ext cx="9144000" cy="0"/>
+          </a:xfrm>
+          <a:prstGeom prst="rect">
+            <a:avLst/>
+          </a:prstGeom>
+          <a:noFill/>
+          <a:ln w="9525">
+            <a:noFill/>
+            <a:miter lim="800000"/>
+            <a:headEnd/>
+            <a:tailEnd/>
+          </a:ln>
+          <a:effectLst/>
+        </p:spPr>
+        <p:txBody>
+          <a:bodyPr vert="horz" wrap="none" lIns="91440" tIns="45720" rIns="91440" bIns="45720" numCol="1" anchor="ctr" anchorCtr="0" compatLnSpc="1">
+            <a:prstTxWarp prst="textNoShape">
+              <a:avLst/>
+            </a:prstTxWarp>
+            <a:spAutoFit/>
+          </a:bodyPr>
+          <a:lstStyle/>
+          <a:p>
+            <a:endParaRPr lang="nl-NL"/>
+          </a:p>
+        </p:txBody>
+      </p:sp>
+      <p:sp>
+        <p:nvSpPr>
+          <p:cNvPr id="10" name="Tekstvak 9"/>
+          <p:cNvSpPr txBox="1"/>
+          <p:nvPr/>
+        </p:nvSpPr>
+        <p:spPr>
+          <a:xfrm>
+            <a:off x="6516216" y="6021288"/>
+            <a:ext cx="2196752" cy="369332"/>
+          </a:xfrm>
+          <a:prstGeom prst="rect">
+            <a:avLst/>
+          </a:prstGeom>
+          <a:noFill/>
+        </p:spPr>
+        <p:txBody>
+          <a:bodyPr wrap="square" rtlCol="0">
+            <a:spAutoFit/>
+          </a:bodyPr>
+          <a:lstStyle/>
+          <a:p>
+            <a:pPr algn="r"/>
+            <a:r>
+              <a:rPr lang="nl-NL" dirty="0" err="1" smtClean="0"/>
+              <a:t>From</a:t>
+            </a:r>
+            <a:r>
+              <a:rPr lang="nl-NL" dirty="0" smtClean="0"/>
+              <a:t> </a:t>
+            </a:r>
+            <a:r>
+              <a:rPr lang="nl-NL" dirty="0" err="1" smtClean="0"/>
+              <a:t>www.yger.net</a:t>
+            </a:r>
+            <a:endParaRPr lang="nl-NL" dirty="0"/>
+          </a:p>
+        </p:txBody>
+      </p:sp>
+    </p:spTree>
+  </p:cSld>
+  <p:clrMapOvr>
+    <a:masterClrMapping/>
+  </p:clrMapOvr>
+  <p:timing>
+    <p:tnLst>
+      <p:par>
+        <p:cTn id="1" dur="indefinite" restart="never" nodeType="tmRoot"/>
+      </p:par>
+    </p:tnLst>
+  </p:timing>
+</p:sld>
+</file>
+
 <file path=ppt/slides/slide3.xml><?xml version="1.0" encoding="utf-8"?>
 <p:sld xmlns:a="http://schemas.openxmlformats.org/drawingml/2006/main" xmlns:r="http://schemas.openxmlformats.org/officeDocument/2006/relationships" xmlns:p="http://schemas.openxmlformats.org/presentationml/2006/main" show="0">
   <p:cSld>
@@ -9961,18 +10239,12 @@
         </p:nvSpPr>
         <p:spPr/>
         <p:txBody>
-          <a:bodyPr>
-            <a:normAutofit/>
-          </a:bodyPr>
+          <a:bodyPr/>
           <a:lstStyle/>
           <a:p>
             <a:r>
-              <a:rPr lang="nl-NL" dirty="0" smtClean="0"/>
-              <a:t>A </a:t>
-            </a:r>
-            <a:r>
-              <a:rPr lang="nl-NL" dirty="0" err="1" smtClean="0"/>
-              <a:t>Balanced</a:t>
+              <a:rPr lang="nl-NL" dirty="0" err="1" smtClean="0"/>
+              <a:t>What</a:t>
             </a:r>
             <a:r>
               <a:rPr lang="nl-NL" dirty="0" smtClean="0"/>
@@ -9980,7 +10252,19 @@
             </a:r>
             <a:r>
               <a:rPr lang="nl-NL" dirty="0" err="1" smtClean="0"/>
-              <a:t>Network</a:t>
+              <a:t>causes</a:t>
+            </a:r>
+            <a:r>
+              <a:rPr lang="nl-NL" dirty="0" smtClean="0"/>
+              <a:t> different </a:t>
+            </a:r>
+            <a:r>
+              <a:rPr lang="nl-NL" dirty="0" err="1" smtClean="0"/>
+              <a:t>states</a:t>
+            </a:r>
+            <a:r>
+              <a:rPr lang="nl-NL" dirty="0" smtClean="0"/>
+              <a:t>?</a:t>
             </a:r>
             <a:endParaRPr lang="nl-NL" dirty="0"/>
           </a:p>
@@ -9996,21 +10280,16 @@
             <p:ph sz="quarter" idx="1"/>
           </p:nvPr>
         </p:nvSpPr>
-        <p:spPr>
-          <a:xfrm>
-            <a:off x="914400" y="1447800"/>
-            <a:ext cx="4017640" cy="4572000"/>
-          </a:xfrm>
-        </p:spPr>
+        <p:spPr/>
         <p:txBody>
           <a:bodyPr>
-            <a:noAutofit/>
+            <a:normAutofit/>
           </a:bodyPr>
           <a:lstStyle/>
           <a:p>
             <a:r>
               <a:rPr lang="nl-NL" dirty="0" err="1" smtClean="0"/>
-              <a:t>Recurrent</a:t>
+              <a:t>Based</a:t>
             </a:r>
             <a:r>
               <a:rPr lang="nl-NL" dirty="0" smtClean="0"/>
@@ -10018,125 +10297,79 @@
             </a:r>
             <a:r>
               <a:rPr lang="nl-NL" dirty="0" err="1" smtClean="0"/>
-              <a:t>network</a:t>
-            </a:r>
-            <a:endParaRPr lang="nl-NL" dirty="0" smtClean="0"/>
-          </a:p>
-          <a:p>
-            <a:r>
-              <a:rPr lang="nl-NL" dirty="0" err="1" smtClean="0"/>
-              <a:t>Excitatory</a:t>
-            </a:r>
-            <a:r>
-              <a:rPr lang="nl-NL" dirty="0" smtClean="0"/>
-              <a:t> : </a:t>
-            </a:r>
-            <a:r>
-              <a:rPr lang="nl-NL" dirty="0" err="1" smtClean="0"/>
+              <a:t>on</a:t>
+            </a:r>
+            <a:r>
+              <a:rPr lang="nl-NL" dirty="0" smtClean="0"/>
+              <a:t> </a:t>
+            </a:r>
+            <a:r>
+              <a:rPr lang="nl-NL" dirty="0" err="1" smtClean="0"/>
+              <a:t>variations</a:t>
+            </a:r>
+            <a:r>
+              <a:rPr lang="nl-NL" dirty="0" smtClean="0"/>
+              <a:t> of 2 parameters:</a:t>
+            </a:r>
+          </a:p>
+          <a:p>
+            <a:pPr lvl="1">
+              <a:buFont typeface="Courier New" pitchFamily="49" charset="0"/>
+              <a:buChar char="o"/>
+            </a:pPr>
+            <a:r>
+              <a:rPr lang="nl-NL" sz="2600" dirty="0" err="1" smtClean="0"/>
+              <a:t>External</a:t>
+            </a:r>
+            <a:r>
+              <a:rPr lang="nl-NL" sz="2600" dirty="0" smtClean="0"/>
+              <a:t> input (</a:t>
+            </a:r>
+            <a:r>
+              <a:rPr lang="nl-NL" sz="2600" dirty="0" err="1" smtClean="0"/>
+              <a:t>Vext</a:t>
+            </a:r>
+            <a:r>
+              <a:rPr lang="nl-NL" sz="2600" dirty="0" smtClean="0"/>
+              <a:t>)</a:t>
+            </a:r>
+          </a:p>
+          <a:p>
+            <a:pPr lvl="1">
+              <a:buFont typeface="Courier New" pitchFamily="49" charset="0"/>
+              <a:buChar char="o"/>
+            </a:pPr>
+            <a:r>
+              <a:rPr lang="nl-NL" sz="2600" dirty="0" err="1" smtClean="0"/>
+              <a:t>Relative</a:t>
+            </a:r>
+            <a:r>
+              <a:rPr lang="nl-NL" sz="2600" dirty="0" smtClean="0"/>
+              <a:t> </a:t>
+            </a:r>
+            <a:r>
+              <a:rPr lang="nl-NL" sz="2600" dirty="0" err="1" smtClean="0"/>
+              <a:t>strength</a:t>
+            </a:r>
+            <a:r>
+              <a:rPr lang="nl-NL" sz="2600" dirty="0" smtClean="0"/>
+              <a:t> </a:t>
+            </a:r>
+            <a:r>
+              <a:rPr lang="nl-NL" sz="2600" dirty="0" err="1" smtClean="0"/>
               <a:t>inhibitory</a:t>
             </a:r>
             <a:r>
-              <a:rPr lang="nl-NL" dirty="0" smtClean="0"/>
-              <a:t> neurons = 4:1</a:t>
-            </a:r>
-          </a:p>
-          <a:p>
-            <a:endParaRPr lang="nl-NL" dirty="0" smtClean="0"/>
-          </a:p>
-          <a:p>
-            <a:r>
-              <a:rPr lang="nl-NL" dirty="0" smtClean="0"/>
-              <a:t>w = </a:t>
-            </a:r>
-            <a:r>
-              <a:rPr lang="nl-NL" dirty="0" err="1" smtClean="0"/>
-              <a:t>synaptic</a:t>
-            </a:r>
-            <a:r>
-              <a:rPr lang="nl-NL" dirty="0" smtClean="0"/>
+              <a:rPr lang="nl-NL" sz="2600" dirty="0" smtClean="0"/>
               <a:t> </a:t>
             </a:r>
             <a:r>
-              <a:rPr lang="nl-NL" dirty="0" err="1" smtClean="0"/>
-              <a:t>strength</a:t>
-            </a:r>
-            <a:r>
-              <a:rPr lang="nl-NL" dirty="0" smtClean="0"/>
-              <a:t> </a:t>
-            </a:r>
-            <a:r>
-              <a:rPr lang="nl-NL" dirty="0" err="1" smtClean="0"/>
-              <a:t>excitatory</a:t>
-            </a:r>
-            <a:r>
-              <a:rPr lang="nl-NL" dirty="0" smtClean="0"/>
-              <a:t> </a:t>
-            </a:r>
-            <a:r>
-              <a:rPr lang="nl-NL" dirty="0" err="1" smtClean="0"/>
-              <a:t>connections</a:t>
-            </a:r>
-            <a:endParaRPr lang="nl-NL" dirty="0" smtClean="0"/>
-          </a:p>
-          <a:p>
-            <a:r>
-              <a:rPr lang="nl-NL" dirty="0" smtClean="0"/>
-              <a:t>g = </a:t>
-            </a:r>
-            <a:r>
-              <a:rPr lang="nl-NL" dirty="0" err="1" smtClean="0"/>
-              <a:t>relative</a:t>
-            </a:r>
-            <a:r>
-              <a:rPr lang="nl-NL" dirty="0" smtClean="0"/>
-              <a:t> </a:t>
-            </a:r>
-            <a:r>
-              <a:rPr lang="nl-NL" dirty="0" err="1" smtClean="0"/>
-              <a:t>weight</a:t>
-            </a:r>
-            <a:r>
-              <a:rPr lang="nl-NL" dirty="0" smtClean="0"/>
-              <a:t> </a:t>
-            </a:r>
-            <a:r>
-              <a:rPr lang="nl-NL" dirty="0" err="1" smtClean="0"/>
-              <a:t>inhibitory</a:t>
-            </a:r>
-            <a:r>
-              <a:rPr lang="nl-NL" dirty="0" smtClean="0"/>
-              <a:t> </a:t>
-            </a:r>
-            <a:r>
-              <a:rPr lang="nl-NL" dirty="0" err="1" smtClean="0"/>
-              <a:t>connections</a:t>
-            </a:r>
-            <a:endParaRPr lang="nl-NL" dirty="0" smtClean="0"/>
-          </a:p>
-          <a:p>
-            <a:r>
-              <a:rPr lang="nl-NL" dirty="0" err="1" smtClean="0"/>
-              <a:t>Vext</a:t>
-            </a:r>
-            <a:r>
-              <a:rPr lang="nl-NL" dirty="0" smtClean="0"/>
-              <a:t> = </a:t>
-            </a:r>
-            <a:r>
-              <a:rPr lang="nl-NL" dirty="0" err="1" smtClean="0"/>
-              <a:t>frequency</a:t>
-            </a:r>
-            <a:r>
-              <a:rPr lang="nl-NL" dirty="0" smtClean="0"/>
-              <a:t> </a:t>
-            </a:r>
-            <a:r>
-              <a:rPr lang="nl-NL" dirty="0" err="1" smtClean="0"/>
-              <a:t>external</a:t>
-            </a:r>
-            <a:r>
-              <a:rPr lang="nl-NL" dirty="0" smtClean="0"/>
-              <a:t> input</a:t>
+              <a:rPr lang="nl-NL" sz="2600" dirty="0" err="1" smtClean="0"/>
+              <a:t>synapse</a:t>
+            </a:r>
+            <a:r>
+              <a:rPr lang="nl-NL" sz="2600" dirty="0" smtClean="0"/>
+              <a:t> (g)</a:t>
             </a:r>
           </a:p>
           <a:p>
@@ -10146,39 +10379,24 @@
       </p:sp>
       <p:pic>
         <p:nvPicPr>
-          <p:cNvPr id="5" name="Tijdelijke aanduiding voor inhoud 4" descr="balanced network.PNG"/>
+          <p:cNvPr id="5" name="Picture 2"/>
           <p:cNvPicPr>
-            <a:picLocks noGrp="1" noChangeAspect="1"/>
+            <a:picLocks noGrp="1" noChangeAspect="1" noChangeArrowheads="1"/>
           </p:cNvPicPr>
           <p:nvPr>
             <p:ph sz="quarter" idx="2"/>
           </p:nvPr>
         </p:nvPicPr>
         <p:blipFill>
-          <a:blip r:embed="rId3" cstate="print"/>
+          <a:blip r:embed="rId2" cstate="print"/>
           <a:stretch>
             <a:fillRect/>
           </a:stretch>
         </p:blipFill>
-        <p:spPr>
-          <a:xfrm>
-            <a:off x="4933950" y="1553756"/>
-            <a:ext cx="3749675" cy="4360087"/>
-          </a:xfrm>
-        </p:spPr>
-      </p:pic>
-      <p:sp>
-        <p:nvSpPr>
-          <p:cNvPr id="1026" name="Rectangle 2"/>
-          <p:cNvSpPr>
-            <a:spLocks noChangeArrowheads="1"/>
-          </p:cNvSpPr>
-          <p:nvPr/>
-        </p:nvSpPr>
         <p:spPr bwMode="auto">
           <a:xfrm>
-            <a:off x="0" y="0"/>
-            <a:ext cx="9144000" cy="0"/>
+            <a:off x="4427984" y="1844824"/>
+            <a:ext cx="4543673" cy="3753469"/>
           </a:xfrm>
           <a:prstGeom prst="rect">
             <a:avLst/>
@@ -10190,98 +10408,8 @@
             <a:headEnd/>
             <a:tailEnd/>
           </a:ln>
-          <a:effectLst/>
         </p:spPr>
-        <p:txBody>
-          <a:bodyPr vert="horz" wrap="none" lIns="91440" tIns="45720" rIns="91440" bIns="45720" numCol="1" anchor="ctr" anchorCtr="0" compatLnSpc="1">
-            <a:prstTxWarp prst="textNoShape">
-              <a:avLst/>
-            </a:prstTxWarp>
-            <a:spAutoFit/>
-          </a:bodyPr>
-          <a:lstStyle/>
-          <a:p>
-            <a:endParaRPr lang="nl-NL"/>
-          </a:p>
-        </p:txBody>
-      </p:sp>
-      <p:sp>
-        <p:nvSpPr>
-          <p:cNvPr id="1028" name="Rectangle 4"/>
-          <p:cNvSpPr>
-            <a:spLocks noChangeArrowheads="1"/>
-          </p:cNvSpPr>
-          <p:nvPr/>
-        </p:nvSpPr>
-        <p:spPr bwMode="auto">
-          <a:xfrm>
-            <a:off x="0" y="0"/>
-            <a:ext cx="9144000" cy="0"/>
-          </a:xfrm>
-          <a:prstGeom prst="rect">
-            <a:avLst/>
-          </a:prstGeom>
-          <a:noFill/>
-          <a:ln w="9525">
-            <a:noFill/>
-            <a:miter lim="800000"/>
-            <a:headEnd/>
-            <a:tailEnd/>
-          </a:ln>
-          <a:effectLst/>
-        </p:spPr>
-        <p:txBody>
-          <a:bodyPr vert="horz" wrap="none" lIns="91440" tIns="45720" rIns="91440" bIns="45720" numCol="1" anchor="ctr" anchorCtr="0" compatLnSpc="1">
-            <a:prstTxWarp prst="textNoShape">
-              <a:avLst/>
-            </a:prstTxWarp>
-            <a:spAutoFit/>
-          </a:bodyPr>
-          <a:lstStyle/>
-          <a:p>
-            <a:endParaRPr lang="nl-NL"/>
-          </a:p>
-        </p:txBody>
-      </p:sp>
-      <p:sp>
-        <p:nvSpPr>
-          <p:cNvPr id="10" name="Tekstvak 9"/>
-          <p:cNvSpPr txBox="1"/>
-          <p:nvPr/>
-        </p:nvSpPr>
-        <p:spPr>
-          <a:xfrm>
-            <a:off x="6516216" y="6021288"/>
-            <a:ext cx="2196752" cy="369332"/>
-          </a:xfrm>
-          <a:prstGeom prst="rect">
-            <a:avLst/>
-          </a:prstGeom>
-          <a:noFill/>
-        </p:spPr>
-        <p:txBody>
-          <a:bodyPr wrap="square" rtlCol="0">
-            <a:spAutoFit/>
-          </a:bodyPr>
-          <a:lstStyle/>
-          <a:p>
-            <a:pPr algn="r"/>
-            <a:r>
-              <a:rPr lang="nl-NL" dirty="0" err="1" smtClean="0"/>
-              <a:t>From</a:t>
-            </a:r>
-            <a:r>
-              <a:rPr lang="nl-NL" dirty="0" smtClean="0"/>
-              <a:t> </a:t>
-            </a:r>
-            <a:r>
-              <a:rPr lang="nl-NL" dirty="0" err="1" smtClean="0"/>
-              <a:t>www.yger.net</a:t>
-            </a:r>
-            <a:endParaRPr lang="nl-NL" dirty="0"/>
-          </a:p>
-        </p:txBody>
-      </p:sp>
+      </p:pic>
     </p:spTree>
   </p:cSld>
   <p:clrMapOvr>
@@ -10330,171 +10458,35 @@
           <a:lstStyle/>
           <a:p>
             <a:r>
-              <a:rPr lang="nl-NL" dirty="0" err="1" smtClean="0"/>
-              <a:t>What</a:t>
-            </a:r>
-            <a:r>
-              <a:rPr lang="nl-NL" dirty="0" smtClean="0"/>
-              <a:t> </a:t>
-            </a:r>
-            <a:r>
-              <a:rPr lang="nl-NL" dirty="0" err="1" smtClean="0"/>
-              <a:t>causes</a:t>
-            </a:r>
-            <a:r>
-              <a:rPr lang="nl-NL" dirty="0" smtClean="0"/>
-              <a:t> different </a:t>
-            </a:r>
-            <a:r>
-              <a:rPr lang="nl-NL" dirty="0" err="1" smtClean="0"/>
-              <a:t>states</a:t>
-            </a:r>
-            <a:r>
-              <a:rPr lang="nl-NL" dirty="0" smtClean="0"/>
-              <a:t>?</a:t>
+              <a:rPr lang="nl-NL" dirty="0" smtClean="0"/>
+              <a:t>Clustering</a:t>
             </a:r>
             <a:endParaRPr lang="nl-NL" dirty="0"/>
           </a:p>
         </p:txBody>
       </p:sp>
-      <p:sp>
-        <p:nvSpPr>
-          <p:cNvPr id="3" name="Tijdelijke aanduiding voor inhoud 2"/>
-          <p:cNvSpPr>
-            <a:spLocks noGrp="1"/>
-          </p:cNvSpPr>
+      <p:pic>
+        <p:nvPicPr>
+          <p:cNvPr id="4" name="Tijdelijke aanduiding voor inhoud 3" descr="kmeans6.png"/>
+          <p:cNvPicPr>
+            <a:picLocks noGrp="1" noChangeAspect="1"/>
+          </p:cNvPicPr>
           <p:nvPr>
             <p:ph sz="quarter" idx="1"/>
-          </p:nvPr>
-        </p:nvSpPr>
-        <p:spPr/>
-        <p:txBody>
-          <a:bodyPr>
-            <a:normAutofit/>
-          </a:bodyPr>
-          <a:lstStyle/>
-          <a:p>
-            <a:r>
-              <a:rPr lang="nl-NL" dirty="0" err="1" smtClean="0"/>
-              <a:t>Based</a:t>
-            </a:r>
-            <a:r>
-              <a:rPr lang="nl-NL" dirty="0" smtClean="0"/>
-              <a:t> </a:t>
-            </a:r>
-            <a:r>
-              <a:rPr lang="nl-NL" dirty="0" err="1" smtClean="0"/>
-              <a:t>on</a:t>
-            </a:r>
-            <a:r>
-              <a:rPr lang="nl-NL" dirty="0" smtClean="0"/>
-              <a:t> </a:t>
-            </a:r>
-            <a:r>
-              <a:rPr lang="nl-NL" dirty="0" err="1" smtClean="0"/>
-              <a:t>variations</a:t>
-            </a:r>
-            <a:r>
-              <a:rPr lang="nl-NL" dirty="0" smtClean="0"/>
-              <a:t> of 2 parameters:</a:t>
-            </a:r>
-          </a:p>
-          <a:p>
-            <a:pPr lvl="1">
-              <a:buFont typeface="Courier New" pitchFamily="49" charset="0"/>
-              <a:buChar char="o"/>
-            </a:pPr>
-            <a:r>
-              <a:rPr lang="nl-NL" sz="2600" dirty="0" err="1" smtClean="0"/>
-              <a:t>External</a:t>
-            </a:r>
-            <a:r>
-              <a:rPr lang="nl-NL" sz="2600" dirty="0" smtClean="0"/>
-              <a:t> input (</a:t>
-            </a:r>
-            <a:r>
-              <a:rPr lang="nl-NL" sz="2600" dirty="0" err="1" smtClean="0"/>
-              <a:t>Vext</a:t>
-            </a:r>
-            <a:r>
-              <a:rPr lang="nl-NL" sz="2600" dirty="0" smtClean="0"/>
-              <a:t>)</a:t>
-            </a:r>
-          </a:p>
-          <a:p>
-            <a:pPr lvl="1">
-              <a:buFont typeface="Courier New" pitchFamily="49" charset="0"/>
-              <a:buChar char="o"/>
-            </a:pPr>
-            <a:r>
-              <a:rPr lang="nl-NL" sz="2600" dirty="0" err="1" smtClean="0"/>
-              <a:t>Relative</a:t>
-            </a:r>
-            <a:r>
-              <a:rPr lang="nl-NL" sz="2600" dirty="0" smtClean="0"/>
-              <a:t> </a:t>
-            </a:r>
-            <a:r>
-              <a:rPr lang="nl-NL" sz="2600" dirty="0" err="1" smtClean="0"/>
-              <a:t>strength</a:t>
-            </a:r>
-            <a:r>
-              <a:rPr lang="nl-NL" sz="2600" dirty="0" smtClean="0"/>
-              <a:t> </a:t>
-            </a:r>
-            <a:r>
-              <a:rPr lang="nl-NL" sz="2600" dirty="0" err="1" smtClean="0"/>
-              <a:t>inhibitory</a:t>
-            </a:r>
-            <a:r>
-              <a:rPr lang="nl-NL" sz="2600" dirty="0" smtClean="0"/>
-              <a:t> </a:t>
-            </a:r>
-            <a:r>
-              <a:rPr lang="nl-NL" sz="2600" dirty="0" err="1" smtClean="0"/>
-              <a:t>synapse</a:t>
-            </a:r>
-            <a:r>
-              <a:rPr lang="nl-NL" sz="2600" dirty="0" smtClean="0"/>
-              <a:t> (g)</a:t>
-            </a:r>
-          </a:p>
-          <a:p>
-            <a:endParaRPr lang="nl-NL" dirty="0"/>
-          </a:p>
-        </p:txBody>
-      </p:sp>
-      <p:pic>
-        <p:nvPicPr>
-          <p:cNvPr id="5" name="Picture 2"/>
-          <p:cNvPicPr>
-            <a:picLocks noGrp="1" noChangeAspect="1" noChangeArrowheads="1"/>
-          </p:cNvPicPr>
-          <p:nvPr>
-            <p:ph sz="quarter" idx="2"/>
           </p:nvPr>
         </p:nvPicPr>
         <p:blipFill>
           <a:blip r:embed="rId2" cstate="print"/>
+          <a:srcRect r="51088"/>
           <a:stretch>
             <a:fillRect/>
           </a:stretch>
         </p:blipFill>
-        <p:spPr bwMode="auto">
+        <p:spPr>
           <a:xfrm>
-            <a:off x="4427984" y="1844824"/>
-            <a:ext cx="4543673" cy="3753469"/>
+            <a:off x="1115616" y="1412776"/>
+            <a:ext cx="6480720" cy="5005058"/>
           </a:xfrm>
-          <a:prstGeom prst="rect">
-            <a:avLst/>
-          </a:prstGeom>
-          <a:noFill/>
-          <a:ln w="9525">
-            <a:noFill/>
-            <a:miter lim="800000"/>
-            <a:headEnd/>
-            <a:tailEnd/>
-          </a:ln>
         </p:spPr>
       </p:pic>
     </p:spTree>
@@ -10780,17 +10772,8 @@
               <a:rPr lang="nl-NL" dirty="0" smtClean="0">
                 <a:latin typeface="+mj-lt"/>
               </a:rPr>
-              <a:t> </a:t>
-            </a:r>
-            <a:r>
-              <a:rPr lang="nl-NL" dirty="0" smtClean="0">
-                <a:latin typeface="+mj-lt"/>
-              </a:rPr>
-              <a:t>state</a:t>
-            </a:r>
-            <a:endParaRPr lang="nl-NL" dirty="0" smtClean="0">
-              <a:latin typeface="+mj-lt"/>
-            </a:endParaRPr>
+              <a:t> state</a:t>
+            </a:r>
           </a:p>
         </p:txBody>
       </p:sp>
@@ -13457,15 +13440,7 @@
           <a:p>
             <a:r>
               <a:rPr lang="en-US" sz="3600" dirty="0" smtClean="0"/>
-              <a:t>Can a network model with more biologically </a:t>
-            </a:r>
-            <a:r>
-              <a:rPr lang="en-US" sz="3600" dirty="0" smtClean="0"/>
-              <a:t>realistic synapses </a:t>
-            </a:r>
-            <a:r>
-              <a:rPr lang="en-US" sz="3600" dirty="0" smtClean="0"/>
-              <a:t>reach the same states as the original network with respect to synchrony and regularity. </a:t>
+              <a:t>Can a network model with more biologically realistic synapses reach the same states as the original network with respect to synchrony and regularity. </a:t>
             </a:r>
             <a:endParaRPr lang="nl-NL" sz="3600" dirty="0"/>
           </a:p>
